--- a/Images/Mathematics/Numbers/For Pictures.pptx
+++ b/Images/Mathematics/Numbers/For Pictures.pptx
@@ -6,6 +6,8 @@
   </p:sldMasterIdLst>
   <p:sldIdLst>
     <p:sldId id="256" r:id="rId2"/>
+    <p:sldId id="257" r:id="rId3"/>
+    <p:sldId id="258" r:id="rId4"/>
   </p:sldIdLst>
   <p:sldSz cx="12192000" cy="6858000"/>
   <p:notesSz cx="6858000" cy="9144000"/>
@@ -261,7 +263,7 @@
           <a:p>
             <a:fld id="{EF67844F-E1D2-4E17-99FD-D9E2A8227591}" type="datetimeFigureOut">
               <a:rPr lang="he-IL" smtClean="0"/>
-              <a:t>כ"ח/תשרי/תשפ"ב</a:t>
+              <a:t>ל'/תשרי/תשפ"ב</a:t>
             </a:fld>
             <a:endParaRPr lang="he-IL"/>
           </a:p>
@@ -461,7 +463,7 @@
           <a:p>
             <a:fld id="{EF67844F-E1D2-4E17-99FD-D9E2A8227591}" type="datetimeFigureOut">
               <a:rPr lang="he-IL" smtClean="0"/>
-              <a:t>כ"ח/תשרי/תשפ"ב</a:t>
+              <a:t>ל'/תשרי/תשפ"ב</a:t>
             </a:fld>
             <a:endParaRPr lang="he-IL"/>
           </a:p>
@@ -671,7 +673,7 @@
           <a:p>
             <a:fld id="{EF67844F-E1D2-4E17-99FD-D9E2A8227591}" type="datetimeFigureOut">
               <a:rPr lang="he-IL" smtClean="0"/>
-              <a:t>כ"ח/תשרי/תשפ"ב</a:t>
+              <a:t>ל'/תשרי/תשפ"ב</a:t>
             </a:fld>
             <a:endParaRPr lang="he-IL"/>
           </a:p>
@@ -871,7 +873,7 @@
           <a:p>
             <a:fld id="{EF67844F-E1D2-4E17-99FD-D9E2A8227591}" type="datetimeFigureOut">
               <a:rPr lang="he-IL" smtClean="0"/>
-              <a:t>כ"ח/תשרי/תשפ"ב</a:t>
+              <a:t>ל'/תשרי/תשפ"ב</a:t>
             </a:fld>
             <a:endParaRPr lang="he-IL"/>
           </a:p>
@@ -1147,7 +1149,7 @@
           <a:p>
             <a:fld id="{EF67844F-E1D2-4E17-99FD-D9E2A8227591}" type="datetimeFigureOut">
               <a:rPr lang="he-IL" smtClean="0"/>
-              <a:t>כ"ח/תשרי/תשפ"ב</a:t>
+              <a:t>ל'/תשרי/תשפ"ב</a:t>
             </a:fld>
             <a:endParaRPr lang="he-IL"/>
           </a:p>
@@ -1415,7 +1417,7 @@
           <a:p>
             <a:fld id="{EF67844F-E1D2-4E17-99FD-D9E2A8227591}" type="datetimeFigureOut">
               <a:rPr lang="he-IL" smtClean="0"/>
-              <a:t>כ"ח/תשרי/תשפ"ב</a:t>
+              <a:t>ל'/תשרי/תשפ"ב</a:t>
             </a:fld>
             <a:endParaRPr lang="he-IL"/>
           </a:p>
@@ -1830,7 +1832,7 @@
           <a:p>
             <a:fld id="{EF67844F-E1D2-4E17-99FD-D9E2A8227591}" type="datetimeFigureOut">
               <a:rPr lang="he-IL" smtClean="0"/>
-              <a:t>כ"ח/תשרי/תשפ"ב</a:t>
+              <a:t>ל'/תשרי/תשפ"ב</a:t>
             </a:fld>
             <a:endParaRPr lang="he-IL"/>
           </a:p>
@@ -1972,7 +1974,7 @@
           <a:p>
             <a:fld id="{EF67844F-E1D2-4E17-99FD-D9E2A8227591}" type="datetimeFigureOut">
               <a:rPr lang="he-IL" smtClean="0"/>
-              <a:t>כ"ח/תשרי/תשפ"ב</a:t>
+              <a:t>ל'/תשרי/תשפ"ב</a:t>
             </a:fld>
             <a:endParaRPr lang="he-IL"/>
           </a:p>
@@ -2085,7 +2087,7 @@
           <a:p>
             <a:fld id="{EF67844F-E1D2-4E17-99FD-D9E2A8227591}" type="datetimeFigureOut">
               <a:rPr lang="he-IL" smtClean="0"/>
-              <a:t>כ"ח/תשרי/תשפ"ב</a:t>
+              <a:t>ל'/תשרי/תשפ"ב</a:t>
             </a:fld>
             <a:endParaRPr lang="he-IL"/>
           </a:p>
@@ -2398,7 +2400,7 @@
           <a:p>
             <a:fld id="{EF67844F-E1D2-4E17-99FD-D9E2A8227591}" type="datetimeFigureOut">
               <a:rPr lang="he-IL" smtClean="0"/>
-              <a:t>כ"ח/תשרי/תשפ"ב</a:t>
+              <a:t>ל'/תשרי/תשפ"ב</a:t>
             </a:fld>
             <a:endParaRPr lang="he-IL"/>
           </a:p>
@@ -2687,7 +2689,7 @@
           <a:p>
             <a:fld id="{EF67844F-E1D2-4E17-99FD-D9E2A8227591}" type="datetimeFigureOut">
               <a:rPr lang="he-IL" smtClean="0"/>
-              <a:t>כ"ח/תשרי/תשפ"ב</a:t>
+              <a:t>ל'/תשרי/תשפ"ב</a:t>
             </a:fld>
             <a:endParaRPr lang="he-IL"/>
           </a:p>
@@ -2930,7 +2932,7 @@
           <a:p>
             <a:fld id="{EF67844F-E1D2-4E17-99FD-D9E2A8227591}" type="datetimeFigureOut">
               <a:rPr lang="he-IL" smtClean="0"/>
-              <a:t>כ"ח/תשרי/תשפ"ב</a:t>
+              <a:t>ל'/תשרי/תשפ"ב</a:t>
             </a:fld>
             <a:endParaRPr lang="he-IL"/>
           </a:p>
@@ -3724,6 +3726,764 @@
 </p:sld>
 </file>
 
+<file path=ppt/slides/slide2.xml><?xml version="1.0" encoding="utf-8"?>
+<p:sld xmlns:a="http://schemas.openxmlformats.org/drawingml/2006/main" xmlns:r="http://schemas.openxmlformats.org/officeDocument/2006/relationships" xmlns:p="http://schemas.openxmlformats.org/presentationml/2006/main">
+  <p:cSld>
+    <p:spTree>
+      <p:nvGrpSpPr>
+        <p:cNvPr id="1" name=""/>
+        <p:cNvGrpSpPr/>
+        <p:nvPr/>
+      </p:nvGrpSpPr>
+      <p:grpSpPr>
+        <a:xfrm>
+          <a:off x="0" y="0"/>
+          <a:ext cx="0" cy="0"/>
+          <a:chOff x="0" y="0"/>
+          <a:chExt cx="0" cy="0"/>
+        </a:xfrm>
+      </p:grpSpPr>
+      <p:sp>
+        <p:nvSpPr>
+          <p:cNvPr id="16" name="TextBox 15">
+            <a:extLst>
+              <a:ext uri="{FF2B5EF4-FFF2-40B4-BE49-F238E27FC236}">
+                <a16:creationId xmlns:a16="http://schemas.microsoft.com/office/drawing/2014/main" id="{A77724CA-1F23-43DF-9D42-8934044B19EF}"/>
+              </a:ext>
+            </a:extLst>
+          </p:cNvPr>
+          <p:cNvSpPr txBox="1"/>
+          <p:nvPr/>
+        </p:nvSpPr>
+        <p:spPr>
+          <a:xfrm>
+            <a:off x="723900" y="381000"/>
+            <a:ext cx="10782300" cy="1446550"/>
+          </a:xfrm>
+          <a:prstGeom prst="rect">
+            <a:avLst/>
+          </a:prstGeom>
+          <a:noFill/>
+        </p:spPr>
+        <p:txBody>
+          <a:bodyPr wrap="square" rtlCol="1">
+            <a:spAutoFit/>
+          </a:bodyPr>
+          <a:lstStyle/>
+          <a:p>
+            <a:pPr algn="ctr"/>
+            <a:r>
+              <a:rPr lang="en-US" sz="4400" b="1" i="0" u="none" strike="noStrike" dirty="0">
+                <a:solidFill>
+                  <a:srgbClr val="000000"/>
+                </a:solidFill>
+                <a:effectLst/>
+                <a:latin typeface="Arial" panose="020B0604020202020204" pitchFamily="34" charset="0"/>
+              </a:rPr>
+              <a:t>The number N is a Square Number iff one can arrange N points in a *****</a:t>
+            </a:r>
+            <a:r>
+              <a:rPr lang="en-US" sz="4400" b="1" dirty="0"/>
+              <a:t> </a:t>
+            </a:r>
+            <a:endParaRPr lang="he-IL" sz="4400" b="1" dirty="0"/>
+          </a:p>
+        </p:txBody>
+      </p:sp>
+      <p:pic>
+        <p:nvPicPr>
+          <p:cNvPr id="18" name="Picture 17">
+            <a:extLst>
+              <a:ext uri="{FF2B5EF4-FFF2-40B4-BE49-F238E27FC236}">
+                <a16:creationId xmlns:a16="http://schemas.microsoft.com/office/drawing/2014/main" id="{9E5D1DC7-365B-450B-A483-B7BA834C8600}"/>
+              </a:ext>
+            </a:extLst>
+          </p:cNvPr>
+          <p:cNvPicPr>
+            <a:picLocks noChangeAspect="1"/>
+          </p:cNvPicPr>
+          <p:nvPr/>
+        </p:nvPicPr>
+        <p:blipFill>
+          <a:blip r:embed="rId3"/>
+          <a:stretch>
+            <a:fillRect/>
+          </a:stretch>
+        </p:blipFill>
+        <p:spPr>
+          <a:xfrm>
+            <a:off x="4643437" y="2141219"/>
+            <a:ext cx="3328545" cy="2965431"/>
+          </a:xfrm>
+          <a:prstGeom prst="rect">
+            <a:avLst/>
+          </a:prstGeom>
+        </p:spPr>
+      </p:pic>
+    </p:spTree>
+    <p:extLst>
+      <p:ext uri="{BB962C8B-B14F-4D97-AF65-F5344CB8AC3E}">
+        <p14:creationId xmlns:p14="http://schemas.microsoft.com/office/powerpoint/2010/main" val="46967949"/>
+      </p:ext>
+    </p:extLst>
+  </p:cSld>
+  <p:clrMapOvr>
+    <a:masterClrMapping/>
+  </p:clrMapOvr>
+</p:sld>
+</file>
+
+<file path=ppt/slides/slide3.xml><?xml version="1.0" encoding="utf-8"?>
+<p:sld xmlns:a="http://schemas.openxmlformats.org/drawingml/2006/main" xmlns:r="http://schemas.openxmlformats.org/officeDocument/2006/relationships" xmlns:p="http://schemas.openxmlformats.org/presentationml/2006/main">
+  <p:cSld>
+    <p:spTree>
+      <p:nvGrpSpPr>
+        <p:cNvPr id="1" name=""/>
+        <p:cNvGrpSpPr/>
+        <p:nvPr/>
+      </p:nvGrpSpPr>
+      <p:grpSpPr>
+        <a:xfrm>
+          <a:off x="0" y="0"/>
+          <a:ext cx="0" cy="0"/>
+          <a:chOff x="0" y="0"/>
+          <a:chExt cx="0" cy="0"/>
+        </a:xfrm>
+      </p:grpSpPr>
+      <p:sp>
+        <p:nvSpPr>
+          <p:cNvPr id="16" name="TextBox 15">
+            <a:extLst>
+              <a:ext uri="{FF2B5EF4-FFF2-40B4-BE49-F238E27FC236}">
+                <a16:creationId xmlns:a16="http://schemas.microsoft.com/office/drawing/2014/main" id="{A77724CA-1F23-43DF-9D42-8934044B19EF}"/>
+              </a:ext>
+            </a:extLst>
+          </p:cNvPr>
+          <p:cNvSpPr txBox="1"/>
+          <p:nvPr/>
+        </p:nvSpPr>
+        <p:spPr>
+          <a:xfrm>
+            <a:off x="723900" y="381000"/>
+            <a:ext cx="10782300" cy="646331"/>
+          </a:xfrm>
+          <a:prstGeom prst="rect">
+            <a:avLst/>
+          </a:prstGeom>
+          <a:noFill/>
+        </p:spPr>
+        <p:txBody>
+          <a:bodyPr wrap="square" rtlCol="1">
+            <a:spAutoFit/>
+          </a:bodyPr>
+          <a:lstStyle/>
+          <a:p>
+            <a:pPr algn="ctr"/>
+            <a:r>
+              <a:rPr lang="en-US" sz="3600" b="1" i="0" u="none" strike="noStrike" dirty="0">
+                <a:solidFill>
+                  <a:srgbClr val="000000"/>
+                </a:solidFill>
+                <a:effectLst/>
+                <a:latin typeface="Arial" panose="020B0604020202020204" pitchFamily="34" charset="0"/>
+              </a:rPr>
+              <a:t>Square Number has an ***** number of factors</a:t>
+            </a:r>
+            <a:endParaRPr lang="he-IL" sz="3600" b="1" dirty="0"/>
+          </a:p>
+        </p:txBody>
+      </p:sp>
+      <p:sp>
+        <p:nvSpPr>
+          <p:cNvPr id="2" name="Oval 1">
+            <a:extLst>
+              <a:ext uri="{FF2B5EF4-FFF2-40B4-BE49-F238E27FC236}">
+                <a16:creationId xmlns:a16="http://schemas.microsoft.com/office/drawing/2014/main" id="{774A7B22-90D5-4414-A2EA-E757428CD530}"/>
+              </a:ext>
+            </a:extLst>
+          </p:cNvPr>
+          <p:cNvSpPr/>
+          <p:nvPr/>
+        </p:nvSpPr>
+        <p:spPr>
+          <a:xfrm>
+            <a:off x="5551225" y="1889742"/>
+            <a:ext cx="941033" cy="905522"/>
+          </a:xfrm>
+          <a:prstGeom prst="ellipse">
+            <a:avLst/>
+          </a:prstGeom>
+          <a:solidFill>
+            <a:srgbClr val="001746"/>
+          </a:solidFill>
+          <a:ln>
+            <a:solidFill>
+              <a:schemeClr val="tx1"/>
+            </a:solidFill>
+          </a:ln>
+        </p:spPr>
+        <p:style>
+          <a:lnRef idx="2">
+            <a:schemeClr val="accent1">
+              <a:shade val="50000"/>
+            </a:schemeClr>
+          </a:lnRef>
+          <a:fillRef idx="1">
+            <a:schemeClr val="accent1"/>
+          </a:fillRef>
+          <a:effectRef idx="0">
+            <a:schemeClr val="accent1"/>
+          </a:effectRef>
+          <a:fontRef idx="minor">
+            <a:schemeClr val="lt1"/>
+          </a:fontRef>
+        </p:style>
+        <p:txBody>
+          <a:bodyPr rtlCol="1" anchor="ctr"/>
+          <a:lstStyle/>
+          <a:p>
+            <a:pPr algn="ctr"/>
+            <a:r>
+              <a:rPr lang="en-US" sz="3200" b="1" dirty="0"/>
+              <a:t>16</a:t>
+            </a:r>
+            <a:endParaRPr lang="he-IL" sz="3200" b="1" dirty="0"/>
+          </a:p>
+        </p:txBody>
+      </p:sp>
+      <p:sp>
+        <p:nvSpPr>
+          <p:cNvPr id="5" name="Oval 4">
+            <a:extLst>
+              <a:ext uri="{FF2B5EF4-FFF2-40B4-BE49-F238E27FC236}">
+                <a16:creationId xmlns:a16="http://schemas.microsoft.com/office/drawing/2014/main" id="{19670DF5-7B4F-43D3-A180-7848362DF78C}"/>
+              </a:ext>
+            </a:extLst>
+          </p:cNvPr>
+          <p:cNvSpPr/>
+          <p:nvPr/>
+        </p:nvSpPr>
+        <p:spPr>
+          <a:xfrm>
+            <a:off x="7999150" y="3089892"/>
+            <a:ext cx="941033" cy="905522"/>
+          </a:xfrm>
+          <a:prstGeom prst="ellipse">
+            <a:avLst/>
+          </a:prstGeom>
+          <a:solidFill>
+            <a:schemeClr val="tx1"/>
+          </a:solidFill>
+          <a:ln>
+            <a:solidFill>
+              <a:schemeClr val="tx1"/>
+            </a:solidFill>
+          </a:ln>
+        </p:spPr>
+        <p:style>
+          <a:lnRef idx="2">
+            <a:schemeClr val="accent1">
+              <a:shade val="50000"/>
+            </a:schemeClr>
+          </a:lnRef>
+          <a:fillRef idx="1">
+            <a:schemeClr val="accent1"/>
+          </a:fillRef>
+          <a:effectRef idx="0">
+            <a:schemeClr val="accent1"/>
+          </a:effectRef>
+          <a:fontRef idx="minor">
+            <a:schemeClr val="lt1"/>
+          </a:fontRef>
+        </p:style>
+        <p:txBody>
+          <a:bodyPr rtlCol="1" anchor="ctr"/>
+          <a:lstStyle/>
+          <a:p>
+            <a:pPr algn="ctr"/>
+            <a:r>
+              <a:rPr lang="en-US" sz="3200" b="1" dirty="0"/>
+              <a:t>16</a:t>
+            </a:r>
+            <a:endParaRPr lang="he-IL" sz="3200" b="1" dirty="0"/>
+          </a:p>
+        </p:txBody>
+      </p:sp>
+      <p:sp>
+        <p:nvSpPr>
+          <p:cNvPr id="6" name="Oval 5">
+            <a:extLst>
+              <a:ext uri="{FF2B5EF4-FFF2-40B4-BE49-F238E27FC236}">
+                <a16:creationId xmlns:a16="http://schemas.microsoft.com/office/drawing/2014/main" id="{86C9BF1F-F2AD-4432-88B2-F5B157F4FA69}"/>
+              </a:ext>
+            </a:extLst>
+          </p:cNvPr>
+          <p:cNvSpPr/>
+          <p:nvPr/>
+        </p:nvSpPr>
+        <p:spPr>
+          <a:xfrm>
+            <a:off x="2769925" y="3089892"/>
+            <a:ext cx="941033" cy="905522"/>
+          </a:xfrm>
+          <a:prstGeom prst="ellipse">
+            <a:avLst/>
+          </a:prstGeom>
+          <a:solidFill>
+            <a:schemeClr val="tx1"/>
+          </a:solidFill>
+          <a:ln>
+            <a:solidFill>
+              <a:schemeClr val="tx1"/>
+            </a:solidFill>
+          </a:ln>
+        </p:spPr>
+        <p:style>
+          <a:lnRef idx="2">
+            <a:schemeClr val="accent1">
+              <a:shade val="50000"/>
+            </a:schemeClr>
+          </a:lnRef>
+          <a:fillRef idx="1">
+            <a:schemeClr val="accent1"/>
+          </a:fillRef>
+          <a:effectRef idx="0">
+            <a:schemeClr val="accent1"/>
+          </a:effectRef>
+          <a:fontRef idx="minor">
+            <a:schemeClr val="lt1"/>
+          </a:fontRef>
+        </p:style>
+        <p:txBody>
+          <a:bodyPr rtlCol="1" anchor="ctr"/>
+          <a:lstStyle/>
+          <a:p>
+            <a:pPr algn="ctr"/>
+            <a:r>
+              <a:rPr lang="en-US" sz="3200" b="1" dirty="0"/>
+              <a:t>1</a:t>
+            </a:r>
+            <a:endParaRPr lang="he-IL" sz="3200" b="1" dirty="0"/>
+          </a:p>
+        </p:txBody>
+      </p:sp>
+      <p:sp>
+        <p:nvSpPr>
+          <p:cNvPr id="7" name="Oval 6">
+            <a:extLst>
+              <a:ext uri="{FF2B5EF4-FFF2-40B4-BE49-F238E27FC236}">
+                <a16:creationId xmlns:a16="http://schemas.microsoft.com/office/drawing/2014/main" id="{86A143EA-4C24-4FA5-9117-4C8C2C26A3F6}"/>
+              </a:ext>
+            </a:extLst>
+          </p:cNvPr>
+          <p:cNvSpPr/>
+          <p:nvPr/>
+        </p:nvSpPr>
+        <p:spPr>
+          <a:xfrm>
+            <a:off x="4192851" y="3995414"/>
+            <a:ext cx="941033" cy="905522"/>
+          </a:xfrm>
+          <a:prstGeom prst="ellipse">
+            <a:avLst/>
+          </a:prstGeom>
+          <a:solidFill>
+            <a:schemeClr val="tx1"/>
+          </a:solidFill>
+          <a:ln>
+            <a:solidFill>
+              <a:schemeClr val="tx1"/>
+            </a:solidFill>
+          </a:ln>
+        </p:spPr>
+        <p:style>
+          <a:lnRef idx="2">
+            <a:schemeClr val="accent1">
+              <a:shade val="50000"/>
+            </a:schemeClr>
+          </a:lnRef>
+          <a:fillRef idx="1">
+            <a:schemeClr val="accent1"/>
+          </a:fillRef>
+          <a:effectRef idx="0">
+            <a:schemeClr val="accent1"/>
+          </a:effectRef>
+          <a:fontRef idx="minor">
+            <a:schemeClr val="lt1"/>
+          </a:fontRef>
+        </p:style>
+        <p:txBody>
+          <a:bodyPr rtlCol="1" anchor="ctr"/>
+          <a:lstStyle/>
+          <a:p>
+            <a:pPr algn="ctr"/>
+            <a:r>
+              <a:rPr lang="en-US" sz="3200" b="1" dirty="0"/>
+              <a:t>2</a:t>
+            </a:r>
+            <a:endParaRPr lang="he-IL" sz="3200" b="1" dirty="0"/>
+          </a:p>
+        </p:txBody>
+      </p:sp>
+      <p:sp>
+        <p:nvSpPr>
+          <p:cNvPr id="8" name="Oval 7">
+            <a:extLst>
+              <a:ext uri="{FF2B5EF4-FFF2-40B4-BE49-F238E27FC236}">
+                <a16:creationId xmlns:a16="http://schemas.microsoft.com/office/drawing/2014/main" id="{F997B1E2-E8A0-4F72-8EED-8C775ED93F31}"/>
+              </a:ext>
+            </a:extLst>
+          </p:cNvPr>
+          <p:cNvSpPr/>
+          <p:nvPr/>
+        </p:nvSpPr>
+        <p:spPr>
+          <a:xfrm>
+            <a:off x="6932350" y="3995414"/>
+            <a:ext cx="941033" cy="905522"/>
+          </a:xfrm>
+          <a:prstGeom prst="ellipse">
+            <a:avLst/>
+          </a:prstGeom>
+          <a:solidFill>
+            <a:schemeClr val="tx1"/>
+          </a:solidFill>
+          <a:ln>
+            <a:solidFill>
+              <a:schemeClr val="tx1"/>
+            </a:solidFill>
+          </a:ln>
+        </p:spPr>
+        <p:style>
+          <a:lnRef idx="2">
+            <a:schemeClr val="accent1">
+              <a:shade val="50000"/>
+            </a:schemeClr>
+          </a:lnRef>
+          <a:fillRef idx="1">
+            <a:schemeClr val="accent1"/>
+          </a:fillRef>
+          <a:effectRef idx="0">
+            <a:schemeClr val="accent1"/>
+          </a:effectRef>
+          <a:fontRef idx="minor">
+            <a:schemeClr val="lt1"/>
+          </a:fontRef>
+        </p:style>
+        <p:txBody>
+          <a:bodyPr rtlCol="1" anchor="ctr"/>
+          <a:lstStyle/>
+          <a:p>
+            <a:pPr algn="ctr"/>
+            <a:r>
+              <a:rPr lang="en-US" sz="3200" b="1" dirty="0"/>
+              <a:t>8</a:t>
+            </a:r>
+            <a:endParaRPr lang="he-IL" sz="3200" b="1" dirty="0"/>
+          </a:p>
+        </p:txBody>
+      </p:sp>
+      <p:sp>
+        <p:nvSpPr>
+          <p:cNvPr id="9" name="Oval 8">
+            <a:extLst>
+              <a:ext uri="{FF2B5EF4-FFF2-40B4-BE49-F238E27FC236}">
+                <a16:creationId xmlns:a16="http://schemas.microsoft.com/office/drawing/2014/main" id="{89BF9796-2731-45B1-9593-36B13C9406EB}"/>
+              </a:ext>
+            </a:extLst>
+          </p:cNvPr>
+          <p:cNvSpPr/>
+          <p:nvPr/>
+        </p:nvSpPr>
+        <p:spPr>
+          <a:xfrm>
+            <a:off x="5551224" y="4900936"/>
+            <a:ext cx="941033" cy="905522"/>
+          </a:xfrm>
+          <a:prstGeom prst="ellipse">
+            <a:avLst/>
+          </a:prstGeom>
+          <a:solidFill>
+            <a:srgbClr val="760000"/>
+          </a:solidFill>
+          <a:ln>
+            <a:solidFill>
+              <a:schemeClr val="tx1"/>
+            </a:solidFill>
+          </a:ln>
+        </p:spPr>
+        <p:style>
+          <a:lnRef idx="2">
+            <a:schemeClr val="accent1">
+              <a:shade val="50000"/>
+            </a:schemeClr>
+          </a:lnRef>
+          <a:fillRef idx="1">
+            <a:schemeClr val="accent1"/>
+          </a:fillRef>
+          <a:effectRef idx="0">
+            <a:schemeClr val="accent1"/>
+          </a:effectRef>
+          <a:fontRef idx="minor">
+            <a:schemeClr val="lt1"/>
+          </a:fontRef>
+        </p:style>
+        <p:txBody>
+          <a:bodyPr rtlCol="1" anchor="ctr"/>
+          <a:lstStyle/>
+          <a:p>
+            <a:pPr algn="ctr"/>
+            <a:r>
+              <a:rPr lang="en-US" sz="3200" b="1" dirty="0"/>
+              <a:t>4</a:t>
+            </a:r>
+            <a:endParaRPr lang="he-IL" sz="3200" b="1" dirty="0"/>
+          </a:p>
+        </p:txBody>
+      </p:sp>
+      <p:cxnSp>
+        <p:nvCxnSpPr>
+          <p:cNvPr id="4" name="Straight Arrow Connector 3">
+            <a:extLst>
+              <a:ext uri="{FF2B5EF4-FFF2-40B4-BE49-F238E27FC236}">
+                <a16:creationId xmlns:a16="http://schemas.microsoft.com/office/drawing/2014/main" id="{64680899-F168-4854-BC17-EAD45DD44858}"/>
+              </a:ext>
+            </a:extLst>
+          </p:cNvPr>
+          <p:cNvCxnSpPr>
+            <a:cxnSpLocks/>
+            <a:stCxn id="2" idx="4"/>
+            <a:endCxn id="6" idx="0"/>
+          </p:cNvCxnSpPr>
+          <p:nvPr/>
+        </p:nvCxnSpPr>
+        <p:spPr>
+          <a:xfrm flipH="1">
+            <a:off x="3240442" y="2795264"/>
+            <a:ext cx="2781300" cy="294628"/>
+          </a:xfrm>
+          <a:prstGeom prst="straightConnector1">
+            <a:avLst/>
+          </a:prstGeom>
+          <a:ln w="38100">
+            <a:solidFill>
+              <a:schemeClr val="tx1"/>
+            </a:solidFill>
+            <a:tailEnd type="triangle"/>
+          </a:ln>
+        </p:spPr>
+        <p:style>
+          <a:lnRef idx="1">
+            <a:schemeClr val="accent1"/>
+          </a:lnRef>
+          <a:fillRef idx="0">
+            <a:schemeClr val="accent1"/>
+          </a:fillRef>
+          <a:effectRef idx="0">
+            <a:schemeClr val="accent1"/>
+          </a:effectRef>
+          <a:fontRef idx="minor">
+            <a:schemeClr val="tx1"/>
+          </a:fontRef>
+        </p:style>
+      </p:cxnSp>
+      <p:cxnSp>
+        <p:nvCxnSpPr>
+          <p:cNvPr id="14" name="Straight Arrow Connector 13">
+            <a:extLst>
+              <a:ext uri="{FF2B5EF4-FFF2-40B4-BE49-F238E27FC236}">
+                <a16:creationId xmlns:a16="http://schemas.microsoft.com/office/drawing/2014/main" id="{29375A0F-5AF9-46AB-A74B-98D3B35D6187}"/>
+              </a:ext>
+            </a:extLst>
+          </p:cNvPr>
+          <p:cNvCxnSpPr>
+            <a:cxnSpLocks/>
+            <a:stCxn id="2" idx="4"/>
+            <a:endCxn id="5" idx="0"/>
+          </p:cNvCxnSpPr>
+          <p:nvPr/>
+        </p:nvCxnSpPr>
+        <p:spPr>
+          <a:xfrm>
+            <a:off x="6021742" y="2795264"/>
+            <a:ext cx="2447925" cy="294628"/>
+          </a:xfrm>
+          <a:prstGeom prst="straightConnector1">
+            <a:avLst/>
+          </a:prstGeom>
+          <a:ln w="38100">
+            <a:solidFill>
+              <a:schemeClr val="tx1"/>
+            </a:solidFill>
+            <a:tailEnd type="triangle"/>
+          </a:ln>
+        </p:spPr>
+        <p:style>
+          <a:lnRef idx="1">
+            <a:schemeClr val="accent1"/>
+          </a:lnRef>
+          <a:fillRef idx="0">
+            <a:schemeClr val="accent1"/>
+          </a:fillRef>
+          <a:effectRef idx="0">
+            <a:schemeClr val="accent1"/>
+          </a:effectRef>
+          <a:fontRef idx="minor">
+            <a:schemeClr val="tx1"/>
+          </a:fontRef>
+        </p:style>
+      </p:cxnSp>
+      <p:cxnSp>
+        <p:nvCxnSpPr>
+          <p:cNvPr id="17" name="Straight Arrow Connector 16">
+            <a:extLst>
+              <a:ext uri="{FF2B5EF4-FFF2-40B4-BE49-F238E27FC236}">
+                <a16:creationId xmlns:a16="http://schemas.microsoft.com/office/drawing/2014/main" id="{C7E3D182-666B-46CE-A744-BBB8B70D2B4A}"/>
+              </a:ext>
+            </a:extLst>
+          </p:cNvPr>
+          <p:cNvCxnSpPr>
+            <a:cxnSpLocks/>
+            <a:stCxn id="2" idx="4"/>
+            <a:endCxn id="7" idx="0"/>
+          </p:cNvCxnSpPr>
+          <p:nvPr/>
+        </p:nvCxnSpPr>
+        <p:spPr>
+          <a:xfrm flipH="1">
+            <a:off x="4663368" y="2795264"/>
+            <a:ext cx="1358374" cy="1200150"/>
+          </a:xfrm>
+          <a:prstGeom prst="straightConnector1">
+            <a:avLst/>
+          </a:prstGeom>
+          <a:ln w="38100">
+            <a:solidFill>
+              <a:schemeClr val="tx1"/>
+            </a:solidFill>
+            <a:tailEnd type="triangle"/>
+          </a:ln>
+        </p:spPr>
+        <p:style>
+          <a:lnRef idx="1">
+            <a:schemeClr val="accent1"/>
+          </a:lnRef>
+          <a:fillRef idx="0">
+            <a:schemeClr val="accent1"/>
+          </a:fillRef>
+          <a:effectRef idx="0">
+            <a:schemeClr val="accent1"/>
+          </a:effectRef>
+          <a:fontRef idx="minor">
+            <a:schemeClr val="tx1"/>
+          </a:fontRef>
+        </p:style>
+      </p:cxnSp>
+      <p:cxnSp>
+        <p:nvCxnSpPr>
+          <p:cNvPr id="20" name="Straight Arrow Connector 19">
+            <a:extLst>
+              <a:ext uri="{FF2B5EF4-FFF2-40B4-BE49-F238E27FC236}">
+                <a16:creationId xmlns:a16="http://schemas.microsoft.com/office/drawing/2014/main" id="{264F0892-78B0-4718-9D01-222CA05A5790}"/>
+              </a:ext>
+            </a:extLst>
+          </p:cNvPr>
+          <p:cNvCxnSpPr>
+            <a:cxnSpLocks/>
+            <a:stCxn id="2" idx="4"/>
+            <a:endCxn id="8" idx="0"/>
+          </p:cNvCxnSpPr>
+          <p:nvPr/>
+        </p:nvCxnSpPr>
+        <p:spPr>
+          <a:xfrm>
+            <a:off x="6021742" y="2795264"/>
+            <a:ext cx="1381125" cy="1200150"/>
+          </a:xfrm>
+          <a:prstGeom prst="straightConnector1">
+            <a:avLst/>
+          </a:prstGeom>
+          <a:ln w="38100">
+            <a:solidFill>
+              <a:schemeClr val="tx1"/>
+            </a:solidFill>
+            <a:tailEnd type="triangle"/>
+          </a:ln>
+        </p:spPr>
+        <p:style>
+          <a:lnRef idx="1">
+            <a:schemeClr val="accent1"/>
+          </a:lnRef>
+          <a:fillRef idx="0">
+            <a:schemeClr val="accent1"/>
+          </a:fillRef>
+          <a:effectRef idx="0">
+            <a:schemeClr val="accent1"/>
+          </a:effectRef>
+          <a:fontRef idx="minor">
+            <a:schemeClr val="tx1"/>
+          </a:fontRef>
+        </p:style>
+      </p:cxnSp>
+      <p:cxnSp>
+        <p:nvCxnSpPr>
+          <p:cNvPr id="23" name="Straight Arrow Connector 22">
+            <a:extLst>
+              <a:ext uri="{FF2B5EF4-FFF2-40B4-BE49-F238E27FC236}">
+                <a16:creationId xmlns:a16="http://schemas.microsoft.com/office/drawing/2014/main" id="{5CABD461-8478-4CEB-9429-63E1024E71AA}"/>
+              </a:ext>
+            </a:extLst>
+          </p:cNvPr>
+          <p:cNvCxnSpPr>
+            <a:cxnSpLocks/>
+            <a:stCxn id="2" idx="4"/>
+            <a:endCxn id="9" idx="0"/>
+          </p:cNvCxnSpPr>
+          <p:nvPr/>
+        </p:nvCxnSpPr>
+        <p:spPr>
+          <a:xfrm flipH="1">
+            <a:off x="6021741" y="2795264"/>
+            <a:ext cx="1" cy="2105672"/>
+          </a:xfrm>
+          <a:prstGeom prst="straightConnector1">
+            <a:avLst/>
+          </a:prstGeom>
+          <a:ln w="38100">
+            <a:solidFill>
+              <a:schemeClr val="tx1"/>
+            </a:solidFill>
+            <a:tailEnd type="triangle"/>
+          </a:ln>
+        </p:spPr>
+        <p:style>
+          <a:lnRef idx="1">
+            <a:schemeClr val="accent1"/>
+          </a:lnRef>
+          <a:fillRef idx="0">
+            <a:schemeClr val="accent1"/>
+          </a:fillRef>
+          <a:effectRef idx="0">
+            <a:schemeClr val="accent1"/>
+          </a:effectRef>
+          <a:fontRef idx="minor">
+            <a:schemeClr val="tx1"/>
+          </a:fontRef>
+        </p:style>
+      </p:cxnSp>
+    </p:spTree>
+    <p:extLst>
+      <p:ext uri="{BB962C8B-B14F-4D97-AF65-F5344CB8AC3E}">
+        <p14:creationId xmlns:p14="http://schemas.microsoft.com/office/powerpoint/2010/main" val="3206639840"/>
+      </p:ext>
+    </p:extLst>
+  </p:cSld>
+  <p:clrMapOvr>
+    <a:masterClrMapping/>
+  </p:clrMapOvr>
+</p:sld>
+</file>
+
 <file path=ppt/theme/theme1.xml><?xml version="1.0" encoding="utf-8"?>
 <a:theme xmlns:a="http://schemas.openxmlformats.org/drawingml/2006/main" name="Office Theme">
   <a:themeElements>

--- a/Images/Mathematics/Numbers/For Pictures.pptx
+++ b/Images/Mathematics/Numbers/For Pictures.pptx
@@ -8,6 +8,8 @@
     <p:sldId id="256" r:id="rId2"/>
     <p:sldId id="257" r:id="rId3"/>
     <p:sldId id="258" r:id="rId4"/>
+    <p:sldId id="259" r:id="rId5"/>
+    <p:sldId id="260" r:id="rId6"/>
   </p:sldIdLst>
   <p:sldSz cx="12192000" cy="6858000"/>
   <p:notesSz cx="6858000" cy="9144000"/>
@@ -263,7 +265,7 @@
           <a:p>
             <a:fld id="{EF67844F-E1D2-4E17-99FD-D9E2A8227591}" type="datetimeFigureOut">
               <a:rPr lang="he-IL" smtClean="0"/>
-              <a:t>ל'/תשרי/תשפ"ב</a:t>
+              <a:t>א'/חשון/תשפ"ב</a:t>
             </a:fld>
             <a:endParaRPr lang="he-IL"/>
           </a:p>
@@ -463,7 +465,7 @@
           <a:p>
             <a:fld id="{EF67844F-E1D2-4E17-99FD-D9E2A8227591}" type="datetimeFigureOut">
               <a:rPr lang="he-IL" smtClean="0"/>
-              <a:t>ל'/תשרי/תשפ"ב</a:t>
+              <a:t>א'/חשון/תשפ"ב</a:t>
             </a:fld>
             <a:endParaRPr lang="he-IL"/>
           </a:p>
@@ -673,7 +675,7 @@
           <a:p>
             <a:fld id="{EF67844F-E1D2-4E17-99FD-D9E2A8227591}" type="datetimeFigureOut">
               <a:rPr lang="he-IL" smtClean="0"/>
-              <a:t>ל'/תשרי/תשפ"ב</a:t>
+              <a:t>א'/חשון/תשפ"ב</a:t>
             </a:fld>
             <a:endParaRPr lang="he-IL"/>
           </a:p>
@@ -873,7 +875,7 @@
           <a:p>
             <a:fld id="{EF67844F-E1D2-4E17-99FD-D9E2A8227591}" type="datetimeFigureOut">
               <a:rPr lang="he-IL" smtClean="0"/>
-              <a:t>ל'/תשרי/תשפ"ב</a:t>
+              <a:t>א'/חשון/תשפ"ב</a:t>
             </a:fld>
             <a:endParaRPr lang="he-IL"/>
           </a:p>
@@ -1149,7 +1151,7 @@
           <a:p>
             <a:fld id="{EF67844F-E1D2-4E17-99FD-D9E2A8227591}" type="datetimeFigureOut">
               <a:rPr lang="he-IL" smtClean="0"/>
-              <a:t>ל'/תשרי/תשפ"ב</a:t>
+              <a:t>א'/חשון/תשפ"ב</a:t>
             </a:fld>
             <a:endParaRPr lang="he-IL"/>
           </a:p>
@@ -1417,7 +1419,7 @@
           <a:p>
             <a:fld id="{EF67844F-E1D2-4E17-99FD-D9E2A8227591}" type="datetimeFigureOut">
               <a:rPr lang="he-IL" smtClean="0"/>
-              <a:t>ל'/תשרי/תשפ"ב</a:t>
+              <a:t>א'/חשון/תשפ"ב</a:t>
             </a:fld>
             <a:endParaRPr lang="he-IL"/>
           </a:p>
@@ -1832,7 +1834,7 @@
           <a:p>
             <a:fld id="{EF67844F-E1D2-4E17-99FD-D9E2A8227591}" type="datetimeFigureOut">
               <a:rPr lang="he-IL" smtClean="0"/>
-              <a:t>ל'/תשרי/תשפ"ב</a:t>
+              <a:t>א'/חשון/תשפ"ב</a:t>
             </a:fld>
             <a:endParaRPr lang="he-IL"/>
           </a:p>
@@ -1974,7 +1976,7 @@
           <a:p>
             <a:fld id="{EF67844F-E1D2-4E17-99FD-D9E2A8227591}" type="datetimeFigureOut">
               <a:rPr lang="he-IL" smtClean="0"/>
-              <a:t>ל'/תשרי/תשפ"ב</a:t>
+              <a:t>א'/חשון/תשפ"ב</a:t>
             </a:fld>
             <a:endParaRPr lang="he-IL"/>
           </a:p>
@@ -2087,7 +2089,7 @@
           <a:p>
             <a:fld id="{EF67844F-E1D2-4E17-99FD-D9E2A8227591}" type="datetimeFigureOut">
               <a:rPr lang="he-IL" smtClean="0"/>
-              <a:t>ל'/תשרי/תשפ"ב</a:t>
+              <a:t>א'/חשון/תשפ"ב</a:t>
             </a:fld>
             <a:endParaRPr lang="he-IL"/>
           </a:p>
@@ -2400,7 +2402,7 @@
           <a:p>
             <a:fld id="{EF67844F-E1D2-4E17-99FD-D9E2A8227591}" type="datetimeFigureOut">
               <a:rPr lang="he-IL" smtClean="0"/>
-              <a:t>ל'/תשרי/תשפ"ב</a:t>
+              <a:t>א'/חשון/תשפ"ב</a:t>
             </a:fld>
             <a:endParaRPr lang="he-IL"/>
           </a:p>
@@ -2689,7 +2691,7 @@
           <a:p>
             <a:fld id="{EF67844F-E1D2-4E17-99FD-D9E2A8227591}" type="datetimeFigureOut">
               <a:rPr lang="he-IL" smtClean="0"/>
-              <a:t>ל'/תשרי/תשפ"ב</a:t>
+              <a:t>א'/חשון/תשפ"ב</a:t>
             </a:fld>
             <a:endParaRPr lang="he-IL"/>
           </a:p>
@@ -2932,7 +2934,7 @@
           <a:p>
             <a:fld id="{EF67844F-E1D2-4E17-99FD-D9E2A8227591}" type="datetimeFigureOut">
               <a:rPr lang="he-IL" smtClean="0"/>
-              <a:t>ל'/תשרי/תשפ"ב</a:t>
+              <a:t>א'/חשון/תשפ"ב</a:t>
             </a:fld>
             <a:endParaRPr lang="he-IL"/>
           </a:p>
@@ -3805,7 +3807,7 @@
           <p:nvPr/>
         </p:nvPicPr>
         <p:blipFill>
-          <a:blip r:embed="rId3"/>
+          <a:blip r:embed="rId2"/>
           <a:stretch>
             <a:fillRect/>
           </a:stretch>
@@ -4475,6 +4477,2052 @@
     <p:extLst>
       <p:ext uri="{BB962C8B-B14F-4D97-AF65-F5344CB8AC3E}">
         <p14:creationId xmlns:p14="http://schemas.microsoft.com/office/powerpoint/2010/main" val="3206639840"/>
+      </p:ext>
+    </p:extLst>
+  </p:cSld>
+  <p:clrMapOvr>
+    <a:masterClrMapping/>
+  </p:clrMapOvr>
+</p:sld>
+</file>
+
+<file path=ppt/slides/slide4.xml><?xml version="1.0" encoding="utf-8"?>
+<p:sld xmlns:a="http://schemas.openxmlformats.org/drawingml/2006/main" xmlns:r="http://schemas.openxmlformats.org/officeDocument/2006/relationships" xmlns:p="http://schemas.openxmlformats.org/presentationml/2006/main">
+  <p:cSld>
+    <p:spTree>
+      <p:nvGrpSpPr>
+        <p:cNvPr id="1" name=""/>
+        <p:cNvGrpSpPr/>
+        <p:nvPr/>
+      </p:nvGrpSpPr>
+      <p:grpSpPr>
+        <a:xfrm>
+          <a:off x="0" y="0"/>
+          <a:ext cx="0" cy="0"/>
+          <a:chOff x="0" y="0"/>
+          <a:chExt cx="0" cy="0"/>
+        </a:xfrm>
+      </p:grpSpPr>
+      <p:sp>
+        <p:nvSpPr>
+          <p:cNvPr id="16" name="TextBox 15">
+            <a:extLst>
+              <a:ext uri="{FF2B5EF4-FFF2-40B4-BE49-F238E27FC236}">
+                <a16:creationId xmlns:a16="http://schemas.microsoft.com/office/drawing/2014/main" id="{A77724CA-1F23-43DF-9D42-8934044B19EF}"/>
+              </a:ext>
+            </a:extLst>
+          </p:cNvPr>
+          <p:cNvSpPr txBox="1"/>
+          <p:nvPr/>
+        </p:nvSpPr>
+        <p:spPr>
+          <a:xfrm>
+            <a:off x="723900" y="381000"/>
+            <a:ext cx="10782300" cy="1200329"/>
+          </a:xfrm>
+          <a:prstGeom prst="rect">
+            <a:avLst/>
+          </a:prstGeom>
+          <a:noFill/>
+        </p:spPr>
+        <p:txBody>
+          <a:bodyPr wrap="square" rtlCol="1">
+            <a:spAutoFit/>
+          </a:bodyPr>
+          <a:lstStyle/>
+          <a:p>
+            <a:pPr algn="ctr"/>
+            <a:r>
+              <a:rPr lang="en-US" sz="3600" b="1" i="0" u="none" strike="noStrike" dirty="0">
+                <a:solidFill>
+                  <a:srgbClr val="000000"/>
+                </a:solidFill>
+                <a:effectLst/>
+                <a:latin typeface="Arial" panose="020B0604020202020204" pitchFamily="34" charset="0"/>
+              </a:rPr>
+              <a:t>Number Line is a s***** line that serves as abstraction for real numbers</a:t>
+            </a:r>
+          </a:p>
+        </p:txBody>
+      </p:sp>
+      <p:cxnSp>
+        <p:nvCxnSpPr>
+          <p:cNvPr id="12" name="Straight Arrow Connector 11">
+            <a:extLst>
+              <a:ext uri="{FF2B5EF4-FFF2-40B4-BE49-F238E27FC236}">
+                <a16:creationId xmlns:a16="http://schemas.microsoft.com/office/drawing/2014/main" id="{CB8BD016-4B95-434C-AE37-83627AE2B966}"/>
+              </a:ext>
+            </a:extLst>
+          </p:cNvPr>
+          <p:cNvCxnSpPr>
+            <a:cxnSpLocks/>
+          </p:cNvCxnSpPr>
+          <p:nvPr/>
+        </p:nvCxnSpPr>
+        <p:spPr>
+          <a:xfrm>
+            <a:off x="2200274" y="3476625"/>
+            <a:ext cx="8486775" cy="1"/>
+          </a:xfrm>
+          <a:prstGeom prst="straightConnector1">
+            <a:avLst/>
+          </a:prstGeom>
+          <a:ln w="63500">
+            <a:solidFill>
+              <a:schemeClr val="tx1"/>
+            </a:solidFill>
+            <a:tailEnd type="triangle"/>
+          </a:ln>
+        </p:spPr>
+        <p:style>
+          <a:lnRef idx="1">
+            <a:schemeClr val="accent1"/>
+          </a:lnRef>
+          <a:fillRef idx="0">
+            <a:schemeClr val="accent1"/>
+          </a:fillRef>
+          <a:effectRef idx="0">
+            <a:schemeClr val="accent1"/>
+          </a:effectRef>
+          <a:fontRef idx="minor">
+            <a:schemeClr val="tx1"/>
+          </a:fontRef>
+        </p:style>
+      </p:cxnSp>
+      <p:cxnSp>
+        <p:nvCxnSpPr>
+          <p:cNvPr id="15" name="Straight Connector 14">
+            <a:extLst>
+              <a:ext uri="{FF2B5EF4-FFF2-40B4-BE49-F238E27FC236}">
+                <a16:creationId xmlns:a16="http://schemas.microsoft.com/office/drawing/2014/main" id="{373D4519-D224-4427-B45C-82FB940AF16C}"/>
+              </a:ext>
+            </a:extLst>
+          </p:cNvPr>
+          <p:cNvCxnSpPr/>
+          <p:nvPr/>
+        </p:nvCxnSpPr>
+        <p:spPr>
+          <a:xfrm>
+            <a:off x="6000750" y="3210110"/>
+            <a:ext cx="0" cy="514350"/>
+          </a:xfrm>
+          <a:prstGeom prst="line">
+            <a:avLst/>
+          </a:prstGeom>
+          <a:ln w="63500">
+            <a:solidFill>
+              <a:schemeClr val="tx1"/>
+            </a:solidFill>
+          </a:ln>
+        </p:spPr>
+        <p:style>
+          <a:lnRef idx="1">
+            <a:schemeClr val="accent1"/>
+          </a:lnRef>
+          <a:fillRef idx="0">
+            <a:schemeClr val="accent1"/>
+          </a:fillRef>
+          <a:effectRef idx="0">
+            <a:schemeClr val="accent1"/>
+          </a:effectRef>
+          <a:fontRef idx="minor">
+            <a:schemeClr val="tx1"/>
+          </a:fontRef>
+        </p:style>
+      </p:cxnSp>
+      <p:cxnSp>
+        <p:nvCxnSpPr>
+          <p:cNvPr id="21" name="Straight Connector 20">
+            <a:extLst>
+              <a:ext uri="{FF2B5EF4-FFF2-40B4-BE49-F238E27FC236}">
+                <a16:creationId xmlns:a16="http://schemas.microsoft.com/office/drawing/2014/main" id="{6368285C-A839-4A69-B491-5375529616D1}"/>
+              </a:ext>
+            </a:extLst>
+          </p:cNvPr>
+          <p:cNvCxnSpPr/>
+          <p:nvPr/>
+        </p:nvCxnSpPr>
+        <p:spPr>
+          <a:xfrm>
+            <a:off x="6915150" y="3210110"/>
+            <a:ext cx="0" cy="514350"/>
+          </a:xfrm>
+          <a:prstGeom prst="line">
+            <a:avLst/>
+          </a:prstGeom>
+          <a:ln w="63500">
+            <a:solidFill>
+              <a:srgbClr val="C00000"/>
+            </a:solidFill>
+          </a:ln>
+        </p:spPr>
+        <p:style>
+          <a:lnRef idx="1">
+            <a:schemeClr val="accent1"/>
+          </a:lnRef>
+          <a:fillRef idx="0">
+            <a:schemeClr val="accent1"/>
+          </a:fillRef>
+          <a:effectRef idx="0">
+            <a:schemeClr val="accent1"/>
+          </a:effectRef>
+          <a:fontRef idx="minor">
+            <a:schemeClr val="tx1"/>
+          </a:fontRef>
+        </p:style>
+      </p:cxnSp>
+      <p:cxnSp>
+        <p:nvCxnSpPr>
+          <p:cNvPr id="22" name="Straight Connector 21">
+            <a:extLst>
+              <a:ext uri="{FF2B5EF4-FFF2-40B4-BE49-F238E27FC236}">
+                <a16:creationId xmlns:a16="http://schemas.microsoft.com/office/drawing/2014/main" id="{B5F464D8-D90E-4E66-8D41-ECA8F4BEC947}"/>
+              </a:ext>
+            </a:extLst>
+          </p:cNvPr>
+          <p:cNvCxnSpPr/>
+          <p:nvPr/>
+        </p:nvCxnSpPr>
+        <p:spPr>
+          <a:xfrm>
+            <a:off x="7829550" y="3219635"/>
+            <a:ext cx="0" cy="514350"/>
+          </a:xfrm>
+          <a:prstGeom prst="line">
+            <a:avLst/>
+          </a:prstGeom>
+          <a:ln w="63500">
+            <a:solidFill>
+              <a:srgbClr val="C00000"/>
+            </a:solidFill>
+          </a:ln>
+        </p:spPr>
+        <p:style>
+          <a:lnRef idx="1">
+            <a:schemeClr val="accent1"/>
+          </a:lnRef>
+          <a:fillRef idx="0">
+            <a:schemeClr val="accent1"/>
+          </a:fillRef>
+          <a:effectRef idx="0">
+            <a:schemeClr val="accent1"/>
+          </a:effectRef>
+          <a:fontRef idx="minor">
+            <a:schemeClr val="tx1"/>
+          </a:fontRef>
+        </p:style>
+      </p:cxnSp>
+      <p:cxnSp>
+        <p:nvCxnSpPr>
+          <p:cNvPr id="24" name="Straight Connector 23">
+            <a:extLst>
+              <a:ext uri="{FF2B5EF4-FFF2-40B4-BE49-F238E27FC236}">
+                <a16:creationId xmlns:a16="http://schemas.microsoft.com/office/drawing/2014/main" id="{861C12C0-2510-446D-87C8-BFF21D501777}"/>
+              </a:ext>
+            </a:extLst>
+          </p:cNvPr>
+          <p:cNvCxnSpPr/>
+          <p:nvPr/>
+        </p:nvCxnSpPr>
+        <p:spPr>
+          <a:xfrm>
+            <a:off x="5076825" y="3200400"/>
+            <a:ext cx="0" cy="514350"/>
+          </a:xfrm>
+          <a:prstGeom prst="line">
+            <a:avLst/>
+          </a:prstGeom>
+          <a:ln w="63500">
+            <a:solidFill>
+              <a:schemeClr val="accent6">
+                <a:lumMod val="75000"/>
+              </a:schemeClr>
+            </a:solidFill>
+          </a:ln>
+        </p:spPr>
+        <p:style>
+          <a:lnRef idx="1">
+            <a:schemeClr val="accent1"/>
+          </a:lnRef>
+          <a:fillRef idx="0">
+            <a:schemeClr val="accent1"/>
+          </a:fillRef>
+          <a:effectRef idx="0">
+            <a:schemeClr val="accent1"/>
+          </a:effectRef>
+          <a:fontRef idx="minor">
+            <a:schemeClr val="tx1"/>
+          </a:fontRef>
+        </p:style>
+      </p:cxnSp>
+      <p:cxnSp>
+        <p:nvCxnSpPr>
+          <p:cNvPr id="25" name="Straight Connector 24">
+            <a:extLst>
+              <a:ext uri="{FF2B5EF4-FFF2-40B4-BE49-F238E27FC236}">
+                <a16:creationId xmlns:a16="http://schemas.microsoft.com/office/drawing/2014/main" id="{1D61C17E-CA07-43AE-8C2F-73079E15C063}"/>
+              </a:ext>
+            </a:extLst>
+          </p:cNvPr>
+          <p:cNvCxnSpPr/>
+          <p:nvPr/>
+        </p:nvCxnSpPr>
+        <p:spPr>
+          <a:xfrm>
+            <a:off x="8753475" y="3210110"/>
+            <a:ext cx="0" cy="514350"/>
+          </a:xfrm>
+          <a:prstGeom prst="line">
+            <a:avLst/>
+          </a:prstGeom>
+          <a:ln w="63500">
+            <a:solidFill>
+              <a:srgbClr val="C00000"/>
+            </a:solidFill>
+          </a:ln>
+        </p:spPr>
+        <p:style>
+          <a:lnRef idx="1">
+            <a:schemeClr val="accent1"/>
+          </a:lnRef>
+          <a:fillRef idx="0">
+            <a:schemeClr val="accent1"/>
+          </a:fillRef>
+          <a:effectRef idx="0">
+            <a:schemeClr val="accent1"/>
+          </a:effectRef>
+          <a:fontRef idx="minor">
+            <a:schemeClr val="tx1"/>
+          </a:fontRef>
+        </p:style>
+      </p:cxnSp>
+      <p:cxnSp>
+        <p:nvCxnSpPr>
+          <p:cNvPr id="26" name="Straight Connector 25">
+            <a:extLst>
+              <a:ext uri="{FF2B5EF4-FFF2-40B4-BE49-F238E27FC236}">
+                <a16:creationId xmlns:a16="http://schemas.microsoft.com/office/drawing/2014/main" id="{A1247595-F05A-4372-96BB-4CB3D86AE020}"/>
+              </a:ext>
+            </a:extLst>
+          </p:cNvPr>
+          <p:cNvCxnSpPr/>
+          <p:nvPr/>
+        </p:nvCxnSpPr>
+        <p:spPr>
+          <a:xfrm>
+            <a:off x="9667875" y="3219635"/>
+            <a:ext cx="0" cy="514350"/>
+          </a:xfrm>
+          <a:prstGeom prst="line">
+            <a:avLst/>
+          </a:prstGeom>
+          <a:ln w="63500">
+            <a:solidFill>
+              <a:srgbClr val="C00000"/>
+            </a:solidFill>
+          </a:ln>
+        </p:spPr>
+        <p:style>
+          <a:lnRef idx="1">
+            <a:schemeClr val="accent1"/>
+          </a:lnRef>
+          <a:fillRef idx="0">
+            <a:schemeClr val="accent1"/>
+          </a:fillRef>
+          <a:effectRef idx="0">
+            <a:schemeClr val="accent1"/>
+          </a:effectRef>
+          <a:fontRef idx="minor">
+            <a:schemeClr val="tx1"/>
+          </a:fontRef>
+        </p:style>
+      </p:cxnSp>
+      <p:cxnSp>
+        <p:nvCxnSpPr>
+          <p:cNvPr id="27" name="Straight Connector 26">
+            <a:extLst>
+              <a:ext uri="{FF2B5EF4-FFF2-40B4-BE49-F238E27FC236}">
+                <a16:creationId xmlns:a16="http://schemas.microsoft.com/office/drawing/2014/main" id="{12E4384B-75B4-4414-B6A8-6658F97AB21D}"/>
+              </a:ext>
+            </a:extLst>
+          </p:cNvPr>
+          <p:cNvCxnSpPr/>
+          <p:nvPr/>
+        </p:nvCxnSpPr>
+        <p:spPr>
+          <a:xfrm>
+            <a:off x="3257550" y="3219635"/>
+            <a:ext cx="0" cy="514350"/>
+          </a:xfrm>
+          <a:prstGeom prst="line">
+            <a:avLst/>
+          </a:prstGeom>
+          <a:ln w="63500">
+            <a:solidFill>
+              <a:schemeClr val="accent6">
+                <a:lumMod val="75000"/>
+              </a:schemeClr>
+            </a:solidFill>
+          </a:ln>
+        </p:spPr>
+        <p:style>
+          <a:lnRef idx="1">
+            <a:schemeClr val="accent1"/>
+          </a:lnRef>
+          <a:fillRef idx="0">
+            <a:schemeClr val="accent1"/>
+          </a:fillRef>
+          <a:effectRef idx="0">
+            <a:schemeClr val="accent1"/>
+          </a:effectRef>
+          <a:fontRef idx="minor">
+            <a:schemeClr val="tx1"/>
+          </a:fontRef>
+        </p:style>
+      </p:cxnSp>
+      <p:cxnSp>
+        <p:nvCxnSpPr>
+          <p:cNvPr id="28" name="Straight Connector 27">
+            <a:extLst>
+              <a:ext uri="{FF2B5EF4-FFF2-40B4-BE49-F238E27FC236}">
+                <a16:creationId xmlns:a16="http://schemas.microsoft.com/office/drawing/2014/main" id="{B87099A7-0747-4EA3-8023-954489F8DA4B}"/>
+              </a:ext>
+            </a:extLst>
+          </p:cNvPr>
+          <p:cNvCxnSpPr/>
+          <p:nvPr/>
+        </p:nvCxnSpPr>
+        <p:spPr>
+          <a:xfrm>
+            <a:off x="4171950" y="3219635"/>
+            <a:ext cx="0" cy="514350"/>
+          </a:xfrm>
+          <a:prstGeom prst="line">
+            <a:avLst/>
+          </a:prstGeom>
+          <a:ln w="63500">
+            <a:solidFill>
+              <a:schemeClr val="accent6">
+                <a:lumMod val="75000"/>
+              </a:schemeClr>
+            </a:solidFill>
+          </a:ln>
+        </p:spPr>
+        <p:style>
+          <a:lnRef idx="1">
+            <a:schemeClr val="accent1"/>
+          </a:lnRef>
+          <a:fillRef idx="0">
+            <a:schemeClr val="accent1"/>
+          </a:fillRef>
+          <a:effectRef idx="0">
+            <a:schemeClr val="accent1"/>
+          </a:effectRef>
+          <a:fontRef idx="minor">
+            <a:schemeClr val="tx1"/>
+          </a:fontRef>
+        </p:style>
+      </p:cxnSp>
+      <p:cxnSp>
+        <p:nvCxnSpPr>
+          <p:cNvPr id="29" name="Straight Connector 28">
+            <a:extLst>
+              <a:ext uri="{FF2B5EF4-FFF2-40B4-BE49-F238E27FC236}">
+                <a16:creationId xmlns:a16="http://schemas.microsoft.com/office/drawing/2014/main" id="{47FD5C80-D4BC-494E-BAC4-8E263611D22D}"/>
+              </a:ext>
+            </a:extLst>
+          </p:cNvPr>
+          <p:cNvCxnSpPr/>
+          <p:nvPr/>
+        </p:nvCxnSpPr>
+        <p:spPr>
+          <a:xfrm>
+            <a:off x="2333625" y="3209925"/>
+            <a:ext cx="0" cy="514350"/>
+          </a:xfrm>
+          <a:prstGeom prst="line">
+            <a:avLst/>
+          </a:prstGeom>
+          <a:ln w="63500">
+            <a:solidFill>
+              <a:schemeClr val="accent6">
+                <a:lumMod val="75000"/>
+              </a:schemeClr>
+            </a:solidFill>
+          </a:ln>
+        </p:spPr>
+        <p:style>
+          <a:lnRef idx="1">
+            <a:schemeClr val="accent1"/>
+          </a:lnRef>
+          <a:fillRef idx="0">
+            <a:schemeClr val="accent1"/>
+          </a:fillRef>
+          <a:effectRef idx="0">
+            <a:schemeClr val="accent1"/>
+          </a:effectRef>
+          <a:fontRef idx="minor">
+            <a:schemeClr val="tx1"/>
+          </a:fontRef>
+        </p:style>
+      </p:cxnSp>
+      <p:sp>
+        <p:nvSpPr>
+          <p:cNvPr id="30" name="TextBox 29">
+            <a:extLst>
+              <a:ext uri="{FF2B5EF4-FFF2-40B4-BE49-F238E27FC236}">
+                <a16:creationId xmlns:a16="http://schemas.microsoft.com/office/drawing/2014/main" id="{179B87DA-0621-4A0E-A6BB-1E502D34EDB4}"/>
+              </a:ext>
+            </a:extLst>
+          </p:cNvPr>
+          <p:cNvSpPr txBox="1"/>
+          <p:nvPr/>
+        </p:nvSpPr>
+        <p:spPr>
+          <a:xfrm>
+            <a:off x="5607844" y="3752851"/>
+            <a:ext cx="804862" cy="523220"/>
+          </a:xfrm>
+          <a:prstGeom prst="rect">
+            <a:avLst/>
+          </a:prstGeom>
+          <a:noFill/>
+        </p:spPr>
+        <p:txBody>
+          <a:bodyPr wrap="square" rtlCol="1">
+            <a:spAutoFit/>
+          </a:bodyPr>
+          <a:lstStyle/>
+          <a:p>
+            <a:pPr algn="ctr"/>
+            <a:r>
+              <a:rPr lang="en-US" sz="2800" b="1" dirty="0"/>
+              <a:t>0</a:t>
+            </a:r>
+            <a:endParaRPr lang="he-IL" sz="2800" b="1" dirty="0"/>
+          </a:p>
+        </p:txBody>
+      </p:sp>
+      <p:sp>
+        <p:nvSpPr>
+          <p:cNvPr id="31" name="TextBox 30">
+            <a:extLst>
+              <a:ext uri="{FF2B5EF4-FFF2-40B4-BE49-F238E27FC236}">
+                <a16:creationId xmlns:a16="http://schemas.microsoft.com/office/drawing/2014/main" id="{9803BC63-B0A6-4BA0-95C6-C8096D3B7A56}"/>
+              </a:ext>
+            </a:extLst>
+          </p:cNvPr>
+          <p:cNvSpPr txBox="1"/>
+          <p:nvPr/>
+        </p:nvSpPr>
+        <p:spPr>
+          <a:xfrm>
+            <a:off x="6522244" y="3752851"/>
+            <a:ext cx="804862" cy="523220"/>
+          </a:xfrm>
+          <a:prstGeom prst="rect">
+            <a:avLst/>
+          </a:prstGeom>
+          <a:noFill/>
+        </p:spPr>
+        <p:txBody>
+          <a:bodyPr wrap="square" rtlCol="1">
+            <a:spAutoFit/>
+          </a:bodyPr>
+          <a:lstStyle/>
+          <a:p>
+            <a:pPr algn="ctr"/>
+            <a:r>
+              <a:rPr lang="en-US" sz="2800" b="1" dirty="0">
+                <a:solidFill>
+                  <a:srgbClr val="C00000"/>
+                </a:solidFill>
+              </a:rPr>
+              <a:t>1</a:t>
+            </a:r>
+            <a:endParaRPr lang="he-IL" sz="2800" b="1" dirty="0">
+              <a:solidFill>
+                <a:srgbClr val="C00000"/>
+              </a:solidFill>
+            </a:endParaRPr>
+          </a:p>
+        </p:txBody>
+      </p:sp>
+      <p:sp>
+        <p:nvSpPr>
+          <p:cNvPr id="32" name="TextBox 31">
+            <a:extLst>
+              <a:ext uri="{FF2B5EF4-FFF2-40B4-BE49-F238E27FC236}">
+                <a16:creationId xmlns:a16="http://schemas.microsoft.com/office/drawing/2014/main" id="{48FF504B-4A18-478C-8D12-39094DE783F5}"/>
+              </a:ext>
+            </a:extLst>
+          </p:cNvPr>
+          <p:cNvSpPr txBox="1"/>
+          <p:nvPr/>
+        </p:nvSpPr>
+        <p:spPr>
+          <a:xfrm>
+            <a:off x="7446169" y="3752851"/>
+            <a:ext cx="804862" cy="523220"/>
+          </a:xfrm>
+          <a:prstGeom prst="rect">
+            <a:avLst/>
+          </a:prstGeom>
+          <a:noFill/>
+        </p:spPr>
+        <p:txBody>
+          <a:bodyPr wrap="square" rtlCol="1">
+            <a:spAutoFit/>
+          </a:bodyPr>
+          <a:lstStyle/>
+          <a:p>
+            <a:pPr algn="ctr"/>
+            <a:r>
+              <a:rPr lang="en-US" sz="2800" b="1" dirty="0">
+                <a:solidFill>
+                  <a:srgbClr val="C00000"/>
+                </a:solidFill>
+              </a:rPr>
+              <a:t>2</a:t>
+            </a:r>
+            <a:endParaRPr lang="he-IL" sz="2800" b="1" dirty="0">
+              <a:solidFill>
+                <a:srgbClr val="C00000"/>
+              </a:solidFill>
+            </a:endParaRPr>
+          </a:p>
+        </p:txBody>
+      </p:sp>
+      <p:sp>
+        <p:nvSpPr>
+          <p:cNvPr id="33" name="TextBox 32">
+            <a:extLst>
+              <a:ext uri="{FF2B5EF4-FFF2-40B4-BE49-F238E27FC236}">
+                <a16:creationId xmlns:a16="http://schemas.microsoft.com/office/drawing/2014/main" id="{7ADEDF81-CEBC-4551-BDBA-7275584BD5EE}"/>
+              </a:ext>
+            </a:extLst>
+          </p:cNvPr>
+          <p:cNvSpPr txBox="1"/>
+          <p:nvPr/>
+        </p:nvSpPr>
+        <p:spPr>
+          <a:xfrm>
+            <a:off x="8370094" y="3752851"/>
+            <a:ext cx="804862" cy="523220"/>
+          </a:xfrm>
+          <a:prstGeom prst="rect">
+            <a:avLst/>
+          </a:prstGeom>
+          <a:noFill/>
+        </p:spPr>
+        <p:txBody>
+          <a:bodyPr wrap="square" rtlCol="1">
+            <a:spAutoFit/>
+          </a:bodyPr>
+          <a:lstStyle/>
+          <a:p>
+            <a:pPr algn="ctr"/>
+            <a:r>
+              <a:rPr lang="en-US" sz="2800" b="1" dirty="0">
+                <a:solidFill>
+                  <a:srgbClr val="C00000"/>
+                </a:solidFill>
+              </a:rPr>
+              <a:t>3</a:t>
+            </a:r>
+            <a:endParaRPr lang="he-IL" sz="2800" b="1" dirty="0">
+              <a:solidFill>
+                <a:srgbClr val="C00000"/>
+              </a:solidFill>
+            </a:endParaRPr>
+          </a:p>
+        </p:txBody>
+      </p:sp>
+      <p:sp>
+        <p:nvSpPr>
+          <p:cNvPr id="34" name="TextBox 33">
+            <a:extLst>
+              <a:ext uri="{FF2B5EF4-FFF2-40B4-BE49-F238E27FC236}">
+                <a16:creationId xmlns:a16="http://schemas.microsoft.com/office/drawing/2014/main" id="{B5AA93C7-69FE-428F-8FB2-27F0F2864517}"/>
+              </a:ext>
+            </a:extLst>
+          </p:cNvPr>
+          <p:cNvSpPr txBox="1"/>
+          <p:nvPr/>
+        </p:nvSpPr>
+        <p:spPr>
+          <a:xfrm>
+            <a:off x="9294019" y="3752851"/>
+            <a:ext cx="804862" cy="523220"/>
+          </a:xfrm>
+          <a:prstGeom prst="rect">
+            <a:avLst/>
+          </a:prstGeom>
+          <a:noFill/>
+        </p:spPr>
+        <p:txBody>
+          <a:bodyPr wrap="square" rtlCol="1">
+            <a:spAutoFit/>
+          </a:bodyPr>
+          <a:lstStyle/>
+          <a:p>
+            <a:pPr algn="ctr"/>
+            <a:r>
+              <a:rPr lang="en-US" sz="2800" b="1" dirty="0">
+                <a:solidFill>
+                  <a:srgbClr val="C00000"/>
+                </a:solidFill>
+              </a:rPr>
+              <a:t>4</a:t>
+            </a:r>
+            <a:endParaRPr lang="he-IL" sz="2800" b="1" dirty="0">
+              <a:solidFill>
+                <a:srgbClr val="C00000"/>
+              </a:solidFill>
+            </a:endParaRPr>
+          </a:p>
+        </p:txBody>
+      </p:sp>
+      <p:sp>
+        <p:nvSpPr>
+          <p:cNvPr id="35" name="TextBox 34">
+            <a:extLst>
+              <a:ext uri="{FF2B5EF4-FFF2-40B4-BE49-F238E27FC236}">
+                <a16:creationId xmlns:a16="http://schemas.microsoft.com/office/drawing/2014/main" id="{A8487076-8863-4CC2-98AF-0F0A9C527EF5}"/>
+              </a:ext>
+            </a:extLst>
+          </p:cNvPr>
+          <p:cNvSpPr txBox="1"/>
+          <p:nvPr/>
+        </p:nvSpPr>
+        <p:spPr>
+          <a:xfrm>
+            <a:off x="4674394" y="3723437"/>
+            <a:ext cx="804862" cy="523220"/>
+          </a:xfrm>
+          <a:prstGeom prst="rect">
+            <a:avLst/>
+          </a:prstGeom>
+          <a:noFill/>
+        </p:spPr>
+        <p:txBody>
+          <a:bodyPr wrap="square" rtlCol="1">
+            <a:spAutoFit/>
+          </a:bodyPr>
+          <a:lstStyle/>
+          <a:p>
+            <a:pPr algn="ctr"/>
+            <a:r>
+              <a:rPr lang="en-US" sz="2800" b="1" dirty="0">
+                <a:solidFill>
+                  <a:schemeClr val="accent6">
+                    <a:lumMod val="75000"/>
+                  </a:schemeClr>
+                </a:solidFill>
+              </a:rPr>
+              <a:t>-1</a:t>
+            </a:r>
+            <a:endParaRPr lang="he-IL" sz="2800" b="1" dirty="0">
+              <a:solidFill>
+                <a:schemeClr val="accent6">
+                  <a:lumMod val="75000"/>
+                </a:schemeClr>
+              </a:solidFill>
+            </a:endParaRPr>
+          </a:p>
+        </p:txBody>
+      </p:sp>
+      <p:sp>
+        <p:nvSpPr>
+          <p:cNvPr id="36" name="TextBox 35">
+            <a:extLst>
+              <a:ext uri="{FF2B5EF4-FFF2-40B4-BE49-F238E27FC236}">
+                <a16:creationId xmlns:a16="http://schemas.microsoft.com/office/drawing/2014/main" id="{0B9F61B3-BE5F-4538-99A9-A7FB7C8B5C8B}"/>
+              </a:ext>
+            </a:extLst>
+          </p:cNvPr>
+          <p:cNvSpPr txBox="1"/>
+          <p:nvPr/>
+        </p:nvSpPr>
+        <p:spPr>
+          <a:xfrm>
+            <a:off x="3731419" y="3733616"/>
+            <a:ext cx="804862" cy="523220"/>
+          </a:xfrm>
+          <a:prstGeom prst="rect">
+            <a:avLst/>
+          </a:prstGeom>
+          <a:noFill/>
+        </p:spPr>
+        <p:txBody>
+          <a:bodyPr wrap="square" rtlCol="1">
+            <a:spAutoFit/>
+          </a:bodyPr>
+          <a:lstStyle/>
+          <a:p>
+            <a:pPr algn="ctr"/>
+            <a:r>
+              <a:rPr lang="en-US" sz="2800" b="1" dirty="0">
+                <a:solidFill>
+                  <a:schemeClr val="accent6">
+                    <a:lumMod val="75000"/>
+                  </a:schemeClr>
+                </a:solidFill>
+              </a:rPr>
+              <a:t>-2</a:t>
+            </a:r>
+            <a:endParaRPr lang="he-IL" sz="2800" b="1" dirty="0">
+              <a:solidFill>
+                <a:schemeClr val="accent6">
+                  <a:lumMod val="75000"/>
+                </a:schemeClr>
+              </a:solidFill>
+            </a:endParaRPr>
+          </a:p>
+        </p:txBody>
+      </p:sp>
+      <p:sp>
+        <p:nvSpPr>
+          <p:cNvPr id="37" name="TextBox 36">
+            <a:extLst>
+              <a:ext uri="{FF2B5EF4-FFF2-40B4-BE49-F238E27FC236}">
+                <a16:creationId xmlns:a16="http://schemas.microsoft.com/office/drawing/2014/main" id="{A1F09B86-1B8F-46FF-8DF9-788153EFBA91}"/>
+              </a:ext>
+            </a:extLst>
+          </p:cNvPr>
+          <p:cNvSpPr txBox="1"/>
+          <p:nvPr/>
+        </p:nvSpPr>
+        <p:spPr>
+          <a:xfrm>
+            <a:off x="2807494" y="3733801"/>
+            <a:ext cx="804862" cy="523220"/>
+          </a:xfrm>
+          <a:prstGeom prst="rect">
+            <a:avLst/>
+          </a:prstGeom>
+          <a:noFill/>
+        </p:spPr>
+        <p:txBody>
+          <a:bodyPr wrap="square" rtlCol="1">
+            <a:spAutoFit/>
+          </a:bodyPr>
+          <a:lstStyle/>
+          <a:p>
+            <a:pPr algn="ctr"/>
+            <a:r>
+              <a:rPr lang="en-US" sz="2800" b="1" dirty="0">
+                <a:solidFill>
+                  <a:schemeClr val="accent6">
+                    <a:lumMod val="75000"/>
+                  </a:schemeClr>
+                </a:solidFill>
+              </a:rPr>
+              <a:t>-3</a:t>
+            </a:r>
+            <a:endParaRPr lang="he-IL" sz="2800" b="1" dirty="0">
+              <a:solidFill>
+                <a:schemeClr val="accent6">
+                  <a:lumMod val="75000"/>
+                </a:schemeClr>
+              </a:solidFill>
+            </a:endParaRPr>
+          </a:p>
+        </p:txBody>
+      </p:sp>
+      <p:sp>
+        <p:nvSpPr>
+          <p:cNvPr id="38" name="TextBox 37">
+            <a:extLst>
+              <a:ext uri="{FF2B5EF4-FFF2-40B4-BE49-F238E27FC236}">
+                <a16:creationId xmlns:a16="http://schemas.microsoft.com/office/drawing/2014/main" id="{F835F838-161B-4098-B8C5-414058C0A109}"/>
+              </a:ext>
+            </a:extLst>
+          </p:cNvPr>
+          <p:cNvSpPr txBox="1"/>
+          <p:nvPr/>
+        </p:nvSpPr>
+        <p:spPr>
+          <a:xfrm>
+            <a:off x="1864519" y="3724930"/>
+            <a:ext cx="804862" cy="523220"/>
+          </a:xfrm>
+          <a:prstGeom prst="rect">
+            <a:avLst/>
+          </a:prstGeom>
+          <a:noFill/>
+        </p:spPr>
+        <p:txBody>
+          <a:bodyPr wrap="square" rtlCol="1">
+            <a:spAutoFit/>
+          </a:bodyPr>
+          <a:lstStyle/>
+          <a:p>
+            <a:pPr algn="ctr"/>
+            <a:r>
+              <a:rPr lang="en-US" sz="2800" b="1" dirty="0">
+                <a:solidFill>
+                  <a:schemeClr val="accent6">
+                    <a:lumMod val="75000"/>
+                  </a:schemeClr>
+                </a:solidFill>
+              </a:rPr>
+              <a:t>-4</a:t>
+            </a:r>
+            <a:endParaRPr lang="he-IL" sz="2800" b="1" dirty="0">
+              <a:solidFill>
+                <a:schemeClr val="accent6">
+                  <a:lumMod val="75000"/>
+                </a:schemeClr>
+              </a:solidFill>
+            </a:endParaRPr>
+          </a:p>
+        </p:txBody>
+      </p:sp>
+      <p:sp>
+        <p:nvSpPr>
+          <p:cNvPr id="50" name="Arrow: Curved Down 49">
+            <a:extLst>
+              <a:ext uri="{FF2B5EF4-FFF2-40B4-BE49-F238E27FC236}">
+                <a16:creationId xmlns:a16="http://schemas.microsoft.com/office/drawing/2014/main" id="{27B3C53E-B260-4CA7-B681-6B8C30DB9F41}"/>
+              </a:ext>
+            </a:extLst>
+          </p:cNvPr>
+          <p:cNvSpPr/>
+          <p:nvPr/>
+        </p:nvSpPr>
+        <p:spPr>
+          <a:xfrm>
+            <a:off x="6915150" y="2277844"/>
+            <a:ext cx="2000248" cy="646331"/>
+          </a:xfrm>
+          <a:prstGeom prst="curvedDownArrow">
+            <a:avLst/>
+          </a:prstGeom>
+          <a:solidFill>
+            <a:srgbClr val="002060"/>
+          </a:solidFill>
+        </p:spPr>
+        <p:style>
+          <a:lnRef idx="2">
+            <a:schemeClr val="accent1">
+              <a:shade val="50000"/>
+            </a:schemeClr>
+          </a:lnRef>
+          <a:fillRef idx="1">
+            <a:schemeClr val="accent1"/>
+          </a:fillRef>
+          <a:effectRef idx="0">
+            <a:schemeClr val="accent1"/>
+          </a:effectRef>
+          <a:fontRef idx="minor">
+            <a:schemeClr val="lt1"/>
+          </a:fontRef>
+        </p:style>
+        <p:txBody>
+          <a:bodyPr rtlCol="1" anchor="ctr"/>
+          <a:lstStyle/>
+          <a:p>
+            <a:pPr algn="ctr"/>
+            <a:endParaRPr lang="he-IL">
+              <a:solidFill>
+                <a:schemeClr val="tx1"/>
+              </a:solidFill>
+            </a:endParaRPr>
+          </a:p>
+        </p:txBody>
+      </p:sp>
+      <p:sp>
+        <p:nvSpPr>
+          <p:cNvPr id="51" name="TextBox 50">
+            <a:extLst>
+              <a:ext uri="{FF2B5EF4-FFF2-40B4-BE49-F238E27FC236}">
+                <a16:creationId xmlns:a16="http://schemas.microsoft.com/office/drawing/2014/main" id="{DB08CCCE-06CE-4604-9704-058BAB61CEFC}"/>
+              </a:ext>
+            </a:extLst>
+          </p:cNvPr>
+          <p:cNvSpPr txBox="1"/>
+          <p:nvPr/>
+        </p:nvSpPr>
+        <p:spPr>
+          <a:xfrm>
+            <a:off x="7427119" y="1735758"/>
+            <a:ext cx="804862" cy="523220"/>
+          </a:xfrm>
+          <a:prstGeom prst="rect">
+            <a:avLst/>
+          </a:prstGeom>
+          <a:noFill/>
+        </p:spPr>
+        <p:txBody>
+          <a:bodyPr wrap="square" rtlCol="1">
+            <a:spAutoFit/>
+          </a:bodyPr>
+          <a:lstStyle/>
+          <a:p>
+            <a:pPr algn="ctr"/>
+            <a:r>
+              <a:rPr lang="en-US" sz="2800" b="1" dirty="0">
+                <a:solidFill>
+                  <a:srgbClr val="001746"/>
+                </a:solidFill>
+              </a:rPr>
+              <a:t>+2</a:t>
+            </a:r>
+            <a:endParaRPr lang="he-IL" sz="2800" b="1" dirty="0">
+              <a:solidFill>
+                <a:srgbClr val="001746"/>
+              </a:solidFill>
+            </a:endParaRPr>
+          </a:p>
+        </p:txBody>
+      </p:sp>
+    </p:spTree>
+    <p:extLst>
+      <p:ext uri="{BB962C8B-B14F-4D97-AF65-F5344CB8AC3E}">
+        <p14:creationId xmlns:p14="http://schemas.microsoft.com/office/powerpoint/2010/main" val="3651509882"/>
+      </p:ext>
+    </p:extLst>
+  </p:cSld>
+  <p:clrMapOvr>
+    <a:masterClrMapping/>
+  </p:clrMapOvr>
+</p:sld>
+</file>
+
+<file path=ppt/slides/slide5.xml><?xml version="1.0" encoding="utf-8"?>
+<p:sld xmlns:a="http://schemas.openxmlformats.org/drawingml/2006/main" xmlns:r="http://schemas.openxmlformats.org/officeDocument/2006/relationships" xmlns:p="http://schemas.openxmlformats.org/presentationml/2006/main">
+  <p:cSld>
+    <p:spTree>
+      <p:nvGrpSpPr>
+        <p:cNvPr id="1" name=""/>
+        <p:cNvGrpSpPr/>
+        <p:nvPr/>
+      </p:nvGrpSpPr>
+      <p:grpSpPr>
+        <a:xfrm>
+          <a:off x="0" y="0"/>
+          <a:ext cx="0" cy="0"/>
+          <a:chOff x="0" y="0"/>
+          <a:chExt cx="0" cy="0"/>
+        </a:xfrm>
+      </p:grpSpPr>
+      <p:sp>
+        <p:nvSpPr>
+          <p:cNvPr id="16" name="TextBox 15">
+            <a:extLst>
+              <a:ext uri="{FF2B5EF4-FFF2-40B4-BE49-F238E27FC236}">
+                <a16:creationId xmlns:a16="http://schemas.microsoft.com/office/drawing/2014/main" id="{A77724CA-1F23-43DF-9D42-8934044B19EF}"/>
+              </a:ext>
+            </a:extLst>
+          </p:cNvPr>
+          <p:cNvSpPr txBox="1"/>
+          <p:nvPr/>
+        </p:nvSpPr>
+        <p:spPr>
+          <a:xfrm>
+            <a:off x="723900" y="381000"/>
+            <a:ext cx="10782300" cy="1200329"/>
+          </a:xfrm>
+          <a:prstGeom prst="rect">
+            <a:avLst/>
+          </a:prstGeom>
+          <a:noFill/>
+        </p:spPr>
+        <p:txBody>
+          <a:bodyPr wrap="square" rtlCol="1">
+            <a:spAutoFit/>
+          </a:bodyPr>
+          <a:lstStyle/>
+          <a:p>
+            <a:pPr algn="ctr"/>
+            <a:r>
+              <a:rPr lang="en-US" sz="3600" b="1" i="0" u="none" strike="noStrike" dirty="0">
+                <a:solidFill>
+                  <a:srgbClr val="000000"/>
+                </a:solidFill>
+                <a:effectLst/>
+                <a:latin typeface="Arial" panose="020B0604020202020204" pitchFamily="34" charset="0"/>
+              </a:rPr>
+              <a:t>Number Line is a s</a:t>
+            </a:r>
+            <a:r>
+              <a:rPr lang="en-US" sz="3600" b="1" dirty="0">
+                <a:solidFill>
+                  <a:srgbClr val="000000"/>
+                </a:solidFill>
+                <a:latin typeface="Arial" panose="020B0604020202020204" pitchFamily="34" charset="0"/>
+              </a:rPr>
+              <a:t>traight</a:t>
+            </a:r>
+            <a:r>
+              <a:rPr lang="en-US" sz="3600" b="1" i="0" u="none" strike="noStrike" dirty="0">
+                <a:solidFill>
+                  <a:srgbClr val="000000"/>
+                </a:solidFill>
+                <a:effectLst/>
+                <a:latin typeface="Arial" panose="020B0604020202020204" pitchFamily="34" charset="0"/>
+              </a:rPr>
+              <a:t> line that serves as </a:t>
+            </a:r>
+            <a:r>
+              <a:rPr lang="en-US" sz="3600" b="1" dirty="0">
+                <a:solidFill>
+                  <a:srgbClr val="000000"/>
+                </a:solidFill>
+                <a:latin typeface="Arial" panose="020B0604020202020204" pitchFamily="34" charset="0"/>
+              </a:rPr>
+              <a:t>a*****n </a:t>
+            </a:r>
+            <a:r>
+              <a:rPr lang="en-US" sz="3600" b="1" i="0" u="none" strike="noStrike" dirty="0">
+                <a:solidFill>
+                  <a:srgbClr val="000000"/>
+                </a:solidFill>
+                <a:effectLst/>
+                <a:latin typeface="Arial" panose="020B0604020202020204" pitchFamily="34" charset="0"/>
+              </a:rPr>
+              <a:t>for real numbers</a:t>
+            </a:r>
+          </a:p>
+        </p:txBody>
+      </p:sp>
+      <p:cxnSp>
+        <p:nvCxnSpPr>
+          <p:cNvPr id="12" name="Straight Arrow Connector 11">
+            <a:extLst>
+              <a:ext uri="{FF2B5EF4-FFF2-40B4-BE49-F238E27FC236}">
+                <a16:creationId xmlns:a16="http://schemas.microsoft.com/office/drawing/2014/main" id="{CB8BD016-4B95-434C-AE37-83627AE2B966}"/>
+              </a:ext>
+            </a:extLst>
+          </p:cNvPr>
+          <p:cNvCxnSpPr>
+            <a:cxnSpLocks/>
+          </p:cNvCxnSpPr>
+          <p:nvPr/>
+        </p:nvCxnSpPr>
+        <p:spPr>
+          <a:xfrm>
+            <a:off x="2200274" y="3476625"/>
+            <a:ext cx="8486775" cy="1"/>
+          </a:xfrm>
+          <a:prstGeom prst="straightConnector1">
+            <a:avLst/>
+          </a:prstGeom>
+          <a:ln w="63500">
+            <a:solidFill>
+              <a:schemeClr val="tx1"/>
+            </a:solidFill>
+            <a:tailEnd type="triangle"/>
+          </a:ln>
+        </p:spPr>
+        <p:style>
+          <a:lnRef idx="1">
+            <a:schemeClr val="accent1"/>
+          </a:lnRef>
+          <a:fillRef idx="0">
+            <a:schemeClr val="accent1"/>
+          </a:fillRef>
+          <a:effectRef idx="0">
+            <a:schemeClr val="accent1"/>
+          </a:effectRef>
+          <a:fontRef idx="minor">
+            <a:schemeClr val="tx1"/>
+          </a:fontRef>
+        </p:style>
+      </p:cxnSp>
+      <p:cxnSp>
+        <p:nvCxnSpPr>
+          <p:cNvPr id="15" name="Straight Connector 14">
+            <a:extLst>
+              <a:ext uri="{FF2B5EF4-FFF2-40B4-BE49-F238E27FC236}">
+                <a16:creationId xmlns:a16="http://schemas.microsoft.com/office/drawing/2014/main" id="{373D4519-D224-4427-B45C-82FB940AF16C}"/>
+              </a:ext>
+            </a:extLst>
+          </p:cNvPr>
+          <p:cNvCxnSpPr/>
+          <p:nvPr/>
+        </p:nvCxnSpPr>
+        <p:spPr>
+          <a:xfrm>
+            <a:off x="6000750" y="3210110"/>
+            <a:ext cx="0" cy="514350"/>
+          </a:xfrm>
+          <a:prstGeom prst="line">
+            <a:avLst/>
+          </a:prstGeom>
+          <a:ln w="63500">
+            <a:solidFill>
+              <a:schemeClr val="tx1"/>
+            </a:solidFill>
+          </a:ln>
+        </p:spPr>
+        <p:style>
+          <a:lnRef idx="1">
+            <a:schemeClr val="accent1"/>
+          </a:lnRef>
+          <a:fillRef idx="0">
+            <a:schemeClr val="accent1"/>
+          </a:fillRef>
+          <a:effectRef idx="0">
+            <a:schemeClr val="accent1"/>
+          </a:effectRef>
+          <a:fontRef idx="minor">
+            <a:schemeClr val="tx1"/>
+          </a:fontRef>
+        </p:style>
+      </p:cxnSp>
+      <p:cxnSp>
+        <p:nvCxnSpPr>
+          <p:cNvPr id="21" name="Straight Connector 20">
+            <a:extLst>
+              <a:ext uri="{FF2B5EF4-FFF2-40B4-BE49-F238E27FC236}">
+                <a16:creationId xmlns:a16="http://schemas.microsoft.com/office/drawing/2014/main" id="{6368285C-A839-4A69-B491-5375529616D1}"/>
+              </a:ext>
+            </a:extLst>
+          </p:cNvPr>
+          <p:cNvCxnSpPr/>
+          <p:nvPr/>
+        </p:nvCxnSpPr>
+        <p:spPr>
+          <a:xfrm>
+            <a:off x="6915150" y="3210110"/>
+            <a:ext cx="0" cy="514350"/>
+          </a:xfrm>
+          <a:prstGeom prst="line">
+            <a:avLst/>
+          </a:prstGeom>
+          <a:ln w="63500">
+            <a:solidFill>
+              <a:srgbClr val="C00000"/>
+            </a:solidFill>
+          </a:ln>
+        </p:spPr>
+        <p:style>
+          <a:lnRef idx="1">
+            <a:schemeClr val="accent1"/>
+          </a:lnRef>
+          <a:fillRef idx="0">
+            <a:schemeClr val="accent1"/>
+          </a:fillRef>
+          <a:effectRef idx="0">
+            <a:schemeClr val="accent1"/>
+          </a:effectRef>
+          <a:fontRef idx="minor">
+            <a:schemeClr val="tx1"/>
+          </a:fontRef>
+        </p:style>
+      </p:cxnSp>
+      <p:cxnSp>
+        <p:nvCxnSpPr>
+          <p:cNvPr id="22" name="Straight Connector 21">
+            <a:extLst>
+              <a:ext uri="{FF2B5EF4-FFF2-40B4-BE49-F238E27FC236}">
+                <a16:creationId xmlns:a16="http://schemas.microsoft.com/office/drawing/2014/main" id="{B5F464D8-D90E-4E66-8D41-ECA8F4BEC947}"/>
+              </a:ext>
+            </a:extLst>
+          </p:cNvPr>
+          <p:cNvCxnSpPr/>
+          <p:nvPr/>
+        </p:nvCxnSpPr>
+        <p:spPr>
+          <a:xfrm>
+            <a:off x="7829550" y="3219635"/>
+            <a:ext cx="0" cy="514350"/>
+          </a:xfrm>
+          <a:prstGeom prst="line">
+            <a:avLst/>
+          </a:prstGeom>
+          <a:ln w="63500">
+            <a:solidFill>
+              <a:srgbClr val="C00000"/>
+            </a:solidFill>
+          </a:ln>
+        </p:spPr>
+        <p:style>
+          <a:lnRef idx="1">
+            <a:schemeClr val="accent1"/>
+          </a:lnRef>
+          <a:fillRef idx="0">
+            <a:schemeClr val="accent1"/>
+          </a:fillRef>
+          <a:effectRef idx="0">
+            <a:schemeClr val="accent1"/>
+          </a:effectRef>
+          <a:fontRef idx="minor">
+            <a:schemeClr val="tx1"/>
+          </a:fontRef>
+        </p:style>
+      </p:cxnSp>
+      <p:cxnSp>
+        <p:nvCxnSpPr>
+          <p:cNvPr id="24" name="Straight Connector 23">
+            <a:extLst>
+              <a:ext uri="{FF2B5EF4-FFF2-40B4-BE49-F238E27FC236}">
+                <a16:creationId xmlns:a16="http://schemas.microsoft.com/office/drawing/2014/main" id="{861C12C0-2510-446D-87C8-BFF21D501777}"/>
+              </a:ext>
+            </a:extLst>
+          </p:cNvPr>
+          <p:cNvCxnSpPr/>
+          <p:nvPr/>
+        </p:nvCxnSpPr>
+        <p:spPr>
+          <a:xfrm>
+            <a:off x="5076825" y="3200400"/>
+            <a:ext cx="0" cy="514350"/>
+          </a:xfrm>
+          <a:prstGeom prst="line">
+            <a:avLst/>
+          </a:prstGeom>
+          <a:ln w="63500">
+            <a:solidFill>
+              <a:schemeClr val="accent6">
+                <a:lumMod val="75000"/>
+              </a:schemeClr>
+            </a:solidFill>
+          </a:ln>
+        </p:spPr>
+        <p:style>
+          <a:lnRef idx="1">
+            <a:schemeClr val="accent1"/>
+          </a:lnRef>
+          <a:fillRef idx="0">
+            <a:schemeClr val="accent1"/>
+          </a:fillRef>
+          <a:effectRef idx="0">
+            <a:schemeClr val="accent1"/>
+          </a:effectRef>
+          <a:fontRef idx="minor">
+            <a:schemeClr val="tx1"/>
+          </a:fontRef>
+        </p:style>
+      </p:cxnSp>
+      <p:cxnSp>
+        <p:nvCxnSpPr>
+          <p:cNvPr id="25" name="Straight Connector 24">
+            <a:extLst>
+              <a:ext uri="{FF2B5EF4-FFF2-40B4-BE49-F238E27FC236}">
+                <a16:creationId xmlns:a16="http://schemas.microsoft.com/office/drawing/2014/main" id="{1D61C17E-CA07-43AE-8C2F-73079E15C063}"/>
+              </a:ext>
+            </a:extLst>
+          </p:cNvPr>
+          <p:cNvCxnSpPr/>
+          <p:nvPr/>
+        </p:nvCxnSpPr>
+        <p:spPr>
+          <a:xfrm>
+            <a:off x="8753475" y="3210110"/>
+            <a:ext cx="0" cy="514350"/>
+          </a:xfrm>
+          <a:prstGeom prst="line">
+            <a:avLst/>
+          </a:prstGeom>
+          <a:ln w="63500">
+            <a:solidFill>
+              <a:srgbClr val="C00000"/>
+            </a:solidFill>
+          </a:ln>
+        </p:spPr>
+        <p:style>
+          <a:lnRef idx="1">
+            <a:schemeClr val="accent1"/>
+          </a:lnRef>
+          <a:fillRef idx="0">
+            <a:schemeClr val="accent1"/>
+          </a:fillRef>
+          <a:effectRef idx="0">
+            <a:schemeClr val="accent1"/>
+          </a:effectRef>
+          <a:fontRef idx="minor">
+            <a:schemeClr val="tx1"/>
+          </a:fontRef>
+        </p:style>
+      </p:cxnSp>
+      <p:cxnSp>
+        <p:nvCxnSpPr>
+          <p:cNvPr id="26" name="Straight Connector 25">
+            <a:extLst>
+              <a:ext uri="{FF2B5EF4-FFF2-40B4-BE49-F238E27FC236}">
+                <a16:creationId xmlns:a16="http://schemas.microsoft.com/office/drawing/2014/main" id="{A1247595-F05A-4372-96BB-4CB3D86AE020}"/>
+              </a:ext>
+            </a:extLst>
+          </p:cNvPr>
+          <p:cNvCxnSpPr/>
+          <p:nvPr/>
+        </p:nvCxnSpPr>
+        <p:spPr>
+          <a:xfrm>
+            <a:off x="9667875" y="3219635"/>
+            <a:ext cx="0" cy="514350"/>
+          </a:xfrm>
+          <a:prstGeom prst="line">
+            <a:avLst/>
+          </a:prstGeom>
+          <a:ln w="63500">
+            <a:solidFill>
+              <a:srgbClr val="C00000"/>
+            </a:solidFill>
+          </a:ln>
+        </p:spPr>
+        <p:style>
+          <a:lnRef idx="1">
+            <a:schemeClr val="accent1"/>
+          </a:lnRef>
+          <a:fillRef idx="0">
+            <a:schemeClr val="accent1"/>
+          </a:fillRef>
+          <a:effectRef idx="0">
+            <a:schemeClr val="accent1"/>
+          </a:effectRef>
+          <a:fontRef idx="minor">
+            <a:schemeClr val="tx1"/>
+          </a:fontRef>
+        </p:style>
+      </p:cxnSp>
+      <p:cxnSp>
+        <p:nvCxnSpPr>
+          <p:cNvPr id="27" name="Straight Connector 26">
+            <a:extLst>
+              <a:ext uri="{FF2B5EF4-FFF2-40B4-BE49-F238E27FC236}">
+                <a16:creationId xmlns:a16="http://schemas.microsoft.com/office/drawing/2014/main" id="{12E4384B-75B4-4414-B6A8-6658F97AB21D}"/>
+              </a:ext>
+            </a:extLst>
+          </p:cNvPr>
+          <p:cNvCxnSpPr/>
+          <p:nvPr/>
+        </p:nvCxnSpPr>
+        <p:spPr>
+          <a:xfrm>
+            <a:off x="3257550" y="3219635"/>
+            <a:ext cx="0" cy="514350"/>
+          </a:xfrm>
+          <a:prstGeom prst="line">
+            <a:avLst/>
+          </a:prstGeom>
+          <a:ln w="63500">
+            <a:solidFill>
+              <a:schemeClr val="accent6">
+                <a:lumMod val="75000"/>
+              </a:schemeClr>
+            </a:solidFill>
+          </a:ln>
+        </p:spPr>
+        <p:style>
+          <a:lnRef idx="1">
+            <a:schemeClr val="accent1"/>
+          </a:lnRef>
+          <a:fillRef idx="0">
+            <a:schemeClr val="accent1"/>
+          </a:fillRef>
+          <a:effectRef idx="0">
+            <a:schemeClr val="accent1"/>
+          </a:effectRef>
+          <a:fontRef idx="minor">
+            <a:schemeClr val="tx1"/>
+          </a:fontRef>
+        </p:style>
+      </p:cxnSp>
+      <p:cxnSp>
+        <p:nvCxnSpPr>
+          <p:cNvPr id="28" name="Straight Connector 27">
+            <a:extLst>
+              <a:ext uri="{FF2B5EF4-FFF2-40B4-BE49-F238E27FC236}">
+                <a16:creationId xmlns:a16="http://schemas.microsoft.com/office/drawing/2014/main" id="{B87099A7-0747-4EA3-8023-954489F8DA4B}"/>
+              </a:ext>
+            </a:extLst>
+          </p:cNvPr>
+          <p:cNvCxnSpPr/>
+          <p:nvPr/>
+        </p:nvCxnSpPr>
+        <p:spPr>
+          <a:xfrm>
+            <a:off x="4171950" y="3219635"/>
+            <a:ext cx="0" cy="514350"/>
+          </a:xfrm>
+          <a:prstGeom prst="line">
+            <a:avLst/>
+          </a:prstGeom>
+          <a:ln w="63500">
+            <a:solidFill>
+              <a:schemeClr val="accent6">
+                <a:lumMod val="75000"/>
+              </a:schemeClr>
+            </a:solidFill>
+          </a:ln>
+        </p:spPr>
+        <p:style>
+          <a:lnRef idx="1">
+            <a:schemeClr val="accent1"/>
+          </a:lnRef>
+          <a:fillRef idx="0">
+            <a:schemeClr val="accent1"/>
+          </a:fillRef>
+          <a:effectRef idx="0">
+            <a:schemeClr val="accent1"/>
+          </a:effectRef>
+          <a:fontRef idx="minor">
+            <a:schemeClr val="tx1"/>
+          </a:fontRef>
+        </p:style>
+      </p:cxnSp>
+      <p:cxnSp>
+        <p:nvCxnSpPr>
+          <p:cNvPr id="29" name="Straight Connector 28">
+            <a:extLst>
+              <a:ext uri="{FF2B5EF4-FFF2-40B4-BE49-F238E27FC236}">
+                <a16:creationId xmlns:a16="http://schemas.microsoft.com/office/drawing/2014/main" id="{47FD5C80-D4BC-494E-BAC4-8E263611D22D}"/>
+              </a:ext>
+            </a:extLst>
+          </p:cNvPr>
+          <p:cNvCxnSpPr/>
+          <p:nvPr/>
+        </p:nvCxnSpPr>
+        <p:spPr>
+          <a:xfrm>
+            <a:off x="2333625" y="3209925"/>
+            <a:ext cx="0" cy="514350"/>
+          </a:xfrm>
+          <a:prstGeom prst="line">
+            <a:avLst/>
+          </a:prstGeom>
+          <a:ln w="63500">
+            <a:solidFill>
+              <a:schemeClr val="accent6">
+                <a:lumMod val="75000"/>
+              </a:schemeClr>
+            </a:solidFill>
+          </a:ln>
+        </p:spPr>
+        <p:style>
+          <a:lnRef idx="1">
+            <a:schemeClr val="accent1"/>
+          </a:lnRef>
+          <a:fillRef idx="0">
+            <a:schemeClr val="accent1"/>
+          </a:fillRef>
+          <a:effectRef idx="0">
+            <a:schemeClr val="accent1"/>
+          </a:effectRef>
+          <a:fontRef idx="minor">
+            <a:schemeClr val="tx1"/>
+          </a:fontRef>
+        </p:style>
+      </p:cxnSp>
+      <p:sp>
+        <p:nvSpPr>
+          <p:cNvPr id="30" name="TextBox 29">
+            <a:extLst>
+              <a:ext uri="{FF2B5EF4-FFF2-40B4-BE49-F238E27FC236}">
+                <a16:creationId xmlns:a16="http://schemas.microsoft.com/office/drawing/2014/main" id="{179B87DA-0621-4A0E-A6BB-1E502D34EDB4}"/>
+              </a:ext>
+            </a:extLst>
+          </p:cNvPr>
+          <p:cNvSpPr txBox="1"/>
+          <p:nvPr/>
+        </p:nvSpPr>
+        <p:spPr>
+          <a:xfrm>
+            <a:off x="5607844" y="3752851"/>
+            <a:ext cx="804862" cy="523220"/>
+          </a:xfrm>
+          <a:prstGeom prst="rect">
+            <a:avLst/>
+          </a:prstGeom>
+          <a:noFill/>
+        </p:spPr>
+        <p:txBody>
+          <a:bodyPr wrap="square" rtlCol="1">
+            <a:spAutoFit/>
+          </a:bodyPr>
+          <a:lstStyle/>
+          <a:p>
+            <a:pPr algn="ctr"/>
+            <a:r>
+              <a:rPr lang="en-US" sz="2800" b="1" dirty="0"/>
+              <a:t>0</a:t>
+            </a:r>
+            <a:endParaRPr lang="he-IL" sz="2800" b="1" dirty="0"/>
+          </a:p>
+        </p:txBody>
+      </p:sp>
+      <p:sp>
+        <p:nvSpPr>
+          <p:cNvPr id="31" name="TextBox 30">
+            <a:extLst>
+              <a:ext uri="{FF2B5EF4-FFF2-40B4-BE49-F238E27FC236}">
+                <a16:creationId xmlns:a16="http://schemas.microsoft.com/office/drawing/2014/main" id="{9803BC63-B0A6-4BA0-95C6-C8096D3B7A56}"/>
+              </a:ext>
+            </a:extLst>
+          </p:cNvPr>
+          <p:cNvSpPr txBox="1"/>
+          <p:nvPr/>
+        </p:nvSpPr>
+        <p:spPr>
+          <a:xfrm>
+            <a:off x="6522244" y="3752851"/>
+            <a:ext cx="804862" cy="523220"/>
+          </a:xfrm>
+          <a:prstGeom prst="rect">
+            <a:avLst/>
+          </a:prstGeom>
+          <a:noFill/>
+        </p:spPr>
+        <p:txBody>
+          <a:bodyPr wrap="square" rtlCol="1">
+            <a:spAutoFit/>
+          </a:bodyPr>
+          <a:lstStyle/>
+          <a:p>
+            <a:pPr algn="ctr"/>
+            <a:r>
+              <a:rPr lang="en-US" sz="2800" b="1" dirty="0">
+                <a:solidFill>
+                  <a:srgbClr val="C00000"/>
+                </a:solidFill>
+              </a:rPr>
+              <a:t>1</a:t>
+            </a:r>
+            <a:endParaRPr lang="he-IL" sz="2800" b="1" dirty="0">
+              <a:solidFill>
+                <a:srgbClr val="C00000"/>
+              </a:solidFill>
+            </a:endParaRPr>
+          </a:p>
+        </p:txBody>
+      </p:sp>
+      <p:sp>
+        <p:nvSpPr>
+          <p:cNvPr id="32" name="TextBox 31">
+            <a:extLst>
+              <a:ext uri="{FF2B5EF4-FFF2-40B4-BE49-F238E27FC236}">
+                <a16:creationId xmlns:a16="http://schemas.microsoft.com/office/drawing/2014/main" id="{48FF504B-4A18-478C-8D12-39094DE783F5}"/>
+              </a:ext>
+            </a:extLst>
+          </p:cNvPr>
+          <p:cNvSpPr txBox="1"/>
+          <p:nvPr/>
+        </p:nvSpPr>
+        <p:spPr>
+          <a:xfrm>
+            <a:off x="7446169" y="3752851"/>
+            <a:ext cx="804862" cy="523220"/>
+          </a:xfrm>
+          <a:prstGeom prst="rect">
+            <a:avLst/>
+          </a:prstGeom>
+          <a:noFill/>
+        </p:spPr>
+        <p:txBody>
+          <a:bodyPr wrap="square" rtlCol="1">
+            <a:spAutoFit/>
+          </a:bodyPr>
+          <a:lstStyle/>
+          <a:p>
+            <a:pPr algn="ctr"/>
+            <a:r>
+              <a:rPr lang="en-US" sz="2800" b="1" dirty="0">
+                <a:solidFill>
+                  <a:srgbClr val="C00000"/>
+                </a:solidFill>
+              </a:rPr>
+              <a:t>2</a:t>
+            </a:r>
+            <a:endParaRPr lang="he-IL" sz="2800" b="1" dirty="0">
+              <a:solidFill>
+                <a:srgbClr val="C00000"/>
+              </a:solidFill>
+            </a:endParaRPr>
+          </a:p>
+        </p:txBody>
+      </p:sp>
+      <p:sp>
+        <p:nvSpPr>
+          <p:cNvPr id="33" name="TextBox 32">
+            <a:extLst>
+              <a:ext uri="{FF2B5EF4-FFF2-40B4-BE49-F238E27FC236}">
+                <a16:creationId xmlns:a16="http://schemas.microsoft.com/office/drawing/2014/main" id="{7ADEDF81-CEBC-4551-BDBA-7275584BD5EE}"/>
+              </a:ext>
+            </a:extLst>
+          </p:cNvPr>
+          <p:cNvSpPr txBox="1"/>
+          <p:nvPr/>
+        </p:nvSpPr>
+        <p:spPr>
+          <a:xfrm>
+            <a:off x="8370094" y="3752851"/>
+            <a:ext cx="804862" cy="523220"/>
+          </a:xfrm>
+          <a:prstGeom prst="rect">
+            <a:avLst/>
+          </a:prstGeom>
+          <a:noFill/>
+        </p:spPr>
+        <p:txBody>
+          <a:bodyPr wrap="square" rtlCol="1">
+            <a:spAutoFit/>
+          </a:bodyPr>
+          <a:lstStyle/>
+          <a:p>
+            <a:pPr algn="ctr"/>
+            <a:r>
+              <a:rPr lang="en-US" sz="2800" b="1" dirty="0">
+                <a:solidFill>
+                  <a:srgbClr val="C00000"/>
+                </a:solidFill>
+              </a:rPr>
+              <a:t>3</a:t>
+            </a:r>
+            <a:endParaRPr lang="he-IL" sz="2800" b="1" dirty="0">
+              <a:solidFill>
+                <a:srgbClr val="C00000"/>
+              </a:solidFill>
+            </a:endParaRPr>
+          </a:p>
+        </p:txBody>
+      </p:sp>
+      <p:sp>
+        <p:nvSpPr>
+          <p:cNvPr id="34" name="TextBox 33">
+            <a:extLst>
+              <a:ext uri="{FF2B5EF4-FFF2-40B4-BE49-F238E27FC236}">
+                <a16:creationId xmlns:a16="http://schemas.microsoft.com/office/drawing/2014/main" id="{B5AA93C7-69FE-428F-8FB2-27F0F2864517}"/>
+              </a:ext>
+            </a:extLst>
+          </p:cNvPr>
+          <p:cNvSpPr txBox="1"/>
+          <p:nvPr/>
+        </p:nvSpPr>
+        <p:spPr>
+          <a:xfrm>
+            <a:off x="9294019" y="3752851"/>
+            <a:ext cx="804862" cy="523220"/>
+          </a:xfrm>
+          <a:prstGeom prst="rect">
+            <a:avLst/>
+          </a:prstGeom>
+          <a:noFill/>
+        </p:spPr>
+        <p:txBody>
+          <a:bodyPr wrap="square" rtlCol="1">
+            <a:spAutoFit/>
+          </a:bodyPr>
+          <a:lstStyle/>
+          <a:p>
+            <a:pPr algn="ctr"/>
+            <a:r>
+              <a:rPr lang="en-US" sz="2800" b="1" dirty="0">
+                <a:solidFill>
+                  <a:srgbClr val="C00000"/>
+                </a:solidFill>
+              </a:rPr>
+              <a:t>4</a:t>
+            </a:r>
+            <a:endParaRPr lang="he-IL" sz="2800" b="1" dirty="0">
+              <a:solidFill>
+                <a:srgbClr val="C00000"/>
+              </a:solidFill>
+            </a:endParaRPr>
+          </a:p>
+        </p:txBody>
+      </p:sp>
+      <p:sp>
+        <p:nvSpPr>
+          <p:cNvPr id="35" name="TextBox 34">
+            <a:extLst>
+              <a:ext uri="{FF2B5EF4-FFF2-40B4-BE49-F238E27FC236}">
+                <a16:creationId xmlns:a16="http://schemas.microsoft.com/office/drawing/2014/main" id="{A8487076-8863-4CC2-98AF-0F0A9C527EF5}"/>
+              </a:ext>
+            </a:extLst>
+          </p:cNvPr>
+          <p:cNvSpPr txBox="1"/>
+          <p:nvPr/>
+        </p:nvSpPr>
+        <p:spPr>
+          <a:xfrm>
+            <a:off x="4674394" y="3723437"/>
+            <a:ext cx="804862" cy="523220"/>
+          </a:xfrm>
+          <a:prstGeom prst="rect">
+            <a:avLst/>
+          </a:prstGeom>
+          <a:noFill/>
+        </p:spPr>
+        <p:txBody>
+          <a:bodyPr wrap="square" rtlCol="1">
+            <a:spAutoFit/>
+          </a:bodyPr>
+          <a:lstStyle/>
+          <a:p>
+            <a:pPr algn="ctr"/>
+            <a:r>
+              <a:rPr lang="en-US" sz="2800" b="1" dirty="0">
+                <a:solidFill>
+                  <a:schemeClr val="accent6">
+                    <a:lumMod val="75000"/>
+                  </a:schemeClr>
+                </a:solidFill>
+              </a:rPr>
+              <a:t>-1</a:t>
+            </a:r>
+            <a:endParaRPr lang="he-IL" sz="2800" b="1" dirty="0">
+              <a:solidFill>
+                <a:schemeClr val="accent6">
+                  <a:lumMod val="75000"/>
+                </a:schemeClr>
+              </a:solidFill>
+            </a:endParaRPr>
+          </a:p>
+        </p:txBody>
+      </p:sp>
+      <p:sp>
+        <p:nvSpPr>
+          <p:cNvPr id="36" name="TextBox 35">
+            <a:extLst>
+              <a:ext uri="{FF2B5EF4-FFF2-40B4-BE49-F238E27FC236}">
+                <a16:creationId xmlns:a16="http://schemas.microsoft.com/office/drawing/2014/main" id="{0B9F61B3-BE5F-4538-99A9-A7FB7C8B5C8B}"/>
+              </a:ext>
+            </a:extLst>
+          </p:cNvPr>
+          <p:cNvSpPr txBox="1"/>
+          <p:nvPr/>
+        </p:nvSpPr>
+        <p:spPr>
+          <a:xfrm>
+            <a:off x="3731419" y="3733616"/>
+            <a:ext cx="804862" cy="523220"/>
+          </a:xfrm>
+          <a:prstGeom prst="rect">
+            <a:avLst/>
+          </a:prstGeom>
+          <a:noFill/>
+        </p:spPr>
+        <p:txBody>
+          <a:bodyPr wrap="square" rtlCol="1">
+            <a:spAutoFit/>
+          </a:bodyPr>
+          <a:lstStyle/>
+          <a:p>
+            <a:pPr algn="ctr"/>
+            <a:r>
+              <a:rPr lang="en-US" sz="2800" b="1" dirty="0">
+                <a:solidFill>
+                  <a:schemeClr val="accent6">
+                    <a:lumMod val="75000"/>
+                  </a:schemeClr>
+                </a:solidFill>
+              </a:rPr>
+              <a:t>-2</a:t>
+            </a:r>
+            <a:endParaRPr lang="he-IL" sz="2800" b="1" dirty="0">
+              <a:solidFill>
+                <a:schemeClr val="accent6">
+                  <a:lumMod val="75000"/>
+                </a:schemeClr>
+              </a:solidFill>
+            </a:endParaRPr>
+          </a:p>
+        </p:txBody>
+      </p:sp>
+      <p:sp>
+        <p:nvSpPr>
+          <p:cNvPr id="37" name="TextBox 36">
+            <a:extLst>
+              <a:ext uri="{FF2B5EF4-FFF2-40B4-BE49-F238E27FC236}">
+                <a16:creationId xmlns:a16="http://schemas.microsoft.com/office/drawing/2014/main" id="{A1F09B86-1B8F-46FF-8DF9-788153EFBA91}"/>
+              </a:ext>
+            </a:extLst>
+          </p:cNvPr>
+          <p:cNvSpPr txBox="1"/>
+          <p:nvPr/>
+        </p:nvSpPr>
+        <p:spPr>
+          <a:xfrm>
+            <a:off x="2807494" y="3733801"/>
+            <a:ext cx="804862" cy="523220"/>
+          </a:xfrm>
+          <a:prstGeom prst="rect">
+            <a:avLst/>
+          </a:prstGeom>
+          <a:noFill/>
+        </p:spPr>
+        <p:txBody>
+          <a:bodyPr wrap="square" rtlCol="1">
+            <a:spAutoFit/>
+          </a:bodyPr>
+          <a:lstStyle/>
+          <a:p>
+            <a:pPr algn="ctr"/>
+            <a:r>
+              <a:rPr lang="en-US" sz="2800" b="1" dirty="0">
+                <a:solidFill>
+                  <a:schemeClr val="accent6">
+                    <a:lumMod val="75000"/>
+                  </a:schemeClr>
+                </a:solidFill>
+              </a:rPr>
+              <a:t>-3</a:t>
+            </a:r>
+            <a:endParaRPr lang="he-IL" sz="2800" b="1" dirty="0">
+              <a:solidFill>
+                <a:schemeClr val="accent6">
+                  <a:lumMod val="75000"/>
+                </a:schemeClr>
+              </a:solidFill>
+            </a:endParaRPr>
+          </a:p>
+        </p:txBody>
+      </p:sp>
+      <p:sp>
+        <p:nvSpPr>
+          <p:cNvPr id="38" name="TextBox 37">
+            <a:extLst>
+              <a:ext uri="{FF2B5EF4-FFF2-40B4-BE49-F238E27FC236}">
+                <a16:creationId xmlns:a16="http://schemas.microsoft.com/office/drawing/2014/main" id="{F835F838-161B-4098-B8C5-414058C0A109}"/>
+              </a:ext>
+            </a:extLst>
+          </p:cNvPr>
+          <p:cNvSpPr txBox="1"/>
+          <p:nvPr/>
+        </p:nvSpPr>
+        <p:spPr>
+          <a:xfrm>
+            <a:off x="1864519" y="3724930"/>
+            <a:ext cx="804862" cy="523220"/>
+          </a:xfrm>
+          <a:prstGeom prst="rect">
+            <a:avLst/>
+          </a:prstGeom>
+          <a:noFill/>
+        </p:spPr>
+        <p:txBody>
+          <a:bodyPr wrap="square" rtlCol="1">
+            <a:spAutoFit/>
+          </a:bodyPr>
+          <a:lstStyle/>
+          <a:p>
+            <a:pPr algn="ctr"/>
+            <a:r>
+              <a:rPr lang="en-US" sz="2800" b="1" dirty="0">
+                <a:solidFill>
+                  <a:schemeClr val="accent6">
+                    <a:lumMod val="75000"/>
+                  </a:schemeClr>
+                </a:solidFill>
+              </a:rPr>
+              <a:t>-4</a:t>
+            </a:r>
+            <a:endParaRPr lang="he-IL" sz="2800" b="1" dirty="0">
+              <a:solidFill>
+                <a:schemeClr val="accent6">
+                  <a:lumMod val="75000"/>
+                </a:schemeClr>
+              </a:solidFill>
+            </a:endParaRPr>
+          </a:p>
+        </p:txBody>
+      </p:sp>
+      <p:sp>
+        <p:nvSpPr>
+          <p:cNvPr id="50" name="Arrow: Curved Down 49">
+            <a:extLst>
+              <a:ext uri="{FF2B5EF4-FFF2-40B4-BE49-F238E27FC236}">
+                <a16:creationId xmlns:a16="http://schemas.microsoft.com/office/drawing/2014/main" id="{27B3C53E-B260-4CA7-B681-6B8C30DB9F41}"/>
+              </a:ext>
+            </a:extLst>
+          </p:cNvPr>
+          <p:cNvSpPr/>
+          <p:nvPr/>
+        </p:nvSpPr>
+        <p:spPr>
+          <a:xfrm>
+            <a:off x="6915150" y="2277844"/>
+            <a:ext cx="2000248" cy="646331"/>
+          </a:xfrm>
+          <a:prstGeom prst="curvedDownArrow">
+            <a:avLst/>
+          </a:prstGeom>
+          <a:solidFill>
+            <a:srgbClr val="002060"/>
+          </a:solidFill>
+        </p:spPr>
+        <p:style>
+          <a:lnRef idx="2">
+            <a:schemeClr val="accent1">
+              <a:shade val="50000"/>
+            </a:schemeClr>
+          </a:lnRef>
+          <a:fillRef idx="1">
+            <a:schemeClr val="accent1"/>
+          </a:fillRef>
+          <a:effectRef idx="0">
+            <a:schemeClr val="accent1"/>
+          </a:effectRef>
+          <a:fontRef idx="minor">
+            <a:schemeClr val="lt1"/>
+          </a:fontRef>
+        </p:style>
+        <p:txBody>
+          <a:bodyPr rtlCol="1" anchor="ctr"/>
+          <a:lstStyle/>
+          <a:p>
+            <a:pPr algn="ctr"/>
+            <a:endParaRPr lang="he-IL">
+              <a:solidFill>
+                <a:schemeClr val="tx1"/>
+              </a:solidFill>
+            </a:endParaRPr>
+          </a:p>
+        </p:txBody>
+      </p:sp>
+      <p:sp>
+        <p:nvSpPr>
+          <p:cNvPr id="51" name="TextBox 50">
+            <a:extLst>
+              <a:ext uri="{FF2B5EF4-FFF2-40B4-BE49-F238E27FC236}">
+                <a16:creationId xmlns:a16="http://schemas.microsoft.com/office/drawing/2014/main" id="{DB08CCCE-06CE-4604-9704-058BAB61CEFC}"/>
+              </a:ext>
+            </a:extLst>
+          </p:cNvPr>
+          <p:cNvSpPr txBox="1"/>
+          <p:nvPr/>
+        </p:nvSpPr>
+        <p:spPr>
+          <a:xfrm>
+            <a:off x="7427119" y="1735758"/>
+            <a:ext cx="804862" cy="523220"/>
+          </a:xfrm>
+          <a:prstGeom prst="rect">
+            <a:avLst/>
+          </a:prstGeom>
+          <a:noFill/>
+        </p:spPr>
+        <p:txBody>
+          <a:bodyPr wrap="square" rtlCol="1">
+            <a:spAutoFit/>
+          </a:bodyPr>
+          <a:lstStyle/>
+          <a:p>
+            <a:pPr algn="ctr"/>
+            <a:r>
+              <a:rPr lang="en-US" sz="2800" b="1" dirty="0">
+                <a:solidFill>
+                  <a:srgbClr val="001746"/>
+                </a:solidFill>
+              </a:rPr>
+              <a:t>+2</a:t>
+            </a:r>
+            <a:endParaRPr lang="he-IL" sz="2800" b="1" dirty="0">
+              <a:solidFill>
+                <a:srgbClr val="001746"/>
+              </a:solidFill>
+            </a:endParaRPr>
+          </a:p>
+        </p:txBody>
+      </p:sp>
+    </p:spTree>
+    <p:extLst>
+      <p:ext uri="{BB962C8B-B14F-4D97-AF65-F5344CB8AC3E}">
+        <p14:creationId xmlns:p14="http://schemas.microsoft.com/office/powerpoint/2010/main" val="1515147815"/>
       </p:ext>
     </p:extLst>
   </p:cSld>

--- a/Images/Mathematics/Numbers/For Pictures.pptx
+++ b/Images/Mathematics/Numbers/For Pictures.pptx
@@ -10,6 +10,9 @@
     <p:sldId id="258" r:id="rId4"/>
     <p:sldId id="259" r:id="rId5"/>
     <p:sldId id="260" r:id="rId6"/>
+    <p:sldId id="261" r:id="rId7"/>
+    <p:sldId id="262" r:id="rId8"/>
+    <p:sldId id="263" r:id="rId9"/>
   </p:sldIdLst>
   <p:sldSz cx="12192000" cy="6858000"/>
   <p:notesSz cx="6858000" cy="9144000"/>
@@ -116,6 +119,18 @@
 </p:presentation>
 </file>
 
+<file path=ppt/commentAuthors.xml><?xml version="1.0" encoding="utf-8"?>
+<p:cmAuthorLst xmlns:a="http://schemas.openxmlformats.org/drawingml/2006/main" xmlns:r="http://schemas.openxmlformats.org/officeDocument/2006/relationships" xmlns:p="http://schemas.openxmlformats.org/presentationml/2006/main">
+  <p:cmAuthor id="1" name=" " initials="" lastIdx="1" clrIdx="0">
+    <p:extLst>
+      <p:ext uri="{19B8F6BF-5375-455C-9EA6-DF929625EA0E}">
+        <p15:presenceInfo xmlns:p15="http://schemas.microsoft.com/office/powerpoint/2012/main" userId="2d08cff60797c93b" providerId="Windows Live"/>
+      </p:ext>
+    </p:extLst>
+  </p:cmAuthor>
+</p:cmAuthorLst>
+</file>
+
 <file path=ppt/slideLayouts/slideLayout1.xml><?xml version="1.0" encoding="utf-8"?>
 <p:sldLayout xmlns:a="http://schemas.openxmlformats.org/drawingml/2006/main" xmlns:r="http://schemas.openxmlformats.org/officeDocument/2006/relationships" xmlns:p="http://schemas.openxmlformats.org/presentationml/2006/main" type="title" preserve="1">
   <p:cSld name="Title Slide">
@@ -265,7 +280,7 @@
           <a:p>
             <a:fld id="{EF67844F-E1D2-4E17-99FD-D9E2A8227591}" type="datetimeFigureOut">
               <a:rPr lang="he-IL" smtClean="0"/>
-              <a:t>א'/חשון/תשפ"ב</a:t>
+              <a:t>ד'/חשון/תשפ"ב</a:t>
             </a:fld>
             <a:endParaRPr lang="he-IL"/>
           </a:p>
@@ -465,7 +480,7 @@
           <a:p>
             <a:fld id="{EF67844F-E1D2-4E17-99FD-D9E2A8227591}" type="datetimeFigureOut">
               <a:rPr lang="he-IL" smtClean="0"/>
-              <a:t>א'/חשון/תשפ"ב</a:t>
+              <a:t>ד'/חשון/תשפ"ב</a:t>
             </a:fld>
             <a:endParaRPr lang="he-IL"/>
           </a:p>
@@ -675,7 +690,7 @@
           <a:p>
             <a:fld id="{EF67844F-E1D2-4E17-99FD-D9E2A8227591}" type="datetimeFigureOut">
               <a:rPr lang="he-IL" smtClean="0"/>
-              <a:t>א'/חשון/תשפ"ב</a:t>
+              <a:t>ד'/חשון/תשפ"ב</a:t>
             </a:fld>
             <a:endParaRPr lang="he-IL"/>
           </a:p>
@@ -875,7 +890,7 @@
           <a:p>
             <a:fld id="{EF67844F-E1D2-4E17-99FD-D9E2A8227591}" type="datetimeFigureOut">
               <a:rPr lang="he-IL" smtClean="0"/>
-              <a:t>א'/חשון/תשפ"ב</a:t>
+              <a:t>ד'/חשון/תשפ"ב</a:t>
             </a:fld>
             <a:endParaRPr lang="he-IL"/>
           </a:p>
@@ -1151,7 +1166,7 @@
           <a:p>
             <a:fld id="{EF67844F-E1D2-4E17-99FD-D9E2A8227591}" type="datetimeFigureOut">
               <a:rPr lang="he-IL" smtClean="0"/>
-              <a:t>א'/חשון/תשפ"ב</a:t>
+              <a:t>ד'/חשון/תשפ"ב</a:t>
             </a:fld>
             <a:endParaRPr lang="he-IL"/>
           </a:p>
@@ -1419,7 +1434,7 @@
           <a:p>
             <a:fld id="{EF67844F-E1D2-4E17-99FD-D9E2A8227591}" type="datetimeFigureOut">
               <a:rPr lang="he-IL" smtClean="0"/>
-              <a:t>א'/חשון/תשפ"ב</a:t>
+              <a:t>ד'/חשון/תשפ"ב</a:t>
             </a:fld>
             <a:endParaRPr lang="he-IL"/>
           </a:p>
@@ -1834,7 +1849,7 @@
           <a:p>
             <a:fld id="{EF67844F-E1D2-4E17-99FD-D9E2A8227591}" type="datetimeFigureOut">
               <a:rPr lang="he-IL" smtClean="0"/>
-              <a:t>א'/חשון/תשפ"ב</a:t>
+              <a:t>ד'/חשון/תשפ"ב</a:t>
             </a:fld>
             <a:endParaRPr lang="he-IL"/>
           </a:p>
@@ -1976,7 +1991,7 @@
           <a:p>
             <a:fld id="{EF67844F-E1D2-4E17-99FD-D9E2A8227591}" type="datetimeFigureOut">
               <a:rPr lang="he-IL" smtClean="0"/>
-              <a:t>א'/חשון/תשפ"ב</a:t>
+              <a:t>ד'/חשון/תשפ"ב</a:t>
             </a:fld>
             <a:endParaRPr lang="he-IL"/>
           </a:p>
@@ -2089,7 +2104,7 @@
           <a:p>
             <a:fld id="{EF67844F-E1D2-4E17-99FD-D9E2A8227591}" type="datetimeFigureOut">
               <a:rPr lang="he-IL" smtClean="0"/>
-              <a:t>א'/חשון/תשפ"ב</a:t>
+              <a:t>ד'/חשון/תשפ"ב</a:t>
             </a:fld>
             <a:endParaRPr lang="he-IL"/>
           </a:p>
@@ -2402,7 +2417,7 @@
           <a:p>
             <a:fld id="{EF67844F-E1D2-4E17-99FD-D9E2A8227591}" type="datetimeFigureOut">
               <a:rPr lang="he-IL" smtClean="0"/>
-              <a:t>א'/חשון/תשפ"ב</a:t>
+              <a:t>ד'/חשון/תשפ"ב</a:t>
             </a:fld>
             <a:endParaRPr lang="he-IL"/>
           </a:p>
@@ -2691,7 +2706,7 @@
           <a:p>
             <a:fld id="{EF67844F-E1D2-4E17-99FD-D9E2A8227591}" type="datetimeFigureOut">
               <a:rPr lang="he-IL" smtClean="0"/>
-              <a:t>א'/חשון/תשפ"ב</a:t>
+              <a:t>ד'/חשון/תשפ"ב</a:t>
             </a:fld>
             <a:endParaRPr lang="he-IL"/>
           </a:p>
@@ -2934,7 +2949,7 @@
           <a:p>
             <a:fld id="{EF67844F-E1D2-4E17-99FD-D9E2A8227591}" type="datetimeFigureOut">
               <a:rPr lang="he-IL" smtClean="0"/>
-              <a:t>א'/חשון/תשפ"ב</a:t>
+              <a:t>ד'/חשון/תשפ"ב</a:t>
             </a:fld>
             <a:endParaRPr lang="he-IL"/>
           </a:p>
@@ -6532,6 +6547,2349 @@
 </p:sld>
 </file>
 
+<file path=ppt/slides/slide6.xml><?xml version="1.0" encoding="utf-8"?>
+<p:sld xmlns:a="http://schemas.openxmlformats.org/drawingml/2006/main" xmlns:r="http://schemas.openxmlformats.org/officeDocument/2006/relationships" xmlns:p="http://schemas.openxmlformats.org/presentationml/2006/main">
+  <p:cSld>
+    <p:spTree>
+      <p:nvGrpSpPr>
+        <p:cNvPr id="1" name=""/>
+        <p:cNvGrpSpPr/>
+        <p:nvPr/>
+      </p:nvGrpSpPr>
+      <p:grpSpPr>
+        <a:xfrm>
+          <a:off x="0" y="0"/>
+          <a:ext cx="0" cy="0"/>
+          <a:chOff x="0" y="0"/>
+          <a:chExt cx="0" cy="0"/>
+        </a:xfrm>
+      </p:grpSpPr>
+      <p:sp>
+        <p:nvSpPr>
+          <p:cNvPr id="7" name="Rectangle 6">
+            <a:extLst>
+              <a:ext uri="{FF2B5EF4-FFF2-40B4-BE49-F238E27FC236}">
+                <a16:creationId xmlns:a16="http://schemas.microsoft.com/office/drawing/2014/main" id="{EA04B2FB-857F-4A62-9660-ACB85BFFBBAB}"/>
+              </a:ext>
+            </a:extLst>
+          </p:cNvPr>
+          <p:cNvSpPr/>
+          <p:nvPr/>
+        </p:nvSpPr>
+        <p:spPr>
+          <a:xfrm>
+            <a:off x="2595562" y="1768940"/>
+            <a:ext cx="6291263" cy="4619625"/>
+          </a:xfrm>
+          <a:prstGeom prst="rect">
+            <a:avLst/>
+          </a:prstGeom>
+          <a:solidFill>
+            <a:schemeClr val="accent1">
+              <a:lumMod val="20000"/>
+              <a:lumOff val="80000"/>
+            </a:schemeClr>
+          </a:solidFill>
+          <a:ln>
+            <a:solidFill>
+              <a:schemeClr val="bg1"/>
+            </a:solidFill>
+          </a:ln>
+        </p:spPr>
+        <p:style>
+          <a:lnRef idx="2">
+            <a:schemeClr val="accent1">
+              <a:shade val="50000"/>
+            </a:schemeClr>
+          </a:lnRef>
+          <a:fillRef idx="1">
+            <a:schemeClr val="accent1"/>
+          </a:fillRef>
+          <a:effectRef idx="0">
+            <a:schemeClr val="accent1"/>
+          </a:effectRef>
+          <a:fontRef idx="minor">
+            <a:schemeClr val="lt1"/>
+          </a:fontRef>
+        </p:style>
+        <p:txBody>
+          <a:bodyPr rtlCol="1" anchor="ctr"/>
+          <a:lstStyle/>
+          <a:p>
+            <a:pPr algn="ctr"/>
+            <a:endParaRPr lang="he-IL"/>
+          </a:p>
+        </p:txBody>
+      </p:sp>
+      <p:sp>
+        <p:nvSpPr>
+          <p:cNvPr id="41" name="Rectangle 40">
+            <a:extLst>
+              <a:ext uri="{FF2B5EF4-FFF2-40B4-BE49-F238E27FC236}">
+                <a16:creationId xmlns:a16="http://schemas.microsoft.com/office/drawing/2014/main" id="{056A5A97-DC2A-4C0D-A2AC-EAFD62D01AB4}"/>
+              </a:ext>
+            </a:extLst>
+          </p:cNvPr>
+          <p:cNvSpPr/>
+          <p:nvPr/>
+        </p:nvSpPr>
+        <p:spPr>
+          <a:xfrm>
+            <a:off x="2924175" y="2533650"/>
+            <a:ext cx="2581275" cy="3600450"/>
+          </a:xfrm>
+          <a:prstGeom prst="rect">
+            <a:avLst/>
+          </a:prstGeom>
+          <a:solidFill>
+            <a:srgbClr val="FFCCCC"/>
+          </a:solidFill>
+          <a:ln w="38100">
+            <a:solidFill>
+              <a:schemeClr val="tx1"/>
+            </a:solidFill>
+          </a:ln>
+        </p:spPr>
+        <p:style>
+          <a:lnRef idx="2">
+            <a:schemeClr val="accent1">
+              <a:shade val="50000"/>
+            </a:schemeClr>
+          </a:lnRef>
+          <a:fillRef idx="1">
+            <a:schemeClr val="accent1"/>
+          </a:fillRef>
+          <a:effectRef idx="0">
+            <a:schemeClr val="accent1"/>
+          </a:effectRef>
+          <a:fontRef idx="minor">
+            <a:schemeClr val="lt1"/>
+          </a:fontRef>
+        </p:style>
+        <p:txBody>
+          <a:bodyPr rtlCol="1" anchor="ctr"/>
+          <a:lstStyle/>
+          <a:p>
+            <a:pPr algn="ctr"/>
+            <a:endParaRPr lang="he-IL"/>
+          </a:p>
+        </p:txBody>
+      </p:sp>
+      <p:sp>
+        <p:nvSpPr>
+          <p:cNvPr id="4" name="Rectangle 3">
+            <a:extLst>
+              <a:ext uri="{FF2B5EF4-FFF2-40B4-BE49-F238E27FC236}">
+                <a16:creationId xmlns:a16="http://schemas.microsoft.com/office/drawing/2014/main" id="{77B52980-6C26-41A5-A9A6-79EE1F734FA4}"/>
+              </a:ext>
+            </a:extLst>
+          </p:cNvPr>
+          <p:cNvSpPr/>
+          <p:nvPr/>
+        </p:nvSpPr>
+        <p:spPr>
+          <a:xfrm>
+            <a:off x="3128960" y="3075167"/>
+            <a:ext cx="2181225" cy="2868433"/>
+          </a:xfrm>
+          <a:prstGeom prst="rect">
+            <a:avLst/>
+          </a:prstGeom>
+          <a:solidFill>
+            <a:srgbClr val="FFCCFF"/>
+          </a:solidFill>
+          <a:ln w="38100">
+            <a:solidFill>
+              <a:schemeClr val="tx1"/>
+            </a:solidFill>
+          </a:ln>
+        </p:spPr>
+        <p:style>
+          <a:lnRef idx="2">
+            <a:schemeClr val="accent1">
+              <a:shade val="50000"/>
+            </a:schemeClr>
+          </a:lnRef>
+          <a:fillRef idx="1">
+            <a:schemeClr val="accent1"/>
+          </a:fillRef>
+          <a:effectRef idx="0">
+            <a:schemeClr val="accent1"/>
+          </a:effectRef>
+          <a:fontRef idx="minor">
+            <a:schemeClr val="lt1"/>
+          </a:fontRef>
+        </p:style>
+        <p:txBody>
+          <a:bodyPr rtlCol="1" anchor="ctr"/>
+          <a:lstStyle/>
+          <a:p>
+            <a:pPr algn="ctr"/>
+            <a:endParaRPr lang="he-IL"/>
+          </a:p>
+        </p:txBody>
+      </p:sp>
+      <p:sp>
+        <p:nvSpPr>
+          <p:cNvPr id="6" name="Rectangle 5">
+            <a:extLst>
+              <a:ext uri="{FF2B5EF4-FFF2-40B4-BE49-F238E27FC236}">
+                <a16:creationId xmlns:a16="http://schemas.microsoft.com/office/drawing/2014/main" id="{2CCF1B4E-9C52-4489-927E-100B155E85D9}"/>
+              </a:ext>
+            </a:extLst>
+          </p:cNvPr>
+          <p:cNvSpPr/>
+          <p:nvPr/>
+        </p:nvSpPr>
+        <p:spPr>
+          <a:xfrm>
+            <a:off x="3419475" y="3648076"/>
+            <a:ext cx="1619250" cy="2066924"/>
+          </a:xfrm>
+          <a:prstGeom prst="rect">
+            <a:avLst/>
+          </a:prstGeom>
+          <a:solidFill>
+            <a:srgbClr val="99FFCC"/>
+          </a:solidFill>
+          <a:ln w="38100">
+            <a:solidFill>
+              <a:schemeClr val="tx1"/>
+            </a:solidFill>
+          </a:ln>
+        </p:spPr>
+        <p:style>
+          <a:lnRef idx="2">
+            <a:schemeClr val="accent1">
+              <a:shade val="50000"/>
+            </a:schemeClr>
+          </a:lnRef>
+          <a:fillRef idx="1">
+            <a:schemeClr val="accent1"/>
+          </a:fillRef>
+          <a:effectRef idx="0">
+            <a:schemeClr val="accent1"/>
+          </a:effectRef>
+          <a:fontRef idx="minor">
+            <a:schemeClr val="lt1"/>
+          </a:fontRef>
+        </p:style>
+        <p:txBody>
+          <a:bodyPr rtlCol="1" anchor="ctr"/>
+          <a:lstStyle/>
+          <a:p>
+            <a:pPr algn="ctr"/>
+            <a:endParaRPr lang="he-IL"/>
+          </a:p>
+        </p:txBody>
+      </p:sp>
+      <p:sp>
+        <p:nvSpPr>
+          <p:cNvPr id="16" name="TextBox 15">
+            <a:extLst>
+              <a:ext uri="{FF2B5EF4-FFF2-40B4-BE49-F238E27FC236}">
+                <a16:creationId xmlns:a16="http://schemas.microsoft.com/office/drawing/2014/main" id="{A77724CA-1F23-43DF-9D42-8934044B19EF}"/>
+              </a:ext>
+            </a:extLst>
+          </p:cNvPr>
+          <p:cNvSpPr txBox="1"/>
+          <p:nvPr/>
+        </p:nvSpPr>
+        <p:spPr>
+          <a:xfrm>
+            <a:off x="723900" y="381000"/>
+            <a:ext cx="10782300" cy="646331"/>
+          </a:xfrm>
+          <a:prstGeom prst="rect">
+            <a:avLst/>
+          </a:prstGeom>
+          <a:noFill/>
+        </p:spPr>
+        <p:txBody>
+          <a:bodyPr wrap="square" rtlCol="1">
+            <a:spAutoFit/>
+          </a:bodyPr>
+          <a:lstStyle/>
+          <a:p>
+            <a:pPr algn="ctr"/>
+            <a:r>
+              <a:rPr lang="en-US" sz="3600" b="1" i="0" u="none" strike="noStrike" dirty="0">
+                <a:solidFill>
+                  <a:srgbClr val="000000"/>
+                </a:solidFill>
+                <a:effectLst/>
+                <a:latin typeface="Arial" panose="020B0604020202020204" pitchFamily="34" charset="0"/>
+              </a:rPr>
+              <a:t>Number Type Ordering</a:t>
+            </a:r>
+          </a:p>
+        </p:txBody>
+      </p:sp>
+      <p:sp>
+        <p:nvSpPr>
+          <p:cNvPr id="3" name="TextBox 2">
+            <a:extLst>
+              <a:ext uri="{FF2B5EF4-FFF2-40B4-BE49-F238E27FC236}">
+                <a16:creationId xmlns:a16="http://schemas.microsoft.com/office/drawing/2014/main" id="{F6255F67-36FE-4A49-8522-C82AE59497B6}"/>
+              </a:ext>
+            </a:extLst>
+          </p:cNvPr>
+          <p:cNvSpPr txBox="1"/>
+          <p:nvPr/>
+        </p:nvSpPr>
+        <p:spPr>
+          <a:xfrm>
+            <a:off x="3543300" y="3819662"/>
+            <a:ext cx="1409700" cy="369332"/>
+          </a:xfrm>
+          <a:prstGeom prst="rect">
+            <a:avLst/>
+          </a:prstGeom>
+          <a:noFill/>
+        </p:spPr>
+        <p:txBody>
+          <a:bodyPr wrap="square" rtlCol="1">
+            <a:spAutoFit/>
+          </a:bodyPr>
+          <a:lstStyle/>
+          <a:p>
+            <a:r>
+              <a:rPr lang="en-US" b="1" dirty="0"/>
+              <a:t>Whole (zero)</a:t>
+            </a:r>
+            <a:endParaRPr lang="he-IL" b="1" dirty="0"/>
+          </a:p>
+        </p:txBody>
+      </p:sp>
+      <p:sp>
+        <p:nvSpPr>
+          <p:cNvPr id="40" name="TextBox 39">
+            <a:extLst>
+              <a:ext uri="{FF2B5EF4-FFF2-40B4-BE49-F238E27FC236}">
+                <a16:creationId xmlns:a16="http://schemas.microsoft.com/office/drawing/2014/main" id="{83D7CFFB-31B6-4B2F-862C-CBDF84EF0A22}"/>
+              </a:ext>
+            </a:extLst>
+          </p:cNvPr>
+          <p:cNvSpPr txBox="1"/>
+          <p:nvPr/>
+        </p:nvSpPr>
+        <p:spPr>
+          <a:xfrm>
+            <a:off x="3109913" y="3148733"/>
+            <a:ext cx="2181225" cy="369332"/>
+          </a:xfrm>
+          <a:prstGeom prst="rect">
+            <a:avLst/>
+          </a:prstGeom>
+          <a:noFill/>
+        </p:spPr>
+        <p:txBody>
+          <a:bodyPr wrap="square" rtlCol="1">
+            <a:spAutoFit/>
+          </a:bodyPr>
+          <a:lstStyle/>
+          <a:p>
+            <a:pPr algn="ctr"/>
+            <a:r>
+              <a:rPr lang="en-US" b="1" dirty="0"/>
+              <a:t>Integer -1, -2, -3</a:t>
+            </a:r>
+            <a:endParaRPr lang="he-IL" b="1" dirty="0"/>
+          </a:p>
+        </p:txBody>
+      </p:sp>
+      <p:sp>
+        <p:nvSpPr>
+          <p:cNvPr id="42" name="TextBox 41">
+            <a:extLst>
+              <a:ext uri="{FF2B5EF4-FFF2-40B4-BE49-F238E27FC236}">
+                <a16:creationId xmlns:a16="http://schemas.microsoft.com/office/drawing/2014/main" id="{AD6CCB62-8B3B-426A-8E62-6600927CD35C}"/>
+              </a:ext>
+            </a:extLst>
+          </p:cNvPr>
+          <p:cNvSpPr txBox="1"/>
+          <p:nvPr/>
+        </p:nvSpPr>
+        <p:spPr>
+          <a:xfrm>
+            <a:off x="3100386" y="2640830"/>
+            <a:ext cx="2181225" cy="369332"/>
+          </a:xfrm>
+          <a:prstGeom prst="rect">
+            <a:avLst/>
+          </a:prstGeom>
+          <a:noFill/>
+        </p:spPr>
+        <p:txBody>
+          <a:bodyPr wrap="square" rtlCol="1">
+            <a:spAutoFit/>
+          </a:bodyPr>
+          <a:lstStyle/>
+          <a:p>
+            <a:pPr algn="ctr"/>
+            <a:r>
+              <a:rPr lang="en-US" b="1" dirty="0"/>
+              <a:t>Rational 1/3, 1/5</a:t>
+            </a:r>
+            <a:endParaRPr lang="he-IL" b="1" dirty="0"/>
+          </a:p>
+        </p:txBody>
+      </p:sp>
+      <p:sp>
+        <p:nvSpPr>
+          <p:cNvPr id="5" name="Rectangle 4">
+            <a:extLst>
+              <a:ext uri="{FF2B5EF4-FFF2-40B4-BE49-F238E27FC236}">
+                <a16:creationId xmlns:a16="http://schemas.microsoft.com/office/drawing/2014/main" id="{6753D505-EA24-40D7-8A26-9014248A415D}"/>
+              </a:ext>
+            </a:extLst>
+          </p:cNvPr>
+          <p:cNvSpPr/>
+          <p:nvPr/>
+        </p:nvSpPr>
+        <p:spPr>
+          <a:xfrm>
+            <a:off x="3609975" y="4352925"/>
+            <a:ext cx="1190625" cy="1171575"/>
+          </a:xfrm>
+          <a:prstGeom prst="rect">
+            <a:avLst/>
+          </a:prstGeom>
+          <a:solidFill>
+            <a:srgbClr val="CCECFF"/>
+          </a:solidFill>
+          <a:ln w="38100">
+            <a:solidFill>
+              <a:schemeClr val="tx1"/>
+            </a:solidFill>
+          </a:ln>
+        </p:spPr>
+        <p:style>
+          <a:lnRef idx="2">
+            <a:schemeClr val="accent1">
+              <a:shade val="50000"/>
+            </a:schemeClr>
+          </a:lnRef>
+          <a:fillRef idx="1">
+            <a:schemeClr val="accent1"/>
+          </a:fillRef>
+          <a:effectRef idx="0">
+            <a:schemeClr val="accent1"/>
+          </a:effectRef>
+          <a:fontRef idx="minor">
+            <a:schemeClr val="lt1"/>
+          </a:fontRef>
+        </p:style>
+        <p:txBody>
+          <a:bodyPr rtlCol="1" anchor="ctr"/>
+          <a:lstStyle/>
+          <a:p>
+            <a:pPr algn="ctr"/>
+            <a:endParaRPr lang="he-IL"/>
+          </a:p>
+        </p:txBody>
+      </p:sp>
+      <p:sp>
+        <p:nvSpPr>
+          <p:cNvPr id="43" name="TextBox 42">
+            <a:extLst>
+              <a:ext uri="{FF2B5EF4-FFF2-40B4-BE49-F238E27FC236}">
+                <a16:creationId xmlns:a16="http://schemas.microsoft.com/office/drawing/2014/main" id="{5C2D73B7-EB9D-47F2-83CD-6BFC7AA45A05}"/>
+              </a:ext>
+            </a:extLst>
+          </p:cNvPr>
+          <p:cNvSpPr txBox="1"/>
+          <p:nvPr/>
+        </p:nvSpPr>
+        <p:spPr>
+          <a:xfrm>
+            <a:off x="3505200" y="4459753"/>
+            <a:ext cx="1409700" cy="923330"/>
+          </a:xfrm>
+          <a:prstGeom prst="rect">
+            <a:avLst/>
+          </a:prstGeom>
+          <a:noFill/>
+        </p:spPr>
+        <p:txBody>
+          <a:bodyPr wrap="square" rtlCol="1">
+            <a:spAutoFit/>
+          </a:bodyPr>
+          <a:lstStyle/>
+          <a:p>
+            <a:pPr algn="ctr"/>
+            <a:r>
+              <a:rPr lang="en-US" b="1" dirty="0"/>
+              <a:t>Natural (Counting)</a:t>
+            </a:r>
+          </a:p>
+          <a:p>
+            <a:pPr algn="ctr"/>
+            <a:r>
+              <a:rPr lang="en-US" b="1" dirty="0"/>
+              <a:t>1, 2, 3</a:t>
+            </a:r>
+            <a:endParaRPr lang="he-IL" b="1" dirty="0"/>
+          </a:p>
+        </p:txBody>
+      </p:sp>
+      <p:sp>
+        <p:nvSpPr>
+          <p:cNvPr id="44" name="Rectangle 43">
+            <a:extLst>
+              <a:ext uri="{FF2B5EF4-FFF2-40B4-BE49-F238E27FC236}">
+                <a16:creationId xmlns:a16="http://schemas.microsoft.com/office/drawing/2014/main" id="{79CEF425-B4CF-4B40-A738-D1CC69A2AF19}"/>
+              </a:ext>
+            </a:extLst>
+          </p:cNvPr>
+          <p:cNvSpPr/>
+          <p:nvPr/>
+        </p:nvSpPr>
+        <p:spPr>
+          <a:xfrm>
+            <a:off x="6071320" y="2552700"/>
+            <a:ext cx="2520230" cy="3581400"/>
+          </a:xfrm>
+          <a:prstGeom prst="rect">
+            <a:avLst/>
+          </a:prstGeom>
+          <a:solidFill>
+            <a:srgbClr val="FFFFCC"/>
+          </a:solidFill>
+          <a:ln w="38100">
+            <a:solidFill>
+              <a:schemeClr val="tx1"/>
+            </a:solidFill>
+          </a:ln>
+        </p:spPr>
+        <p:style>
+          <a:lnRef idx="2">
+            <a:schemeClr val="accent1">
+              <a:shade val="50000"/>
+            </a:schemeClr>
+          </a:lnRef>
+          <a:fillRef idx="1">
+            <a:schemeClr val="accent1"/>
+          </a:fillRef>
+          <a:effectRef idx="0">
+            <a:schemeClr val="accent1"/>
+          </a:effectRef>
+          <a:fontRef idx="minor">
+            <a:schemeClr val="lt1"/>
+          </a:fontRef>
+        </p:style>
+        <p:txBody>
+          <a:bodyPr rtlCol="1" anchor="ctr"/>
+          <a:lstStyle/>
+          <a:p>
+            <a:pPr algn="ctr"/>
+            <a:endParaRPr lang="he-IL"/>
+          </a:p>
+        </p:txBody>
+      </p:sp>
+      <mc:AlternateContent xmlns:mc="http://schemas.openxmlformats.org/markup-compatibility/2006">
+        <mc:Choice xmlns:a14="http://schemas.microsoft.com/office/drawing/2010/main" Requires="a14">
+          <p:sp>
+            <p:nvSpPr>
+              <p:cNvPr id="45" name="TextBox 44">
+                <a:extLst>
+                  <a:ext uri="{FF2B5EF4-FFF2-40B4-BE49-F238E27FC236}">
+                    <a16:creationId xmlns:a16="http://schemas.microsoft.com/office/drawing/2014/main" id="{5112C96A-C072-44DA-B982-FD78D5BA90A4}"/>
+                  </a:ext>
+                </a:extLst>
+              </p:cNvPr>
+              <p:cNvSpPr txBox="1"/>
+              <p:nvPr/>
+            </p:nvSpPr>
+            <p:spPr>
+              <a:xfrm>
+                <a:off x="6629400" y="3949551"/>
+                <a:ext cx="1376362" cy="678968"/>
+              </a:xfrm>
+              <a:prstGeom prst="rect">
+                <a:avLst/>
+              </a:prstGeom>
+              <a:noFill/>
+            </p:spPr>
+            <p:txBody>
+              <a:bodyPr wrap="square" rtlCol="1">
+                <a:spAutoFit/>
+              </a:bodyPr>
+              <a:lstStyle/>
+              <a:p>
+                <a:pPr algn="ctr"/>
+                <a:r>
+                  <a:rPr lang="en-US" b="1" dirty="0"/>
+                  <a:t>Irrational</a:t>
+                </a:r>
+              </a:p>
+              <a:p>
+                <a:pPr algn="ctr"/>
+                <a14:m>
+                  <m:oMathPara xmlns:m="http://schemas.openxmlformats.org/officeDocument/2006/math">
+                    <m:oMathParaPr>
+                      <m:jc m:val="centerGroup"/>
+                    </m:oMathParaPr>
+                    <m:oMath xmlns:m="http://schemas.openxmlformats.org/officeDocument/2006/math">
+                      <m:rad>
+                        <m:radPr>
+                          <m:degHide m:val="on"/>
+                          <m:ctrlPr>
+                            <a:rPr lang="he-IL" b="1" i="1" smtClean="0">
+                              <a:latin typeface="Cambria Math" panose="02040503050406030204" pitchFamily="18" charset="0"/>
+                            </a:rPr>
+                          </m:ctrlPr>
+                        </m:radPr>
+                        <m:deg/>
+                        <m:e>
+                          <m:r>
+                            <a:rPr lang="he-IL" b="1" i="1" smtClean="0">
+                              <a:latin typeface="Cambria Math" panose="02040503050406030204" pitchFamily="18" charset="0"/>
+                            </a:rPr>
+                            <m:t>𝟐</m:t>
+                          </m:r>
+                        </m:e>
+                      </m:rad>
+                      <m:r>
+                        <a:rPr lang="en-US" b="1" i="0" smtClean="0">
+                          <a:latin typeface="Cambria Math" panose="02040503050406030204" pitchFamily="18" charset="0"/>
+                        </a:rPr>
+                        <m:t>,</m:t>
+                      </m:r>
+                      <m:rad>
+                        <m:radPr>
+                          <m:degHide m:val="on"/>
+                          <m:ctrlPr>
+                            <a:rPr lang="en-US" b="1" i="1">
+                              <a:latin typeface="Cambria Math" panose="02040503050406030204" pitchFamily="18" charset="0"/>
+                            </a:rPr>
+                          </m:ctrlPr>
+                        </m:radPr>
+                        <m:deg/>
+                        <m:e>
+                          <m:r>
+                            <a:rPr lang="en-US" b="1" i="1">
+                              <a:latin typeface="Cambria Math" panose="02040503050406030204" pitchFamily="18" charset="0"/>
+                            </a:rPr>
+                            <m:t>𝟑</m:t>
+                          </m:r>
+                        </m:e>
+                      </m:rad>
+                      <m:r>
+                        <a:rPr lang="en-US" b="1" i="1" smtClean="0">
+                          <a:latin typeface="Cambria Math" panose="02040503050406030204" pitchFamily="18" charset="0"/>
+                        </a:rPr>
+                        <m:t>, </m:t>
+                      </m:r>
+                      <m:r>
+                        <a:rPr lang="el-GR" b="1" i="1" smtClean="0">
+                          <a:latin typeface="Cambria Math" panose="02040503050406030204" pitchFamily="18" charset="0"/>
+                        </a:rPr>
+                        <m:t>𝝅</m:t>
+                      </m:r>
+                    </m:oMath>
+                  </m:oMathPara>
+                </a14:m>
+                <a:endParaRPr lang="he-IL" b="1" dirty="0"/>
+              </a:p>
+            </p:txBody>
+          </p:sp>
+        </mc:Choice>
+        <mc:Fallback>
+          <p:sp>
+            <p:nvSpPr>
+              <p:cNvPr id="45" name="TextBox 44">
+                <a:extLst>
+                  <a:ext uri="{FF2B5EF4-FFF2-40B4-BE49-F238E27FC236}">
+                    <a16:creationId xmlns:a16="http://schemas.microsoft.com/office/drawing/2014/main" id="{5112C96A-C072-44DA-B982-FD78D5BA90A4}"/>
+                  </a:ext>
+                </a:extLst>
+              </p:cNvPr>
+              <p:cNvSpPr txBox="1">
+                <a:spLocks noRot="1" noChangeAspect="1" noMove="1" noResize="1" noEditPoints="1" noAdjustHandles="1" noChangeArrowheads="1" noChangeShapeType="1" noTextEdit="1"/>
+              </p:cNvSpPr>
+              <p:nvPr/>
+            </p:nvSpPr>
+            <p:spPr>
+              <a:xfrm>
+                <a:off x="6629400" y="3949551"/>
+                <a:ext cx="1376362" cy="678968"/>
+              </a:xfrm>
+              <a:prstGeom prst="rect">
+                <a:avLst/>
+              </a:prstGeom>
+              <a:blipFill>
+                <a:blip r:embed="rId2"/>
+                <a:stretch>
+                  <a:fillRect t="-5405"/>
+                </a:stretch>
+              </a:blipFill>
+            </p:spPr>
+            <p:txBody>
+              <a:bodyPr/>
+              <a:lstStyle/>
+              <a:p>
+                <a:r>
+                  <a:rPr lang="he-IL">
+                    <a:noFill/>
+                  </a:rPr>
+                  <a:t> </a:t>
+                </a:r>
+              </a:p>
+            </p:txBody>
+          </p:sp>
+        </mc:Fallback>
+      </mc:AlternateContent>
+      <p:sp>
+        <p:nvSpPr>
+          <p:cNvPr id="46" name="TextBox 45">
+            <a:extLst>
+              <a:ext uri="{FF2B5EF4-FFF2-40B4-BE49-F238E27FC236}">
+                <a16:creationId xmlns:a16="http://schemas.microsoft.com/office/drawing/2014/main" id="{7DDF2CF2-2E2D-45EE-9D6D-D5AA9B541ECF}"/>
+              </a:ext>
+            </a:extLst>
+          </p:cNvPr>
+          <p:cNvSpPr txBox="1"/>
+          <p:nvPr/>
+        </p:nvSpPr>
+        <p:spPr>
+          <a:xfrm>
+            <a:off x="4650580" y="1951240"/>
+            <a:ext cx="2181225" cy="400110"/>
+          </a:xfrm>
+          <a:prstGeom prst="rect">
+            <a:avLst/>
+          </a:prstGeom>
+          <a:noFill/>
+        </p:spPr>
+        <p:txBody>
+          <a:bodyPr wrap="square" rtlCol="1">
+            <a:spAutoFit/>
+          </a:bodyPr>
+          <a:lstStyle/>
+          <a:p>
+            <a:pPr algn="ctr"/>
+            <a:r>
+              <a:rPr lang="en-US" sz="2000" b="1" dirty="0"/>
+              <a:t>Real</a:t>
+            </a:r>
+            <a:endParaRPr lang="he-IL" sz="2000" b="1" dirty="0"/>
+          </a:p>
+        </p:txBody>
+      </p:sp>
+    </p:spTree>
+    <p:extLst>
+      <p:ext uri="{BB962C8B-B14F-4D97-AF65-F5344CB8AC3E}">
+        <p14:creationId xmlns:p14="http://schemas.microsoft.com/office/powerpoint/2010/main" val="174705694"/>
+      </p:ext>
+    </p:extLst>
+  </p:cSld>
+  <p:clrMapOvr>
+    <a:masterClrMapping/>
+  </p:clrMapOvr>
+</p:sld>
+</file>
+
+<file path=ppt/slides/slide7.xml><?xml version="1.0" encoding="utf-8"?>
+<p:sld xmlns:a="http://schemas.openxmlformats.org/drawingml/2006/main" xmlns:r="http://schemas.openxmlformats.org/officeDocument/2006/relationships" xmlns:p="http://schemas.openxmlformats.org/presentationml/2006/main">
+  <p:cSld>
+    <p:spTree>
+      <p:nvGrpSpPr>
+        <p:cNvPr id="1" name=""/>
+        <p:cNvGrpSpPr/>
+        <p:nvPr/>
+      </p:nvGrpSpPr>
+      <p:grpSpPr>
+        <a:xfrm>
+          <a:off x="0" y="0"/>
+          <a:ext cx="0" cy="0"/>
+          <a:chOff x="0" y="0"/>
+          <a:chExt cx="0" cy="0"/>
+        </a:xfrm>
+      </p:grpSpPr>
+      <p:sp>
+        <p:nvSpPr>
+          <p:cNvPr id="7" name="Rectangle 6">
+            <a:extLst>
+              <a:ext uri="{FF2B5EF4-FFF2-40B4-BE49-F238E27FC236}">
+                <a16:creationId xmlns:a16="http://schemas.microsoft.com/office/drawing/2014/main" id="{EA04B2FB-857F-4A62-9660-ACB85BFFBBAB}"/>
+              </a:ext>
+            </a:extLst>
+          </p:cNvPr>
+          <p:cNvSpPr/>
+          <p:nvPr/>
+        </p:nvSpPr>
+        <p:spPr>
+          <a:xfrm>
+            <a:off x="2595562" y="1768940"/>
+            <a:ext cx="6291263" cy="4619625"/>
+          </a:xfrm>
+          <a:prstGeom prst="rect">
+            <a:avLst/>
+          </a:prstGeom>
+          <a:solidFill>
+            <a:schemeClr val="accent1">
+              <a:lumMod val="20000"/>
+              <a:lumOff val="80000"/>
+            </a:schemeClr>
+          </a:solidFill>
+          <a:ln>
+            <a:solidFill>
+              <a:schemeClr val="bg1"/>
+            </a:solidFill>
+          </a:ln>
+        </p:spPr>
+        <p:style>
+          <a:lnRef idx="2">
+            <a:schemeClr val="accent1">
+              <a:shade val="50000"/>
+            </a:schemeClr>
+          </a:lnRef>
+          <a:fillRef idx="1">
+            <a:schemeClr val="accent1"/>
+          </a:fillRef>
+          <a:effectRef idx="0">
+            <a:schemeClr val="accent1"/>
+          </a:effectRef>
+          <a:fontRef idx="minor">
+            <a:schemeClr val="lt1"/>
+          </a:fontRef>
+        </p:style>
+        <p:txBody>
+          <a:bodyPr rtlCol="1" anchor="ctr"/>
+          <a:lstStyle/>
+          <a:p>
+            <a:pPr algn="ctr"/>
+            <a:endParaRPr lang="he-IL"/>
+          </a:p>
+        </p:txBody>
+      </p:sp>
+      <p:sp>
+        <p:nvSpPr>
+          <p:cNvPr id="41" name="Rectangle 40">
+            <a:extLst>
+              <a:ext uri="{FF2B5EF4-FFF2-40B4-BE49-F238E27FC236}">
+                <a16:creationId xmlns:a16="http://schemas.microsoft.com/office/drawing/2014/main" id="{056A5A97-DC2A-4C0D-A2AC-EAFD62D01AB4}"/>
+              </a:ext>
+            </a:extLst>
+          </p:cNvPr>
+          <p:cNvSpPr/>
+          <p:nvPr/>
+        </p:nvSpPr>
+        <p:spPr>
+          <a:xfrm>
+            <a:off x="2924175" y="2533650"/>
+            <a:ext cx="2581275" cy="3600450"/>
+          </a:xfrm>
+          <a:prstGeom prst="rect">
+            <a:avLst/>
+          </a:prstGeom>
+          <a:solidFill>
+            <a:srgbClr val="FFCCCC"/>
+          </a:solidFill>
+          <a:ln w="38100">
+            <a:solidFill>
+              <a:schemeClr val="tx1"/>
+            </a:solidFill>
+          </a:ln>
+        </p:spPr>
+        <p:style>
+          <a:lnRef idx="2">
+            <a:schemeClr val="accent1">
+              <a:shade val="50000"/>
+            </a:schemeClr>
+          </a:lnRef>
+          <a:fillRef idx="1">
+            <a:schemeClr val="accent1"/>
+          </a:fillRef>
+          <a:effectRef idx="0">
+            <a:schemeClr val="accent1"/>
+          </a:effectRef>
+          <a:fontRef idx="minor">
+            <a:schemeClr val="lt1"/>
+          </a:fontRef>
+        </p:style>
+        <p:txBody>
+          <a:bodyPr rtlCol="1" anchor="ctr"/>
+          <a:lstStyle/>
+          <a:p>
+            <a:pPr algn="ctr"/>
+            <a:endParaRPr lang="he-IL"/>
+          </a:p>
+        </p:txBody>
+      </p:sp>
+      <p:sp>
+        <p:nvSpPr>
+          <p:cNvPr id="4" name="Rectangle 3">
+            <a:extLst>
+              <a:ext uri="{FF2B5EF4-FFF2-40B4-BE49-F238E27FC236}">
+                <a16:creationId xmlns:a16="http://schemas.microsoft.com/office/drawing/2014/main" id="{77B52980-6C26-41A5-A9A6-79EE1F734FA4}"/>
+              </a:ext>
+            </a:extLst>
+          </p:cNvPr>
+          <p:cNvSpPr/>
+          <p:nvPr/>
+        </p:nvSpPr>
+        <p:spPr>
+          <a:xfrm>
+            <a:off x="3128960" y="3075167"/>
+            <a:ext cx="2181225" cy="2868433"/>
+          </a:xfrm>
+          <a:prstGeom prst="rect">
+            <a:avLst/>
+          </a:prstGeom>
+          <a:solidFill>
+            <a:srgbClr val="FFCCFF"/>
+          </a:solidFill>
+          <a:ln w="38100">
+            <a:solidFill>
+              <a:schemeClr val="tx1"/>
+            </a:solidFill>
+          </a:ln>
+        </p:spPr>
+        <p:style>
+          <a:lnRef idx="2">
+            <a:schemeClr val="accent1">
+              <a:shade val="50000"/>
+            </a:schemeClr>
+          </a:lnRef>
+          <a:fillRef idx="1">
+            <a:schemeClr val="accent1"/>
+          </a:fillRef>
+          <a:effectRef idx="0">
+            <a:schemeClr val="accent1"/>
+          </a:effectRef>
+          <a:fontRef idx="minor">
+            <a:schemeClr val="lt1"/>
+          </a:fontRef>
+        </p:style>
+        <p:txBody>
+          <a:bodyPr rtlCol="1" anchor="ctr"/>
+          <a:lstStyle/>
+          <a:p>
+            <a:pPr algn="ctr"/>
+            <a:endParaRPr lang="he-IL"/>
+          </a:p>
+        </p:txBody>
+      </p:sp>
+      <p:sp>
+        <p:nvSpPr>
+          <p:cNvPr id="6" name="Rectangle 5">
+            <a:extLst>
+              <a:ext uri="{FF2B5EF4-FFF2-40B4-BE49-F238E27FC236}">
+                <a16:creationId xmlns:a16="http://schemas.microsoft.com/office/drawing/2014/main" id="{2CCF1B4E-9C52-4489-927E-100B155E85D9}"/>
+              </a:ext>
+            </a:extLst>
+          </p:cNvPr>
+          <p:cNvSpPr/>
+          <p:nvPr/>
+        </p:nvSpPr>
+        <p:spPr>
+          <a:xfrm>
+            <a:off x="3419475" y="3648076"/>
+            <a:ext cx="1619250" cy="2066924"/>
+          </a:xfrm>
+          <a:prstGeom prst="rect">
+            <a:avLst/>
+          </a:prstGeom>
+          <a:solidFill>
+            <a:srgbClr val="99FFCC"/>
+          </a:solidFill>
+          <a:ln w="38100">
+            <a:solidFill>
+              <a:schemeClr val="tx1"/>
+            </a:solidFill>
+          </a:ln>
+        </p:spPr>
+        <p:style>
+          <a:lnRef idx="2">
+            <a:schemeClr val="accent1">
+              <a:shade val="50000"/>
+            </a:schemeClr>
+          </a:lnRef>
+          <a:fillRef idx="1">
+            <a:schemeClr val="accent1"/>
+          </a:fillRef>
+          <a:effectRef idx="0">
+            <a:schemeClr val="accent1"/>
+          </a:effectRef>
+          <a:fontRef idx="minor">
+            <a:schemeClr val="lt1"/>
+          </a:fontRef>
+        </p:style>
+        <p:txBody>
+          <a:bodyPr rtlCol="1" anchor="ctr"/>
+          <a:lstStyle/>
+          <a:p>
+            <a:pPr algn="ctr"/>
+            <a:endParaRPr lang="he-IL"/>
+          </a:p>
+        </p:txBody>
+      </p:sp>
+      <p:sp>
+        <p:nvSpPr>
+          <p:cNvPr id="16" name="TextBox 15">
+            <a:extLst>
+              <a:ext uri="{FF2B5EF4-FFF2-40B4-BE49-F238E27FC236}">
+                <a16:creationId xmlns:a16="http://schemas.microsoft.com/office/drawing/2014/main" id="{A77724CA-1F23-43DF-9D42-8934044B19EF}"/>
+              </a:ext>
+            </a:extLst>
+          </p:cNvPr>
+          <p:cNvSpPr txBox="1"/>
+          <p:nvPr/>
+        </p:nvSpPr>
+        <p:spPr>
+          <a:xfrm>
+            <a:off x="723900" y="381000"/>
+            <a:ext cx="10782300" cy="646331"/>
+          </a:xfrm>
+          <a:prstGeom prst="rect">
+            <a:avLst/>
+          </a:prstGeom>
+          <a:noFill/>
+        </p:spPr>
+        <p:txBody>
+          <a:bodyPr wrap="square" rtlCol="1">
+            <a:spAutoFit/>
+          </a:bodyPr>
+          <a:lstStyle/>
+          <a:p>
+            <a:pPr algn="ctr"/>
+            <a:r>
+              <a:rPr lang="en-US" sz="3600" b="1" i="0" u="none" strike="noStrike" dirty="0">
+                <a:solidFill>
+                  <a:srgbClr val="000000"/>
+                </a:solidFill>
+                <a:effectLst/>
+                <a:latin typeface="Arial" panose="020B0604020202020204" pitchFamily="34" charset="0"/>
+              </a:rPr>
+              <a:t>Number Type Ordering</a:t>
+            </a:r>
+          </a:p>
+        </p:txBody>
+      </p:sp>
+      <p:sp>
+        <p:nvSpPr>
+          <p:cNvPr id="3" name="TextBox 2">
+            <a:extLst>
+              <a:ext uri="{FF2B5EF4-FFF2-40B4-BE49-F238E27FC236}">
+                <a16:creationId xmlns:a16="http://schemas.microsoft.com/office/drawing/2014/main" id="{F6255F67-36FE-4A49-8522-C82AE59497B6}"/>
+              </a:ext>
+            </a:extLst>
+          </p:cNvPr>
+          <p:cNvSpPr txBox="1"/>
+          <p:nvPr/>
+        </p:nvSpPr>
+        <p:spPr>
+          <a:xfrm>
+            <a:off x="3543300" y="3819662"/>
+            <a:ext cx="1409700" cy="369332"/>
+          </a:xfrm>
+          <a:prstGeom prst="rect">
+            <a:avLst/>
+          </a:prstGeom>
+          <a:noFill/>
+        </p:spPr>
+        <p:txBody>
+          <a:bodyPr wrap="square" rtlCol="1">
+            <a:spAutoFit/>
+          </a:bodyPr>
+          <a:lstStyle/>
+          <a:p>
+            <a:pPr algn="ctr"/>
+            <a:r>
+              <a:rPr lang="en-US" b="1" dirty="0">
+                <a:solidFill>
+                  <a:srgbClr val="C00000"/>
+                </a:solidFill>
+              </a:rPr>
+              <a:t>[2]</a:t>
+            </a:r>
+            <a:r>
+              <a:rPr lang="en-US" b="1" dirty="0"/>
+              <a:t> (zero)</a:t>
+            </a:r>
+            <a:endParaRPr lang="he-IL" b="1" dirty="0"/>
+          </a:p>
+        </p:txBody>
+      </p:sp>
+      <p:sp>
+        <p:nvSpPr>
+          <p:cNvPr id="40" name="TextBox 39">
+            <a:extLst>
+              <a:ext uri="{FF2B5EF4-FFF2-40B4-BE49-F238E27FC236}">
+                <a16:creationId xmlns:a16="http://schemas.microsoft.com/office/drawing/2014/main" id="{83D7CFFB-31B6-4B2F-862C-CBDF84EF0A22}"/>
+              </a:ext>
+            </a:extLst>
+          </p:cNvPr>
+          <p:cNvSpPr txBox="1"/>
+          <p:nvPr/>
+        </p:nvSpPr>
+        <p:spPr>
+          <a:xfrm>
+            <a:off x="3109913" y="3148733"/>
+            <a:ext cx="2181225" cy="369332"/>
+          </a:xfrm>
+          <a:prstGeom prst="rect">
+            <a:avLst/>
+          </a:prstGeom>
+          <a:noFill/>
+        </p:spPr>
+        <p:txBody>
+          <a:bodyPr wrap="square" rtlCol="1">
+            <a:spAutoFit/>
+          </a:bodyPr>
+          <a:lstStyle/>
+          <a:p>
+            <a:pPr algn="ctr"/>
+            <a:r>
+              <a:rPr lang="en-US" b="1" dirty="0">
+                <a:solidFill>
+                  <a:srgbClr val="C00000"/>
+                </a:solidFill>
+              </a:rPr>
+              <a:t>[3] </a:t>
+            </a:r>
+            <a:r>
+              <a:rPr lang="en-US" b="1" dirty="0"/>
+              <a:t>-1, -2, -3</a:t>
+            </a:r>
+            <a:endParaRPr lang="he-IL" b="1" dirty="0"/>
+          </a:p>
+        </p:txBody>
+      </p:sp>
+      <p:sp>
+        <p:nvSpPr>
+          <p:cNvPr id="42" name="TextBox 41">
+            <a:extLst>
+              <a:ext uri="{FF2B5EF4-FFF2-40B4-BE49-F238E27FC236}">
+                <a16:creationId xmlns:a16="http://schemas.microsoft.com/office/drawing/2014/main" id="{AD6CCB62-8B3B-426A-8E62-6600927CD35C}"/>
+              </a:ext>
+            </a:extLst>
+          </p:cNvPr>
+          <p:cNvSpPr txBox="1"/>
+          <p:nvPr/>
+        </p:nvSpPr>
+        <p:spPr>
+          <a:xfrm>
+            <a:off x="3100386" y="2640830"/>
+            <a:ext cx="2181225" cy="369332"/>
+          </a:xfrm>
+          <a:prstGeom prst="rect">
+            <a:avLst/>
+          </a:prstGeom>
+          <a:noFill/>
+        </p:spPr>
+        <p:txBody>
+          <a:bodyPr wrap="square" rtlCol="1">
+            <a:spAutoFit/>
+          </a:bodyPr>
+          <a:lstStyle/>
+          <a:p>
+            <a:pPr algn="ctr"/>
+            <a:r>
+              <a:rPr lang="en-US" b="1" dirty="0">
+                <a:solidFill>
+                  <a:srgbClr val="C00000"/>
+                </a:solidFill>
+              </a:rPr>
+              <a:t>[4] </a:t>
+            </a:r>
+            <a:r>
+              <a:rPr lang="en-US" b="1" dirty="0"/>
+              <a:t>1/3, 1/5</a:t>
+            </a:r>
+            <a:endParaRPr lang="he-IL" b="1" dirty="0"/>
+          </a:p>
+        </p:txBody>
+      </p:sp>
+      <p:sp>
+        <p:nvSpPr>
+          <p:cNvPr id="5" name="Rectangle 4">
+            <a:extLst>
+              <a:ext uri="{FF2B5EF4-FFF2-40B4-BE49-F238E27FC236}">
+                <a16:creationId xmlns:a16="http://schemas.microsoft.com/office/drawing/2014/main" id="{6753D505-EA24-40D7-8A26-9014248A415D}"/>
+              </a:ext>
+            </a:extLst>
+          </p:cNvPr>
+          <p:cNvSpPr/>
+          <p:nvPr/>
+        </p:nvSpPr>
+        <p:spPr>
+          <a:xfrm>
+            <a:off x="3609975" y="4352925"/>
+            <a:ext cx="1190625" cy="1171575"/>
+          </a:xfrm>
+          <a:prstGeom prst="rect">
+            <a:avLst/>
+          </a:prstGeom>
+          <a:solidFill>
+            <a:srgbClr val="CCECFF"/>
+          </a:solidFill>
+          <a:ln w="38100">
+            <a:solidFill>
+              <a:schemeClr val="tx1"/>
+            </a:solidFill>
+          </a:ln>
+        </p:spPr>
+        <p:style>
+          <a:lnRef idx="2">
+            <a:schemeClr val="accent1">
+              <a:shade val="50000"/>
+            </a:schemeClr>
+          </a:lnRef>
+          <a:fillRef idx="1">
+            <a:schemeClr val="accent1"/>
+          </a:fillRef>
+          <a:effectRef idx="0">
+            <a:schemeClr val="accent1"/>
+          </a:effectRef>
+          <a:fontRef idx="minor">
+            <a:schemeClr val="lt1"/>
+          </a:fontRef>
+        </p:style>
+        <p:txBody>
+          <a:bodyPr rtlCol="1" anchor="ctr"/>
+          <a:lstStyle/>
+          <a:p>
+            <a:pPr algn="ctr"/>
+            <a:endParaRPr lang="he-IL"/>
+          </a:p>
+        </p:txBody>
+      </p:sp>
+      <p:sp>
+        <p:nvSpPr>
+          <p:cNvPr id="43" name="TextBox 42">
+            <a:extLst>
+              <a:ext uri="{FF2B5EF4-FFF2-40B4-BE49-F238E27FC236}">
+                <a16:creationId xmlns:a16="http://schemas.microsoft.com/office/drawing/2014/main" id="{5C2D73B7-EB9D-47F2-83CD-6BFC7AA45A05}"/>
+              </a:ext>
+            </a:extLst>
+          </p:cNvPr>
+          <p:cNvSpPr txBox="1"/>
+          <p:nvPr/>
+        </p:nvSpPr>
+        <p:spPr>
+          <a:xfrm>
+            <a:off x="3505200" y="4459753"/>
+            <a:ext cx="1409700" cy="923330"/>
+          </a:xfrm>
+          <a:prstGeom prst="rect">
+            <a:avLst/>
+          </a:prstGeom>
+          <a:noFill/>
+        </p:spPr>
+        <p:txBody>
+          <a:bodyPr wrap="square" rtlCol="1">
+            <a:spAutoFit/>
+          </a:bodyPr>
+          <a:lstStyle/>
+          <a:p>
+            <a:pPr algn="ctr"/>
+            <a:r>
+              <a:rPr lang="en-US" b="1" dirty="0">
+                <a:solidFill>
+                  <a:srgbClr val="C00000"/>
+                </a:solidFill>
+              </a:rPr>
+              <a:t>[1]</a:t>
+            </a:r>
+            <a:r>
+              <a:rPr lang="en-US" b="1" dirty="0"/>
+              <a:t> (Counting)</a:t>
+            </a:r>
+          </a:p>
+          <a:p>
+            <a:pPr algn="ctr"/>
+            <a:r>
+              <a:rPr lang="en-US" b="1" dirty="0"/>
+              <a:t>1, 2, 3</a:t>
+            </a:r>
+            <a:endParaRPr lang="he-IL" b="1" dirty="0"/>
+          </a:p>
+        </p:txBody>
+      </p:sp>
+      <p:sp>
+        <p:nvSpPr>
+          <p:cNvPr id="44" name="Rectangle 43">
+            <a:extLst>
+              <a:ext uri="{FF2B5EF4-FFF2-40B4-BE49-F238E27FC236}">
+                <a16:creationId xmlns:a16="http://schemas.microsoft.com/office/drawing/2014/main" id="{79CEF425-B4CF-4B40-A738-D1CC69A2AF19}"/>
+              </a:ext>
+            </a:extLst>
+          </p:cNvPr>
+          <p:cNvSpPr/>
+          <p:nvPr/>
+        </p:nvSpPr>
+        <p:spPr>
+          <a:xfrm>
+            <a:off x="6071320" y="2552700"/>
+            <a:ext cx="2520230" cy="3581400"/>
+          </a:xfrm>
+          <a:prstGeom prst="rect">
+            <a:avLst/>
+          </a:prstGeom>
+          <a:solidFill>
+            <a:srgbClr val="FFFFCC"/>
+          </a:solidFill>
+          <a:ln w="38100">
+            <a:solidFill>
+              <a:schemeClr val="tx1"/>
+            </a:solidFill>
+          </a:ln>
+        </p:spPr>
+        <p:style>
+          <a:lnRef idx="2">
+            <a:schemeClr val="accent1">
+              <a:shade val="50000"/>
+            </a:schemeClr>
+          </a:lnRef>
+          <a:fillRef idx="1">
+            <a:schemeClr val="accent1"/>
+          </a:fillRef>
+          <a:effectRef idx="0">
+            <a:schemeClr val="accent1"/>
+          </a:effectRef>
+          <a:fontRef idx="minor">
+            <a:schemeClr val="lt1"/>
+          </a:fontRef>
+        </p:style>
+        <p:txBody>
+          <a:bodyPr rtlCol="1" anchor="ctr"/>
+          <a:lstStyle/>
+          <a:p>
+            <a:pPr algn="ctr"/>
+            <a:endParaRPr lang="he-IL"/>
+          </a:p>
+        </p:txBody>
+      </p:sp>
+      <mc:AlternateContent xmlns:mc="http://schemas.openxmlformats.org/markup-compatibility/2006">
+        <mc:Choice xmlns:a14="http://schemas.microsoft.com/office/drawing/2010/main" Requires="a14">
+          <p:sp>
+            <p:nvSpPr>
+              <p:cNvPr id="45" name="TextBox 44">
+                <a:extLst>
+                  <a:ext uri="{FF2B5EF4-FFF2-40B4-BE49-F238E27FC236}">
+                    <a16:creationId xmlns:a16="http://schemas.microsoft.com/office/drawing/2014/main" id="{5112C96A-C072-44DA-B982-FD78D5BA90A4}"/>
+                  </a:ext>
+                </a:extLst>
+              </p:cNvPr>
+              <p:cNvSpPr txBox="1"/>
+              <p:nvPr/>
+            </p:nvSpPr>
+            <p:spPr>
+              <a:xfrm>
+                <a:off x="6629400" y="3949551"/>
+                <a:ext cx="1376362" cy="678968"/>
+              </a:xfrm>
+              <a:prstGeom prst="rect">
+                <a:avLst/>
+              </a:prstGeom>
+              <a:noFill/>
+            </p:spPr>
+            <p:txBody>
+              <a:bodyPr wrap="square" rtlCol="1">
+                <a:spAutoFit/>
+              </a:bodyPr>
+              <a:lstStyle/>
+              <a:p>
+                <a:pPr algn="ctr"/>
+                <a:r>
+                  <a:rPr lang="en-US" b="1" dirty="0">
+                    <a:solidFill>
+                      <a:srgbClr val="C00000"/>
+                    </a:solidFill>
+                  </a:rPr>
+                  <a:t>[5]</a:t>
+                </a:r>
+              </a:p>
+              <a:p>
+                <a:pPr algn="ctr"/>
+                <a14:m>
+                  <m:oMathPara xmlns:m="http://schemas.openxmlformats.org/officeDocument/2006/math">
+                    <m:oMathParaPr>
+                      <m:jc m:val="centerGroup"/>
+                    </m:oMathParaPr>
+                    <m:oMath xmlns:m="http://schemas.openxmlformats.org/officeDocument/2006/math">
+                      <m:rad>
+                        <m:radPr>
+                          <m:degHide m:val="on"/>
+                          <m:ctrlPr>
+                            <a:rPr lang="he-IL" b="1" i="1" smtClean="0">
+                              <a:latin typeface="Cambria Math" panose="02040503050406030204" pitchFamily="18" charset="0"/>
+                            </a:rPr>
+                          </m:ctrlPr>
+                        </m:radPr>
+                        <m:deg/>
+                        <m:e>
+                          <m:r>
+                            <a:rPr lang="he-IL" b="1" i="1" smtClean="0">
+                              <a:latin typeface="Cambria Math" panose="02040503050406030204" pitchFamily="18" charset="0"/>
+                            </a:rPr>
+                            <m:t>𝟐</m:t>
+                          </m:r>
+                        </m:e>
+                      </m:rad>
+                      <m:r>
+                        <a:rPr lang="en-US" b="1" i="0" smtClean="0">
+                          <a:latin typeface="Cambria Math" panose="02040503050406030204" pitchFamily="18" charset="0"/>
+                        </a:rPr>
+                        <m:t>,</m:t>
+                      </m:r>
+                      <m:rad>
+                        <m:radPr>
+                          <m:degHide m:val="on"/>
+                          <m:ctrlPr>
+                            <a:rPr lang="en-US" b="1" i="1">
+                              <a:latin typeface="Cambria Math" panose="02040503050406030204" pitchFamily="18" charset="0"/>
+                            </a:rPr>
+                          </m:ctrlPr>
+                        </m:radPr>
+                        <m:deg/>
+                        <m:e>
+                          <m:r>
+                            <a:rPr lang="en-US" b="1" i="1">
+                              <a:latin typeface="Cambria Math" panose="02040503050406030204" pitchFamily="18" charset="0"/>
+                            </a:rPr>
+                            <m:t>𝟑</m:t>
+                          </m:r>
+                        </m:e>
+                      </m:rad>
+                      <m:r>
+                        <a:rPr lang="en-US" b="1" i="1" smtClean="0">
+                          <a:latin typeface="Cambria Math" panose="02040503050406030204" pitchFamily="18" charset="0"/>
+                        </a:rPr>
+                        <m:t>, </m:t>
+                      </m:r>
+                      <m:r>
+                        <a:rPr lang="el-GR" b="1" i="1" smtClean="0">
+                          <a:latin typeface="Cambria Math" panose="02040503050406030204" pitchFamily="18" charset="0"/>
+                        </a:rPr>
+                        <m:t>𝝅</m:t>
+                      </m:r>
+                    </m:oMath>
+                  </m:oMathPara>
+                </a14:m>
+                <a:endParaRPr lang="he-IL" b="1" dirty="0"/>
+              </a:p>
+            </p:txBody>
+          </p:sp>
+        </mc:Choice>
+        <mc:Fallback>
+          <p:sp>
+            <p:nvSpPr>
+              <p:cNvPr id="45" name="TextBox 44">
+                <a:extLst>
+                  <a:ext uri="{FF2B5EF4-FFF2-40B4-BE49-F238E27FC236}">
+                    <a16:creationId xmlns:a16="http://schemas.microsoft.com/office/drawing/2014/main" id="{5112C96A-C072-44DA-B982-FD78D5BA90A4}"/>
+                  </a:ext>
+                </a:extLst>
+              </p:cNvPr>
+              <p:cNvSpPr txBox="1">
+                <a:spLocks noRot="1" noChangeAspect="1" noMove="1" noResize="1" noEditPoints="1" noAdjustHandles="1" noChangeArrowheads="1" noChangeShapeType="1" noTextEdit="1"/>
+              </p:cNvSpPr>
+              <p:nvPr/>
+            </p:nvSpPr>
+            <p:spPr>
+              <a:xfrm>
+                <a:off x="6629400" y="3949551"/>
+                <a:ext cx="1376362" cy="678968"/>
+              </a:xfrm>
+              <a:prstGeom prst="rect">
+                <a:avLst/>
+              </a:prstGeom>
+              <a:blipFill>
+                <a:blip r:embed="rId2"/>
+                <a:stretch>
+                  <a:fillRect t="-5405"/>
+                </a:stretch>
+              </a:blipFill>
+            </p:spPr>
+            <p:txBody>
+              <a:bodyPr/>
+              <a:lstStyle/>
+              <a:p>
+                <a:r>
+                  <a:rPr lang="he-IL">
+                    <a:noFill/>
+                  </a:rPr>
+                  <a:t> </a:t>
+                </a:r>
+              </a:p>
+            </p:txBody>
+          </p:sp>
+        </mc:Fallback>
+      </mc:AlternateContent>
+      <p:sp>
+        <p:nvSpPr>
+          <p:cNvPr id="46" name="TextBox 45">
+            <a:extLst>
+              <a:ext uri="{FF2B5EF4-FFF2-40B4-BE49-F238E27FC236}">
+                <a16:creationId xmlns:a16="http://schemas.microsoft.com/office/drawing/2014/main" id="{7DDF2CF2-2E2D-45EE-9D6D-D5AA9B541ECF}"/>
+              </a:ext>
+            </a:extLst>
+          </p:cNvPr>
+          <p:cNvSpPr txBox="1"/>
+          <p:nvPr/>
+        </p:nvSpPr>
+        <p:spPr>
+          <a:xfrm>
+            <a:off x="4650580" y="1951240"/>
+            <a:ext cx="2181225" cy="400110"/>
+          </a:xfrm>
+          <a:prstGeom prst="rect">
+            <a:avLst/>
+          </a:prstGeom>
+          <a:noFill/>
+        </p:spPr>
+        <p:txBody>
+          <a:bodyPr wrap="square" rtlCol="1">
+            <a:spAutoFit/>
+          </a:bodyPr>
+          <a:lstStyle/>
+          <a:p>
+            <a:pPr algn="ctr"/>
+            <a:r>
+              <a:rPr lang="en-US" sz="2000" b="1" dirty="0">
+                <a:solidFill>
+                  <a:srgbClr val="C00000"/>
+                </a:solidFill>
+              </a:rPr>
+              <a:t>[6]</a:t>
+            </a:r>
+            <a:endParaRPr lang="he-IL" sz="2000" b="1" dirty="0">
+              <a:solidFill>
+                <a:srgbClr val="C00000"/>
+              </a:solidFill>
+            </a:endParaRPr>
+          </a:p>
+        </p:txBody>
+      </p:sp>
+    </p:spTree>
+    <p:extLst>
+      <p:ext uri="{BB962C8B-B14F-4D97-AF65-F5344CB8AC3E}">
+        <p14:creationId xmlns:p14="http://schemas.microsoft.com/office/powerpoint/2010/main" val="435029937"/>
+      </p:ext>
+    </p:extLst>
+  </p:cSld>
+  <p:clrMapOvr>
+    <a:masterClrMapping/>
+  </p:clrMapOvr>
+</p:sld>
+</file>
+
+<file path=ppt/slides/slide8.xml><?xml version="1.0" encoding="utf-8"?>
+<p:sld xmlns:a="http://schemas.openxmlformats.org/drawingml/2006/main" xmlns:r="http://schemas.openxmlformats.org/officeDocument/2006/relationships" xmlns:p="http://schemas.openxmlformats.org/presentationml/2006/main">
+  <p:cSld>
+    <p:spTree>
+      <p:nvGrpSpPr>
+        <p:cNvPr id="1" name=""/>
+        <p:cNvGrpSpPr/>
+        <p:nvPr/>
+      </p:nvGrpSpPr>
+      <p:grpSpPr>
+        <a:xfrm>
+          <a:off x="0" y="0"/>
+          <a:ext cx="0" cy="0"/>
+          <a:chOff x="0" y="0"/>
+          <a:chExt cx="0" cy="0"/>
+        </a:xfrm>
+      </p:grpSpPr>
+      <p:sp>
+        <p:nvSpPr>
+          <p:cNvPr id="16" name="TextBox 15">
+            <a:extLst>
+              <a:ext uri="{FF2B5EF4-FFF2-40B4-BE49-F238E27FC236}">
+                <a16:creationId xmlns:a16="http://schemas.microsoft.com/office/drawing/2014/main" id="{A77724CA-1F23-43DF-9D42-8934044B19EF}"/>
+              </a:ext>
+            </a:extLst>
+          </p:cNvPr>
+          <p:cNvSpPr txBox="1"/>
+          <p:nvPr/>
+        </p:nvSpPr>
+        <p:spPr>
+          <a:xfrm>
+            <a:off x="723900" y="381000"/>
+            <a:ext cx="10782300" cy="646331"/>
+          </a:xfrm>
+          <a:prstGeom prst="rect">
+            <a:avLst/>
+          </a:prstGeom>
+          <a:noFill/>
+        </p:spPr>
+        <p:txBody>
+          <a:bodyPr wrap="square" rtlCol="1">
+            <a:spAutoFit/>
+          </a:bodyPr>
+          <a:lstStyle/>
+          <a:p>
+            <a:pPr algn="ctr"/>
+            <a:r>
+              <a:rPr lang="en-US" sz="3600" b="1" i="0" u="none" strike="noStrike" dirty="0">
+                <a:solidFill>
+                  <a:srgbClr val="000000"/>
+                </a:solidFill>
+                <a:effectLst/>
+                <a:latin typeface="Arial" panose="020B0604020202020204" pitchFamily="34" charset="0"/>
+              </a:rPr>
+              <a:t>Number Type Ordering</a:t>
+            </a:r>
+          </a:p>
+        </p:txBody>
+      </p:sp>
+      <p:grpSp>
+        <p:nvGrpSpPr>
+          <p:cNvPr id="2" name="Group 1">
+            <a:extLst>
+              <a:ext uri="{FF2B5EF4-FFF2-40B4-BE49-F238E27FC236}">
+                <a16:creationId xmlns:a16="http://schemas.microsoft.com/office/drawing/2014/main" id="{05A564DB-9B3F-4FF4-8E3E-8ACC0F2CFCB2}"/>
+              </a:ext>
+            </a:extLst>
+          </p:cNvPr>
+          <p:cNvGrpSpPr/>
+          <p:nvPr/>
+        </p:nvGrpSpPr>
+        <p:grpSpPr>
+          <a:xfrm>
+            <a:off x="2595562" y="1295400"/>
+            <a:ext cx="7129463" cy="5093165"/>
+            <a:chOff x="2595562" y="1768940"/>
+            <a:chExt cx="6291263" cy="4619625"/>
+          </a:xfrm>
+        </p:grpSpPr>
+        <p:sp>
+          <p:nvSpPr>
+            <p:cNvPr id="7" name="Rectangle 6">
+              <a:extLst>
+                <a:ext uri="{FF2B5EF4-FFF2-40B4-BE49-F238E27FC236}">
+                  <a16:creationId xmlns:a16="http://schemas.microsoft.com/office/drawing/2014/main" id="{EA04B2FB-857F-4A62-9660-ACB85BFFBBAB}"/>
+                </a:ext>
+              </a:extLst>
+            </p:cNvPr>
+            <p:cNvSpPr/>
+            <p:nvPr/>
+          </p:nvSpPr>
+          <p:spPr>
+            <a:xfrm>
+              <a:off x="2595562" y="1768940"/>
+              <a:ext cx="6291263" cy="4619625"/>
+            </a:xfrm>
+            <a:prstGeom prst="rect">
+              <a:avLst/>
+            </a:prstGeom>
+            <a:solidFill>
+              <a:schemeClr val="accent1">
+                <a:lumMod val="20000"/>
+                <a:lumOff val="80000"/>
+              </a:schemeClr>
+            </a:solidFill>
+            <a:ln>
+              <a:solidFill>
+                <a:schemeClr val="bg1"/>
+              </a:solidFill>
+            </a:ln>
+          </p:spPr>
+          <p:style>
+            <a:lnRef idx="2">
+              <a:schemeClr val="accent1">
+                <a:shade val="50000"/>
+              </a:schemeClr>
+            </a:lnRef>
+            <a:fillRef idx="1">
+              <a:schemeClr val="accent1"/>
+            </a:fillRef>
+            <a:effectRef idx="0">
+              <a:schemeClr val="accent1"/>
+            </a:effectRef>
+            <a:fontRef idx="minor">
+              <a:schemeClr val="lt1"/>
+            </a:fontRef>
+          </p:style>
+          <p:txBody>
+            <a:bodyPr rtlCol="1" anchor="ctr"/>
+            <a:lstStyle/>
+            <a:p>
+              <a:pPr algn="ctr"/>
+              <a:endParaRPr lang="he-IL"/>
+            </a:p>
+          </p:txBody>
+        </p:sp>
+        <p:sp>
+          <p:nvSpPr>
+            <p:cNvPr id="41" name="Rectangle 40">
+              <a:extLst>
+                <a:ext uri="{FF2B5EF4-FFF2-40B4-BE49-F238E27FC236}">
+                  <a16:creationId xmlns:a16="http://schemas.microsoft.com/office/drawing/2014/main" id="{056A5A97-DC2A-4C0D-A2AC-EAFD62D01AB4}"/>
+                </a:ext>
+              </a:extLst>
+            </p:cNvPr>
+            <p:cNvSpPr/>
+            <p:nvPr/>
+          </p:nvSpPr>
+          <p:spPr>
+            <a:xfrm>
+              <a:off x="2924175" y="2533650"/>
+              <a:ext cx="2581275" cy="3600450"/>
+            </a:xfrm>
+            <a:prstGeom prst="rect">
+              <a:avLst/>
+            </a:prstGeom>
+            <a:solidFill>
+              <a:srgbClr val="FFCCCC"/>
+            </a:solidFill>
+            <a:ln w="38100">
+              <a:solidFill>
+                <a:schemeClr val="tx1"/>
+              </a:solidFill>
+            </a:ln>
+          </p:spPr>
+          <p:style>
+            <a:lnRef idx="2">
+              <a:schemeClr val="accent1">
+                <a:shade val="50000"/>
+              </a:schemeClr>
+            </a:lnRef>
+            <a:fillRef idx="1">
+              <a:schemeClr val="accent1"/>
+            </a:fillRef>
+            <a:effectRef idx="0">
+              <a:schemeClr val="accent1"/>
+            </a:effectRef>
+            <a:fontRef idx="minor">
+              <a:schemeClr val="lt1"/>
+            </a:fontRef>
+          </p:style>
+          <p:txBody>
+            <a:bodyPr rtlCol="1" anchor="ctr"/>
+            <a:lstStyle/>
+            <a:p>
+              <a:pPr algn="ctr"/>
+              <a:endParaRPr lang="he-IL"/>
+            </a:p>
+          </p:txBody>
+        </p:sp>
+        <p:sp>
+          <p:nvSpPr>
+            <p:cNvPr id="4" name="Rectangle 3">
+              <a:extLst>
+                <a:ext uri="{FF2B5EF4-FFF2-40B4-BE49-F238E27FC236}">
+                  <a16:creationId xmlns:a16="http://schemas.microsoft.com/office/drawing/2014/main" id="{77B52980-6C26-41A5-A9A6-79EE1F734FA4}"/>
+                </a:ext>
+              </a:extLst>
+            </p:cNvPr>
+            <p:cNvSpPr/>
+            <p:nvPr/>
+          </p:nvSpPr>
+          <p:spPr>
+            <a:xfrm>
+              <a:off x="3128960" y="3075167"/>
+              <a:ext cx="2181225" cy="2868433"/>
+            </a:xfrm>
+            <a:prstGeom prst="rect">
+              <a:avLst/>
+            </a:prstGeom>
+            <a:solidFill>
+              <a:srgbClr val="FFCCFF"/>
+            </a:solidFill>
+            <a:ln w="38100">
+              <a:solidFill>
+                <a:schemeClr val="tx1"/>
+              </a:solidFill>
+            </a:ln>
+          </p:spPr>
+          <p:style>
+            <a:lnRef idx="2">
+              <a:schemeClr val="accent1">
+                <a:shade val="50000"/>
+              </a:schemeClr>
+            </a:lnRef>
+            <a:fillRef idx="1">
+              <a:schemeClr val="accent1"/>
+            </a:fillRef>
+            <a:effectRef idx="0">
+              <a:schemeClr val="accent1"/>
+            </a:effectRef>
+            <a:fontRef idx="minor">
+              <a:schemeClr val="lt1"/>
+            </a:fontRef>
+          </p:style>
+          <p:txBody>
+            <a:bodyPr rtlCol="1" anchor="ctr"/>
+            <a:lstStyle/>
+            <a:p>
+              <a:pPr algn="ctr"/>
+              <a:endParaRPr lang="he-IL"/>
+            </a:p>
+          </p:txBody>
+        </p:sp>
+        <p:sp>
+          <p:nvSpPr>
+            <p:cNvPr id="6" name="Rectangle 5">
+              <a:extLst>
+                <a:ext uri="{FF2B5EF4-FFF2-40B4-BE49-F238E27FC236}">
+                  <a16:creationId xmlns:a16="http://schemas.microsoft.com/office/drawing/2014/main" id="{2CCF1B4E-9C52-4489-927E-100B155E85D9}"/>
+                </a:ext>
+              </a:extLst>
+            </p:cNvPr>
+            <p:cNvSpPr/>
+            <p:nvPr/>
+          </p:nvSpPr>
+          <p:spPr>
+            <a:xfrm>
+              <a:off x="3419475" y="3648076"/>
+              <a:ext cx="1619250" cy="2066924"/>
+            </a:xfrm>
+            <a:prstGeom prst="rect">
+              <a:avLst/>
+            </a:prstGeom>
+            <a:solidFill>
+              <a:srgbClr val="99FFCC"/>
+            </a:solidFill>
+            <a:ln w="38100">
+              <a:solidFill>
+                <a:schemeClr val="tx1"/>
+              </a:solidFill>
+            </a:ln>
+          </p:spPr>
+          <p:style>
+            <a:lnRef idx="2">
+              <a:schemeClr val="accent1">
+                <a:shade val="50000"/>
+              </a:schemeClr>
+            </a:lnRef>
+            <a:fillRef idx="1">
+              <a:schemeClr val="accent1"/>
+            </a:fillRef>
+            <a:effectRef idx="0">
+              <a:schemeClr val="accent1"/>
+            </a:effectRef>
+            <a:fontRef idx="minor">
+              <a:schemeClr val="lt1"/>
+            </a:fontRef>
+          </p:style>
+          <p:txBody>
+            <a:bodyPr rtlCol="1" anchor="ctr"/>
+            <a:lstStyle/>
+            <a:p>
+              <a:pPr algn="ctr"/>
+              <a:endParaRPr lang="he-IL"/>
+            </a:p>
+          </p:txBody>
+        </p:sp>
+        <p:sp>
+          <p:nvSpPr>
+            <p:cNvPr id="3" name="TextBox 2">
+              <a:extLst>
+                <a:ext uri="{FF2B5EF4-FFF2-40B4-BE49-F238E27FC236}">
+                  <a16:creationId xmlns:a16="http://schemas.microsoft.com/office/drawing/2014/main" id="{F6255F67-36FE-4A49-8522-C82AE59497B6}"/>
+                </a:ext>
+              </a:extLst>
+            </p:cNvPr>
+            <p:cNvSpPr txBox="1"/>
+            <p:nvPr/>
+          </p:nvSpPr>
+          <p:spPr>
+            <a:xfrm>
+              <a:off x="3543300" y="3819662"/>
+              <a:ext cx="1409700" cy="369332"/>
+            </a:xfrm>
+            <a:prstGeom prst="rect">
+              <a:avLst/>
+            </a:prstGeom>
+            <a:noFill/>
+          </p:spPr>
+          <p:txBody>
+            <a:bodyPr wrap="square" rtlCol="1">
+              <a:spAutoFit/>
+            </a:bodyPr>
+            <a:lstStyle/>
+            <a:p>
+              <a:pPr algn="ctr"/>
+              <a:r>
+                <a:rPr lang="en-US" b="1" dirty="0">
+                  <a:solidFill>
+                    <a:srgbClr val="C00000"/>
+                  </a:solidFill>
+                </a:rPr>
+                <a:t>[2]</a:t>
+              </a:r>
+              <a:r>
+                <a:rPr lang="en-US" b="1" dirty="0"/>
+                <a:t> (zero)</a:t>
+              </a:r>
+              <a:endParaRPr lang="he-IL" b="1" dirty="0"/>
+            </a:p>
+          </p:txBody>
+        </p:sp>
+        <p:sp>
+          <p:nvSpPr>
+            <p:cNvPr id="40" name="TextBox 39">
+              <a:extLst>
+                <a:ext uri="{FF2B5EF4-FFF2-40B4-BE49-F238E27FC236}">
+                  <a16:creationId xmlns:a16="http://schemas.microsoft.com/office/drawing/2014/main" id="{83D7CFFB-31B6-4B2F-862C-CBDF84EF0A22}"/>
+                </a:ext>
+              </a:extLst>
+            </p:cNvPr>
+            <p:cNvSpPr txBox="1"/>
+            <p:nvPr/>
+          </p:nvSpPr>
+          <p:spPr>
+            <a:xfrm>
+              <a:off x="3109913" y="3148733"/>
+              <a:ext cx="2181225" cy="369332"/>
+            </a:xfrm>
+            <a:prstGeom prst="rect">
+              <a:avLst/>
+            </a:prstGeom>
+            <a:noFill/>
+          </p:spPr>
+          <p:txBody>
+            <a:bodyPr wrap="square" rtlCol="1">
+              <a:spAutoFit/>
+            </a:bodyPr>
+            <a:lstStyle/>
+            <a:p>
+              <a:pPr algn="ctr"/>
+              <a:r>
+                <a:rPr lang="en-US" b="1" dirty="0">
+                  <a:solidFill>
+                    <a:srgbClr val="C00000"/>
+                  </a:solidFill>
+                </a:rPr>
+                <a:t>[3] </a:t>
+              </a:r>
+              <a:r>
+                <a:rPr lang="en-US" b="1" dirty="0"/>
+                <a:t>-1, -2, -3</a:t>
+              </a:r>
+              <a:endParaRPr lang="he-IL" b="1" dirty="0"/>
+            </a:p>
+          </p:txBody>
+        </p:sp>
+        <p:sp>
+          <p:nvSpPr>
+            <p:cNvPr id="42" name="TextBox 41">
+              <a:extLst>
+                <a:ext uri="{FF2B5EF4-FFF2-40B4-BE49-F238E27FC236}">
+                  <a16:creationId xmlns:a16="http://schemas.microsoft.com/office/drawing/2014/main" id="{AD6CCB62-8B3B-426A-8E62-6600927CD35C}"/>
+                </a:ext>
+              </a:extLst>
+            </p:cNvPr>
+            <p:cNvSpPr txBox="1"/>
+            <p:nvPr/>
+          </p:nvSpPr>
+          <p:spPr>
+            <a:xfrm>
+              <a:off x="3100386" y="2640830"/>
+              <a:ext cx="2181225" cy="369332"/>
+            </a:xfrm>
+            <a:prstGeom prst="rect">
+              <a:avLst/>
+            </a:prstGeom>
+            <a:noFill/>
+          </p:spPr>
+          <p:txBody>
+            <a:bodyPr wrap="square" rtlCol="1">
+              <a:spAutoFit/>
+            </a:bodyPr>
+            <a:lstStyle/>
+            <a:p>
+              <a:pPr algn="ctr"/>
+              <a:r>
+                <a:rPr lang="en-US" b="1" dirty="0">
+                  <a:solidFill>
+                    <a:srgbClr val="C00000"/>
+                  </a:solidFill>
+                </a:rPr>
+                <a:t>[4] </a:t>
+              </a:r>
+              <a:r>
+                <a:rPr lang="en-US" b="1" dirty="0"/>
+                <a:t>1/3, 1/5</a:t>
+              </a:r>
+              <a:endParaRPr lang="he-IL" b="1" dirty="0"/>
+            </a:p>
+          </p:txBody>
+        </p:sp>
+        <p:sp>
+          <p:nvSpPr>
+            <p:cNvPr id="5" name="Rectangle 4">
+              <a:extLst>
+                <a:ext uri="{FF2B5EF4-FFF2-40B4-BE49-F238E27FC236}">
+                  <a16:creationId xmlns:a16="http://schemas.microsoft.com/office/drawing/2014/main" id="{6753D505-EA24-40D7-8A26-9014248A415D}"/>
+                </a:ext>
+              </a:extLst>
+            </p:cNvPr>
+            <p:cNvSpPr/>
+            <p:nvPr/>
+          </p:nvSpPr>
+          <p:spPr>
+            <a:xfrm>
+              <a:off x="3609975" y="4352925"/>
+              <a:ext cx="1190625" cy="1171575"/>
+            </a:xfrm>
+            <a:prstGeom prst="rect">
+              <a:avLst/>
+            </a:prstGeom>
+            <a:solidFill>
+              <a:srgbClr val="CCECFF"/>
+            </a:solidFill>
+            <a:ln w="38100">
+              <a:solidFill>
+                <a:schemeClr val="tx1"/>
+              </a:solidFill>
+            </a:ln>
+          </p:spPr>
+          <p:style>
+            <a:lnRef idx="2">
+              <a:schemeClr val="accent1">
+                <a:shade val="50000"/>
+              </a:schemeClr>
+            </a:lnRef>
+            <a:fillRef idx="1">
+              <a:schemeClr val="accent1"/>
+            </a:fillRef>
+            <a:effectRef idx="0">
+              <a:schemeClr val="accent1"/>
+            </a:effectRef>
+            <a:fontRef idx="minor">
+              <a:schemeClr val="lt1"/>
+            </a:fontRef>
+          </p:style>
+          <p:txBody>
+            <a:bodyPr rtlCol="1" anchor="ctr"/>
+            <a:lstStyle/>
+            <a:p>
+              <a:pPr algn="ctr"/>
+              <a:endParaRPr lang="he-IL"/>
+            </a:p>
+          </p:txBody>
+        </p:sp>
+        <p:sp>
+          <p:nvSpPr>
+            <p:cNvPr id="43" name="TextBox 42">
+              <a:extLst>
+                <a:ext uri="{FF2B5EF4-FFF2-40B4-BE49-F238E27FC236}">
+                  <a16:creationId xmlns:a16="http://schemas.microsoft.com/office/drawing/2014/main" id="{5C2D73B7-EB9D-47F2-83CD-6BFC7AA45A05}"/>
+                </a:ext>
+              </a:extLst>
+            </p:cNvPr>
+            <p:cNvSpPr txBox="1"/>
+            <p:nvPr/>
+          </p:nvSpPr>
+          <p:spPr>
+            <a:xfrm>
+              <a:off x="3505200" y="4459753"/>
+              <a:ext cx="1409700" cy="923330"/>
+            </a:xfrm>
+            <a:prstGeom prst="rect">
+              <a:avLst/>
+            </a:prstGeom>
+            <a:noFill/>
+          </p:spPr>
+          <p:txBody>
+            <a:bodyPr wrap="square" rtlCol="1">
+              <a:spAutoFit/>
+            </a:bodyPr>
+            <a:lstStyle/>
+            <a:p>
+              <a:pPr algn="ctr"/>
+              <a:r>
+                <a:rPr lang="en-US" b="1" dirty="0">
+                  <a:solidFill>
+                    <a:srgbClr val="C00000"/>
+                  </a:solidFill>
+                </a:rPr>
+                <a:t>[1]</a:t>
+              </a:r>
+            </a:p>
+            <a:p>
+              <a:pPr algn="ctr"/>
+              <a:r>
+                <a:rPr lang="en-US" b="1" dirty="0"/>
+                <a:t>(Counting)</a:t>
+              </a:r>
+            </a:p>
+            <a:p>
+              <a:pPr algn="ctr"/>
+              <a:r>
+                <a:rPr lang="en-US" b="1" dirty="0"/>
+                <a:t>1, 2, 3</a:t>
+              </a:r>
+              <a:endParaRPr lang="he-IL" b="1" dirty="0"/>
+            </a:p>
+          </p:txBody>
+        </p:sp>
+        <p:sp>
+          <p:nvSpPr>
+            <p:cNvPr id="44" name="Rectangle 43">
+              <a:extLst>
+                <a:ext uri="{FF2B5EF4-FFF2-40B4-BE49-F238E27FC236}">
+                  <a16:creationId xmlns:a16="http://schemas.microsoft.com/office/drawing/2014/main" id="{79CEF425-B4CF-4B40-A738-D1CC69A2AF19}"/>
+                </a:ext>
+              </a:extLst>
+            </p:cNvPr>
+            <p:cNvSpPr/>
+            <p:nvPr/>
+          </p:nvSpPr>
+          <p:spPr>
+            <a:xfrm>
+              <a:off x="6071320" y="2552700"/>
+              <a:ext cx="2520230" cy="3581400"/>
+            </a:xfrm>
+            <a:prstGeom prst="rect">
+              <a:avLst/>
+            </a:prstGeom>
+            <a:solidFill>
+              <a:srgbClr val="FFFFCC"/>
+            </a:solidFill>
+            <a:ln w="38100">
+              <a:solidFill>
+                <a:schemeClr val="tx1"/>
+              </a:solidFill>
+            </a:ln>
+          </p:spPr>
+          <p:style>
+            <a:lnRef idx="2">
+              <a:schemeClr val="accent1">
+                <a:shade val="50000"/>
+              </a:schemeClr>
+            </a:lnRef>
+            <a:fillRef idx="1">
+              <a:schemeClr val="accent1"/>
+            </a:fillRef>
+            <a:effectRef idx="0">
+              <a:schemeClr val="accent1"/>
+            </a:effectRef>
+            <a:fontRef idx="minor">
+              <a:schemeClr val="lt1"/>
+            </a:fontRef>
+          </p:style>
+          <p:txBody>
+            <a:bodyPr rtlCol="1" anchor="ctr"/>
+            <a:lstStyle/>
+            <a:p>
+              <a:pPr algn="ctr"/>
+              <a:endParaRPr lang="he-IL"/>
+            </a:p>
+          </p:txBody>
+        </p:sp>
+        <mc:AlternateContent xmlns:mc="http://schemas.openxmlformats.org/markup-compatibility/2006">
+          <mc:Choice xmlns:a14="http://schemas.microsoft.com/office/drawing/2010/main" Requires="a14">
+            <p:sp>
+              <p:nvSpPr>
+                <p:cNvPr id="45" name="TextBox 44">
+                  <a:extLst>
+                    <a:ext uri="{FF2B5EF4-FFF2-40B4-BE49-F238E27FC236}">
+                      <a16:creationId xmlns:a16="http://schemas.microsoft.com/office/drawing/2014/main" id="{5112C96A-C072-44DA-B982-FD78D5BA90A4}"/>
+                    </a:ext>
+                  </a:extLst>
+                </p:cNvPr>
+                <p:cNvSpPr txBox="1"/>
+                <p:nvPr/>
+              </p:nvSpPr>
+              <p:spPr>
+                <a:xfrm>
+                  <a:off x="6629400" y="3949551"/>
+                  <a:ext cx="1376362" cy="678968"/>
+                </a:xfrm>
+                <a:prstGeom prst="rect">
+                  <a:avLst/>
+                </a:prstGeom>
+                <a:noFill/>
+              </p:spPr>
+              <p:txBody>
+                <a:bodyPr wrap="square" rtlCol="1">
+                  <a:spAutoFit/>
+                </a:bodyPr>
+                <a:lstStyle/>
+                <a:p>
+                  <a:pPr algn="ctr"/>
+                  <a:r>
+                    <a:rPr lang="en-US" b="1" dirty="0">
+                      <a:solidFill>
+                        <a:srgbClr val="C00000"/>
+                      </a:solidFill>
+                    </a:rPr>
+                    <a:t>[5]</a:t>
+                  </a:r>
+                </a:p>
+                <a:p>
+                  <a:pPr algn="ctr"/>
+                  <a14:m>
+                    <m:oMathPara xmlns:m="http://schemas.openxmlformats.org/officeDocument/2006/math">
+                      <m:oMathParaPr>
+                        <m:jc m:val="centerGroup"/>
+                      </m:oMathParaPr>
+                      <m:oMath xmlns:m="http://schemas.openxmlformats.org/officeDocument/2006/math">
+                        <m:rad>
+                          <m:radPr>
+                            <m:degHide m:val="on"/>
+                            <m:ctrlPr>
+                              <a:rPr lang="he-IL" b="1" i="1" smtClean="0">
+                                <a:latin typeface="Cambria Math" panose="02040503050406030204" pitchFamily="18" charset="0"/>
+                              </a:rPr>
+                            </m:ctrlPr>
+                          </m:radPr>
+                          <m:deg/>
+                          <m:e>
+                            <m:r>
+                              <a:rPr lang="he-IL" b="1" i="1" smtClean="0">
+                                <a:latin typeface="Cambria Math" panose="02040503050406030204" pitchFamily="18" charset="0"/>
+                              </a:rPr>
+                              <m:t>𝟐</m:t>
+                            </m:r>
+                          </m:e>
+                        </m:rad>
+                        <m:r>
+                          <a:rPr lang="en-US" b="1" i="0" smtClean="0">
+                            <a:latin typeface="Cambria Math" panose="02040503050406030204" pitchFamily="18" charset="0"/>
+                          </a:rPr>
+                          <m:t>,</m:t>
+                        </m:r>
+                        <m:rad>
+                          <m:radPr>
+                            <m:degHide m:val="on"/>
+                            <m:ctrlPr>
+                              <a:rPr lang="en-US" b="1" i="1">
+                                <a:latin typeface="Cambria Math" panose="02040503050406030204" pitchFamily="18" charset="0"/>
+                              </a:rPr>
+                            </m:ctrlPr>
+                          </m:radPr>
+                          <m:deg/>
+                          <m:e>
+                            <m:r>
+                              <a:rPr lang="en-US" b="1" i="1">
+                                <a:latin typeface="Cambria Math" panose="02040503050406030204" pitchFamily="18" charset="0"/>
+                              </a:rPr>
+                              <m:t>𝟑</m:t>
+                            </m:r>
+                          </m:e>
+                        </m:rad>
+                        <m:r>
+                          <a:rPr lang="en-US" b="1" i="1" smtClean="0">
+                            <a:latin typeface="Cambria Math" panose="02040503050406030204" pitchFamily="18" charset="0"/>
+                          </a:rPr>
+                          <m:t>, </m:t>
+                        </m:r>
+                        <m:r>
+                          <a:rPr lang="el-GR" b="1" i="1" smtClean="0">
+                            <a:latin typeface="Cambria Math" panose="02040503050406030204" pitchFamily="18" charset="0"/>
+                          </a:rPr>
+                          <m:t>𝝅</m:t>
+                        </m:r>
+                      </m:oMath>
+                    </m:oMathPara>
+                  </a14:m>
+                  <a:endParaRPr lang="he-IL" b="1" dirty="0"/>
+                </a:p>
+              </p:txBody>
+            </p:sp>
+          </mc:Choice>
+          <mc:Fallback>
+            <p:sp>
+              <p:nvSpPr>
+                <p:cNvPr id="45" name="TextBox 44">
+                  <a:extLst>
+                    <a:ext uri="{FF2B5EF4-FFF2-40B4-BE49-F238E27FC236}">
+                      <a16:creationId xmlns:a16="http://schemas.microsoft.com/office/drawing/2014/main" id="{5112C96A-C072-44DA-B982-FD78D5BA90A4}"/>
+                    </a:ext>
+                  </a:extLst>
+                </p:cNvPr>
+                <p:cNvSpPr txBox="1">
+                  <a:spLocks noRot="1" noChangeAspect="1" noMove="1" noResize="1" noEditPoints="1" noAdjustHandles="1" noChangeArrowheads="1" noChangeShapeType="1" noTextEdit="1"/>
+                </p:cNvSpPr>
+                <p:nvPr/>
+              </p:nvSpPr>
+              <p:spPr>
+                <a:xfrm>
+                  <a:off x="6629400" y="3949551"/>
+                  <a:ext cx="1376362" cy="678968"/>
+                </a:xfrm>
+                <a:prstGeom prst="rect">
+                  <a:avLst/>
+                </a:prstGeom>
+                <a:blipFill>
+                  <a:blip r:embed="rId2"/>
+                  <a:stretch>
+                    <a:fillRect t="-4878"/>
+                  </a:stretch>
+                </a:blipFill>
+              </p:spPr>
+              <p:txBody>
+                <a:bodyPr/>
+                <a:lstStyle/>
+                <a:p>
+                  <a:r>
+                    <a:rPr lang="he-IL">
+                      <a:noFill/>
+                    </a:rPr>
+                    <a:t> </a:t>
+                  </a:r>
+                </a:p>
+              </p:txBody>
+            </p:sp>
+          </mc:Fallback>
+        </mc:AlternateContent>
+        <p:sp>
+          <p:nvSpPr>
+            <p:cNvPr id="46" name="TextBox 45">
+              <a:extLst>
+                <a:ext uri="{FF2B5EF4-FFF2-40B4-BE49-F238E27FC236}">
+                  <a16:creationId xmlns:a16="http://schemas.microsoft.com/office/drawing/2014/main" id="{7DDF2CF2-2E2D-45EE-9D6D-D5AA9B541ECF}"/>
+                </a:ext>
+              </a:extLst>
+            </p:cNvPr>
+            <p:cNvSpPr txBox="1"/>
+            <p:nvPr/>
+          </p:nvSpPr>
+          <p:spPr>
+            <a:xfrm>
+              <a:off x="4650580" y="1951240"/>
+              <a:ext cx="2181225" cy="400110"/>
+            </a:xfrm>
+            <a:prstGeom prst="rect">
+              <a:avLst/>
+            </a:prstGeom>
+            <a:noFill/>
+          </p:spPr>
+          <p:txBody>
+            <a:bodyPr wrap="square" rtlCol="1">
+              <a:spAutoFit/>
+            </a:bodyPr>
+            <a:lstStyle/>
+            <a:p>
+              <a:pPr algn="ctr"/>
+              <a:r>
+                <a:rPr lang="en-US" sz="2000" b="1" dirty="0">
+                  <a:solidFill>
+                    <a:srgbClr val="C00000"/>
+                  </a:solidFill>
+                </a:rPr>
+                <a:t>[6]</a:t>
+              </a:r>
+              <a:endParaRPr lang="he-IL" sz="2000" b="1" dirty="0">
+                <a:solidFill>
+                  <a:srgbClr val="C00000"/>
+                </a:solidFill>
+              </a:endParaRPr>
+            </a:p>
+          </p:txBody>
+        </p:sp>
+      </p:grpSp>
+    </p:spTree>
+    <p:extLst>
+      <p:ext uri="{BB962C8B-B14F-4D97-AF65-F5344CB8AC3E}">
+        <p14:creationId xmlns:p14="http://schemas.microsoft.com/office/powerpoint/2010/main" val="3254625558"/>
+      </p:ext>
+    </p:extLst>
+  </p:cSld>
+  <p:clrMapOvr>
+    <a:masterClrMapping/>
+  </p:clrMapOvr>
+</p:sld>
+</file>
+
 <file path=ppt/theme/theme1.xml><?xml version="1.0" encoding="utf-8"?>
 <a:theme xmlns:a="http://schemas.openxmlformats.org/drawingml/2006/main" name="Office Theme">
   <a:themeElements>

--- a/Images/Mathematics/Numbers/For Pictures.pptx
+++ b/Images/Mathematics/Numbers/For Pictures.pptx
@@ -13,6 +13,7 @@
     <p:sldId id="261" r:id="rId7"/>
     <p:sldId id="262" r:id="rId8"/>
     <p:sldId id="263" r:id="rId9"/>
+    <p:sldId id="264" r:id="rId10"/>
   </p:sldIdLst>
   <p:sldSz cx="12192000" cy="6858000"/>
   <p:notesSz cx="6858000" cy="9144000"/>
@@ -280,7 +281,7 @@
           <a:p>
             <a:fld id="{EF67844F-E1D2-4E17-99FD-D9E2A8227591}" type="datetimeFigureOut">
               <a:rPr lang="he-IL" smtClean="0"/>
-              <a:t>ד'/חשון/תשפ"ב</a:t>
+              <a:t>ו'/חשון/תשפ"ב</a:t>
             </a:fld>
             <a:endParaRPr lang="he-IL"/>
           </a:p>
@@ -480,7 +481,7 @@
           <a:p>
             <a:fld id="{EF67844F-E1D2-4E17-99FD-D9E2A8227591}" type="datetimeFigureOut">
               <a:rPr lang="he-IL" smtClean="0"/>
-              <a:t>ד'/חשון/תשפ"ב</a:t>
+              <a:t>ו'/חשון/תשפ"ב</a:t>
             </a:fld>
             <a:endParaRPr lang="he-IL"/>
           </a:p>
@@ -690,7 +691,7 @@
           <a:p>
             <a:fld id="{EF67844F-E1D2-4E17-99FD-D9E2A8227591}" type="datetimeFigureOut">
               <a:rPr lang="he-IL" smtClean="0"/>
-              <a:t>ד'/חשון/תשפ"ב</a:t>
+              <a:t>ו'/חשון/תשפ"ב</a:t>
             </a:fld>
             <a:endParaRPr lang="he-IL"/>
           </a:p>
@@ -890,7 +891,7 @@
           <a:p>
             <a:fld id="{EF67844F-E1D2-4E17-99FD-D9E2A8227591}" type="datetimeFigureOut">
               <a:rPr lang="he-IL" smtClean="0"/>
-              <a:t>ד'/חשון/תשפ"ב</a:t>
+              <a:t>ו'/חשון/תשפ"ב</a:t>
             </a:fld>
             <a:endParaRPr lang="he-IL"/>
           </a:p>
@@ -1166,7 +1167,7 @@
           <a:p>
             <a:fld id="{EF67844F-E1D2-4E17-99FD-D9E2A8227591}" type="datetimeFigureOut">
               <a:rPr lang="he-IL" smtClean="0"/>
-              <a:t>ד'/חשון/תשפ"ב</a:t>
+              <a:t>ו'/חשון/תשפ"ב</a:t>
             </a:fld>
             <a:endParaRPr lang="he-IL"/>
           </a:p>
@@ -1434,7 +1435,7 @@
           <a:p>
             <a:fld id="{EF67844F-E1D2-4E17-99FD-D9E2A8227591}" type="datetimeFigureOut">
               <a:rPr lang="he-IL" smtClean="0"/>
-              <a:t>ד'/חשון/תשפ"ב</a:t>
+              <a:t>ו'/חשון/תשפ"ב</a:t>
             </a:fld>
             <a:endParaRPr lang="he-IL"/>
           </a:p>
@@ -1849,7 +1850,7 @@
           <a:p>
             <a:fld id="{EF67844F-E1D2-4E17-99FD-D9E2A8227591}" type="datetimeFigureOut">
               <a:rPr lang="he-IL" smtClean="0"/>
-              <a:t>ד'/חשון/תשפ"ב</a:t>
+              <a:t>ו'/חשון/תשפ"ב</a:t>
             </a:fld>
             <a:endParaRPr lang="he-IL"/>
           </a:p>
@@ -1991,7 +1992,7 @@
           <a:p>
             <a:fld id="{EF67844F-E1D2-4E17-99FD-D9E2A8227591}" type="datetimeFigureOut">
               <a:rPr lang="he-IL" smtClean="0"/>
-              <a:t>ד'/חשון/תשפ"ב</a:t>
+              <a:t>ו'/חשון/תשפ"ב</a:t>
             </a:fld>
             <a:endParaRPr lang="he-IL"/>
           </a:p>
@@ -2104,7 +2105,7 @@
           <a:p>
             <a:fld id="{EF67844F-E1D2-4E17-99FD-D9E2A8227591}" type="datetimeFigureOut">
               <a:rPr lang="he-IL" smtClean="0"/>
-              <a:t>ד'/חשון/תשפ"ב</a:t>
+              <a:t>ו'/חשון/תשפ"ב</a:t>
             </a:fld>
             <a:endParaRPr lang="he-IL"/>
           </a:p>
@@ -2417,7 +2418,7 @@
           <a:p>
             <a:fld id="{EF67844F-E1D2-4E17-99FD-D9E2A8227591}" type="datetimeFigureOut">
               <a:rPr lang="he-IL" smtClean="0"/>
-              <a:t>ד'/חשון/תשפ"ב</a:t>
+              <a:t>ו'/חשון/תשפ"ב</a:t>
             </a:fld>
             <a:endParaRPr lang="he-IL"/>
           </a:p>
@@ -2706,7 +2707,7 @@
           <a:p>
             <a:fld id="{EF67844F-E1D2-4E17-99FD-D9E2A8227591}" type="datetimeFigureOut">
               <a:rPr lang="he-IL" smtClean="0"/>
-              <a:t>ד'/חשון/תשפ"ב</a:t>
+              <a:t>ו'/חשון/תשפ"ב</a:t>
             </a:fld>
             <a:endParaRPr lang="he-IL"/>
           </a:p>
@@ -2949,7 +2950,7 @@
           <a:p>
             <a:fld id="{EF67844F-E1D2-4E17-99FD-D9E2A8227591}" type="datetimeFigureOut">
               <a:rPr lang="he-IL" smtClean="0"/>
-              <a:t>ד'/חשון/תשפ"ב</a:t>
+              <a:t>ו'/חשון/תשפ"ב</a:t>
             </a:fld>
             <a:endParaRPr lang="he-IL"/>
           </a:p>
@@ -7087,8 +7088,8 @@
           </a:p>
         </p:txBody>
       </p:sp>
-      <mc:AlternateContent xmlns:mc="http://schemas.openxmlformats.org/markup-compatibility/2006">
-        <mc:Choice xmlns:a14="http://schemas.microsoft.com/office/drawing/2010/main" Requires="a14">
+      <mc:AlternateContent xmlns:mc="http://schemas.openxmlformats.org/markup-compatibility/2006" xmlns:a14="http://schemas.microsoft.com/office/drawing/2010/main">
+        <mc:Choice Requires="a14">
           <p:sp>
             <p:nvSpPr>
               <p:cNvPr id="45" name="TextBox 44">
@@ -7195,7 +7196,7 @@
             </p:txBody>
           </p:sp>
         </mc:Choice>
-        <mc:Fallback>
+        <mc:Fallback xmlns="">
           <p:sp>
             <p:nvSpPr>
               <p:cNvPr id="45" name="TextBox 44">
@@ -7863,8 +7864,8 @@
           </a:p>
         </p:txBody>
       </p:sp>
-      <mc:AlternateContent xmlns:mc="http://schemas.openxmlformats.org/markup-compatibility/2006">
-        <mc:Choice xmlns:a14="http://schemas.microsoft.com/office/drawing/2010/main" Requires="a14">
+      <mc:AlternateContent xmlns:mc="http://schemas.openxmlformats.org/markup-compatibility/2006" xmlns:a14="http://schemas.microsoft.com/office/drawing/2010/main">
+        <mc:Choice Requires="a14">
           <p:sp>
             <p:nvSpPr>
               <p:cNvPr id="45" name="TextBox 44">
@@ -7975,7 +7976,7 @@
             </p:txBody>
           </p:sp>
         </mc:Choice>
-        <mc:Fallback>
+        <mc:Fallback xmlns="">
           <p:sp>
             <p:nvSpPr>
               <p:cNvPr id="45" name="TextBox 44">
@@ -8132,7 +8133,7 @@
                 <a:effectLst/>
                 <a:latin typeface="Arial" panose="020B0604020202020204" pitchFamily="34" charset="0"/>
               </a:rPr>
-              <a:t>Number Type Ordering</a:t>
+              <a:t>Number Type Classification</a:t>
             </a:r>
           </a:p>
         </p:txBody>
@@ -8674,8 +8675,8 @@
             </a:p>
           </p:txBody>
         </p:sp>
-        <mc:AlternateContent xmlns:mc="http://schemas.openxmlformats.org/markup-compatibility/2006">
-          <mc:Choice xmlns:a14="http://schemas.microsoft.com/office/drawing/2010/main" Requires="a14">
+        <mc:AlternateContent xmlns:mc="http://schemas.openxmlformats.org/markup-compatibility/2006" xmlns:a14="http://schemas.microsoft.com/office/drawing/2010/main">
+          <mc:Choice Requires="a14">
             <p:sp>
               <p:nvSpPr>
                 <p:cNvPr id="45" name="TextBox 44">
@@ -8786,7 +8787,7 @@
               </p:txBody>
             </p:sp>
           </mc:Choice>
-          <mc:Fallback>
+          <mc:Fallback xmlns="">
             <p:sp>
               <p:nvSpPr>
                 <p:cNvPr id="45" name="TextBox 44">
@@ -8881,6 +8882,818 @@
     <p:extLst>
       <p:ext uri="{BB962C8B-B14F-4D97-AF65-F5344CB8AC3E}">
         <p14:creationId xmlns:p14="http://schemas.microsoft.com/office/powerpoint/2010/main" val="3254625558"/>
+      </p:ext>
+    </p:extLst>
+  </p:cSld>
+  <p:clrMapOvr>
+    <a:masterClrMapping/>
+  </p:clrMapOvr>
+</p:sld>
+</file>
+
+<file path=ppt/slides/slide9.xml><?xml version="1.0" encoding="utf-8"?>
+<p:sld xmlns:a="http://schemas.openxmlformats.org/drawingml/2006/main" xmlns:r="http://schemas.openxmlformats.org/officeDocument/2006/relationships" xmlns:p="http://schemas.openxmlformats.org/presentationml/2006/main">
+  <p:cSld>
+    <p:spTree>
+      <p:nvGrpSpPr>
+        <p:cNvPr id="1" name=""/>
+        <p:cNvGrpSpPr/>
+        <p:nvPr/>
+      </p:nvGrpSpPr>
+      <p:grpSpPr>
+        <a:xfrm>
+          <a:off x="0" y="0"/>
+          <a:ext cx="0" cy="0"/>
+          <a:chOff x="0" y="0"/>
+          <a:chExt cx="0" cy="0"/>
+        </a:xfrm>
+      </p:grpSpPr>
+      <p:sp>
+        <p:nvSpPr>
+          <p:cNvPr id="16" name="TextBox 15">
+            <a:extLst>
+              <a:ext uri="{FF2B5EF4-FFF2-40B4-BE49-F238E27FC236}">
+                <a16:creationId xmlns:a16="http://schemas.microsoft.com/office/drawing/2014/main" id="{A77724CA-1F23-43DF-9D42-8934044B19EF}"/>
+              </a:ext>
+            </a:extLst>
+          </p:cNvPr>
+          <p:cNvSpPr txBox="1"/>
+          <p:nvPr/>
+        </p:nvSpPr>
+        <p:spPr>
+          <a:xfrm>
+            <a:off x="723900" y="381000"/>
+            <a:ext cx="10782300" cy="646331"/>
+          </a:xfrm>
+          <a:prstGeom prst="rect">
+            <a:avLst/>
+          </a:prstGeom>
+          <a:noFill/>
+        </p:spPr>
+        <p:txBody>
+          <a:bodyPr wrap="square" rtlCol="1">
+            <a:spAutoFit/>
+          </a:bodyPr>
+          <a:lstStyle/>
+          <a:p>
+            <a:pPr algn="ctr"/>
+            <a:r>
+              <a:rPr lang="en-US" sz="3600" b="1" i="0" u="none" strike="noStrike" dirty="0">
+                <a:solidFill>
+                  <a:srgbClr val="000000"/>
+                </a:solidFill>
+                <a:effectLst/>
+                <a:latin typeface="Arial" panose="020B0604020202020204" pitchFamily="34" charset="0"/>
+              </a:rPr>
+              <a:t>Number Type Classification (Reverse)</a:t>
+            </a:r>
+          </a:p>
+        </p:txBody>
+      </p:sp>
+      <p:grpSp>
+        <p:nvGrpSpPr>
+          <p:cNvPr id="2" name="Group 1">
+            <a:extLst>
+              <a:ext uri="{FF2B5EF4-FFF2-40B4-BE49-F238E27FC236}">
+                <a16:creationId xmlns:a16="http://schemas.microsoft.com/office/drawing/2014/main" id="{05A564DB-9B3F-4FF4-8E3E-8ACC0F2CFCB2}"/>
+              </a:ext>
+            </a:extLst>
+          </p:cNvPr>
+          <p:cNvGrpSpPr/>
+          <p:nvPr/>
+        </p:nvGrpSpPr>
+        <p:grpSpPr>
+          <a:xfrm>
+            <a:off x="2595562" y="1295400"/>
+            <a:ext cx="7129463" cy="5093165"/>
+            <a:chOff x="2595562" y="1768940"/>
+            <a:chExt cx="6291263" cy="4619625"/>
+          </a:xfrm>
+        </p:grpSpPr>
+        <p:sp>
+          <p:nvSpPr>
+            <p:cNvPr id="7" name="Rectangle 6">
+              <a:extLst>
+                <a:ext uri="{FF2B5EF4-FFF2-40B4-BE49-F238E27FC236}">
+                  <a16:creationId xmlns:a16="http://schemas.microsoft.com/office/drawing/2014/main" id="{EA04B2FB-857F-4A62-9660-ACB85BFFBBAB}"/>
+                </a:ext>
+              </a:extLst>
+            </p:cNvPr>
+            <p:cNvSpPr/>
+            <p:nvPr/>
+          </p:nvSpPr>
+          <p:spPr>
+            <a:xfrm>
+              <a:off x="2595562" y="1768940"/>
+              <a:ext cx="6291263" cy="4619625"/>
+            </a:xfrm>
+            <a:prstGeom prst="rect">
+              <a:avLst/>
+            </a:prstGeom>
+            <a:solidFill>
+              <a:schemeClr val="accent1">
+                <a:lumMod val="20000"/>
+                <a:lumOff val="80000"/>
+              </a:schemeClr>
+            </a:solidFill>
+            <a:ln>
+              <a:solidFill>
+                <a:schemeClr val="bg1"/>
+              </a:solidFill>
+            </a:ln>
+          </p:spPr>
+          <p:style>
+            <a:lnRef idx="2">
+              <a:schemeClr val="accent1">
+                <a:shade val="50000"/>
+              </a:schemeClr>
+            </a:lnRef>
+            <a:fillRef idx="1">
+              <a:schemeClr val="accent1"/>
+            </a:fillRef>
+            <a:effectRef idx="0">
+              <a:schemeClr val="accent1"/>
+            </a:effectRef>
+            <a:fontRef idx="minor">
+              <a:schemeClr val="lt1"/>
+            </a:fontRef>
+          </p:style>
+          <p:txBody>
+            <a:bodyPr rtlCol="1" anchor="ctr"/>
+            <a:lstStyle/>
+            <a:p>
+              <a:pPr algn="ctr"/>
+              <a:endParaRPr lang="he-IL"/>
+            </a:p>
+          </p:txBody>
+        </p:sp>
+        <p:sp>
+          <p:nvSpPr>
+            <p:cNvPr id="41" name="Rectangle 40">
+              <a:extLst>
+                <a:ext uri="{FF2B5EF4-FFF2-40B4-BE49-F238E27FC236}">
+                  <a16:creationId xmlns:a16="http://schemas.microsoft.com/office/drawing/2014/main" id="{056A5A97-DC2A-4C0D-A2AC-EAFD62D01AB4}"/>
+                </a:ext>
+              </a:extLst>
+            </p:cNvPr>
+            <p:cNvSpPr/>
+            <p:nvPr/>
+          </p:nvSpPr>
+          <p:spPr>
+            <a:xfrm>
+              <a:off x="2924175" y="2533650"/>
+              <a:ext cx="2581275" cy="3600450"/>
+            </a:xfrm>
+            <a:prstGeom prst="rect">
+              <a:avLst/>
+            </a:prstGeom>
+            <a:solidFill>
+              <a:srgbClr val="FFCCCC"/>
+            </a:solidFill>
+            <a:ln w="38100">
+              <a:solidFill>
+                <a:schemeClr val="tx1"/>
+              </a:solidFill>
+            </a:ln>
+          </p:spPr>
+          <p:style>
+            <a:lnRef idx="2">
+              <a:schemeClr val="accent1">
+                <a:shade val="50000"/>
+              </a:schemeClr>
+            </a:lnRef>
+            <a:fillRef idx="1">
+              <a:schemeClr val="accent1"/>
+            </a:fillRef>
+            <a:effectRef idx="0">
+              <a:schemeClr val="accent1"/>
+            </a:effectRef>
+            <a:fontRef idx="minor">
+              <a:schemeClr val="lt1"/>
+            </a:fontRef>
+          </p:style>
+          <p:txBody>
+            <a:bodyPr rtlCol="1" anchor="ctr"/>
+            <a:lstStyle/>
+            <a:p>
+              <a:pPr algn="ctr"/>
+              <a:endParaRPr lang="he-IL"/>
+            </a:p>
+          </p:txBody>
+        </p:sp>
+        <p:sp>
+          <p:nvSpPr>
+            <p:cNvPr id="4" name="Rectangle 3">
+              <a:extLst>
+                <a:ext uri="{FF2B5EF4-FFF2-40B4-BE49-F238E27FC236}">
+                  <a16:creationId xmlns:a16="http://schemas.microsoft.com/office/drawing/2014/main" id="{77B52980-6C26-41A5-A9A6-79EE1F734FA4}"/>
+                </a:ext>
+              </a:extLst>
+            </p:cNvPr>
+            <p:cNvSpPr/>
+            <p:nvPr/>
+          </p:nvSpPr>
+          <p:spPr>
+            <a:xfrm>
+              <a:off x="3128960" y="3075167"/>
+              <a:ext cx="2181225" cy="2868433"/>
+            </a:xfrm>
+            <a:prstGeom prst="rect">
+              <a:avLst/>
+            </a:prstGeom>
+            <a:solidFill>
+              <a:srgbClr val="FFCCFF"/>
+            </a:solidFill>
+            <a:ln w="38100">
+              <a:solidFill>
+                <a:schemeClr val="tx1"/>
+              </a:solidFill>
+            </a:ln>
+          </p:spPr>
+          <p:style>
+            <a:lnRef idx="2">
+              <a:schemeClr val="accent1">
+                <a:shade val="50000"/>
+              </a:schemeClr>
+            </a:lnRef>
+            <a:fillRef idx="1">
+              <a:schemeClr val="accent1"/>
+            </a:fillRef>
+            <a:effectRef idx="0">
+              <a:schemeClr val="accent1"/>
+            </a:effectRef>
+            <a:fontRef idx="minor">
+              <a:schemeClr val="lt1"/>
+            </a:fontRef>
+          </p:style>
+          <p:txBody>
+            <a:bodyPr rtlCol="1" anchor="ctr"/>
+            <a:lstStyle/>
+            <a:p>
+              <a:pPr algn="ctr"/>
+              <a:endParaRPr lang="he-IL"/>
+            </a:p>
+          </p:txBody>
+        </p:sp>
+        <p:sp>
+          <p:nvSpPr>
+            <p:cNvPr id="6" name="Rectangle 5">
+              <a:extLst>
+                <a:ext uri="{FF2B5EF4-FFF2-40B4-BE49-F238E27FC236}">
+                  <a16:creationId xmlns:a16="http://schemas.microsoft.com/office/drawing/2014/main" id="{2CCF1B4E-9C52-4489-927E-100B155E85D9}"/>
+                </a:ext>
+              </a:extLst>
+            </p:cNvPr>
+            <p:cNvSpPr/>
+            <p:nvPr/>
+          </p:nvSpPr>
+          <p:spPr>
+            <a:xfrm>
+              <a:off x="3419475" y="3648076"/>
+              <a:ext cx="1619250" cy="2066924"/>
+            </a:xfrm>
+            <a:prstGeom prst="rect">
+              <a:avLst/>
+            </a:prstGeom>
+            <a:solidFill>
+              <a:srgbClr val="99FFCC"/>
+            </a:solidFill>
+            <a:ln w="38100">
+              <a:solidFill>
+                <a:schemeClr val="tx1"/>
+              </a:solidFill>
+            </a:ln>
+          </p:spPr>
+          <p:style>
+            <a:lnRef idx="2">
+              <a:schemeClr val="accent1">
+                <a:shade val="50000"/>
+              </a:schemeClr>
+            </a:lnRef>
+            <a:fillRef idx="1">
+              <a:schemeClr val="accent1"/>
+            </a:fillRef>
+            <a:effectRef idx="0">
+              <a:schemeClr val="accent1"/>
+            </a:effectRef>
+            <a:fontRef idx="minor">
+              <a:schemeClr val="lt1"/>
+            </a:fontRef>
+          </p:style>
+          <p:txBody>
+            <a:bodyPr rtlCol="1" anchor="ctr"/>
+            <a:lstStyle/>
+            <a:p>
+              <a:pPr algn="ctr"/>
+              <a:endParaRPr lang="he-IL"/>
+            </a:p>
+          </p:txBody>
+        </p:sp>
+        <p:sp>
+          <p:nvSpPr>
+            <p:cNvPr id="3" name="TextBox 2">
+              <a:extLst>
+                <a:ext uri="{FF2B5EF4-FFF2-40B4-BE49-F238E27FC236}">
+                  <a16:creationId xmlns:a16="http://schemas.microsoft.com/office/drawing/2014/main" id="{F6255F67-36FE-4A49-8522-C82AE59497B6}"/>
+                </a:ext>
+              </a:extLst>
+            </p:cNvPr>
+            <p:cNvSpPr txBox="1"/>
+            <p:nvPr/>
+          </p:nvSpPr>
+          <p:spPr>
+            <a:xfrm>
+              <a:off x="3543300" y="3819662"/>
+              <a:ext cx="1409700" cy="334993"/>
+            </a:xfrm>
+            <a:prstGeom prst="rect">
+              <a:avLst/>
+            </a:prstGeom>
+            <a:noFill/>
+          </p:spPr>
+          <p:txBody>
+            <a:bodyPr wrap="square" rtlCol="1">
+              <a:spAutoFit/>
+            </a:bodyPr>
+            <a:lstStyle/>
+            <a:p>
+              <a:pPr algn="ctr"/>
+              <a:r>
+                <a:rPr lang="en-US" b="1" dirty="0">
+                  <a:solidFill>
+                    <a:srgbClr val="C00000"/>
+                  </a:solidFill>
+                </a:rPr>
+                <a:t>[5]</a:t>
+              </a:r>
+              <a:r>
+                <a:rPr lang="en-US" b="1" dirty="0"/>
+                <a:t> (zero)</a:t>
+              </a:r>
+              <a:endParaRPr lang="he-IL" b="1" dirty="0"/>
+            </a:p>
+          </p:txBody>
+        </p:sp>
+        <p:sp>
+          <p:nvSpPr>
+            <p:cNvPr id="40" name="TextBox 39">
+              <a:extLst>
+                <a:ext uri="{FF2B5EF4-FFF2-40B4-BE49-F238E27FC236}">
+                  <a16:creationId xmlns:a16="http://schemas.microsoft.com/office/drawing/2014/main" id="{83D7CFFB-31B6-4B2F-862C-CBDF84EF0A22}"/>
+                </a:ext>
+              </a:extLst>
+            </p:cNvPr>
+            <p:cNvSpPr txBox="1"/>
+            <p:nvPr/>
+          </p:nvSpPr>
+          <p:spPr>
+            <a:xfrm>
+              <a:off x="3109913" y="3148733"/>
+              <a:ext cx="2181225" cy="334993"/>
+            </a:xfrm>
+            <a:prstGeom prst="rect">
+              <a:avLst/>
+            </a:prstGeom>
+            <a:noFill/>
+          </p:spPr>
+          <p:txBody>
+            <a:bodyPr wrap="square" rtlCol="1">
+              <a:spAutoFit/>
+            </a:bodyPr>
+            <a:lstStyle/>
+            <a:p>
+              <a:pPr algn="ctr"/>
+              <a:r>
+                <a:rPr lang="en-US" b="1" dirty="0">
+                  <a:solidFill>
+                    <a:srgbClr val="C00000"/>
+                  </a:solidFill>
+                </a:rPr>
+                <a:t>[4] </a:t>
+              </a:r>
+              <a:r>
+                <a:rPr lang="en-US" b="1" dirty="0"/>
+                <a:t>-1, -2, -3</a:t>
+              </a:r>
+              <a:endParaRPr lang="he-IL" b="1" dirty="0"/>
+            </a:p>
+          </p:txBody>
+        </p:sp>
+        <p:sp>
+          <p:nvSpPr>
+            <p:cNvPr id="42" name="TextBox 41">
+              <a:extLst>
+                <a:ext uri="{FF2B5EF4-FFF2-40B4-BE49-F238E27FC236}">
+                  <a16:creationId xmlns:a16="http://schemas.microsoft.com/office/drawing/2014/main" id="{AD6CCB62-8B3B-426A-8E62-6600927CD35C}"/>
+                </a:ext>
+              </a:extLst>
+            </p:cNvPr>
+            <p:cNvSpPr txBox="1"/>
+            <p:nvPr/>
+          </p:nvSpPr>
+          <p:spPr>
+            <a:xfrm>
+              <a:off x="3100386" y="2640830"/>
+              <a:ext cx="2181225" cy="334993"/>
+            </a:xfrm>
+            <a:prstGeom prst="rect">
+              <a:avLst/>
+            </a:prstGeom>
+            <a:noFill/>
+          </p:spPr>
+          <p:txBody>
+            <a:bodyPr wrap="square" rtlCol="1">
+              <a:spAutoFit/>
+            </a:bodyPr>
+            <a:lstStyle/>
+            <a:p>
+              <a:pPr algn="ctr"/>
+              <a:r>
+                <a:rPr lang="en-US" b="1" dirty="0">
+                  <a:solidFill>
+                    <a:srgbClr val="C00000"/>
+                  </a:solidFill>
+                </a:rPr>
+                <a:t>[3] </a:t>
+              </a:r>
+              <a:r>
+                <a:rPr lang="en-US" b="1" dirty="0"/>
+                <a:t>1/3, 1/5</a:t>
+              </a:r>
+              <a:endParaRPr lang="he-IL" b="1" dirty="0"/>
+            </a:p>
+          </p:txBody>
+        </p:sp>
+        <p:sp>
+          <p:nvSpPr>
+            <p:cNvPr id="5" name="Rectangle 4">
+              <a:extLst>
+                <a:ext uri="{FF2B5EF4-FFF2-40B4-BE49-F238E27FC236}">
+                  <a16:creationId xmlns:a16="http://schemas.microsoft.com/office/drawing/2014/main" id="{6753D505-EA24-40D7-8A26-9014248A415D}"/>
+                </a:ext>
+              </a:extLst>
+            </p:cNvPr>
+            <p:cNvSpPr/>
+            <p:nvPr/>
+          </p:nvSpPr>
+          <p:spPr>
+            <a:xfrm>
+              <a:off x="3609975" y="4352925"/>
+              <a:ext cx="1190625" cy="1171575"/>
+            </a:xfrm>
+            <a:prstGeom prst="rect">
+              <a:avLst/>
+            </a:prstGeom>
+            <a:solidFill>
+              <a:srgbClr val="CCECFF"/>
+            </a:solidFill>
+            <a:ln w="38100">
+              <a:solidFill>
+                <a:schemeClr val="tx1"/>
+              </a:solidFill>
+            </a:ln>
+          </p:spPr>
+          <p:style>
+            <a:lnRef idx="2">
+              <a:schemeClr val="accent1">
+                <a:shade val="50000"/>
+              </a:schemeClr>
+            </a:lnRef>
+            <a:fillRef idx="1">
+              <a:schemeClr val="accent1"/>
+            </a:fillRef>
+            <a:effectRef idx="0">
+              <a:schemeClr val="accent1"/>
+            </a:effectRef>
+            <a:fontRef idx="minor">
+              <a:schemeClr val="lt1"/>
+            </a:fontRef>
+          </p:style>
+          <p:txBody>
+            <a:bodyPr rtlCol="1" anchor="ctr"/>
+            <a:lstStyle/>
+            <a:p>
+              <a:pPr algn="ctr"/>
+              <a:endParaRPr lang="he-IL"/>
+            </a:p>
+          </p:txBody>
+        </p:sp>
+        <p:sp>
+          <p:nvSpPr>
+            <p:cNvPr id="43" name="TextBox 42">
+              <a:extLst>
+                <a:ext uri="{FF2B5EF4-FFF2-40B4-BE49-F238E27FC236}">
+                  <a16:creationId xmlns:a16="http://schemas.microsoft.com/office/drawing/2014/main" id="{5C2D73B7-EB9D-47F2-83CD-6BFC7AA45A05}"/>
+                </a:ext>
+              </a:extLst>
+            </p:cNvPr>
+            <p:cNvSpPr txBox="1"/>
+            <p:nvPr/>
+          </p:nvSpPr>
+          <p:spPr>
+            <a:xfrm>
+              <a:off x="3505200" y="4459753"/>
+              <a:ext cx="1409700" cy="837483"/>
+            </a:xfrm>
+            <a:prstGeom prst="rect">
+              <a:avLst/>
+            </a:prstGeom>
+            <a:noFill/>
+          </p:spPr>
+          <p:txBody>
+            <a:bodyPr wrap="square" rtlCol="1">
+              <a:spAutoFit/>
+            </a:bodyPr>
+            <a:lstStyle/>
+            <a:p>
+              <a:pPr algn="ctr"/>
+              <a:r>
+                <a:rPr lang="en-US" b="1" dirty="0">
+                  <a:solidFill>
+                    <a:srgbClr val="C00000"/>
+                  </a:solidFill>
+                </a:rPr>
+                <a:t>[6]</a:t>
+              </a:r>
+            </a:p>
+            <a:p>
+              <a:pPr algn="ctr"/>
+              <a:r>
+                <a:rPr lang="en-US" b="1" dirty="0"/>
+                <a:t>(Counting)</a:t>
+              </a:r>
+            </a:p>
+            <a:p>
+              <a:pPr algn="ctr"/>
+              <a:r>
+                <a:rPr lang="en-US" b="1" dirty="0"/>
+                <a:t>1, 2, 3</a:t>
+              </a:r>
+              <a:endParaRPr lang="he-IL" b="1" dirty="0"/>
+            </a:p>
+          </p:txBody>
+        </p:sp>
+        <p:sp>
+          <p:nvSpPr>
+            <p:cNvPr id="44" name="Rectangle 43">
+              <a:extLst>
+                <a:ext uri="{FF2B5EF4-FFF2-40B4-BE49-F238E27FC236}">
+                  <a16:creationId xmlns:a16="http://schemas.microsoft.com/office/drawing/2014/main" id="{79CEF425-B4CF-4B40-A738-D1CC69A2AF19}"/>
+                </a:ext>
+              </a:extLst>
+            </p:cNvPr>
+            <p:cNvSpPr/>
+            <p:nvPr/>
+          </p:nvSpPr>
+          <p:spPr>
+            <a:xfrm>
+              <a:off x="6071320" y="2552700"/>
+              <a:ext cx="2520230" cy="3581400"/>
+            </a:xfrm>
+            <a:prstGeom prst="rect">
+              <a:avLst/>
+            </a:prstGeom>
+            <a:solidFill>
+              <a:srgbClr val="FFFFCC"/>
+            </a:solidFill>
+            <a:ln w="38100">
+              <a:solidFill>
+                <a:schemeClr val="tx1"/>
+              </a:solidFill>
+            </a:ln>
+          </p:spPr>
+          <p:style>
+            <a:lnRef idx="2">
+              <a:schemeClr val="accent1">
+                <a:shade val="50000"/>
+              </a:schemeClr>
+            </a:lnRef>
+            <a:fillRef idx="1">
+              <a:schemeClr val="accent1"/>
+            </a:fillRef>
+            <a:effectRef idx="0">
+              <a:schemeClr val="accent1"/>
+            </a:effectRef>
+            <a:fontRef idx="minor">
+              <a:schemeClr val="lt1"/>
+            </a:fontRef>
+          </p:style>
+          <p:txBody>
+            <a:bodyPr rtlCol="1" anchor="ctr"/>
+            <a:lstStyle/>
+            <a:p>
+              <a:pPr algn="ctr"/>
+              <a:endParaRPr lang="he-IL"/>
+            </a:p>
+          </p:txBody>
+        </p:sp>
+        <mc:AlternateContent xmlns:mc="http://schemas.openxmlformats.org/markup-compatibility/2006">
+          <mc:Choice xmlns:a14="http://schemas.microsoft.com/office/drawing/2010/main" Requires="a14">
+            <p:sp>
+              <p:nvSpPr>
+                <p:cNvPr id="45" name="TextBox 44">
+                  <a:extLst>
+                    <a:ext uri="{FF2B5EF4-FFF2-40B4-BE49-F238E27FC236}">
+                      <a16:creationId xmlns:a16="http://schemas.microsoft.com/office/drawing/2014/main" id="{5112C96A-C072-44DA-B982-FD78D5BA90A4}"/>
+                    </a:ext>
+                  </a:extLst>
+                </p:cNvPr>
+                <p:cNvSpPr txBox="1"/>
+                <p:nvPr/>
+              </p:nvSpPr>
+              <p:spPr>
+                <a:xfrm>
+                  <a:off x="6629400" y="3949551"/>
+                  <a:ext cx="1376362" cy="615841"/>
+                </a:xfrm>
+                <a:prstGeom prst="rect">
+                  <a:avLst/>
+                </a:prstGeom>
+                <a:noFill/>
+              </p:spPr>
+              <p:txBody>
+                <a:bodyPr wrap="square" rtlCol="1">
+                  <a:spAutoFit/>
+                </a:bodyPr>
+                <a:lstStyle/>
+                <a:p>
+                  <a:pPr algn="ctr"/>
+                  <a:r>
+                    <a:rPr lang="en-US" b="1" dirty="0">
+                      <a:solidFill>
+                        <a:srgbClr val="C00000"/>
+                      </a:solidFill>
+                    </a:rPr>
+                    <a:t>[2]</a:t>
+                  </a:r>
+                </a:p>
+                <a:p>
+                  <a:pPr algn="ctr"/>
+                  <a14:m>
+                    <m:oMathPara xmlns:m="http://schemas.openxmlformats.org/officeDocument/2006/math">
+                      <m:oMathParaPr>
+                        <m:jc m:val="centerGroup"/>
+                      </m:oMathParaPr>
+                      <m:oMath xmlns:m="http://schemas.openxmlformats.org/officeDocument/2006/math">
+                        <m:rad>
+                          <m:radPr>
+                            <m:degHide m:val="on"/>
+                            <m:ctrlPr>
+                              <a:rPr lang="he-IL" b="1" i="1" smtClean="0">
+                                <a:latin typeface="Cambria Math" panose="02040503050406030204" pitchFamily="18" charset="0"/>
+                              </a:rPr>
+                            </m:ctrlPr>
+                          </m:radPr>
+                          <m:deg/>
+                          <m:e>
+                            <m:r>
+                              <a:rPr lang="he-IL" b="1" i="1" smtClean="0">
+                                <a:latin typeface="Cambria Math" panose="02040503050406030204" pitchFamily="18" charset="0"/>
+                              </a:rPr>
+                              <m:t>𝟐</m:t>
+                            </m:r>
+                          </m:e>
+                        </m:rad>
+                        <m:r>
+                          <a:rPr lang="en-US" b="1" i="0" smtClean="0">
+                            <a:latin typeface="Cambria Math" panose="02040503050406030204" pitchFamily="18" charset="0"/>
+                          </a:rPr>
+                          <m:t>,</m:t>
+                        </m:r>
+                        <m:rad>
+                          <m:radPr>
+                            <m:degHide m:val="on"/>
+                            <m:ctrlPr>
+                              <a:rPr lang="en-US" b="1" i="1">
+                                <a:latin typeface="Cambria Math" panose="02040503050406030204" pitchFamily="18" charset="0"/>
+                              </a:rPr>
+                            </m:ctrlPr>
+                          </m:radPr>
+                          <m:deg/>
+                          <m:e>
+                            <m:r>
+                              <a:rPr lang="en-US" b="1" i="1">
+                                <a:latin typeface="Cambria Math" panose="02040503050406030204" pitchFamily="18" charset="0"/>
+                              </a:rPr>
+                              <m:t>𝟑</m:t>
+                            </m:r>
+                          </m:e>
+                        </m:rad>
+                        <m:r>
+                          <a:rPr lang="en-US" b="1" i="1" smtClean="0">
+                            <a:latin typeface="Cambria Math" panose="02040503050406030204" pitchFamily="18" charset="0"/>
+                          </a:rPr>
+                          <m:t>, </m:t>
+                        </m:r>
+                        <m:r>
+                          <a:rPr lang="el-GR" b="1" i="1" smtClean="0">
+                            <a:latin typeface="Cambria Math" panose="02040503050406030204" pitchFamily="18" charset="0"/>
+                          </a:rPr>
+                          <m:t>𝝅</m:t>
+                        </m:r>
+                      </m:oMath>
+                    </m:oMathPara>
+                  </a14:m>
+                  <a:endParaRPr lang="he-IL" b="1" dirty="0"/>
+                </a:p>
+              </p:txBody>
+            </p:sp>
+          </mc:Choice>
+          <mc:Fallback>
+            <p:sp>
+              <p:nvSpPr>
+                <p:cNvPr id="45" name="TextBox 44">
+                  <a:extLst>
+                    <a:ext uri="{FF2B5EF4-FFF2-40B4-BE49-F238E27FC236}">
+                      <a16:creationId xmlns:a16="http://schemas.microsoft.com/office/drawing/2014/main" id="{5112C96A-C072-44DA-B982-FD78D5BA90A4}"/>
+                    </a:ext>
+                  </a:extLst>
+                </p:cNvPr>
+                <p:cNvSpPr txBox="1">
+                  <a:spLocks noRot="1" noChangeAspect="1" noMove="1" noResize="1" noEditPoints="1" noAdjustHandles="1" noChangeArrowheads="1" noChangeShapeType="1" noTextEdit="1"/>
+                </p:cNvSpPr>
+                <p:nvPr/>
+              </p:nvSpPr>
+              <p:spPr>
+                <a:xfrm>
+                  <a:off x="6629400" y="3949551"/>
+                  <a:ext cx="1376362" cy="615841"/>
+                </a:xfrm>
+                <a:prstGeom prst="rect">
+                  <a:avLst/>
+                </a:prstGeom>
+                <a:blipFill>
+                  <a:blip r:embed="rId2"/>
+                  <a:stretch>
+                    <a:fillRect t="-5405"/>
+                  </a:stretch>
+                </a:blipFill>
+              </p:spPr>
+              <p:txBody>
+                <a:bodyPr/>
+                <a:lstStyle/>
+                <a:p>
+                  <a:r>
+                    <a:rPr lang="he-IL">
+                      <a:noFill/>
+                    </a:rPr>
+                    <a:t> </a:t>
+                  </a:r>
+                </a:p>
+              </p:txBody>
+            </p:sp>
+          </mc:Fallback>
+        </mc:AlternateContent>
+        <p:sp>
+          <p:nvSpPr>
+            <p:cNvPr id="46" name="TextBox 45">
+              <a:extLst>
+                <a:ext uri="{FF2B5EF4-FFF2-40B4-BE49-F238E27FC236}">
+                  <a16:creationId xmlns:a16="http://schemas.microsoft.com/office/drawing/2014/main" id="{7DDF2CF2-2E2D-45EE-9D6D-D5AA9B541ECF}"/>
+                </a:ext>
+              </a:extLst>
+            </p:cNvPr>
+            <p:cNvSpPr txBox="1"/>
+            <p:nvPr/>
+          </p:nvSpPr>
+          <p:spPr>
+            <a:xfrm>
+              <a:off x="4650580" y="1951240"/>
+              <a:ext cx="2181225" cy="362910"/>
+            </a:xfrm>
+            <a:prstGeom prst="rect">
+              <a:avLst/>
+            </a:prstGeom>
+            <a:noFill/>
+          </p:spPr>
+          <p:txBody>
+            <a:bodyPr wrap="square" rtlCol="1">
+              <a:spAutoFit/>
+            </a:bodyPr>
+            <a:lstStyle/>
+            <a:p>
+              <a:pPr algn="ctr"/>
+              <a:r>
+                <a:rPr lang="en-US" sz="2000" b="1" dirty="0">
+                  <a:solidFill>
+                    <a:srgbClr val="C00000"/>
+                  </a:solidFill>
+                </a:rPr>
+                <a:t>[1]</a:t>
+              </a:r>
+              <a:endParaRPr lang="he-IL" sz="2000" b="1" dirty="0">
+                <a:solidFill>
+                  <a:srgbClr val="C00000"/>
+                </a:solidFill>
+              </a:endParaRPr>
+            </a:p>
+          </p:txBody>
+        </p:sp>
+      </p:grpSp>
+    </p:spTree>
+    <p:extLst>
+      <p:ext uri="{BB962C8B-B14F-4D97-AF65-F5344CB8AC3E}">
+        <p14:creationId xmlns:p14="http://schemas.microsoft.com/office/powerpoint/2010/main" val="6637657"/>
       </p:ext>
     </p:extLst>
   </p:cSld>

--- a/Images/Mathematics/Numbers/For Pictures.pptx
+++ b/Images/Mathematics/Numbers/For Pictures.pptx
@@ -14,6 +14,9 @@
     <p:sldId id="262" r:id="rId8"/>
     <p:sldId id="263" r:id="rId9"/>
     <p:sldId id="264" r:id="rId10"/>
+    <p:sldId id="265" r:id="rId11"/>
+    <p:sldId id="266" r:id="rId12"/>
+    <p:sldId id="267" r:id="rId13"/>
   </p:sldIdLst>
   <p:sldSz cx="12192000" cy="6858000"/>
   <p:notesSz cx="6858000" cy="9144000"/>
@@ -281,7 +284,7 @@
           <a:p>
             <a:fld id="{EF67844F-E1D2-4E17-99FD-D9E2A8227591}" type="datetimeFigureOut">
               <a:rPr lang="he-IL" smtClean="0"/>
-              <a:t>ו'/חשון/תשפ"ב</a:t>
+              <a:t>י"א/חשון/תשפ"ב</a:t>
             </a:fld>
             <a:endParaRPr lang="he-IL"/>
           </a:p>
@@ -481,7 +484,7 @@
           <a:p>
             <a:fld id="{EF67844F-E1D2-4E17-99FD-D9E2A8227591}" type="datetimeFigureOut">
               <a:rPr lang="he-IL" smtClean="0"/>
-              <a:t>ו'/חשון/תשפ"ב</a:t>
+              <a:t>י"א/חשון/תשפ"ב</a:t>
             </a:fld>
             <a:endParaRPr lang="he-IL"/>
           </a:p>
@@ -691,7 +694,7 @@
           <a:p>
             <a:fld id="{EF67844F-E1D2-4E17-99FD-D9E2A8227591}" type="datetimeFigureOut">
               <a:rPr lang="he-IL" smtClean="0"/>
-              <a:t>ו'/חשון/תשפ"ב</a:t>
+              <a:t>י"א/חשון/תשפ"ב</a:t>
             </a:fld>
             <a:endParaRPr lang="he-IL"/>
           </a:p>
@@ -891,7 +894,7 @@
           <a:p>
             <a:fld id="{EF67844F-E1D2-4E17-99FD-D9E2A8227591}" type="datetimeFigureOut">
               <a:rPr lang="he-IL" smtClean="0"/>
-              <a:t>ו'/חשון/תשפ"ב</a:t>
+              <a:t>י"א/חשון/תשפ"ב</a:t>
             </a:fld>
             <a:endParaRPr lang="he-IL"/>
           </a:p>
@@ -1167,7 +1170,7 @@
           <a:p>
             <a:fld id="{EF67844F-E1D2-4E17-99FD-D9E2A8227591}" type="datetimeFigureOut">
               <a:rPr lang="he-IL" smtClean="0"/>
-              <a:t>ו'/חשון/תשפ"ב</a:t>
+              <a:t>י"א/חשון/תשפ"ב</a:t>
             </a:fld>
             <a:endParaRPr lang="he-IL"/>
           </a:p>
@@ -1435,7 +1438,7 @@
           <a:p>
             <a:fld id="{EF67844F-E1D2-4E17-99FD-D9E2A8227591}" type="datetimeFigureOut">
               <a:rPr lang="he-IL" smtClean="0"/>
-              <a:t>ו'/חשון/תשפ"ב</a:t>
+              <a:t>י"א/חשון/תשפ"ב</a:t>
             </a:fld>
             <a:endParaRPr lang="he-IL"/>
           </a:p>
@@ -1850,7 +1853,7 @@
           <a:p>
             <a:fld id="{EF67844F-E1D2-4E17-99FD-D9E2A8227591}" type="datetimeFigureOut">
               <a:rPr lang="he-IL" smtClean="0"/>
-              <a:t>ו'/חשון/תשפ"ב</a:t>
+              <a:t>י"א/חשון/תשפ"ב</a:t>
             </a:fld>
             <a:endParaRPr lang="he-IL"/>
           </a:p>
@@ -1992,7 +1995,7 @@
           <a:p>
             <a:fld id="{EF67844F-E1D2-4E17-99FD-D9E2A8227591}" type="datetimeFigureOut">
               <a:rPr lang="he-IL" smtClean="0"/>
-              <a:t>ו'/חשון/תשפ"ב</a:t>
+              <a:t>י"א/חשון/תשפ"ב</a:t>
             </a:fld>
             <a:endParaRPr lang="he-IL"/>
           </a:p>
@@ -2105,7 +2108,7 @@
           <a:p>
             <a:fld id="{EF67844F-E1D2-4E17-99FD-D9E2A8227591}" type="datetimeFigureOut">
               <a:rPr lang="he-IL" smtClean="0"/>
-              <a:t>ו'/חשון/תשפ"ב</a:t>
+              <a:t>י"א/חשון/תשפ"ב</a:t>
             </a:fld>
             <a:endParaRPr lang="he-IL"/>
           </a:p>
@@ -2418,7 +2421,7 @@
           <a:p>
             <a:fld id="{EF67844F-E1D2-4E17-99FD-D9E2A8227591}" type="datetimeFigureOut">
               <a:rPr lang="he-IL" smtClean="0"/>
-              <a:t>ו'/חשון/תשפ"ב</a:t>
+              <a:t>י"א/חשון/תשפ"ב</a:t>
             </a:fld>
             <a:endParaRPr lang="he-IL"/>
           </a:p>
@@ -2707,7 +2710,7 @@
           <a:p>
             <a:fld id="{EF67844F-E1D2-4E17-99FD-D9E2A8227591}" type="datetimeFigureOut">
               <a:rPr lang="he-IL" smtClean="0"/>
-              <a:t>ו'/חשון/תשפ"ב</a:t>
+              <a:t>י"א/חשון/תשפ"ב</a:t>
             </a:fld>
             <a:endParaRPr lang="he-IL"/>
           </a:p>
@@ -2950,7 +2953,7 @@
           <a:p>
             <a:fld id="{EF67844F-E1D2-4E17-99FD-D9E2A8227591}" type="datetimeFigureOut">
               <a:rPr lang="he-IL" smtClean="0"/>
-              <a:t>ו'/חשון/תשפ"ב</a:t>
+              <a:t>י"א/חשון/תשפ"ב</a:t>
             </a:fld>
             <a:endParaRPr lang="he-IL"/>
           </a:p>
@@ -3735,6 +3738,6232 @@
     <p:extLst>
       <p:ext uri="{BB962C8B-B14F-4D97-AF65-F5344CB8AC3E}">
         <p14:creationId xmlns:p14="http://schemas.microsoft.com/office/powerpoint/2010/main" val="3914073328"/>
+      </p:ext>
+    </p:extLst>
+  </p:cSld>
+  <p:clrMapOvr>
+    <a:masterClrMapping/>
+  </p:clrMapOvr>
+</p:sld>
+</file>
+
+<file path=ppt/slides/slide10.xml><?xml version="1.0" encoding="utf-8"?>
+<p:sld xmlns:a="http://schemas.openxmlformats.org/drawingml/2006/main" xmlns:r="http://schemas.openxmlformats.org/officeDocument/2006/relationships" xmlns:p="http://schemas.openxmlformats.org/presentationml/2006/main">
+  <p:cSld>
+    <p:spTree>
+      <p:nvGrpSpPr>
+        <p:cNvPr id="1" name=""/>
+        <p:cNvGrpSpPr/>
+        <p:nvPr/>
+      </p:nvGrpSpPr>
+      <p:grpSpPr>
+        <a:xfrm>
+          <a:off x="0" y="0"/>
+          <a:ext cx="0" cy="0"/>
+          <a:chOff x="0" y="0"/>
+          <a:chExt cx="0" cy="0"/>
+        </a:xfrm>
+      </p:grpSpPr>
+      <p:sp>
+        <p:nvSpPr>
+          <p:cNvPr id="55" name="Rectangle 54">
+            <a:extLst>
+              <a:ext uri="{FF2B5EF4-FFF2-40B4-BE49-F238E27FC236}">
+                <a16:creationId xmlns:a16="http://schemas.microsoft.com/office/drawing/2014/main" id="{9318EA3E-5367-45F9-B01B-AED63C3E6986}"/>
+              </a:ext>
+            </a:extLst>
+          </p:cNvPr>
+          <p:cNvSpPr/>
+          <p:nvPr/>
+        </p:nvSpPr>
+        <p:spPr>
+          <a:xfrm>
+            <a:off x="7805732" y="1867079"/>
+            <a:ext cx="3462343" cy="435623"/>
+          </a:xfrm>
+          <a:prstGeom prst="rect">
+            <a:avLst/>
+          </a:prstGeom>
+          <a:gradFill>
+            <a:gsLst>
+              <a:gs pos="0">
+                <a:schemeClr val="accent5">
+                  <a:lumMod val="20000"/>
+                  <a:lumOff val="80000"/>
+                </a:schemeClr>
+              </a:gs>
+              <a:gs pos="100000">
+                <a:srgbClr val="FFCCCC"/>
+              </a:gs>
+            </a:gsLst>
+            <a:path path="shape">
+              <a:fillToRect l="50000" t="50000" r="50000" b="50000"/>
+            </a:path>
+          </a:gradFill>
+          <a:ln>
+            <a:noFill/>
+          </a:ln>
+        </p:spPr>
+        <p:style>
+          <a:lnRef idx="2">
+            <a:schemeClr val="accent1">
+              <a:shade val="50000"/>
+            </a:schemeClr>
+          </a:lnRef>
+          <a:fillRef idx="1">
+            <a:schemeClr val="accent1"/>
+          </a:fillRef>
+          <a:effectRef idx="0">
+            <a:schemeClr val="accent1"/>
+          </a:effectRef>
+          <a:fontRef idx="minor">
+            <a:schemeClr val="lt1"/>
+          </a:fontRef>
+        </p:style>
+        <p:txBody>
+          <a:bodyPr rtlCol="1" anchor="ctr"/>
+          <a:lstStyle/>
+          <a:p>
+            <a:pPr algn="ctr"/>
+            <a:endParaRPr lang="he-IL">
+              <a:solidFill>
+                <a:schemeClr val="accent6">
+                  <a:lumMod val="50000"/>
+                </a:schemeClr>
+              </a:solidFill>
+            </a:endParaRPr>
+          </a:p>
+        </p:txBody>
+      </p:sp>
+      <p:sp>
+        <p:nvSpPr>
+          <p:cNvPr id="48" name="Rectangle 47">
+            <a:extLst>
+              <a:ext uri="{FF2B5EF4-FFF2-40B4-BE49-F238E27FC236}">
+                <a16:creationId xmlns:a16="http://schemas.microsoft.com/office/drawing/2014/main" id="{19538435-F715-4FE0-B8B8-032918EF1A93}"/>
+              </a:ext>
+            </a:extLst>
+          </p:cNvPr>
+          <p:cNvSpPr/>
+          <p:nvPr/>
+        </p:nvSpPr>
+        <p:spPr>
+          <a:xfrm>
+            <a:off x="4113876" y="2803965"/>
+            <a:ext cx="7154199" cy="468149"/>
+          </a:xfrm>
+          <a:prstGeom prst="rect">
+            <a:avLst/>
+          </a:prstGeom>
+          <a:solidFill>
+            <a:srgbClr val="FFCCCC"/>
+          </a:solidFill>
+          <a:ln>
+            <a:noFill/>
+          </a:ln>
+        </p:spPr>
+        <p:style>
+          <a:lnRef idx="2">
+            <a:schemeClr val="accent1">
+              <a:shade val="50000"/>
+            </a:schemeClr>
+          </a:lnRef>
+          <a:fillRef idx="1">
+            <a:schemeClr val="accent1"/>
+          </a:fillRef>
+          <a:effectRef idx="0">
+            <a:schemeClr val="accent1"/>
+          </a:effectRef>
+          <a:fontRef idx="minor">
+            <a:schemeClr val="lt1"/>
+          </a:fontRef>
+        </p:style>
+        <p:txBody>
+          <a:bodyPr rtlCol="1" anchor="ctr"/>
+          <a:lstStyle/>
+          <a:p>
+            <a:pPr algn="ctr"/>
+            <a:endParaRPr lang="he-IL"/>
+          </a:p>
+        </p:txBody>
+      </p:sp>
+      <p:sp>
+        <p:nvSpPr>
+          <p:cNvPr id="47" name="Rectangle 46">
+            <a:extLst>
+              <a:ext uri="{FF2B5EF4-FFF2-40B4-BE49-F238E27FC236}">
+                <a16:creationId xmlns:a16="http://schemas.microsoft.com/office/drawing/2014/main" id="{EFD71388-2DB7-450B-A5C7-01AA5A629AA2}"/>
+              </a:ext>
+            </a:extLst>
+          </p:cNvPr>
+          <p:cNvSpPr/>
+          <p:nvPr/>
+        </p:nvSpPr>
+        <p:spPr>
+          <a:xfrm>
+            <a:off x="5076824" y="2352454"/>
+            <a:ext cx="6191251" cy="435623"/>
+          </a:xfrm>
+          <a:prstGeom prst="rect">
+            <a:avLst/>
+          </a:prstGeom>
+          <a:solidFill>
+            <a:schemeClr val="accent1">
+              <a:lumMod val="20000"/>
+              <a:lumOff val="80000"/>
+            </a:schemeClr>
+          </a:solidFill>
+          <a:ln>
+            <a:noFill/>
+          </a:ln>
+        </p:spPr>
+        <p:style>
+          <a:lnRef idx="2">
+            <a:schemeClr val="accent1">
+              <a:shade val="50000"/>
+            </a:schemeClr>
+          </a:lnRef>
+          <a:fillRef idx="1">
+            <a:schemeClr val="accent1"/>
+          </a:fillRef>
+          <a:effectRef idx="0">
+            <a:schemeClr val="accent1"/>
+          </a:effectRef>
+          <a:fontRef idx="minor">
+            <a:schemeClr val="lt1"/>
+          </a:fontRef>
+        </p:style>
+        <p:txBody>
+          <a:bodyPr rtlCol="1" anchor="ctr"/>
+          <a:lstStyle/>
+          <a:p>
+            <a:pPr algn="ctr"/>
+            <a:endParaRPr lang="he-IL"/>
+          </a:p>
+        </p:txBody>
+      </p:sp>
+      <p:sp>
+        <p:nvSpPr>
+          <p:cNvPr id="16" name="TextBox 15">
+            <a:extLst>
+              <a:ext uri="{FF2B5EF4-FFF2-40B4-BE49-F238E27FC236}">
+                <a16:creationId xmlns:a16="http://schemas.microsoft.com/office/drawing/2014/main" id="{A77724CA-1F23-43DF-9D42-8934044B19EF}"/>
+              </a:ext>
+            </a:extLst>
+          </p:cNvPr>
+          <p:cNvSpPr txBox="1"/>
+          <p:nvPr/>
+        </p:nvSpPr>
+        <p:spPr>
+          <a:xfrm>
+            <a:off x="723900" y="381000"/>
+            <a:ext cx="10782300" cy="1200329"/>
+          </a:xfrm>
+          <a:prstGeom prst="rect">
+            <a:avLst/>
+          </a:prstGeom>
+          <a:noFill/>
+        </p:spPr>
+        <p:txBody>
+          <a:bodyPr wrap="square" rtlCol="1">
+            <a:spAutoFit/>
+          </a:bodyPr>
+          <a:lstStyle/>
+          <a:p>
+            <a:pPr algn="ctr"/>
+            <a:r>
+              <a:rPr lang="en-US" sz="3600" b="1" i="0" u="none" strike="noStrike" dirty="0">
+                <a:solidFill>
+                  <a:srgbClr val="000000"/>
+                </a:solidFill>
+                <a:effectLst/>
+                <a:latin typeface="Arial" panose="020B0604020202020204" pitchFamily="34" charset="0"/>
+              </a:rPr>
+              <a:t>Number Line is a s</a:t>
+            </a:r>
+            <a:r>
+              <a:rPr lang="en-US" sz="3600" b="1" dirty="0">
+                <a:solidFill>
+                  <a:srgbClr val="000000"/>
+                </a:solidFill>
+                <a:latin typeface="Arial" panose="020B0604020202020204" pitchFamily="34" charset="0"/>
+              </a:rPr>
+              <a:t>traight</a:t>
+            </a:r>
+            <a:r>
+              <a:rPr lang="en-US" sz="3600" b="1" i="0" u="none" strike="noStrike" dirty="0">
+                <a:solidFill>
+                  <a:srgbClr val="000000"/>
+                </a:solidFill>
+                <a:effectLst/>
+                <a:latin typeface="Arial" panose="020B0604020202020204" pitchFamily="34" charset="0"/>
+              </a:rPr>
+              <a:t> line that serves as </a:t>
+            </a:r>
+            <a:r>
+              <a:rPr lang="en-US" sz="3600" b="1" dirty="0">
+                <a:solidFill>
+                  <a:srgbClr val="000000"/>
+                </a:solidFill>
+                <a:latin typeface="Arial" panose="020B0604020202020204" pitchFamily="34" charset="0"/>
+              </a:rPr>
+              <a:t>a*****n </a:t>
+            </a:r>
+            <a:r>
+              <a:rPr lang="en-US" sz="3600" b="1" i="0" u="none" strike="noStrike" dirty="0">
+                <a:solidFill>
+                  <a:srgbClr val="000000"/>
+                </a:solidFill>
+                <a:effectLst/>
+                <a:latin typeface="Arial" panose="020B0604020202020204" pitchFamily="34" charset="0"/>
+              </a:rPr>
+              <a:t>for real numbers</a:t>
+            </a:r>
+          </a:p>
+        </p:txBody>
+      </p:sp>
+      <p:cxnSp>
+        <p:nvCxnSpPr>
+          <p:cNvPr id="12" name="Straight Arrow Connector 11">
+            <a:extLst>
+              <a:ext uri="{FF2B5EF4-FFF2-40B4-BE49-F238E27FC236}">
+                <a16:creationId xmlns:a16="http://schemas.microsoft.com/office/drawing/2014/main" id="{CB8BD016-4B95-434C-AE37-83627AE2B966}"/>
+              </a:ext>
+            </a:extLst>
+          </p:cNvPr>
+          <p:cNvCxnSpPr>
+            <a:cxnSpLocks/>
+          </p:cNvCxnSpPr>
+          <p:nvPr/>
+        </p:nvCxnSpPr>
+        <p:spPr>
+          <a:xfrm>
+            <a:off x="2200274" y="3476625"/>
+            <a:ext cx="9144001" cy="185"/>
+          </a:xfrm>
+          <a:prstGeom prst="straightConnector1">
+            <a:avLst/>
+          </a:prstGeom>
+          <a:ln w="63500">
+            <a:solidFill>
+              <a:schemeClr val="tx1"/>
+            </a:solidFill>
+            <a:tailEnd type="triangle"/>
+          </a:ln>
+        </p:spPr>
+        <p:style>
+          <a:lnRef idx="1">
+            <a:schemeClr val="accent1"/>
+          </a:lnRef>
+          <a:fillRef idx="0">
+            <a:schemeClr val="accent1"/>
+          </a:fillRef>
+          <a:effectRef idx="0">
+            <a:schemeClr val="accent1"/>
+          </a:effectRef>
+          <a:fontRef idx="minor">
+            <a:schemeClr val="tx1"/>
+          </a:fontRef>
+        </p:style>
+      </p:cxnSp>
+      <p:cxnSp>
+        <p:nvCxnSpPr>
+          <p:cNvPr id="15" name="Straight Connector 14">
+            <a:extLst>
+              <a:ext uri="{FF2B5EF4-FFF2-40B4-BE49-F238E27FC236}">
+                <a16:creationId xmlns:a16="http://schemas.microsoft.com/office/drawing/2014/main" id="{373D4519-D224-4427-B45C-82FB940AF16C}"/>
+              </a:ext>
+            </a:extLst>
+          </p:cNvPr>
+          <p:cNvCxnSpPr/>
+          <p:nvPr/>
+        </p:nvCxnSpPr>
+        <p:spPr>
+          <a:xfrm>
+            <a:off x="6000750" y="3210110"/>
+            <a:ext cx="0" cy="514350"/>
+          </a:xfrm>
+          <a:prstGeom prst="line">
+            <a:avLst/>
+          </a:prstGeom>
+          <a:ln w="63500">
+            <a:solidFill>
+              <a:schemeClr val="tx1"/>
+            </a:solidFill>
+          </a:ln>
+        </p:spPr>
+        <p:style>
+          <a:lnRef idx="1">
+            <a:schemeClr val="accent1"/>
+          </a:lnRef>
+          <a:fillRef idx="0">
+            <a:schemeClr val="accent1"/>
+          </a:fillRef>
+          <a:effectRef idx="0">
+            <a:schemeClr val="accent1"/>
+          </a:effectRef>
+          <a:fontRef idx="minor">
+            <a:schemeClr val="tx1"/>
+          </a:fontRef>
+        </p:style>
+      </p:cxnSp>
+      <p:cxnSp>
+        <p:nvCxnSpPr>
+          <p:cNvPr id="21" name="Straight Connector 20">
+            <a:extLst>
+              <a:ext uri="{FF2B5EF4-FFF2-40B4-BE49-F238E27FC236}">
+                <a16:creationId xmlns:a16="http://schemas.microsoft.com/office/drawing/2014/main" id="{6368285C-A839-4A69-B491-5375529616D1}"/>
+              </a:ext>
+            </a:extLst>
+          </p:cNvPr>
+          <p:cNvCxnSpPr/>
+          <p:nvPr/>
+        </p:nvCxnSpPr>
+        <p:spPr>
+          <a:xfrm>
+            <a:off x="6915150" y="3210110"/>
+            <a:ext cx="0" cy="514350"/>
+          </a:xfrm>
+          <a:prstGeom prst="line">
+            <a:avLst/>
+          </a:prstGeom>
+          <a:ln w="63500">
+            <a:solidFill>
+              <a:schemeClr val="tx1"/>
+            </a:solidFill>
+          </a:ln>
+        </p:spPr>
+        <p:style>
+          <a:lnRef idx="1">
+            <a:schemeClr val="accent1"/>
+          </a:lnRef>
+          <a:fillRef idx="0">
+            <a:schemeClr val="accent1"/>
+          </a:fillRef>
+          <a:effectRef idx="0">
+            <a:schemeClr val="accent1"/>
+          </a:effectRef>
+          <a:fontRef idx="minor">
+            <a:schemeClr val="tx1"/>
+          </a:fontRef>
+        </p:style>
+      </p:cxnSp>
+      <p:cxnSp>
+        <p:nvCxnSpPr>
+          <p:cNvPr id="22" name="Straight Connector 21">
+            <a:extLst>
+              <a:ext uri="{FF2B5EF4-FFF2-40B4-BE49-F238E27FC236}">
+                <a16:creationId xmlns:a16="http://schemas.microsoft.com/office/drawing/2014/main" id="{B5F464D8-D90E-4E66-8D41-ECA8F4BEC947}"/>
+              </a:ext>
+            </a:extLst>
+          </p:cNvPr>
+          <p:cNvCxnSpPr/>
+          <p:nvPr/>
+        </p:nvCxnSpPr>
+        <p:spPr>
+          <a:xfrm>
+            <a:off x="7829550" y="3219635"/>
+            <a:ext cx="0" cy="514350"/>
+          </a:xfrm>
+          <a:prstGeom prst="line">
+            <a:avLst/>
+          </a:prstGeom>
+          <a:ln w="63500">
+            <a:solidFill>
+              <a:schemeClr val="tx1"/>
+            </a:solidFill>
+          </a:ln>
+        </p:spPr>
+        <p:style>
+          <a:lnRef idx="1">
+            <a:schemeClr val="accent1"/>
+          </a:lnRef>
+          <a:fillRef idx="0">
+            <a:schemeClr val="accent1"/>
+          </a:fillRef>
+          <a:effectRef idx="0">
+            <a:schemeClr val="accent1"/>
+          </a:effectRef>
+          <a:fontRef idx="minor">
+            <a:schemeClr val="tx1"/>
+          </a:fontRef>
+        </p:style>
+      </p:cxnSp>
+      <p:cxnSp>
+        <p:nvCxnSpPr>
+          <p:cNvPr id="24" name="Straight Connector 23">
+            <a:extLst>
+              <a:ext uri="{FF2B5EF4-FFF2-40B4-BE49-F238E27FC236}">
+                <a16:creationId xmlns:a16="http://schemas.microsoft.com/office/drawing/2014/main" id="{861C12C0-2510-446D-87C8-BFF21D501777}"/>
+              </a:ext>
+            </a:extLst>
+          </p:cNvPr>
+          <p:cNvCxnSpPr/>
+          <p:nvPr/>
+        </p:nvCxnSpPr>
+        <p:spPr>
+          <a:xfrm>
+            <a:off x="5076825" y="3200400"/>
+            <a:ext cx="0" cy="514350"/>
+          </a:xfrm>
+          <a:prstGeom prst="line">
+            <a:avLst/>
+          </a:prstGeom>
+          <a:ln w="63500">
+            <a:solidFill>
+              <a:schemeClr val="tx1"/>
+            </a:solidFill>
+          </a:ln>
+        </p:spPr>
+        <p:style>
+          <a:lnRef idx="1">
+            <a:schemeClr val="accent1"/>
+          </a:lnRef>
+          <a:fillRef idx="0">
+            <a:schemeClr val="accent1"/>
+          </a:fillRef>
+          <a:effectRef idx="0">
+            <a:schemeClr val="accent1"/>
+          </a:effectRef>
+          <a:fontRef idx="minor">
+            <a:schemeClr val="tx1"/>
+          </a:fontRef>
+        </p:style>
+      </p:cxnSp>
+      <p:cxnSp>
+        <p:nvCxnSpPr>
+          <p:cNvPr id="25" name="Straight Connector 24">
+            <a:extLst>
+              <a:ext uri="{FF2B5EF4-FFF2-40B4-BE49-F238E27FC236}">
+                <a16:creationId xmlns:a16="http://schemas.microsoft.com/office/drawing/2014/main" id="{1D61C17E-CA07-43AE-8C2F-73079E15C063}"/>
+              </a:ext>
+            </a:extLst>
+          </p:cNvPr>
+          <p:cNvCxnSpPr/>
+          <p:nvPr/>
+        </p:nvCxnSpPr>
+        <p:spPr>
+          <a:xfrm>
+            <a:off x="8753475" y="3210110"/>
+            <a:ext cx="0" cy="514350"/>
+          </a:xfrm>
+          <a:prstGeom prst="line">
+            <a:avLst/>
+          </a:prstGeom>
+          <a:ln w="63500">
+            <a:solidFill>
+              <a:schemeClr val="tx1"/>
+            </a:solidFill>
+          </a:ln>
+        </p:spPr>
+        <p:style>
+          <a:lnRef idx="1">
+            <a:schemeClr val="accent1"/>
+          </a:lnRef>
+          <a:fillRef idx="0">
+            <a:schemeClr val="accent1"/>
+          </a:fillRef>
+          <a:effectRef idx="0">
+            <a:schemeClr val="accent1"/>
+          </a:effectRef>
+          <a:fontRef idx="minor">
+            <a:schemeClr val="tx1"/>
+          </a:fontRef>
+        </p:style>
+      </p:cxnSp>
+      <p:cxnSp>
+        <p:nvCxnSpPr>
+          <p:cNvPr id="26" name="Straight Connector 25">
+            <a:extLst>
+              <a:ext uri="{FF2B5EF4-FFF2-40B4-BE49-F238E27FC236}">
+                <a16:creationId xmlns:a16="http://schemas.microsoft.com/office/drawing/2014/main" id="{A1247595-F05A-4372-96BB-4CB3D86AE020}"/>
+              </a:ext>
+            </a:extLst>
+          </p:cNvPr>
+          <p:cNvCxnSpPr/>
+          <p:nvPr/>
+        </p:nvCxnSpPr>
+        <p:spPr>
+          <a:xfrm>
+            <a:off x="9667875" y="3219635"/>
+            <a:ext cx="0" cy="514350"/>
+          </a:xfrm>
+          <a:prstGeom prst="line">
+            <a:avLst/>
+          </a:prstGeom>
+          <a:ln w="63500">
+            <a:solidFill>
+              <a:schemeClr val="tx1"/>
+            </a:solidFill>
+          </a:ln>
+        </p:spPr>
+        <p:style>
+          <a:lnRef idx="1">
+            <a:schemeClr val="accent1"/>
+          </a:lnRef>
+          <a:fillRef idx="0">
+            <a:schemeClr val="accent1"/>
+          </a:fillRef>
+          <a:effectRef idx="0">
+            <a:schemeClr val="accent1"/>
+          </a:effectRef>
+          <a:fontRef idx="minor">
+            <a:schemeClr val="tx1"/>
+          </a:fontRef>
+        </p:style>
+      </p:cxnSp>
+      <p:cxnSp>
+        <p:nvCxnSpPr>
+          <p:cNvPr id="27" name="Straight Connector 26">
+            <a:extLst>
+              <a:ext uri="{FF2B5EF4-FFF2-40B4-BE49-F238E27FC236}">
+                <a16:creationId xmlns:a16="http://schemas.microsoft.com/office/drawing/2014/main" id="{12E4384B-75B4-4414-B6A8-6658F97AB21D}"/>
+              </a:ext>
+            </a:extLst>
+          </p:cNvPr>
+          <p:cNvCxnSpPr/>
+          <p:nvPr/>
+        </p:nvCxnSpPr>
+        <p:spPr>
+          <a:xfrm>
+            <a:off x="3257550" y="3219635"/>
+            <a:ext cx="0" cy="514350"/>
+          </a:xfrm>
+          <a:prstGeom prst="line">
+            <a:avLst/>
+          </a:prstGeom>
+          <a:ln w="63500">
+            <a:solidFill>
+              <a:schemeClr val="tx1"/>
+            </a:solidFill>
+          </a:ln>
+        </p:spPr>
+        <p:style>
+          <a:lnRef idx="1">
+            <a:schemeClr val="accent1"/>
+          </a:lnRef>
+          <a:fillRef idx="0">
+            <a:schemeClr val="accent1"/>
+          </a:fillRef>
+          <a:effectRef idx="0">
+            <a:schemeClr val="accent1"/>
+          </a:effectRef>
+          <a:fontRef idx="minor">
+            <a:schemeClr val="tx1"/>
+          </a:fontRef>
+        </p:style>
+      </p:cxnSp>
+      <p:cxnSp>
+        <p:nvCxnSpPr>
+          <p:cNvPr id="28" name="Straight Connector 27">
+            <a:extLst>
+              <a:ext uri="{FF2B5EF4-FFF2-40B4-BE49-F238E27FC236}">
+                <a16:creationId xmlns:a16="http://schemas.microsoft.com/office/drawing/2014/main" id="{B87099A7-0747-4EA3-8023-954489F8DA4B}"/>
+              </a:ext>
+            </a:extLst>
+          </p:cNvPr>
+          <p:cNvCxnSpPr/>
+          <p:nvPr/>
+        </p:nvCxnSpPr>
+        <p:spPr>
+          <a:xfrm>
+            <a:off x="4171950" y="3219635"/>
+            <a:ext cx="0" cy="514350"/>
+          </a:xfrm>
+          <a:prstGeom prst="line">
+            <a:avLst/>
+          </a:prstGeom>
+          <a:ln w="63500">
+            <a:solidFill>
+              <a:schemeClr val="tx1"/>
+            </a:solidFill>
+          </a:ln>
+        </p:spPr>
+        <p:style>
+          <a:lnRef idx="1">
+            <a:schemeClr val="accent1"/>
+          </a:lnRef>
+          <a:fillRef idx="0">
+            <a:schemeClr val="accent1"/>
+          </a:fillRef>
+          <a:effectRef idx="0">
+            <a:schemeClr val="accent1"/>
+          </a:effectRef>
+          <a:fontRef idx="minor">
+            <a:schemeClr val="tx1"/>
+          </a:fontRef>
+        </p:style>
+      </p:cxnSp>
+      <p:cxnSp>
+        <p:nvCxnSpPr>
+          <p:cNvPr id="29" name="Straight Connector 28">
+            <a:extLst>
+              <a:ext uri="{FF2B5EF4-FFF2-40B4-BE49-F238E27FC236}">
+                <a16:creationId xmlns:a16="http://schemas.microsoft.com/office/drawing/2014/main" id="{47FD5C80-D4BC-494E-BAC4-8E263611D22D}"/>
+              </a:ext>
+            </a:extLst>
+          </p:cNvPr>
+          <p:cNvCxnSpPr/>
+          <p:nvPr/>
+        </p:nvCxnSpPr>
+        <p:spPr>
+          <a:xfrm>
+            <a:off x="2333625" y="3209925"/>
+            <a:ext cx="0" cy="514350"/>
+          </a:xfrm>
+          <a:prstGeom prst="line">
+            <a:avLst/>
+          </a:prstGeom>
+          <a:ln w="63500">
+            <a:solidFill>
+              <a:schemeClr val="tx1"/>
+            </a:solidFill>
+          </a:ln>
+        </p:spPr>
+        <p:style>
+          <a:lnRef idx="1">
+            <a:schemeClr val="accent1"/>
+          </a:lnRef>
+          <a:fillRef idx="0">
+            <a:schemeClr val="accent1"/>
+          </a:fillRef>
+          <a:effectRef idx="0">
+            <a:schemeClr val="accent1"/>
+          </a:effectRef>
+          <a:fontRef idx="minor">
+            <a:schemeClr val="tx1"/>
+          </a:fontRef>
+        </p:style>
+      </p:cxnSp>
+      <p:sp>
+        <p:nvSpPr>
+          <p:cNvPr id="30" name="TextBox 29">
+            <a:extLst>
+              <a:ext uri="{FF2B5EF4-FFF2-40B4-BE49-F238E27FC236}">
+                <a16:creationId xmlns:a16="http://schemas.microsoft.com/office/drawing/2014/main" id="{179B87DA-0621-4A0E-A6BB-1E502D34EDB4}"/>
+              </a:ext>
+            </a:extLst>
+          </p:cNvPr>
+          <p:cNvSpPr txBox="1"/>
+          <p:nvPr/>
+        </p:nvSpPr>
+        <p:spPr>
+          <a:xfrm>
+            <a:off x="5607844" y="3752851"/>
+            <a:ext cx="804862" cy="523220"/>
+          </a:xfrm>
+          <a:prstGeom prst="rect">
+            <a:avLst/>
+          </a:prstGeom>
+          <a:noFill/>
+        </p:spPr>
+        <p:txBody>
+          <a:bodyPr wrap="square" rtlCol="1">
+            <a:spAutoFit/>
+          </a:bodyPr>
+          <a:lstStyle/>
+          <a:p>
+            <a:pPr algn="ctr"/>
+            <a:r>
+              <a:rPr lang="en-US" sz="2800" b="1" dirty="0">
+                <a:solidFill>
+                  <a:srgbClr val="C00000"/>
+                </a:solidFill>
+              </a:rPr>
+              <a:t>8</a:t>
+            </a:r>
+            <a:endParaRPr lang="he-IL" sz="2800" b="1" dirty="0">
+              <a:solidFill>
+                <a:srgbClr val="C00000"/>
+              </a:solidFill>
+            </a:endParaRPr>
+          </a:p>
+        </p:txBody>
+      </p:sp>
+      <p:sp>
+        <p:nvSpPr>
+          <p:cNvPr id="31" name="TextBox 30">
+            <a:extLst>
+              <a:ext uri="{FF2B5EF4-FFF2-40B4-BE49-F238E27FC236}">
+                <a16:creationId xmlns:a16="http://schemas.microsoft.com/office/drawing/2014/main" id="{9803BC63-B0A6-4BA0-95C6-C8096D3B7A56}"/>
+              </a:ext>
+            </a:extLst>
+          </p:cNvPr>
+          <p:cNvSpPr txBox="1"/>
+          <p:nvPr/>
+        </p:nvSpPr>
+        <p:spPr>
+          <a:xfrm>
+            <a:off x="6522244" y="3752851"/>
+            <a:ext cx="804862" cy="523220"/>
+          </a:xfrm>
+          <a:prstGeom prst="rect">
+            <a:avLst/>
+          </a:prstGeom>
+          <a:noFill/>
+        </p:spPr>
+        <p:txBody>
+          <a:bodyPr wrap="square" rtlCol="1">
+            <a:spAutoFit/>
+          </a:bodyPr>
+          <a:lstStyle/>
+          <a:p>
+            <a:pPr algn="ctr"/>
+            <a:r>
+              <a:rPr lang="en-US" sz="2800" b="1" dirty="0"/>
+              <a:t>10</a:t>
+            </a:r>
+            <a:endParaRPr lang="he-IL" sz="2800" b="1" dirty="0"/>
+          </a:p>
+        </p:txBody>
+      </p:sp>
+      <p:sp>
+        <p:nvSpPr>
+          <p:cNvPr id="32" name="TextBox 31">
+            <a:extLst>
+              <a:ext uri="{FF2B5EF4-FFF2-40B4-BE49-F238E27FC236}">
+                <a16:creationId xmlns:a16="http://schemas.microsoft.com/office/drawing/2014/main" id="{48FF504B-4A18-478C-8D12-39094DE783F5}"/>
+              </a:ext>
+            </a:extLst>
+          </p:cNvPr>
+          <p:cNvSpPr txBox="1"/>
+          <p:nvPr/>
+        </p:nvSpPr>
+        <p:spPr>
+          <a:xfrm>
+            <a:off x="7446169" y="3752851"/>
+            <a:ext cx="804862" cy="523220"/>
+          </a:xfrm>
+          <a:prstGeom prst="rect">
+            <a:avLst/>
+          </a:prstGeom>
+          <a:noFill/>
+        </p:spPr>
+        <p:txBody>
+          <a:bodyPr wrap="square" rtlCol="1">
+            <a:spAutoFit/>
+          </a:bodyPr>
+          <a:lstStyle/>
+          <a:p>
+            <a:pPr algn="ctr"/>
+            <a:r>
+              <a:rPr lang="en-US" sz="2800" b="1" dirty="0">
+                <a:solidFill>
+                  <a:srgbClr val="C00000"/>
+                </a:solidFill>
+              </a:rPr>
+              <a:t>1</a:t>
+            </a:r>
+            <a:r>
+              <a:rPr lang="en-US" sz="2800" b="1" dirty="0">
+                <a:solidFill>
+                  <a:srgbClr val="002060"/>
+                </a:solidFill>
+              </a:rPr>
+              <a:t>2</a:t>
+            </a:r>
+            <a:endParaRPr lang="he-IL" sz="2800" b="1" dirty="0">
+              <a:solidFill>
+                <a:srgbClr val="002060"/>
+              </a:solidFill>
+            </a:endParaRPr>
+          </a:p>
+        </p:txBody>
+      </p:sp>
+      <p:sp>
+        <p:nvSpPr>
+          <p:cNvPr id="33" name="TextBox 32">
+            <a:extLst>
+              <a:ext uri="{FF2B5EF4-FFF2-40B4-BE49-F238E27FC236}">
+                <a16:creationId xmlns:a16="http://schemas.microsoft.com/office/drawing/2014/main" id="{7ADEDF81-CEBC-4551-BDBA-7275584BD5EE}"/>
+              </a:ext>
+            </a:extLst>
+          </p:cNvPr>
+          <p:cNvSpPr txBox="1"/>
+          <p:nvPr/>
+        </p:nvSpPr>
+        <p:spPr>
+          <a:xfrm>
+            <a:off x="8370094" y="3752851"/>
+            <a:ext cx="804862" cy="523220"/>
+          </a:xfrm>
+          <a:prstGeom prst="rect">
+            <a:avLst/>
+          </a:prstGeom>
+          <a:noFill/>
+        </p:spPr>
+        <p:txBody>
+          <a:bodyPr wrap="square" rtlCol="1">
+            <a:spAutoFit/>
+          </a:bodyPr>
+          <a:lstStyle/>
+          <a:p>
+            <a:pPr algn="ctr"/>
+            <a:r>
+              <a:rPr lang="en-US" sz="2800" b="1" dirty="0"/>
+              <a:t>14</a:t>
+            </a:r>
+            <a:endParaRPr lang="he-IL" sz="2800" b="1" dirty="0"/>
+          </a:p>
+        </p:txBody>
+      </p:sp>
+      <p:sp>
+        <p:nvSpPr>
+          <p:cNvPr id="34" name="TextBox 33">
+            <a:extLst>
+              <a:ext uri="{FF2B5EF4-FFF2-40B4-BE49-F238E27FC236}">
+                <a16:creationId xmlns:a16="http://schemas.microsoft.com/office/drawing/2014/main" id="{B5AA93C7-69FE-428F-8FB2-27F0F2864517}"/>
+              </a:ext>
+            </a:extLst>
+          </p:cNvPr>
+          <p:cNvSpPr txBox="1"/>
+          <p:nvPr/>
+        </p:nvSpPr>
+        <p:spPr>
+          <a:xfrm>
+            <a:off x="9294019" y="3752851"/>
+            <a:ext cx="804862" cy="523220"/>
+          </a:xfrm>
+          <a:prstGeom prst="rect">
+            <a:avLst/>
+          </a:prstGeom>
+          <a:noFill/>
+        </p:spPr>
+        <p:txBody>
+          <a:bodyPr wrap="square" rtlCol="1">
+            <a:spAutoFit/>
+          </a:bodyPr>
+          <a:lstStyle/>
+          <a:p>
+            <a:pPr algn="ctr"/>
+            <a:r>
+              <a:rPr lang="en-US" sz="2800" b="1" dirty="0">
+                <a:solidFill>
+                  <a:srgbClr val="C00000"/>
+                </a:solidFill>
+              </a:rPr>
+              <a:t>16</a:t>
+            </a:r>
+            <a:endParaRPr lang="he-IL" sz="2800" b="1" dirty="0">
+              <a:solidFill>
+                <a:srgbClr val="C00000"/>
+              </a:solidFill>
+            </a:endParaRPr>
+          </a:p>
+        </p:txBody>
+      </p:sp>
+      <p:sp>
+        <p:nvSpPr>
+          <p:cNvPr id="35" name="TextBox 34">
+            <a:extLst>
+              <a:ext uri="{FF2B5EF4-FFF2-40B4-BE49-F238E27FC236}">
+                <a16:creationId xmlns:a16="http://schemas.microsoft.com/office/drawing/2014/main" id="{A8487076-8863-4CC2-98AF-0F0A9C527EF5}"/>
+              </a:ext>
+            </a:extLst>
+          </p:cNvPr>
+          <p:cNvSpPr txBox="1"/>
+          <p:nvPr/>
+        </p:nvSpPr>
+        <p:spPr>
+          <a:xfrm>
+            <a:off x="4674394" y="3723437"/>
+            <a:ext cx="804862" cy="523220"/>
+          </a:xfrm>
+          <a:prstGeom prst="rect">
+            <a:avLst/>
+          </a:prstGeom>
+          <a:noFill/>
+        </p:spPr>
+        <p:txBody>
+          <a:bodyPr wrap="square" rtlCol="1">
+            <a:spAutoFit/>
+          </a:bodyPr>
+          <a:lstStyle/>
+          <a:p>
+            <a:pPr algn="ctr"/>
+            <a:r>
+              <a:rPr lang="en-US" sz="2800" b="1" dirty="0">
+                <a:solidFill>
+                  <a:srgbClr val="002060"/>
+                </a:solidFill>
+              </a:rPr>
+              <a:t>6</a:t>
+            </a:r>
+            <a:endParaRPr lang="he-IL" sz="2800" b="1" dirty="0">
+              <a:solidFill>
+                <a:srgbClr val="002060"/>
+              </a:solidFill>
+            </a:endParaRPr>
+          </a:p>
+        </p:txBody>
+      </p:sp>
+      <p:sp>
+        <p:nvSpPr>
+          <p:cNvPr id="36" name="TextBox 35">
+            <a:extLst>
+              <a:ext uri="{FF2B5EF4-FFF2-40B4-BE49-F238E27FC236}">
+                <a16:creationId xmlns:a16="http://schemas.microsoft.com/office/drawing/2014/main" id="{0B9F61B3-BE5F-4538-99A9-A7FB7C8B5C8B}"/>
+              </a:ext>
+            </a:extLst>
+          </p:cNvPr>
+          <p:cNvSpPr txBox="1"/>
+          <p:nvPr/>
+        </p:nvSpPr>
+        <p:spPr>
+          <a:xfrm>
+            <a:off x="3731419" y="3733616"/>
+            <a:ext cx="804862" cy="523220"/>
+          </a:xfrm>
+          <a:prstGeom prst="rect">
+            <a:avLst/>
+          </a:prstGeom>
+          <a:noFill/>
+        </p:spPr>
+        <p:txBody>
+          <a:bodyPr wrap="square" rtlCol="1">
+            <a:spAutoFit/>
+          </a:bodyPr>
+          <a:lstStyle/>
+          <a:p>
+            <a:pPr algn="ctr"/>
+            <a:r>
+              <a:rPr lang="en-US" sz="2800" b="1" dirty="0">
+                <a:solidFill>
+                  <a:srgbClr val="C00000"/>
+                </a:solidFill>
+              </a:rPr>
+              <a:t>4</a:t>
+            </a:r>
+            <a:endParaRPr lang="he-IL" sz="2800" b="1" dirty="0">
+              <a:solidFill>
+                <a:srgbClr val="C00000"/>
+              </a:solidFill>
+            </a:endParaRPr>
+          </a:p>
+        </p:txBody>
+      </p:sp>
+      <p:sp>
+        <p:nvSpPr>
+          <p:cNvPr id="37" name="TextBox 36">
+            <a:extLst>
+              <a:ext uri="{FF2B5EF4-FFF2-40B4-BE49-F238E27FC236}">
+                <a16:creationId xmlns:a16="http://schemas.microsoft.com/office/drawing/2014/main" id="{A1F09B86-1B8F-46FF-8DF9-788153EFBA91}"/>
+              </a:ext>
+            </a:extLst>
+          </p:cNvPr>
+          <p:cNvSpPr txBox="1"/>
+          <p:nvPr/>
+        </p:nvSpPr>
+        <p:spPr>
+          <a:xfrm>
+            <a:off x="2807494" y="3733801"/>
+            <a:ext cx="804862" cy="523220"/>
+          </a:xfrm>
+          <a:prstGeom prst="rect">
+            <a:avLst/>
+          </a:prstGeom>
+          <a:noFill/>
+        </p:spPr>
+        <p:txBody>
+          <a:bodyPr wrap="square" rtlCol="1">
+            <a:spAutoFit/>
+          </a:bodyPr>
+          <a:lstStyle/>
+          <a:p>
+            <a:pPr algn="ctr"/>
+            <a:r>
+              <a:rPr lang="en-US" sz="2800" b="1" dirty="0"/>
+              <a:t>2</a:t>
+            </a:r>
+            <a:endParaRPr lang="he-IL" sz="2800" b="1" dirty="0"/>
+          </a:p>
+        </p:txBody>
+      </p:sp>
+      <p:sp>
+        <p:nvSpPr>
+          <p:cNvPr id="38" name="TextBox 37">
+            <a:extLst>
+              <a:ext uri="{FF2B5EF4-FFF2-40B4-BE49-F238E27FC236}">
+                <a16:creationId xmlns:a16="http://schemas.microsoft.com/office/drawing/2014/main" id="{F835F838-161B-4098-B8C5-414058C0A109}"/>
+              </a:ext>
+            </a:extLst>
+          </p:cNvPr>
+          <p:cNvSpPr txBox="1"/>
+          <p:nvPr/>
+        </p:nvSpPr>
+        <p:spPr>
+          <a:xfrm>
+            <a:off x="1864519" y="3724930"/>
+            <a:ext cx="804862" cy="523220"/>
+          </a:xfrm>
+          <a:prstGeom prst="rect">
+            <a:avLst/>
+          </a:prstGeom>
+          <a:noFill/>
+        </p:spPr>
+        <p:txBody>
+          <a:bodyPr wrap="square" rtlCol="1">
+            <a:spAutoFit/>
+          </a:bodyPr>
+          <a:lstStyle/>
+          <a:p>
+            <a:pPr algn="ctr"/>
+            <a:r>
+              <a:rPr lang="en-US" sz="2800" b="1" dirty="0"/>
+              <a:t>0</a:t>
+            </a:r>
+            <a:endParaRPr lang="he-IL" sz="2800" b="1" dirty="0"/>
+          </a:p>
+        </p:txBody>
+      </p:sp>
+      <p:sp>
+        <p:nvSpPr>
+          <p:cNvPr id="41" name="Oval 40">
+            <a:extLst>
+              <a:ext uri="{FF2B5EF4-FFF2-40B4-BE49-F238E27FC236}">
+                <a16:creationId xmlns:a16="http://schemas.microsoft.com/office/drawing/2014/main" id="{746CBD2F-121C-405A-B6AE-572CD03B6502}"/>
+              </a:ext>
+            </a:extLst>
+          </p:cNvPr>
+          <p:cNvSpPr/>
+          <p:nvPr/>
+        </p:nvSpPr>
+        <p:spPr>
+          <a:xfrm>
+            <a:off x="3938588" y="2803965"/>
+            <a:ext cx="447674" cy="434536"/>
+          </a:xfrm>
+          <a:prstGeom prst="ellipse">
+            <a:avLst/>
+          </a:prstGeom>
+          <a:solidFill>
+            <a:srgbClr val="760000"/>
+          </a:solidFill>
+          <a:ln>
+            <a:solidFill>
+              <a:schemeClr val="tx1"/>
+            </a:solidFill>
+          </a:ln>
+        </p:spPr>
+        <p:style>
+          <a:lnRef idx="2">
+            <a:schemeClr val="accent1">
+              <a:shade val="50000"/>
+            </a:schemeClr>
+          </a:lnRef>
+          <a:fillRef idx="1">
+            <a:schemeClr val="accent1"/>
+          </a:fillRef>
+          <a:effectRef idx="0">
+            <a:schemeClr val="accent1"/>
+          </a:effectRef>
+          <a:fontRef idx="minor">
+            <a:schemeClr val="lt1"/>
+          </a:fontRef>
+        </p:style>
+        <p:txBody>
+          <a:bodyPr rtlCol="1" anchor="ctr"/>
+          <a:lstStyle/>
+          <a:p>
+            <a:pPr algn="ctr"/>
+            <a:r>
+              <a:rPr lang="en-US" sz="2000" b="1" dirty="0"/>
+              <a:t>1</a:t>
+            </a:r>
+            <a:endParaRPr lang="he-IL" sz="2000" b="1" dirty="0"/>
+          </a:p>
+        </p:txBody>
+      </p:sp>
+      <p:sp>
+        <p:nvSpPr>
+          <p:cNvPr id="42" name="Oval 41">
+            <a:extLst>
+              <a:ext uri="{FF2B5EF4-FFF2-40B4-BE49-F238E27FC236}">
+                <a16:creationId xmlns:a16="http://schemas.microsoft.com/office/drawing/2014/main" id="{35EB7CD6-6827-48E9-8F09-35EDA160F752}"/>
+              </a:ext>
+            </a:extLst>
+          </p:cNvPr>
+          <p:cNvSpPr/>
+          <p:nvPr/>
+        </p:nvSpPr>
+        <p:spPr>
+          <a:xfrm>
+            <a:off x="5786438" y="2821460"/>
+            <a:ext cx="447674" cy="434536"/>
+          </a:xfrm>
+          <a:prstGeom prst="ellipse">
+            <a:avLst/>
+          </a:prstGeom>
+          <a:solidFill>
+            <a:srgbClr val="760000"/>
+          </a:solidFill>
+          <a:ln>
+            <a:solidFill>
+              <a:schemeClr val="tx1"/>
+            </a:solidFill>
+          </a:ln>
+        </p:spPr>
+        <p:style>
+          <a:lnRef idx="2">
+            <a:schemeClr val="accent1">
+              <a:shade val="50000"/>
+            </a:schemeClr>
+          </a:lnRef>
+          <a:fillRef idx="1">
+            <a:schemeClr val="accent1"/>
+          </a:fillRef>
+          <a:effectRef idx="0">
+            <a:schemeClr val="accent1"/>
+          </a:effectRef>
+          <a:fontRef idx="minor">
+            <a:schemeClr val="lt1"/>
+          </a:fontRef>
+        </p:style>
+        <p:txBody>
+          <a:bodyPr rtlCol="1" anchor="ctr"/>
+          <a:lstStyle/>
+          <a:p>
+            <a:pPr algn="ctr"/>
+            <a:r>
+              <a:rPr lang="en-US" sz="2000" b="1" dirty="0"/>
+              <a:t>2</a:t>
+            </a:r>
+            <a:endParaRPr lang="he-IL" sz="2000" b="1" dirty="0"/>
+          </a:p>
+        </p:txBody>
+      </p:sp>
+      <p:sp>
+        <p:nvSpPr>
+          <p:cNvPr id="43" name="Oval 42">
+            <a:extLst>
+              <a:ext uri="{FF2B5EF4-FFF2-40B4-BE49-F238E27FC236}">
+                <a16:creationId xmlns:a16="http://schemas.microsoft.com/office/drawing/2014/main" id="{7E062787-DEA2-4454-BFC9-680071DA32E4}"/>
+              </a:ext>
+            </a:extLst>
+          </p:cNvPr>
+          <p:cNvSpPr/>
+          <p:nvPr/>
+        </p:nvSpPr>
+        <p:spPr>
+          <a:xfrm>
+            <a:off x="7596189" y="2803965"/>
+            <a:ext cx="447674" cy="434536"/>
+          </a:xfrm>
+          <a:prstGeom prst="ellipse">
+            <a:avLst/>
+          </a:prstGeom>
+          <a:solidFill>
+            <a:srgbClr val="760000"/>
+          </a:solidFill>
+          <a:ln>
+            <a:solidFill>
+              <a:schemeClr val="tx1"/>
+            </a:solidFill>
+          </a:ln>
+        </p:spPr>
+        <p:style>
+          <a:lnRef idx="2">
+            <a:schemeClr val="accent1">
+              <a:shade val="50000"/>
+            </a:schemeClr>
+          </a:lnRef>
+          <a:fillRef idx="1">
+            <a:schemeClr val="accent1"/>
+          </a:fillRef>
+          <a:effectRef idx="0">
+            <a:schemeClr val="accent1"/>
+          </a:effectRef>
+          <a:fontRef idx="minor">
+            <a:schemeClr val="lt1"/>
+          </a:fontRef>
+        </p:style>
+        <p:txBody>
+          <a:bodyPr rtlCol="1" anchor="ctr"/>
+          <a:lstStyle/>
+          <a:p>
+            <a:pPr algn="ctr"/>
+            <a:r>
+              <a:rPr lang="en-US" sz="2000" b="1" dirty="0"/>
+              <a:t>3</a:t>
+            </a:r>
+            <a:endParaRPr lang="he-IL" sz="2000" b="1" dirty="0"/>
+          </a:p>
+        </p:txBody>
+      </p:sp>
+      <p:sp>
+        <p:nvSpPr>
+          <p:cNvPr id="44" name="Oval 43">
+            <a:extLst>
+              <a:ext uri="{FF2B5EF4-FFF2-40B4-BE49-F238E27FC236}">
+                <a16:creationId xmlns:a16="http://schemas.microsoft.com/office/drawing/2014/main" id="{6B96078E-CDB9-4344-8E45-A54500CB7297}"/>
+              </a:ext>
+            </a:extLst>
+          </p:cNvPr>
+          <p:cNvSpPr/>
+          <p:nvPr/>
+        </p:nvSpPr>
+        <p:spPr>
+          <a:xfrm>
+            <a:off x="9434513" y="2809214"/>
+            <a:ext cx="447674" cy="434536"/>
+          </a:xfrm>
+          <a:prstGeom prst="ellipse">
+            <a:avLst/>
+          </a:prstGeom>
+          <a:solidFill>
+            <a:srgbClr val="760000"/>
+          </a:solidFill>
+          <a:ln>
+            <a:solidFill>
+              <a:schemeClr val="tx1"/>
+            </a:solidFill>
+          </a:ln>
+        </p:spPr>
+        <p:style>
+          <a:lnRef idx="2">
+            <a:schemeClr val="accent1">
+              <a:shade val="50000"/>
+            </a:schemeClr>
+          </a:lnRef>
+          <a:fillRef idx="1">
+            <a:schemeClr val="accent1"/>
+          </a:fillRef>
+          <a:effectRef idx="0">
+            <a:schemeClr val="accent1"/>
+          </a:effectRef>
+          <a:fontRef idx="minor">
+            <a:schemeClr val="lt1"/>
+          </a:fontRef>
+        </p:style>
+        <p:txBody>
+          <a:bodyPr rtlCol="1" anchor="ctr"/>
+          <a:lstStyle/>
+          <a:p>
+            <a:pPr algn="ctr"/>
+            <a:r>
+              <a:rPr lang="en-US" sz="2000" b="1" dirty="0"/>
+              <a:t>4</a:t>
+            </a:r>
+            <a:endParaRPr lang="he-IL" sz="2000" b="1" dirty="0"/>
+          </a:p>
+        </p:txBody>
+      </p:sp>
+      <p:sp>
+        <p:nvSpPr>
+          <p:cNvPr id="45" name="Oval 44">
+            <a:extLst>
+              <a:ext uri="{FF2B5EF4-FFF2-40B4-BE49-F238E27FC236}">
+                <a16:creationId xmlns:a16="http://schemas.microsoft.com/office/drawing/2014/main" id="{CB0E5035-EF88-4A9F-9ED8-0318EB9434DB}"/>
+              </a:ext>
+            </a:extLst>
+          </p:cNvPr>
+          <p:cNvSpPr/>
+          <p:nvPr/>
+        </p:nvSpPr>
+        <p:spPr>
+          <a:xfrm>
+            <a:off x="4804437" y="2361141"/>
+            <a:ext cx="462888" cy="434536"/>
+          </a:xfrm>
+          <a:prstGeom prst="ellipse">
+            <a:avLst/>
+          </a:prstGeom>
+          <a:solidFill>
+            <a:srgbClr val="002060"/>
+          </a:solidFill>
+          <a:ln>
+            <a:solidFill>
+              <a:schemeClr val="tx1"/>
+            </a:solidFill>
+          </a:ln>
+        </p:spPr>
+        <p:style>
+          <a:lnRef idx="2">
+            <a:schemeClr val="accent1">
+              <a:shade val="50000"/>
+            </a:schemeClr>
+          </a:lnRef>
+          <a:fillRef idx="1">
+            <a:schemeClr val="accent1"/>
+          </a:fillRef>
+          <a:effectRef idx="0">
+            <a:schemeClr val="accent1"/>
+          </a:effectRef>
+          <a:fontRef idx="minor">
+            <a:schemeClr val="lt1"/>
+          </a:fontRef>
+        </p:style>
+        <p:txBody>
+          <a:bodyPr rtlCol="1" anchor="ctr"/>
+          <a:lstStyle/>
+          <a:p>
+            <a:pPr algn="ctr"/>
+            <a:r>
+              <a:rPr lang="en-US" sz="2000" b="1" dirty="0"/>
+              <a:t>1</a:t>
+            </a:r>
+            <a:endParaRPr lang="he-IL" sz="2000" b="1" dirty="0"/>
+          </a:p>
+        </p:txBody>
+      </p:sp>
+      <p:sp>
+        <p:nvSpPr>
+          <p:cNvPr id="46" name="Oval 45">
+            <a:extLst>
+              <a:ext uri="{FF2B5EF4-FFF2-40B4-BE49-F238E27FC236}">
+                <a16:creationId xmlns:a16="http://schemas.microsoft.com/office/drawing/2014/main" id="{E30B3DA6-9417-41EA-8A44-D605B2C5034D}"/>
+              </a:ext>
+            </a:extLst>
+          </p:cNvPr>
+          <p:cNvSpPr/>
+          <p:nvPr/>
+        </p:nvSpPr>
+        <p:spPr>
+          <a:xfrm>
+            <a:off x="7598106" y="2335329"/>
+            <a:ext cx="462888" cy="434536"/>
+          </a:xfrm>
+          <a:prstGeom prst="ellipse">
+            <a:avLst/>
+          </a:prstGeom>
+          <a:solidFill>
+            <a:srgbClr val="002060"/>
+          </a:solidFill>
+          <a:ln>
+            <a:solidFill>
+              <a:schemeClr val="tx1"/>
+            </a:solidFill>
+          </a:ln>
+        </p:spPr>
+        <p:style>
+          <a:lnRef idx="2">
+            <a:schemeClr val="accent1">
+              <a:shade val="50000"/>
+            </a:schemeClr>
+          </a:lnRef>
+          <a:fillRef idx="1">
+            <a:schemeClr val="accent1"/>
+          </a:fillRef>
+          <a:effectRef idx="0">
+            <a:schemeClr val="accent1"/>
+          </a:effectRef>
+          <a:fontRef idx="minor">
+            <a:schemeClr val="lt1"/>
+          </a:fontRef>
+        </p:style>
+        <p:txBody>
+          <a:bodyPr rtlCol="1" anchor="ctr"/>
+          <a:lstStyle/>
+          <a:p>
+            <a:pPr algn="ctr"/>
+            <a:r>
+              <a:rPr lang="en-US" sz="2000" b="1" dirty="0"/>
+              <a:t>2</a:t>
+            </a:r>
+            <a:endParaRPr lang="he-IL" sz="2000" b="1" dirty="0"/>
+          </a:p>
+        </p:txBody>
+      </p:sp>
+      <p:sp>
+        <p:nvSpPr>
+          <p:cNvPr id="2" name="Arrow: Right 1">
+            <a:extLst>
+              <a:ext uri="{FF2B5EF4-FFF2-40B4-BE49-F238E27FC236}">
+                <a16:creationId xmlns:a16="http://schemas.microsoft.com/office/drawing/2014/main" id="{9D5635CC-4378-49C6-833A-387264033AE1}"/>
+              </a:ext>
+            </a:extLst>
+          </p:cNvPr>
+          <p:cNvSpPr/>
+          <p:nvPr/>
+        </p:nvSpPr>
+        <p:spPr>
+          <a:xfrm>
+            <a:off x="2309813" y="2237810"/>
+            <a:ext cx="2427686" cy="678332"/>
+          </a:xfrm>
+          <a:prstGeom prst="rightArrow">
+            <a:avLst/>
+          </a:prstGeom>
+          <a:solidFill>
+            <a:schemeClr val="accent5">
+              <a:lumMod val="20000"/>
+              <a:lumOff val="80000"/>
+            </a:schemeClr>
+          </a:solidFill>
+          <a:ln>
+            <a:solidFill>
+              <a:schemeClr val="tx1"/>
+            </a:solidFill>
+          </a:ln>
+        </p:spPr>
+        <p:style>
+          <a:lnRef idx="2">
+            <a:schemeClr val="accent1">
+              <a:shade val="50000"/>
+            </a:schemeClr>
+          </a:lnRef>
+          <a:fillRef idx="1">
+            <a:schemeClr val="accent1"/>
+          </a:fillRef>
+          <a:effectRef idx="0">
+            <a:schemeClr val="accent1"/>
+          </a:effectRef>
+          <a:fontRef idx="minor">
+            <a:schemeClr val="lt1"/>
+          </a:fontRef>
+        </p:style>
+        <p:txBody>
+          <a:bodyPr rtlCol="1" anchor="ctr"/>
+          <a:lstStyle/>
+          <a:p>
+            <a:pPr algn="ctr"/>
+            <a:r>
+              <a:rPr lang="en-US" b="1" dirty="0">
+                <a:solidFill>
+                  <a:schemeClr val="tx1"/>
+                </a:solidFill>
+              </a:rPr>
+              <a:t>Multiples(b)</a:t>
+            </a:r>
+            <a:endParaRPr lang="he-IL" b="1" dirty="0">
+              <a:solidFill>
+                <a:schemeClr val="tx1"/>
+              </a:solidFill>
+            </a:endParaRPr>
+          </a:p>
+        </p:txBody>
+      </p:sp>
+      <p:sp>
+        <p:nvSpPr>
+          <p:cNvPr id="49" name="Arrow: Right 48">
+            <a:extLst>
+              <a:ext uri="{FF2B5EF4-FFF2-40B4-BE49-F238E27FC236}">
+                <a16:creationId xmlns:a16="http://schemas.microsoft.com/office/drawing/2014/main" id="{368ED693-1F95-48E1-BB13-41A845ED2020}"/>
+              </a:ext>
+            </a:extLst>
+          </p:cNvPr>
+          <p:cNvSpPr/>
+          <p:nvPr/>
+        </p:nvSpPr>
+        <p:spPr>
+          <a:xfrm>
+            <a:off x="2321121" y="2661163"/>
+            <a:ext cx="1578442" cy="678332"/>
+          </a:xfrm>
+          <a:prstGeom prst="rightArrow">
+            <a:avLst/>
+          </a:prstGeom>
+          <a:solidFill>
+            <a:srgbClr val="FFCCCC"/>
+          </a:solidFill>
+          <a:ln>
+            <a:solidFill>
+              <a:schemeClr val="tx1"/>
+            </a:solidFill>
+          </a:ln>
+        </p:spPr>
+        <p:style>
+          <a:lnRef idx="2">
+            <a:schemeClr val="accent1">
+              <a:shade val="50000"/>
+            </a:schemeClr>
+          </a:lnRef>
+          <a:fillRef idx="1">
+            <a:schemeClr val="accent1"/>
+          </a:fillRef>
+          <a:effectRef idx="0">
+            <a:schemeClr val="accent1"/>
+          </a:effectRef>
+          <a:fontRef idx="minor">
+            <a:schemeClr val="lt1"/>
+          </a:fontRef>
+        </p:style>
+        <p:txBody>
+          <a:bodyPr rtlCol="1" anchor="ctr"/>
+          <a:lstStyle/>
+          <a:p>
+            <a:pPr algn="ctr"/>
+            <a:r>
+              <a:rPr lang="en-US" b="1" dirty="0">
+                <a:solidFill>
+                  <a:schemeClr val="tx1"/>
+                </a:solidFill>
+              </a:rPr>
+              <a:t>Multiples(a)</a:t>
+            </a:r>
+            <a:endParaRPr lang="he-IL" b="1" dirty="0">
+              <a:solidFill>
+                <a:schemeClr val="tx1"/>
+              </a:solidFill>
+            </a:endParaRPr>
+          </a:p>
+        </p:txBody>
+      </p:sp>
+      <p:sp>
+        <p:nvSpPr>
+          <p:cNvPr id="52" name="Oval 51">
+            <a:extLst>
+              <a:ext uri="{FF2B5EF4-FFF2-40B4-BE49-F238E27FC236}">
+                <a16:creationId xmlns:a16="http://schemas.microsoft.com/office/drawing/2014/main" id="{112F44A5-D699-492D-B29A-21B4E46958FC}"/>
+              </a:ext>
+            </a:extLst>
+          </p:cNvPr>
+          <p:cNvSpPr/>
+          <p:nvPr/>
+        </p:nvSpPr>
+        <p:spPr>
+          <a:xfrm>
+            <a:off x="3910013" y="4264869"/>
+            <a:ext cx="447674" cy="434536"/>
+          </a:xfrm>
+          <a:prstGeom prst="ellipse">
+            <a:avLst/>
+          </a:prstGeom>
+          <a:solidFill>
+            <a:srgbClr val="760000"/>
+          </a:solidFill>
+          <a:ln>
+            <a:solidFill>
+              <a:schemeClr val="tx1"/>
+            </a:solidFill>
+          </a:ln>
+        </p:spPr>
+        <p:style>
+          <a:lnRef idx="2">
+            <a:schemeClr val="accent1">
+              <a:shade val="50000"/>
+            </a:schemeClr>
+          </a:lnRef>
+          <a:fillRef idx="1">
+            <a:schemeClr val="accent1"/>
+          </a:fillRef>
+          <a:effectRef idx="0">
+            <a:schemeClr val="accent1"/>
+          </a:effectRef>
+          <a:fontRef idx="minor">
+            <a:schemeClr val="lt1"/>
+          </a:fontRef>
+        </p:style>
+        <p:txBody>
+          <a:bodyPr rtlCol="1" anchor="ctr"/>
+          <a:lstStyle/>
+          <a:p>
+            <a:pPr algn="ctr"/>
+            <a:r>
+              <a:rPr lang="en-US" sz="2000" b="1" dirty="0"/>
+              <a:t>a</a:t>
+            </a:r>
+            <a:endParaRPr lang="he-IL" sz="2000" b="1" dirty="0"/>
+          </a:p>
+        </p:txBody>
+      </p:sp>
+      <p:sp>
+        <p:nvSpPr>
+          <p:cNvPr id="53" name="Oval 52">
+            <a:extLst>
+              <a:ext uri="{FF2B5EF4-FFF2-40B4-BE49-F238E27FC236}">
+                <a16:creationId xmlns:a16="http://schemas.microsoft.com/office/drawing/2014/main" id="{B8F60EDF-0AEE-494D-9C7A-87A384A464F7}"/>
+              </a:ext>
+            </a:extLst>
+          </p:cNvPr>
+          <p:cNvSpPr/>
+          <p:nvPr/>
+        </p:nvSpPr>
+        <p:spPr>
+          <a:xfrm>
+            <a:off x="4850542" y="4264869"/>
+            <a:ext cx="462888" cy="434536"/>
+          </a:xfrm>
+          <a:prstGeom prst="ellipse">
+            <a:avLst/>
+          </a:prstGeom>
+          <a:solidFill>
+            <a:srgbClr val="002060"/>
+          </a:solidFill>
+          <a:ln>
+            <a:solidFill>
+              <a:schemeClr val="tx1"/>
+            </a:solidFill>
+          </a:ln>
+        </p:spPr>
+        <p:style>
+          <a:lnRef idx="2">
+            <a:schemeClr val="accent1">
+              <a:shade val="50000"/>
+            </a:schemeClr>
+          </a:lnRef>
+          <a:fillRef idx="1">
+            <a:schemeClr val="accent1"/>
+          </a:fillRef>
+          <a:effectRef idx="0">
+            <a:schemeClr val="accent1"/>
+          </a:effectRef>
+          <a:fontRef idx="minor">
+            <a:schemeClr val="lt1"/>
+          </a:fontRef>
+        </p:style>
+        <p:txBody>
+          <a:bodyPr rtlCol="1" anchor="ctr"/>
+          <a:lstStyle/>
+          <a:p>
+            <a:pPr algn="ctr"/>
+            <a:r>
+              <a:rPr lang="en-US" sz="2000" b="1" dirty="0"/>
+              <a:t>b</a:t>
+            </a:r>
+            <a:endParaRPr lang="he-IL" sz="2000" b="1" dirty="0"/>
+          </a:p>
+        </p:txBody>
+      </p:sp>
+      <p:sp>
+        <p:nvSpPr>
+          <p:cNvPr id="54" name="Oval 53">
+            <a:extLst>
+              <a:ext uri="{FF2B5EF4-FFF2-40B4-BE49-F238E27FC236}">
+                <a16:creationId xmlns:a16="http://schemas.microsoft.com/office/drawing/2014/main" id="{E1FADCA8-B539-462B-9630-E3EDDAAF0A24}"/>
+              </a:ext>
+            </a:extLst>
+          </p:cNvPr>
+          <p:cNvSpPr/>
+          <p:nvPr/>
+        </p:nvSpPr>
+        <p:spPr>
+          <a:xfrm>
+            <a:off x="7588582" y="1867832"/>
+            <a:ext cx="462888" cy="434536"/>
+          </a:xfrm>
+          <a:prstGeom prst="ellipse">
+            <a:avLst/>
+          </a:prstGeom>
+          <a:gradFill>
+            <a:gsLst>
+              <a:gs pos="0">
+                <a:schemeClr val="accent5">
+                  <a:lumMod val="20000"/>
+                  <a:lumOff val="80000"/>
+                </a:schemeClr>
+              </a:gs>
+              <a:gs pos="100000">
+                <a:srgbClr val="FFCCCC"/>
+              </a:gs>
+            </a:gsLst>
+            <a:path path="shape">
+              <a:fillToRect l="50000" t="50000" r="50000" b="50000"/>
+            </a:path>
+          </a:gradFill>
+          <a:ln>
+            <a:solidFill>
+              <a:schemeClr val="tx1"/>
+            </a:solidFill>
+          </a:ln>
+        </p:spPr>
+        <p:style>
+          <a:lnRef idx="2">
+            <a:schemeClr val="accent1">
+              <a:shade val="50000"/>
+            </a:schemeClr>
+          </a:lnRef>
+          <a:fillRef idx="1">
+            <a:schemeClr val="accent1"/>
+          </a:fillRef>
+          <a:effectRef idx="0">
+            <a:schemeClr val="accent1"/>
+          </a:effectRef>
+          <a:fontRef idx="minor">
+            <a:schemeClr val="lt1"/>
+          </a:fontRef>
+        </p:style>
+        <p:txBody>
+          <a:bodyPr rtlCol="1" anchor="ctr"/>
+          <a:lstStyle/>
+          <a:p>
+            <a:pPr algn="ctr"/>
+            <a:r>
+              <a:rPr lang="en-US" sz="2000" b="1" dirty="0">
+                <a:solidFill>
+                  <a:schemeClr val="tx1"/>
+                </a:solidFill>
+              </a:rPr>
+              <a:t>1</a:t>
+            </a:r>
+            <a:endParaRPr lang="he-IL" sz="2000" b="1" dirty="0">
+              <a:solidFill>
+                <a:schemeClr val="tx1"/>
+              </a:solidFill>
+            </a:endParaRPr>
+          </a:p>
+        </p:txBody>
+      </p:sp>
+      <p:sp>
+        <p:nvSpPr>
+          <p:cNvPr id="56" name="Arrow: Right 55">
+            <a:extLst>
+              <a:ext uri="{FF2B5EF4-FFF2-40B4-BE49-F238E27FC236}">
+                <a16:creationId xmlns:a16="http://schemas.microsoft.com/office/drawing/2014/main" id="{7A101103-3C5A-41B0-ACE6-33930FD0BD23}"/>
+              </a:ext>
+            </a:extLst>
+          </p:cNvPr>
+          <p:cNvSpPr/>
+          <p:nvPr/>
+        </p:nvSpPr>
+        <p:spPr>
+          <a:xfrm>
+            <a:off x="2321121" y="1761514"/>
+            <a:ext cx="5133382" cy="678332"/>
+          </a:xfrm>
+          <a:prstGeom prst="rightArrow">
+            <a:avLst/>
+          </a:prstGeom>
+          <a:gradFill flip="none" rotWithShape="1">
+            <a:gsLst>
+              <a:gs pos="0">
+                <a:schemeClr val="accent5">
+                  <a:lumMod val="20000"/>
+                  <a:lumOff val="80000"/>
+                </a:schemeClr>
+              </a:gs>
+              <a:gs pos="100000">
+                <a:srgbClr val="FFCCCC"/>
+              </a:gs>
+            </a:gsLst>
+            <a:path path="shape">
+              <a:fillToRect l="50000" t="50000" r="50000" b="50000"/>
+            </a:path>
+            <a:tileRect/>
+          </a:gradFill>
+          <a:ln>
+            <a:solidFill>
+              <a:schemeClr val="tx1"/>
+            </a:solidFill>
+          </a:ln>
+        </p:spPr>
+        <p:style>
+          <a:lnRef idx="2">
+            <a:schemeClr val="accent1">
+              <a:shade val="50000"/>
+            </a:schemeClr>
+          </a:lnRef>
+          <a:fillRef idx="1">
+            <a:schemeClr val="accent1"/>
+          </a:fillRef>
+          <a:effectRef idx="0">
+            <a:schemeClr val="accent1"/>
+          </a:effectRef>
+          <a:fontRef idx="minor">
+            <a:schemeClr val="lt1"/>
+          </a:fontRef>
+        </p:style>
+        <p:txBody>
+          <a:bodyPr rtlCol="1" anchor="ctr"/>
+          <a:lstStyle/>
+          <a:p>
+            <a:pPr algn="ctr"/>
+            <a:r>
+              <a:rPr lang="en-US" b="1" dirty="0">
+                <a:solidFill>
+                  <a:schemeClr val="tx1"/>
+                </a:solidFill>
+              </a:rPr>
+              <a:t>Common_Multiples(a, b)</a:t>
+            </a:r>
+            <a:endParaRPr lang="he-IL" b="1" dirty="0">
+              <a:solidFill>
+                <a:schemeClr val="tx1"/>
+              </a:solidFill>
+            </a:endParaRPr>
+          </a:p>
+        </p:txBody>
+      </p:sp>
+      <p:cxnSp>
+        <p:nvCxnSpPr>
+          <p:cNvPr id="57" name="Straight Connector 56">
+            <a:extLst>
+              <a:ext uri="{FF2B5EF4-FFF2-40B4-BE49-F238E27FC236}">
+                <a16:creationId xmlns:a16="http://schemas.microsoft.com/office/drawing/2014/main" id="{727B51E7-CE77-4B03-9F72-3490C7438830}"/>
+              </a:ext>
+            </a:extLst>
+          </p:cNvPr>
+          <p:cNvCxnSpPr/>
+          <p:nvPr/>
+        </p:nvCxnSpPr>
+        <p:spPr>
+          <a:xfrm>
+            <a:off x="10525120" y="3219635"/>
+            <a:ext cx="0" cy="514350"/>
+          </a:xfrm>
+          <a:prstGeom prst="line">
+            <a:avLst/>
+          </a:prstGeom>
+          <a:ln w="63500">
+            <a:solidFill>
+              <a:schemeClr val="tx1"/>
+            </a:solidFill>
+          </a:ln>
+        </p:spPr>
+        <p:style>
+          <a:lnRef idx="1">
+            <a:schemeClr val="accent1"/>
+          </a:lnRef>
+          <a:fillRef idx="0">
+            <a:schemeClr val="accent1"/>
+          </a:fillRef>
+          <a:effectRef idx="0">
+            <a:schemeClr val="accent1"/>
+          </a:effectRef>
+          <a:fontRef idx="minor">
+            <a:schemeClr val="tx1"/>
+          </a:fontRef>
+        </p:style>
+      </p:cxnSp>
+      <p:sp>
+        <p:nvSpPr>
+          <p:cNvPr id="58" name="TextBox 57">
+            <a:extLst>
+              <a:ext uri="{FF2B5EF4-FFF2-40B4-BE49-F238E27FC236}">
+                <a16:creationId xmlns:a16="http://schemas.microsoft.com/office/drawing/2014/main" id="{3BB36228-789B-4BF5-AB8F-1EF5F5E1997F}"/>
+              </a:ext>
+            </a:extLst>
+          </p:cNvPr>
+          <p:cNvSpPr txBox="1"/>
+          <p:nvPr/>
+        </p:nvSpPr>
+        <p:spPr>
+          <a:xfrm>
+            <a:off x="10136981" y="3752851"/>
+            <a:ext cx="804862" cy="523220"/>
+          </a:xfrm>
+          <a:prstGeom prst="rect">
+            <a:avLst/>
+          </a:prstGeom>
+          <a:noFill/>
+        </p:spPr>
+        <p:txBody>
+          <a:bodyPr wrap="square" rtlCol="1">
+            <a:spAutoFit/>
+          </a:bodyPr>
+          <a:lstStyle/>
+          <a:p>
+            <a:pPr algn="ctr"/>
+            <a:r>
+              <a:rPr lang="en-US" sz="2800" b="1" dirty="0">
+                <a:solidFill>
+                  <a:srgbClr val="002060"/>
+                </a:solidFill>
+              </a:rPr>
+              <a:t>18</a:t>
+            </a:r>
+            <a:endParaRPr lang="he-IL" sz="2800" b="1" dirty="0">
+              <a:solidFill>
+                <a:srgbClr val="002060"/>
+              </a:solidFill>
+            </a:endParaRPr>
+          </a:p>
+        </p:txBody>
+      </p:sp>
+      <p:sp>
+        <p:nvSpPr>
+          <p:cNvPr id="59" name="Oval 58">
+            <a:extLst>
+              <a:ext uri="{FF2B5EF4-FFF2-40B4-BE49-F238E27FC236}">
+                <a16:creationId xmlns:a16="http://schemas.microsoft.com/office/drawing/2014/main" id="{79704F73-0CCE-47E4-9756-ADDBD0F0771C}"/>
+              </a:ext>
+            </a:extLst>
+          </p:cNvPr>
+          <p:cNvSpPr/>
+          <p:nvPr/>
+        </p:nvSpPr>
+        <p:spPr>
+          <a:xfrm>
+            <a:off x="10293676" y="2352454"/>
+            <a:ext cx="462888" cy="434536"/>
+          </a:xfrm>
+          <a:prstGeom prst="ellipse">
+            <a:avLst/>
+          </a:prstGeom>
+          <a:solidFill>
+            <a:srgbClr val="002060"/>
+          </a:solidFill>
+          <a:ln>
+            <a:solidFill>
+              <a:schemeClr val="tx1"/>
+            </a:solidFill>
+          </a:ln>
+        </p:spPr>
+        <p:style>
+          <a:lnRef idx="2">
+            <a:schemeClr val="accent1">
+              <a:shade val="50000"/>
+            </a:schemeClr>
+          </a:lnRef>
+          <a:fillRef idx="1">
+            <a:schemeClr val="accent1"/>
+          </a:fillRef>
+          <a:effectRef idx="0">
+            <a:schemeClr val="accent1"/>
+          </a:effectRef>
+          <a:fontRef idx="minor">
+            <a:schemeClr val="lt1"/>
+          </a:fontRef>
+        </p:style>
+        <p:txBody>
+          <a:bodyPr rtlCol="1" anchor="ctr"/>
+          <a:lstStyle/>
+          <a:p>
+            <a:pPr algn="ctr"/>
+            <a:r>
+              <a:rPr lang="en-US" sz="2000" b="1" dirty="0"/>
+              <a:t>3</a:t>
+            </a:r>
+            <a:endParaRPr lang="he-IL" sz="2000" b="1" dirty="0"/>
+          </a:p>
+        </p:txBody>
+      </p:sp>
+    </p:spTree>
+    <p:extLst>
+      <p:ext uri="{BB962C8B-B14F-4D97-AF65-F5344CB8AC3E}">
+        <p14:creationId xmlns:p14="http://schemas.microsoft.com/office/powerpoint/2010/main" val="838100437"/>
+      </p:ext>
+    </p:extLst>
+  </p:cSld>
+  <p:clrMapOvr>
+    <a:masterClrMapping/>
+  </p:clrMapOvr>
+</p:sld>
+</file>
+
+<file path=ppt/slides/slide11.xml><?xml version="1.0" encoding="utf-8"?>
+<p:sld xmlns:a="http://schemas.openxmlformats.org/drawingml/2006/main" xmlns:r="http://schemas.openxmlformats.org/officeDocument/2006/relationships" xmlns:p="http://schemas.openxmlformats.org/presentationml/2006/main">
+  <p:cSld>
+    <p:spTree>
+      <p:nvGrpSpPr>
+        <p:cNvPr id="1" name=""/>
+        <p:cNvGrpSpPr/>
+        <p:nvPr/>
+      </p:nvGrpSpPr>
+      <p:grpSpPr>
+        <a:xfrm>
+          <a:off x="0" y="0"/>
+          <a:ext cx="0" cy="0"/>
+          <a:chOff x="0" y="0"/>
+          <a:chExt cx="0" cy="0"/>
+        </a:xfrm>
+      </p:grpSpPr>
+      <p:sp>
+        <p:nvSpPr>
+          <p:cNvPr id="5" name="Arrow: Right 4">
+            <a:extLst>
+              <a:ext uri="{FF2B5EF4-FFF2-40B4-BE49-F238E27FC236}">
+                <a16:creationId xmlns:a16="http://schemas.microsoft.com/office/drawing/2014/main" id="{135F2F3F-BA56-4981-8D68-625DC6141E51}"/>
+              </a:ext>
+            </a:extLst>
+          </p:cNvPr>
+          <p:cNvSpPr/>
+          <p:nvPr/>
+        </p:nvSpPr>
+        <p:spPr>
+          <a:xfrm>
+            <a:off x="5076825" y="1247644"/>
+            <a:ext cx="3468001" cy="1121891"/>
+          </a:xfrm>
+          <a:prstGeom prst="rightArrow">
+            <a:avLst/>
+          </a:prstGeom>
+          <a:gradFill>
+            <a:gsLst>
+              <a:gs pos="0">
+                <a:schemeClr val="accent5">
+                  <a:lumMod val="20000"/>
+                  <a:lumOff val="80000"/>
+                </a:schemeClr>
+              </a:gs>
+              <a:gs pos="100000">
+                <a:srgbClr val="FFCCCC"/>
+              </a:gs>
+            </a:gsLst>
+            <a:path path="shape">
+              <a:fillToRect l="50000" t="50000" r="50000" b="50000"/>
+            </a:path>
+          </a:gradFill>
+          <a:ln>
+            <a:noFill/>
+          </a:ln>
+        </p:spPr>
+        <p:style>
+          <a:lnRef idx="2">
+            <a:schemeClr val="accent1">
+              <a:shade val="50000"/>
+            </a:schemeClr>
+          </a:lnRef>
+          <a:fillRef idx="1">
+            <a:schemeClr val="accent1"/>
+          </a:fillRef>
+          <a:effectRef idx="0">
+            <a:schemeClr val="accent1"/>
+          </a:effectRef>
+          <a:fontRef idx="minor">
+            <a:schemeClr val="lt1"/>
+          </a:fontRef>
+        </p:style>
+        <p:txBody>
+          <a:bodyPr rtlCol="1" anchor="ctr"/>
+          <a:lstStyle/>
+          <a:p>
+            <a:pPr algn="ctr"/>
+            <a:endParaRPr lang="he-IL"/>
+          </a:p>
+        </p:txBody>
+      </p:sp>
+      <p:sp>
+        <p:nvSpPr>
+          <p:cNvPr id="75" name="Arrow: Right 74">
+            <a:extLst>
+              <a:ext uri="{FF2B5EF4-FFF2-40B4-BE49-F238E27FC236}">
+                <a16:creationId xmlns:a16="http://schemas.microsoft.com/office/drawing/2014/main" id="{8D557153-FE44-42F4-88D0-34B74EC427DB}"/>
+              </a:ext>
+            </a:extLst>
+          </p:cNvPr>
+          <p:cNvSpPr/>
+          <p:nvPr/>
+        </p:nvSpPr>
+        <p:spPr>
+          <a:xfrm>
+            <a:off x="3731419" y="1894684"/>
+            <a:ext cx="4813185" cy="1121891"/>
+          </a:xfrm>
+          <a:prstGeom prst="rightArrow">
+            <a:avLst/>
+          </a:prstGeom>
+          <a:solidFill>
+            <a:schemeClr val="accent1">
+              <a:lumMod val="20000"/>
+              <a:lumOff val="80000"/>
+            </a:schemeClr>
+          </a:solidFill>
+          <a:ln>
+            <a:noFill/>
+          </a:ln>
+        </p:spPr>
+        <p:style>
+          <a:lnRef idx="2">
+            <a:schemeClr val="accent1">
+              <a:shade val="50000"/>
+            </a:schemeClr>
+          </a:lnRef>
+          <a:fillRef idx="1">
+            <a:schemeClr val="accent1"/>
+          </a:fillRef>
+          <a:effectRef idx="0">
+            <a:schemeClr val="accent1"/>
+          </a:effectRef>
+          <a:fontRef idx="minor">
+            <a:schemeClr val="lt1"/>
+          </a:fontRef>
+        </p:style>
+        <p:txBody>
+          <a:bodyPr rtlCol="1" anchor="ctr"/>
+          <a:lstStyle/>
+          <a:p>
+            <a:pPr algn="ctr"/>
+            <a:endParaRPr lang="he-IL"/>
+          </a:p>
+        </p:txBody>
+      </p:sp>
+      <p:sp>
+        <p:nvSpPr>
+          <p:cNvPr id="76" name="Arrow: Right 75">
+            <a:extLst>
+              <a:ext uri="{FF2B5EF4-FFF2-40B4-BE49-F238E27FC236}">
+                <a16:creationId xmlns:a16="http://schemas.microsoft.com/office/drawing/2014/main" id="{63DB33B4-1191-4CCD-A5BB-7D0792BC3EAE}"/>
+              </a:ext>
+            </a:extLst>
+          </p:cNvPr>
+          <p:cNvSpPr/>
+          <p:nvPr/>
+        </p:nvSpPr>
+        <p:spPr>
+          <a:xfrm>
+            <a:off x="3195164" y="2522651"/>
+            <a:ext cx="5349440" cy="1121891"/>
+          </a:xfrm>
+          <a:prstGeom prst="rightArrow">
+            <a:avLst/>
+          </a:prstGeom>
+          <a:solidFill>
+            <a:srgbClr val="FFCCCC"/>
+          </a:solidFill>
+          <a:ln>
+            <a:noFill/>
+          </a:ln>
+        </p:spPr>
+        <p:style>
+          <a:lnRef idx="2">
+            <a:schemeClr val="accent1">
+              <a:shade val="50000"/>
+            </a:schemeClr>
+          </a:lnRef>
+          <a:fillRef idx="1">
+            <a:schemeClr val="accent1"/>
+          </a:fillRef>
+          <a:effectRef idx="0">
+            <a:schemeClr val="accent1"/>
+          </a:effectRef>
+          <a:fontRef idx="minor">
+            <a:schemeClr val="lt1"/>
+          </a:fontRef>
+        </p:style>
+        <p:txBody>
+          <a:bodyPr rtlCol="1" anchor="ctr"/>
+          <a:lstStyle/>
+          <a:p>
+            <a:pPr algn="ctr"/>
+            <a:endParaRPr lang="he-IL"/>
+          </a:p>
+        </p:txBody>
+      </p:sp>
+      <p:cxnSp>
+        <p:nvCxnSpPr>
+          <p:cNvPr id="12" name="Straight Arrow Connector 11">
+            <a:extLst>
+              <a:ext uri="{FF2B5EF4-FFF2-40B4-BE49-F238E27FC236}">
+                <a16:creationId xmlns:a16="http://schemas.microsoft.com/office/drawing/2014/main" id="{CB8BD016-4B95-434C-AE37-83627AE2B966}"/>
+              </a:ext>
+            </a:extLst>
+          </p:cNvPr>
+          <p:cNvCxnSpPr>
+            <a:cxnSpLocks/>
+          </p:cNvCxnSpPr>
+          <p:nvPr/>
+        </p:nvCxnSpPr>
+        <p:spPr>
+          <a:xfrm flipV="1">
+            <a:off x="2200274" y="3457575"/>
+            <a:ext cx="6300259" cy="19050"/>
+          </a:xfrm>
+          <a:prstGeom prst="straightConnector1">
+            <a:avLst/>
+          </a:prstGeom>
+          <a:ln w="63500">
+            <a:solidFill>
+              <a:schemeClr val="tx1"/>
+            </a:solidFill>
+            <a:tailEnd type="triangle"/>
+          </a:ln>
+        </p:spPr>
+        <p:style>
+          <a:lnRef idx="1">
+            <a:schemeClr val="accent1"/>
+          </a:lnRef>
+          <a:fillRef idx="0">
+            <a:schemeClr val="accent1"/>
+          </a:fillRef>
+          <a:effectRef idx="0">
+            <a:schemeClr val="accent1"/>
+          </a:effectRef>
+          <a:fontRef idx="minor">
+            <a:schemeClr val="tx1"/>
+          </a:fontRef>
+        </p:style>
+      </p:cxnSp>
+      <p:cxnSp>
+        <p:nvCxnSpPr>
+          <p:cNvPr id="15" name="Straight Connector 14">
+            <a:extLst>
+              <a:ext uri="{FF2B5EF4-FFF2-40B4-BE49-F238E27FC236}">
+                <a16:creationId xmlns:a16="http://schemas.microsoft.com/office/drawing/2014/main" id="{373D4519-D224-4427-B45C-82FB940AF16C}"/>
+              </a:ext>
+            </a:extLst>
+          </p:cNvPr>
+          <p:cNvCxnSpPr/>
+          <p:nvPr/>
+        </p:nvCxnSpPr>
+        <p:spPr>
+          <a:xfrm>
+            <a:off x="6000750" y="3210110"/>
+            <a:ext cx="0" cy="514350"/>
+          </a:xfrm>
+          <a:prstGeom prst="line">
+            <a:avLst/>
+          </a:prstGeom>
+          <a:ln w="63500">
+            <a:solidFill>
+              <a:schemeClr val="tx1"/>
+            </a:solidFill>
+          </a:ln>
+        </p:spPr>
+        <p:style>
+          <a:lnRef idx="1">
+            <a:schemeClr val="accent1"/>
+          </a:lnRef>
+          <a:fillRef idx="0">
+            <a:schemeClr val="accent1"/>
+          </a:fillRef>
+          <a:effectRef idx="0">
+            <a:schemeClr val="accent1"/>
+          </a:effectRef>
+          <a:fontRef idx="minor">
+            <a:schemeClr val="tx1"/>
+          </a:fontRef>
+        </p:style>
+      </p:cxnSp>
+      <p:cxnSp>
+        <p:nvCxnSpPr>
+          <p:cNvPr id="21" name="Straight Connector 20">
+            <a:extLst>
+              <a:ext uri="{FF2B5EF4-FFF2-40B4-BE49-F238E27FC236}">
+                <a16:creationId xmlns:a16="http://schemas.microsoft.com/office/drawing/2014/main" id="{6368285C-A839-4A69-B491-5375529616D1}"/>
+              </a:ext>
+            </a:extLst>
+          </p:cNvPr>
+          <p:cNvCxnSpPr/>
+          <p:nvPr/>
+        </p:nvCxnSpPr>
+        <p:spPr>
+          <a:xfrm>
+            <a:off x="6915150" y="3210110"/>
+            <a:ext cx="0" cy="514350"/>
+          </a:xfrm>
+          <a:prstGeom prst="line">
+            <a:avLst/>
+          </a:prstGeom>
+          <a:ln w="63500">
+            <a:solidFill>
+              <a:schemeClr val="tx1"/>
+            </a:solidFill>
+          </a:ln>
+        </p:spPr>
+        <p:style>
+          <a:lnRef idx="1">
+            <a:schemeClr val="accent1"/>
+          </a:lnRef>
+          <a:fillRef idx="0">
+            <a:schemeClr val="accent1"/>
+          </a:fillRef>
+          <a:effectRef idx="0">
+            <a:schemeClr val="accent1"/>
+          </a:effectRef>
+          <a:fontRef idx="minor">
+            <a:schemeClr val="tx1"/>
+          </a:fontRef>
+        </p:style>
+      </p:cxnSp>
+      <p:cxnSp>
+        <p:nvCxnSpPr>
+          <p:cNvPr id="22" name="Straight Connector 21">
+            <a:extLst>
+              <a:ext uri="{FF2B5EF4-FFF2-40B4-BE49-F238E27FC236}">
+                <a16:creationId xmlns:a16="http://schemas.microsoft.com/office/drawing/2014/main" id="{B5F464D8-D90E-4E66-8D41-ECA8F4BEC947}"/>
+              </a:ext>
+            </a:extLst>
+          </p:cNvPr>
+          <p:cNvCxnSpPr/>
+          <p:nvPr/>
+        </p:nvCxnSpPr>
+        <p:spPr>
+          <a:xfrm>
+            <a:off x="7829550" y="3219635"/>
+            <a:ext cx="0" cy="514350"/>
+          </a:xfrm>
+          <a:prstGeom prst="line">
+            <a:avLst/>
+          </a:prstGeom>
+          <a:ln w="63500">
+            <a:solidFill>
+              <a:schemeClr val="tx1"/>
+            </a:solidFill>
+          </a:ln>
+        </p:spPr>
+        <p:style>
+          <a:lnRef idx="1">
+            <a:schemeClr val="accent1"/>
+          </a:lnRef>
+          <a:fillRef idx="0">
+            <a:schemeClr val="accent1"/>
+          </a:fillRef>
+          <a:effectRef idx="0">
+            <a:schemeClr val="accent1"/>
+          </a:effectRef>
+          <a:fontRef idx="minor">
+            <a:schemeClr val="tx1"/>
+          </a:fontRef>
+        </p:style>
+      </p:cxnSp>
+      <p:cxnSp>
+        <p:nvCxnSpPr>
+          <p:cNvPr id="24" name="Straight Connector 23">
+            <a:extLst>
+              <a:ext uri="{FF2B5EF4-FFF2-40B4-BE49-F238E27FC236}">
+                <a16:creationId xmlns:a16="http://schemas.microsoft.com/office/drawing/2014/main" id="{861C12C0-2510-446D-87C8-BFF21D501777}"/>
+              </a:ext>
+            </a:extLst>
+          </p:cNvPr>
+          <p:cNvCxnSpPr/>
+          <p:nvPr/>
+        </p:nvCxnSpPr>
+        <p:spPr>
+          <a:xfrm>
+            <a:off x="5076825" y="3200400"/>
+            <a:ext cx="0" cy="514350"/>
+          </a:xfrm>
+          <a:prstGeom prst="line">
+            <a:avLst/>
+          </a:prstGeom>
+          <a:ln w="63500">
+            <a:solidFill>
+              <a:schemeClr val="tx1"/>
+            </a:solidFill>
+          </a:ln>
+        </p:spPr>
+        <p:style>
+          <a:lnRef idx="1">
+            <a:schemeClr val="accent1"/>
+          </a:lnRef>
+          <a:fillRef idx="0">
+            <a:schemeClr val="accent1"/>
+          </a:fillRef>
+          <a:effectRef idx="0">
+            <a:schemeClr val="accent1"/>
+          </a:effectRef>
+          <a:fontRef idx="minor">
+            <a:schemeClr val="tx1"/>
+          </a:fontRef>
+        </p:style>
+      </p:cxnSp>
+      <p:cxnSp>
+        <p:nvCxnSpPr>
+          <p:cNvPr id="27" name="Straight Connector 26">
+            <a:extLst>
+              <a:ext uri="{FF2B5EF4-FFF2-40B4-BE49-F238E27FC236}">
+                <a16:creationId xmlns:a16="http://schemas.microsoft.com/office/drawing/2014/main" id="{12E4384B-75B4-4414-B6A8-6658F97AB21D}"/>
+              </a:ext>
+            </a:extLst>
+          </p:cNvPr>
+          <p:cNvCxnSpPr/>
+          <p:nvPr/>
+        </p:nvCxnSpPr>
+        <p:spPr>
+          <a:xfrm>
+            <a:off x="3257550" y="3219635"/>
+            <a:ext cx="0" cy="514350"/>
+          </a:xfrm>
+          <a:prstGeom prst="line">
+            <a:avLst/>
+          </a:prstGeom>
+          <a:ln w="63500">
+            <a:solidFill>
+              <a:schemeClr val="tx1"/>
+            </a:solidFill>
+          </a:ln>
+        </p:spPr>
+        <p:style>
+          <a:lnRef idx="1">
+            <a:schemeClr val="accent1"/>
+          </a:lnRef>
+          <a:fillRef idx="0">
+            <a:schemeClr val="accent1"/>
+          </a:fillRef>
+          <a:effectRef idx="0">
+            <a:schemeClr val="accent1"/>
+          </a:effectRef>
+          <a:fontRef idx="minor">
+            <a:schemeClr val="tx1"/>
+          </a:fontRef>
+        </p:style>
+      </p:cxnSp>
+      <p:cxnSp>
+        <p:nvCxnSpPr>
+          <p:cNvPr id="28" name="Straight Connector 27">
+            <a:extLst>
+              <a:ext uri="{FF2B5EF4-FFF2-40B4-BE49-F238E27FC236}">
+                <a16:creationId xmlns:a16="http://schemas.microsoft.com/office/drawing/2014/main" id="{B87099A7-0747-4EA3-8023-954489F8DA4B}"/>
+              </a:ext>
+            </a:extLst>
+          </p:cNvPr>
+          <p:cNvCxnSpPr/>
+          <p:nvPr/>
+        </p:nvCxnSpPr>
+        <p:spPr>
+          <a:xfrm>
+            <a:off x="4171950" y="3219635"/>
+            <a:ext cx="0" cy="514350"/>
+          </a:xfrm>
+          <a:prstGeom prst="line">
+            <a:avLst/>
+          </a:prstGeom>
+          <a:ln w="63500">
+            <a:solidFill>
+              <a:schemeClr val="tx1"/>
+            </a:solidFill>
+          </a:ln>
+        </p:spPr>
+        <p:style>
+          <a:lnRef idx="1">
+            <a:schemeClr val="accent1"/>
+          </a:lnRef>
+          <a:fillRef idx="0">
+            <a:schemeClr val="accent1"/>
+          </a:fillRef>
+          <a:effectRef idx="0">
+            <a:schemeClr val="accent1"/>
+          </a:effectRef>
+          <a:fontRef idx="minor">
+            <a:schemeClr val="tx1"/>
+          </a:fontRef>
+        </p:style>
+      </p:cxnSp>
+      <p:cxnSp>
+        <p:nvCxnSpPr>
+          <p:cNvPr id="29" name="Straight Connector 28">
+            <a:extLst>
+              <a:ext uri="{FF2B5EF4-FFF2-40B4-BE49-F238E27FC236}">
+                <a16:creationId xmlns:a16="http://schemas.microsoft.com/office/drawing/2014/main" id="{47FD5C80-D4BC-494E-BAC4-8E263611D22D}"/>
+              </a:ext>
+            </a:extLst>
+          </p:cNvPr>
+          <p:cNvCxnSpPr/>
+          <p:nvPr/>
+        </p:nvCxnSpPr>
+        <p:spPr>
+          <a:xfrm>
+            <a:off x="2333625" y="3209925"/>
+            <a:ext cx="0" cy="514350"/>
+          </a:xfrm>
+          <a:prstGeom prst="line">
+            <a:avLst/>
+          </a:prstGeom>
+          <a:ln w="63500">
+            <a:solidFill>
+              <a:schemeClr val="tx1"/>
+            </a:solidFill>
+          </a:ln>
+        </p:spPr>
+        <p:style>
+          <a:lnRef idx="1">
+            <a:schemeClr val="accent1"/>
+          </a:lnRef>
+          <a:fillRef idx="0">
+            <a:schemeClr val="accent1"/>
+          </a:fillRef>
+          <a:effectRef idx="0">
+            <a:schemeClr val="accent1"/>
+          </a:effectRef>
+          <a:fontRef idx="minor">
+            <a:schemeClr val="tx1"/>
+          </a:fontRef>
+        </p:style>
+      </p:cxnSp>
+      <p:sp>
+        <p:nvSpPr>
+          <p:cNvPr id="30" name="TextBox 29">
+            <a:extLst>
+              <a:ext uri="{FF2B5EF4-FFF2-40B4-BE49-F238E27FC236}">
+                <a16:creationId xmlns:a16="http://schemas.microsoft.com/office/drawing/2014/main" id="{179B87DA-0621-4A0E-A6BB-1E502D34EDB4}"/>
+              </a:ext>
+            </a:extLst>
+          </p:cNvPr>
+          <p:cNvSpPr txBox="1"/>
+          <p:nvPr/>
+        </p:nvSpPr>
+        <p:spPr>
+          <a:xfrm>
+            <a:off x="3908671" y="3707919"/>
+            <a:ext cx="523876" cy="338554"/>
+          </a:xfrm>
+          <a:prstGeom prst="rect">
+            <a:avLst/>
+          </a:prstGeom>
+          <a:noFill/>
+        </p:spPr>
+        <p:txBody>
+          <a:bodyPr wrap="square" rtlCol="1">
+            <a:spAutoFit/>
+          </a:bodyPr>
+          <a:lstStyle/>
+          <a:p>
+            <a:pPr algn="ctr"/>
+            <a:r>
+              <a:rPr lang="en-US" sz="1600" b="1" dirty="0"/>
+              <a:t>8</a:t>
+            </a:r>
+            <a:endParaRPr lang="he-IL" sz="1600" b="1" dirty="0"/>
+          </a:p>
+        </p:txBody>
+      </p:sp>
+      <p:sp>
+        <p:nvSpPr>
+          <p:cNvPr id="31" name="TextBox 30">
+            <a:extLst>
+              <a:ext uri="{FF2B5EF4-FFF2-40B4-BE49-F238E27FC236}">
+                <a16:creationId xmlns:a16="http://schemas.microsoft.com/office/drawing/2014/main" id="{9803BC63-B0A6-4BA0-95C6-C8096D3B7A56}"/>
+              </a:ext>
+            </a:extLst>
+          </p:cNvPr>
+          <p:cNvSpPr txBox="1"/>
+          <p:nvPr/>
+        </p:nvSpPr>
+        <p:spPr>
+          <a:xfrm>
+            <a:off x="4273671" y="3714750"/>
+            <a:ext cx="621505" cy="338554"/>
+          </a:xfrm>
+          <a:prstGeom prst="rect">
+            <a:avLst/>
+          </a:prstGeom>
+          <a:noFill/>
+        </p:spPr>
+        <p:txBody>
+          <a:bodyPr wrap="square" rtlCol="1">
+            <a:spAutoFit/>
+          </a:bodyPr>
+          <a:lstStyle/>
+          <a:p>
+            <a:pPr algn="ctr"/>
+            <a:r>
+              <a:rPr lang="en-US" sz="1600" b="1" dirty="0"/>
+              <a:t>10</a:t>
+            </a:r>
+            <a:endParaRPr lang="he-IL" sz="1600" b="1" dirty="0"/>
+          </a:p>
+        </p:txBody>
+      </p:sp>
+      <p:sp>
+        <p:nvSpPr>
+          <p:cNvPr id="32" name="TextBox 31">
+            <a:extLst>
+              <a:ext uri="{FF2B5EF4-FFF2-40B4-BE49-F238E27FC236}">
+                <a16:creationId xmlns:a16="http://schemas.microsoft.com/office/drawing/2014/main" id="{48FF504B-4A18-478C-8D12-39094DE783F5}"/>
+              </a:ext>
+            </a:extLst>
+          </p:cNvPr>
+          <p:cNvSpPr txBox="1"/>
+          <p:nvPr/>
+        </p:nvSpPr>
+        <p:spPr>
+          <a:xfrm>
+            <a:off x="4749569" y="3714750"/>
+            <a:ext cx="621504" cy="338554"/>
+          </a:xfrm>
+          <a:prstGeom prst="rect">
+            <a:avLst/>
+          </a:prstGeom>
+          <a:noFill/>
+        </p:spPr>
+        <p:txBody>
+          <a:bodyPr wrap="square" rtlCol="1">
+            <a:spAutoFit/>
+          </a:bodyPr>
+          <a:lstStyle/>
+          <a:p>
+            <a:pPr algn="ctr"/>
+            <a:r>
+              <a:rPr lang="en-US" sz="1600" b="1" dirty="0"/>
+              <a:t>12</a:t>
+            </a:r>
+            <a:endParaRPr lang="he-IL" sz="1600" b="1" dirty="0"/>
+          </a:p>
+        </p:txBody>
+      </p:sp>
+      <p:sp>
+        <p:nvSpPr>
+          <p:cNvPr id="33" name="TextBox 32">
+            <a:extLst>
+              <a:ext uri="{FF2B5EF4-FFF2-40B4-BE49-F238E27FC236}">
+                <a16:creationId xmlns:a16="http://schemas.microsoft.com/office/drawing/2014/main" id="{7ADEDF81-CEBC-4551-BDBA-7275584BD5EE}"/>
+              </a:ext>
+            </a:extLst>
+          </p:cNvPr>
+          <p:cNvSpPr txBox="1"/>
+          <p:nvPr/>
+        </p:nvSpPr>
+        <p:spPr>
+          <a:xfrm>
+            <a:off x="5235118" y="3707553"/>
+            <a:ext cx="621504" cy="338554"/>
+          </a:xfrm>
+          <a:prstGeom prst="rect">
+            <a:avLst/>
+          </a:prstGeom>
+          <a:noFill/>
+        </p:spPr>
+        <p:txBody>
+          <a:bodyPr wrap="square" rtlCol="1">
+            <a:spAutoFit/>
+          </a:bodyPr>
+          <a:lstStyle/>
+          <a:p>
+            <a:pPr algn="ctr"/>
+            <a:r>
+              <a:rPr lang="en-US" sz="1600" b="1" dirty="0"/>
+              <a:t>14</a:t>
+            </a:r>
+            <a:endParaRPr lang="he-IL" sz="1600" b="1" dirty="0"/>
+          </a:p>
+        </p:txBody>
+      </p:sp>
+      <p:sp>
+        <p:nvSpPr>
+          <p:cNvPr id="34" name="TextBox 33">
+            <a:extLst>
+              <a:ext uri="{FF2B5EF4-FFF2-40B4-BE49-F238E27FC236}">
+                <a16:creationId xmlns:a16="http://schemas.microsoft.com/office/drawing/2014/main" id="{B5AA93C7-69FE-428F-8FB2-27F0F2864517}"/>
+              </a:ext>
+            </a:extLst>
+          </p:cNvPr>
+          <p:cNvSpPr txBox="1"/>
+          <p:nvPr/>
+        </p:nvSpPr>
+        <p:spPr>
+          <a:xfrm>
+            <a:off x="5708402" y="3703118"/>
+            <a:ext cx="565648" cy="338554"/>
+          </a:xfrm>
+          <a:prstGeom prst="rect">
+            <a:avLst/>
+          </a:prstGeom>
+          <a:noFill/>
+        </p:spPr>
+        <p:txBody>
+          <a:bodyPr wrap="square" rtlCol="1">
+            <a:spAutoFit/>
+          </a:bodyPr>
+          <a:lstStyle/>
+          <a:p>
+            <a:pPr algn="ctr"/>
+            <a:r>
+              <a:rPr lang="en-US" sz="1600" b="1" dirty="0"/>
+              <a:t>16</a:t>
+            </a:r>
+            <a:endParaRPr lang="he-IL" sz="1600" b="1" dirty="0"/>
+          </a:p>
+        </p:txBody>
+      </p:sp>
+      <p:sp>
+        <p:nvSpPr>
+          <p:cNvPr id="35" name="TextBox 34">
+            <a:extLst>
+              <a:ext uri="{FF2B5EF4-FFF2-40B4-BE49-F238E27FC236}">
+                <a16:creationId xmlns:a16="http://schemas.microsoft.com/office/drawing/2014/main" id="{A8487076-8863-4CC2-98AF-0F0A9C527EF5}"/>
+              </a:ext>
+            </a:extLst>
+          </p:cNvPr>
+          <p:cNvSpPr txBox="1"/>
+          <p:nvPr/>
+        </p:nvSpPr>
+        <p:spPr>
+          <a:xfrm>
+            <a:off x="3493628" y="3709636"/>
+            <a:ext cx="469107" cy="338554"/>
+          </a:xfrm>
+          <a:prstGeom prst="rect">
+            <a:avLst/>
+          </a:prstGeom>
+          <a:noFill/>
+        </p:spPr>
+        <p:txBody>
+          <a:bodyPr wrap="square" rtlCol="1">
+            <a:spAutoFit/>
+          </a:bodyPr>
+          <a:lstStyle/>
+          <a:p>
+            <a:pPr algn="ctr"/>
+            <a:r>
+              <a:rPr lang="en-US" sz="1600" b="1" dirty="0"/>
+              <a:t>6</a:t>
+            </a:r>
+            <a:endParaRPr lang="he-IL" sz="1600" b="1" dirty="0"/>
+          </a:p>
+        </p:txBody>
+      </p:sp>
+      <p:sp>
+        <p:nvSpPr>
+          <p:cNvPr id="36" name="TextBox 35">
+            <a:extLst>
+              <a:ext uri="{FF2B5EF4-FFF2-40B4-BE49-F238E27FC236}">
+                <a16:creationId xmlns:a16="http://schemas.microsoft.com/office/drawing/2014/main" id="{0B9F61B3-BE5F-4538-99A9-A7FB7C8B5C8B}"/>
+              </a:ext>
+            </a:extLst>
+          </p:cNvPr>
+          <p:cNvSpPr txBox="1"/>
+          <p:nvPr/>
+        </p:nvSpPr>
+        <p:spPr>
+          <a:xfrm>
+            <a:off x="3004172" y="3703118"/>
+            <a:ext cx="483395" cy="338554"/>
+          </a:xfrm>
+          <a:prstGeom prst="rect">
+            <a:avLst/>
+          </a:prstGeom>
+          <a:noFill/>
+        </p:spPr>
+        <p:txBody>
+          <a:bodyPr wrap="square" rtlCol="1">
+            <a:spAutoFit/>
+          </a:bodyPr>
+          <a:lstStyle/>
+          <a:p>
+            <a:pPr algn="ctr"/>
+            <a:r>
+              <a:rPr lang="en-US" sz="1600" b="1" dirty="0"/>
+              <a:t>4</a:t>
+            </a:r>
+            <a:endParaRPr lang="he-IL" sz="1600" b="1" dirty="0"/>
+          </a:p>
+        </p:txBody>
+      </p:sp>
+      <p:sp>
+        <p:nvSpPr>
+          <p:cNvPr id="37" name="TextBox 36">
+            <a:extLst>
+              <a:ext uri="{FF2B5EF4-FFF2-40B4-BE49-F238E27FC236}">
+                <a16:creationId xmlns:a16="http://schemas.microsoft.com/office/drawing/2014/main" id="{A1F09B86-1B8F-46FF-8DF9-788153EFBA91}"/>
+              </a:ext>
+            </a:extLst>
+          </p:cNvPr>
+          <p:cNvSpPr txBox="1"/>
+          <p:nvPr/>
+        </p:nvSpPr>
+        <p:spPr>
+          <a:xfrm>
+            <a:off x="2544592" y="3699720"/>
+            <a:ext cx="469106" cy="338554"/>
+          </a:xfrm>
+          <a:prstGeom prst="rect">
+            <a:avLst/>
+          </a:prstGeom>
+          <a:noFill/>
+        </p:spPr>
+        <p:txBody>
+          <a:bodyPr wrap="square" rtlCol="1">
+            <a:spAutoFit/>
+          </a:bodyPr>
+          <a:lstStyle/>
+          <a:p>
+            <a:pPr algn="ctr"/>
+            <a:r>
+              <a:rPr lang="en-US" sz="1600" b="1" dirty="0"/>
+              <a:t>2</a:t>
+            </a:r>
+            <a:endParaRPr lang="he-IL" sz="1600" b="1" dirty="0"/>
+          </a:p>
+        </p:txBody>
+      </p:sp>
+      <p:sp>
+        <p:nvSpPr>
+          <p:cNvPr id="38" name="TextBox 37">
+            <a:extLst>
+              <a:ext uri="{FF2B5EF4-FFF2-40B4-BE49-F238E27FC236}">
+                <a16:creationId xmlns:a16="http://schemas.microsoft.com/office/drawing/2014/main" id="{F835F838-161B-4098-B8C5-414058C0A109}"/>
+              </a:ext>
+            </a:extLst>
+          </p:cNvPr>
+          <p:cNvSpPr txBox="1"/>
+          <p:nvPr/>
+        </p:nvSpPr>
+        <p:spPr>
+          <a:xfrm>
+            <a:off x="2115222" y="3696322"/>
+            <a:ext cx="442386" cy="338554"/>
+          </a:xfrm>
+          <a:prstGeom prst="rect">
+            <a:avLst/>
+          </a:prstGeom>
+          <a:noFill/>
+        </p:spPr>
+        <p:txBody>
+          <a:bodyPr wrap="square" rtlCol="1">
+            <a:spAutoFit/>
+          </a:bodyPr>
+          <a:lstStyle/>
+          <a:p>
+            <a:pPr algn="ctr"/>
+            <a:r>
+              <a:rPr lang="en-US" sz="1600" b="1" dirty="0"/>
+              <a:t>0</a:t>
+            </a:r>
+            <a:endParaRPr lang="he-IL" sz="1600" b="1" dirty="0"/>
+          </a:p>
+        </p:txBody>
+      </p:sp>
+      <p:sp>
+        <p:nvSpPr>
+          <p:cNvPr id="41" name="Oval 40">
+            <a:extLst>
+              <a:ext uri="{FF2B5EF4-FFF2-40B4-BE49-F238E27FC236}">
+                <a16:creationId xmlns:a16="http://schemas.microsoft.com/office/drawing/2014/main" id="{746CBD2F-121C-405A-B6AE-572CD03B6502}"/>
+              </a:ext>
+            </a:extLst>
+          </p:cNvPr>
+          <p:cNvSpPr/>
+          <p:nvPr/>
+        </p:nvSpPr>
+        <p:spPr>
+          <a:xfrm>
+            <a:off x="3071937" y="2928353"/>
+            <a:ext cx="371226" cy="340831"/>
+          </a:xfrm>
+          <a:prstGeom prst="ellipse">
+            <a:avLst/>
+          </a:prstGeom>
+          <a:solidFill>
+            <a:srgbClr val="760000"/>
+          </a:solidFill>
+          <a:ln>
+            <a:solidFill>
+              <a:schemeClr val="tx1"/>
+            </a:solidFill>
+          </a:ln>
+        </p:spPr>
+        <p:style>
+          <a:lnRef idx="2">
+            <a:schemeClr val="accent1">
+              <a:shade val="50000"/>
+            </a:schemeClr>
+          </a:lnRef>
+          <a:fillRef idx="1">
+            <a:schemeClr val="accent1"/>
+          </a:fillRef>
+          <a:effectRef idx="0">
+            <a:schemeClr val="accent1"/>
+          </a:effectRef>
+          <a:fontRef idx="minor">
+            <a:schemeClr val="lt1"/>
+          </a:fontRef>
+        </p:style>
+        <p:txBody>
+          <a:bodyPr rtlCol="1" anchor="ctr"/>
+          <a:lstStyle/>
+          <a:p>
+            <a:pPr algn="ctr"/>
+            <a:r>
+              <a:rPr lang="en-US" sz="2000" b="1" dirty="0"/>
+              <a:t>a</a:t>
+            </a:r>
+            <a:endParaRPr lang="he-IL" sz="2000" b="1" dirty="0"/>
+          </a:p>
+        </p:txBody>
+      </p:sp>
+      <p:sp>
+        <p:nvSpPr>
+          <p:cNvPr id="42" name="Oval 41">
+            <a:extLst>
+              <a:ext uri="{FF2B5EF4-FFF2-40B4-BE49-F238E27FC236}">
+                <a16:creationId xmlns:a16="http://schemas.microsoft.com/office/drawing/2014/main" id="{35EB7CD6-6827-48E9-8F09-35EDA160F752}"/>
+              </a:ext>
+            </a:extLst>
+          </p:cNvPr>
+          <p:cNvSpPr/>
+          <p:nvPr/>
+        </p:nvSpPr>
+        <p:spPr>
+          <a:xfrm>
+            <a:off x="3976811" y="2942584"/>
+            <a:ext cx="371227" cy="312501"/>
+          </a:xfrm>
+          <a:prstGeom prst="ellipse">
+            <a:avLst/>
+          </a:prstGeom>
+          <a:solidFill>
+            <a:srgbClr val="760000"/>
+          </a:solidFill>
+          <a:ln>
+            <a:solidFill>
+              <a:schemeClr val="tx1"/>
+            </a:solidFill>
+          </a:ln>
+        </p:spPr>
+        <p:style>
+          <a:lnRef idx="2">
+            <a:schemeClr val="accent1">
+              <a:shade val="50000"/>
+            </a:schemeClr>
+          </a:lnRef>
+          <a:fillRef idx="1">
+            <a:schemeClr val="accent1"/>
+          </a:fillRef>
+          <a:effectRef idx="0">
+            <a:schemeClr val="accent1"/>
+          </a:effectRef>
+          <a:fontRef idx="minor">
+            <a:schemeClr val="lt1"/>
+          </a:fontRef>
+        </p:style>
+        <p:txBody>
+          <a:bodyPr rtlCol="1" anchor="ctr"/>
+          <a:lstStyle/>
+          <a:p>
+            <a:pPr algn="ctr"/>
+            <a:r>
+              <a:rPr lang="en-US" sz="1400" dirty="0"/>
+              <a:t>2</a:t>
+            </a:r>
+            <a:endParaRPr lang="he-IL" sz="1400" dirty="0"/>
+          </a:p>
+        </p:txBody>
+      </p:sp>
+      <p:sp>
+        <p:nvSpPr>
+          <p:cNvPr id="43" name="Oval 42">
+            <a:extLst>
+              <a:ext uri="{FF2B5EF4-FFF2-40B4-BE49-F238E27FC236}">
+                <a16:creationId xmlns:a16="http://schemas.microsoft.com/office/drawing/2014/main" id="{7E062787-DEA2-4454-BFC9-680071DA32E4}"/>
+              </a:ext>
+            </a:extLst>
+          </p:cNvPr>
+          <p:cNvSpPr/>
+          <p:nvPr/>
+        </p:nvSpPr>
+        <p:spPr>
+          <a:xfrm>
+            <a:off x="4891211" y="2953405"/>
+            <a:ext cx="371227" cy="312501"/>
+          </a:xfrm>
+          <a:prstGeom prst="ellipse">
+            <a:avLst/>
+          </a:prstGeom>
+          <a:solidFill>
+            <a:srgbClr val="760000"/>
+          </a:solidFill>
+          <a:ln>
+            <a:solidFill>
+              <a:schemeClr val="tx1"/>
+            </a:solidFill>
+          </a:ln>
+        </p:spPr>
+        <p:style>
+          <a:lnRef idx="2">
+            <a:schemeClr val="accent1">
+              <a:shade val="50000"/>
+            </a:schemeClr>
+          </a:lnRef>
+          <a:fillRef idx="1">
+            <a:schemeClr val="accent1"/>
+          </a:fillRef>
+          <a:effectRef idx="0">
+            <a:schemeClr val="accent1"/>
+          </a:effectRef>
+          <a:fontRef idx="minor">
+            <a:schemeClr val="lt1"/>
+          </a:fontRef>
+        </p:style>
+        <p:txBody>
+          <a:bodyPr rtlCol="1" anchor="ctr"/>
+          <a:lstStyle/>
+          <a:p>
+            <a:pPr algn="ctr"/>
+            <a:r>
+              <a:rPr lang="en-US" sz="1400" dirty="0"/>
+              <a:t>3</a:t>
+            </a:r>
+            <a:endParaRPr lang="he-IL" sz="1400" dirty="0"/>
+          </a:p>
+        </p:txBody>
+      </p:sp>
+      <p:sp>
+        <p:nvSpPr>
+          <p:cNvPr id="44" name="Oval 43">
+            <a:extLst>
+              <a:ext uri="{FF2B5EF4-FFF2-40B4-BE49-F238E27FC236}">
+                <a16:creationId xmlns:a16="http://schemas.microsoft.com/office/drawing/2014/main" id="{6B96078E-CDB9-4344-8E45-A54500CB7297}"/>
+              </a:ext>
+            </a:extLst>
+          </p:cNvPr>
+          <p:cNvSpPr/>
+          <p:nvPr/>
+        </p:nvSpPr>
+        <p:spPr>
+          <a:xfrm>
+            <a:off x="7644670" y="2956923"/>
+            <a:ext cx="371227" cy="312501"/>
+          </a:xfrm>
+          <a:prstGeom prst="ellipse">
+            <a:avLst/>
+          </a:prstGeom>
+          <a:solidFill>
+            <a:srgbClr val="760000"/>
+          </a:solidFill>
+          <a:ln>
+            <a:solidFill>
+              <a:schemeClr val="tx1"/>
+            </a:solidFill>
+          </a:ln>
+        </p:spPr>
+        <p:style>
+          <a:lnRef idx="2">
+            <a:schemeClr val="accent1">
+              <a:shade val="50000"/>
+            </a:schemeClr>
+          </a:lnRef>
+          <a:fillRef idx="1">
+            <a:schemeClr val="accent1"/>
+          </a:fillRef>
+          <a:effectRef idx="0">
+            <a:schemeClr val="accent1"/>
+          </a:effectRef>
+          <a:fontRef idx="minor">
+            <a:schemeClr val="lt1"/>
+          </a:fontRef>
+        </p:style>
+        <p:txBody>
+          <a:bodyPr rtlCol="1" anchor="ctr"/>
+          <a:lstStyle/>
+          <a:p>
+            <a:pPr algn="ctr"/>
+            <a:r>
+              <a:rPr lang="en-US" sz="1400" dirty="0"/>
+              <a:t>6</a:t>
+            </a:r>
+            <a:endParaRPr lang="he-IL" sz="1400" dirty="0"/>
+          </a:p>
+        </p:txBody>
+      </p:sp>
+      <p:sp>
+        <p:nvSpPr>
+          <p:cNvPr id="45" name="Oval 44">
+            <a:extLst>
+              <a:ext uri="{FF2B5EF4-FFF2-40B4-BE49-F238E27FC236}">
+                <a16:creationId xmlns:a16="http://schemas.microsoft.com/office/drawing/2014/main" id="{CB0E5035-EF88-4A9F-9ED8-0318EB9434DB}"/>
+              </a:ext>
+            </a:extLst>
+          </p:cNvPr>
+          <p:cNvSpPr/>
+          <p:nvPr/>
+        </p:nvSpPr>
+        <p:spPr>
+          <a:xfrm>
+            <a:off x="3537117" y="2263684"/>
+            <a:ext cx="383843" cy="312501"/>
+          </a:xfrm>
+          <a:prstGeom prst="ellipse">
+            <a:avLst/>
+          </a:prstGeom>
+          <a:solidFill>
+            <a:srgbClr val="002060"/>
+          </a:solidFill>
+          <a:ln>
+            <a:solidFill>
+              <a:schemeClr val="tx1"/>
+            </a:solidFill>
+          </a:ln>
+        </p:spPr>
+        <p:style>
+          <a:lnRef idx="2">
+            <a:schemeClr val="accent1">
+              <a:shade val="50000"/>
+            </a:schemeClr>
+          </a:lnRef>
+          <a:fillRef idx="1">
+            <a:schemeClr val="accent1"/>
+          </a:fillRef>
+          <a:effectRef idx="0">
+            <a:schemeClr val="accent1"/>
+          </a:effectRef>
+          <a:fontRef idx="minor">
+            <a:schemeClr val="lt1"/>
+          </a:fontRef>
+        </p:style>
+        <p:txBody>
+          <a:bodyPr rtlCol="1" anchor="ctr"/>
+          <a:lstStyle/>
+          <a:p>
+            <a:pPr algn="ctr"/>
+            <a:r>
+              <a:rPr lang="en-US" sz="2000" b="1" dirty="0"/>
+              <a:t>b</a:t>
+            </a:r>
+            <a:endParaRPr lang="he-IL" sz="2000" b="1" dirty="0"/>
+          </a:p>
+        </p:txBody>
+      </p:sp>
+      <p:sp>
+        <p:nvSpPr>
+          <p:cNvPr id="46" name="Oval 45">
+            <a:extLst>
+              <a:ext uri="{FF2B5EF4-FFF2-40B4-BE49-F238E27FC236}">
+                <a16:creationId xmlns:a16="http://schemas.microsoft.com/office/drawing/2014/main" id="{E30B3DA6-9417-41EA-8A44-D605B2C5034D}"/>
+              </a:ext>
+            </a:extLst>
+          </p:cNvPr>
+          <p:cNvSpPr/>
+          <p:nvPr/>
+        </p:nvSpPr>
+        <p:spPr>
+          <a:xfrm>
+            <a:off x="7598106" y="2295438"/>
+            <a:ext cx="383843" cy="312501"/>
+          </a:xfrm>
+          <a:prstGeom prst="ellipse">
+            <a:avLst/>
+          </a:prstGeom>
+          <a:solidFill>
+            <a:srgbClr val="002060"/>
+          </a:solidFill>
+          <a:ln>
+            <a:solidFill>
+              <a:schemeClr val="tx1"/>
+            </a:solidFill>
+          </a:ln>
+        </p:spPr>
+        <p:style>
+          <a:lnRef idx="2">
+            <a:schemeClr val="accent1">
+              <a:shade val="50000"/>
+            </a:schemeClr>
+          </a:lnRef>
+          <a:fillRef idx="1">
+            <a:schemeClr val="accent1"/>
+          </a:fillRef>
+          <a:effectRef idx="0">
+            <a:schemeClr val="accent1"/>
+          </a:effectRef>
+          <a:fontRef idx="minor">
+            <a:schemeClr val="lt1"/>
+          </a:fontRef>
+        </p:style>
+        <p:txBody>
+          <a:bodyPr rtlCol="1" anchor="ctr"/>
+          <a:lstStyle/>
+          <a:p>
+            <a:pPr algn="ctr"/>
+            <a:r>
+              <a:rPr lang="en-US" sz="1400" dirty="0"/>
+              <a:t>4</a:t>
+            </a:r>
+            <a:endParaRPr lang="he-IL" sz="1400" dirty="0"/>
+          </a:p>
+        </p:txBody>
+      </p:sp>
+      <p:sp>
+        <p:nvSpPr>
+          <p:cNvPr id="54" name="Oval 53">
+            <a:extLst>
+              <a:ext uri="{FF2B5EF4-FFF2-40B4-BE49-F238E27FC236}">
+                <a16:creationId xmlns:a16="http://schemas.microsoft.com/office/drawing/2014/main" id="{E1FADCA8-B539-462B-9630-E3EDDAAF0A24}"/>
+              </a:ext>
+            </a:extLst>
+          </p:cNvPr>
+          <p:cNvSpPr/>
+          <p:nvPr/>
+        </p:nvSpPr>
+        <p:spPr>
+          <a:xfrm>
+            <a:off x="4867150" y="1672528"/>
+            <a:ext cx="383843" cy="312501"/>
+          </a:xfrm>
+          <a:prstGeom prst="ellipse">
+            <a:avLst/>
+          </a:prstGeom>
+          <a:gradFill>
+            <a:gsLst>
+              <a:gs pos="0">
+                <a:schemeClr val="accent5">
+                  <a:lumMod val="20000"/>
+                  <a:lumOff val="80000"/>
+                </a:schemeClr>
+              </a:gs>
+              <a:gs pos="100000">
+                <a:srgbClr val="FFCCCC"/>
+              </a:gs>
+            </a:gsLst>
+            <a:path path="shape">
+              <a:fillToRect l="50000" t="50000" r="50000" b="50000"/>
+            </a:path>
+          </a:gradFill>
+          <a:ln>
+            <a:solidFill>
+              <a:schemeClr val="tx1"/>
+            </a:solidFill>
+          </a:ln>
+        </p:spPr>
+        <p:style>
+          <a:lnRef idx="2">
+            <a:schemeClr val="accent1">
+              <a:shade val="50000"/>
+            </a:schemeClr>
+          </a:lnRef>
+          <a:fillRef idx="1">
+            <a:schemeClr val="accent1"/>
+          </a:fillRef>
+          <a:effectRef idx="0">
+            <a:schemeClr val="accent1"/>
+          </a:effectRef>
+          <a:fontRef idx="minor">
+            <a:schemeClr val="lt1"/>
+          </a:fontRef>
+        </p:style>
+        <p:txBody>
+          <a:bodyPr rtlCol="1" anchor="ctr"/>
+          <a:lstStyle/>
+          <a:p>
+            <a:pPr algn="ctr"/>
+            <a:endParaRPr lang="he-IL" sz="1000" b="1" dirty="0">
+              <a:solidFill>
+                <a:schemeClr val="tx1"/>
+              </a:solidFill>
+            </a:endParaRPr>
+          </a:p>
+        </p:txBody>
+      </p:sp>
+      <p:sp>
+        <p:nvSpPr>
+          <p:cNvPr id="58" name="TextBox 57">
+            <a:extLst>
+              <a:ext uri="{FF2B5EF4-FFF2-40B4-BE49-F238E27FC236}">
+                <a16:creationId xmlns:a16="http://schemas.microsoft.com/office/drawing/2014/main" id="{3BB36228-789B-4BF5-AB8F-1EF5F5E1997F}"/>
+              </a:ext>
+            </a:extLst>
+          </p:cNvPr>
+          <p:cNvSpPr txBox="1"/>
+          <p:nvPr/>
+        </p:nvSpPr>
+        <p:spPr>
+          <a:xfrm>
+            <a:off x="6158458" y="3705129"/>
+            <a:ext cx="565646" cy="338554"/>
+          </a:xfrm>
+          <a:prstGeom prst="rect">
+            <a:avLst/>
+          </a:prstGeom>
+          <a:noFill/>
+        </p:spPr>
+        <p:txBody>
+          <a:bodyPr wrap="square" rtlCol="1">
+            <a:spAutoFit/>
+          </a:bodyPr>
+          <a:lstStyle/>
+          <a:p>
+            <a:pPr algn="ctr"/>
+            <a:r>
+              <a:rPr lang="en-US" sz="1600" b="1" dirty="0"/>
+              <a:t>18</a:t>
+            </a:r>
+            <a:endParaRPr lang="he-IL" sz="1600" b="1" dirty="0"/>
+          </a:p>
+        </p:txBody>
+      </p:sp>
+      <p:cxnSp>
+        <p:nvCxnSpPr>
+          <p:cNvPr id="40" name="Straight Connector 39">
+            <a:extLst>
+              <a:ext uri="{FF2B5EF4-FFF2-40B4-BE49-F238E27FC236}">
+                <a16:creationId xmlns:a16="http://schemas.microsoft.com/office/drawing/2014/main" id="{492632BC-C6D0-4526-B8C7-6EBEFF517CF8}"/>
+              </a:ext>
+            </a:extLst>
+          </p:cNvPr>
+          <p:cNvCxnSpPr/>
+          <p:nvPr/>
+        </p:nvCxnSpPr>
+        <p:spPr>
+          <a:xfrm>
+            <a:off x="2807494" y="3219635"/>
+            <a:ext cx="0" cy="514350"/>
+          </a:xfrm>
+          <a:prstGeom prst="line">
+            <a:avLst/>
+          </a:prstGeom>
+          <a:ln w="63500">
+            <a:solidFill>
+              <a:schemeClr val="tx1"/>
+            </a:solidFill>
+          </a:ln>
+        </p:spPr>
+        <p:style>
+          <a:lnRef idx="1">
+            <a:schemeClr val="accent1"/>
+          </a:lnRef>
+          <a:fillRef idx="0">
+            <a:schemeClr val="accent1"/>
+          </a:fillRef>
+          <a:effectRef idx="0">
+            <a:schemeClr val="accent1"/>
+          </a:effectRef>
+          <a:fontRef idx="minor">
+            <a:schemeClr val="tx1"/>
+          </a:fontRef>
+        </p:style>
+      </p:cxnSp>
+      <p:cxnSp>
+        <p:nvCxnSpPr>
+          <p:cNvPr id="50" name="Straight Connector 49">
+            <a:extLst>
+              <a:ext uri="{FF2B5EF4-FFF2-40B4-BE49-F238E27FC236}">
+                <a16:creationId xmlns:a16="http://schemas.microsoft.com/office/drawing/2014/main" id="{35C757DB-DAB4-4056-9378-57D80CAC2F59}"/>
+              </a:ext>
+            </a:extLst>
+          </p:cNvPr>
+          <p:cNvCxnSpPr/>
+          <p:nvPr/>
+        </p:nvCxnSpPr>
+        <p:spPr>
+          <a:xfrm>
+            <a:off x="3731419" y="3238501"/>
+            <a:ext cx="0" cy="514350"/>
+          </a:xfrm>
+          <a:prstGeom prst="line">
+            <a:avLst/>
+          </a:prstGeom>
+          <a:ln w="63500">
+            <a:solidFill>
+              <a:schemeClr val="tx1"/>
+            </a:solidFill>
+          </a:ln>
+        </p:spPr>
+        <p:style>
+          <a:lnRef idx="1">
+            <a:schemeClr val="accent1"/>
+          </a:lnRef>
+          <a:fillRef idx="0">
+            <a:schemeClr val="accent1"/>
+          </a:fillRef>
+          <a:effectRef idx="0">
+            <a:schemeClr val="accent1"/>
+          </a:effectRef>
+          <a:fontRef idx="minor">
+            <a:schemeClr val="tx1"/>
+          </a:fontRef>
+        </p:style>
+      </p:cxnSp>
+      <p:cxnSp>
+        <p:nvCxnSpPr>
+          <p:cNvPr id="51" name="Straight Connector 50">
+            <a:extLst>
+              <a:ext uri="{FF2B5EF4-FFF2-40B4-BE49-F238E27FC236}">
+                <a16:creationId xmlns:a16="http://schemas.microsoft.com/office/drawing/2014/main" id="{0318D46B-6FDA-4CF5-9D56-C6594D4911A7}"/>
+              </a:ext>
+            </a:extLst>
+          </p:cNvPr>
+          <p:cNvCxnSpPr/>
+          <p:nvPr/>
+        </p:nvCxnSpPr>
+        <p:spPr>
+          <a:xfrm>
+            <a:off x="4593431" y="3209925"/>
+            <a:ext cx="0" cy="514350"/>
+          </a:xfrm>
+          <a:prstGeom prst="line">
+            <a:avLst/>
+          </a:prstGeom>
+          <a:ln w="63500">
+            <a:solidFill>
+              <a:schemeClr val="tx1"/>
+            </a:solidFill>
+          </a:ln>
+        </p:spPr>
+        <p:style>
+          <a:lnRef idx="1">
+            <a:schemeClr val="accent1"/>
+          </a:lnRef>
+          <a:fillRef idx="0">
+            <a:schemeClr val="accent1"/>
+          </a:fillRef>
+          <a:effectRef idx="0">
+            <a:schemeClr val="accent1"/>
+          </a:effectRef>
+          <a:fontRef idx="minor">
+            <a:schemeClr val="tx1"/>
+          </a:fontRef>
+        </p:style>
+      </p:cxnSp>
+      <p:cxnSp>
+        <p:nvCxnSpPr>
+          <p:cNvPr id="60" name="Straight Connector 59">
+            <a:extLst>
+              <a:ext uri="{FF2B5EF4-FFF2-40B4-BE49-F238E27FC236}">
+                <a16:creationId xmlns:a16="http://schemas.microsoft.com/office/drawing/2014/main" id="{18697993-A90C-4435-80FC-EF17EDF08261}"/>
+              </a:ext>
+            </a:extLst>
+          </p:cNvPr>
+          <p:cNvCxnSpPr/>
+          <p:nvPr/>
+        </p:nvCxnSpPr>
+        <p:spPr>
+          <a:xfrm>
+            <a:off x="5541169" y="3219635"/>
+            <a:ext cx="0" cy="514350"/>
+          </a:xfrm>
+          <a:prstGeom prst="line">
+            <a:avLst/>
+          </a:prstGeom>
+          <a:ln w="63500">
+            <a:solidFill>
+              <a:schemeClr val="tx1"/>
+            </a:solidFill>
+          </a:ln>
+        </p:spPr>
+        <p:style>
+          <a:lnRef idx="1">
+            <a:schemeClr val="accent1"/>
+          </a:lnRef>
+          <a:fillRef idx="0">
+            <a:schemeClr val="accent1"/>
+          </a:fillRef>
+          <a:effectRef idx="0">
+            <a:schemeClr val="accent1"/>
+          </a:effectRef>
+          <a:fontRef idx="minor">
+            <a:schemeClr val="tx1"/>
+          </a:fontRef>
+        </p:style>
+      </p:cxnSp>
+      <p:cxnSp>
+        <p:nvCxnSpPr>
+          <p:cNvPr id="61" name="Straight Connector 60">
+            <a:extLst>
+              <a:ext uri="{FF2B5EF4-FFF2-40B4-BE49-F238E27FC236}">
+                <a16:creationId xmlns:a16="http://schemas.microsoft.com/office/drawing/2014/main" id="{75AD9EC3-F220-4882-BE8E-B9D487C47D8C}"/>
+              </a:ext>
+            </a:extLst>
+          </p:cNvPr>
+          <p:cNvCxnSpPr/>
+          <p:nvPr/>
+        </p:nvCxnSpPr>
+        <p:spPr>
+          <a:xfrm>
+            <a:off x="6441281" y="3228976"/>
+            <a:ext cx="0" cy="514350"/>
+          </a:xfrm>
+          <a:prstGeom prst="line">
+            <a:avLst/>
+          </a:prstGeom>
+          <a:ln w="63500">
+            <a:solidFill>
+              <a:schemeClr val="tx1"/>
+            </a:solidFill>
+          </a:ln>
+        </p:spPr>
+        <p:style>
+          <a:lnRef idx="1">
+            <a:schemeClr val="accent1"/>
+          </a:lnRef>
+          <a:fillRef idx="0">
+            <a:schemeClr val="accent1"/>
+          </a:fillRef>
+          <a:effectRef idx="0">
+            <a:schemeClr val="accent1"/>
+          </a:effectRef>
+          <a:fontRef idx="minor">
+            <a:schemeClr val="tx1"/>
+          </a:fontRef>
+        </p:style>
+      </p:cxnSp>
+      <p:cxnSp>
+        <p:nvCxnSpPr>
+          <p:cNvPr id="62" name="Straight Connector 61">
+            <a:extLst>
+              <a:ext uri="{FF2B5EF4-FFF2-40B4-BE49-F238E27FC236}">
+                <a16:creationId xmlns:a16="http://schemas.microsoft.com/office/drawing/2014/main" id="{F2D18082-2D99-4618-B431-76298880F22E}"/>
+              </a:ext>
+            </a:extLst>
+          </p:cNvPr>
+          <p:cNvCxnSpPr/>
+          <p:nvPr/>
+        </p:nvCxnSpPr>
+        <p:spPr>
+          <a:xfrm>
+            <a:off x="7379494" y="3209925"/>
+            <a:ext cx="0" cy="514350"/>
+          </a:xfrm>
+          <a:prstGeom prst="line">
+            <a:avLst/>
+          </a:prstGeom>
+          <a:ln w="63500">
+            <a:solidFill>
+              <a:schemeClr val="tx1"/>
+            </a:solidFill>
+          </a:ln>
+        </p:spPr>
+        <p:style>
+          <a:lnRef idx="1">
+            <a:schemeClr val="accent1"/>
+          </a:lnRef>
+          <a:fillRef idx="0">
+            <a:schemeClr val="accent1"/>
+          </a:fillRef>
+          <a:effectRef idx="0">
+            <a:schemeClr val="accent1"/>
+          </a:effectRef>
+          <a:fontRef idx="minor">
+            <a:schemeClr val="tx1"/>
+          </a:fontRef>
+        </p:style>
+      </p:cxnSp>
+      <p:sp>
+        <p:nvSpPr>
+          <p:cNvPr id="63" name="TextBox 62">
+            <a:extLst>
+              <a:ext uri="{FF2B5EF4-FFF2-40B4-BE49-F238E27FC236}">
+                <a16:creationId xmlns:a16="http://schemas.microsoft.com/office/drawing/2014/main" id="{1B48125F-0C94-4769-AA7B-9846BA571FC2}"/>
+              </a:ext>
+            </a:extLst>
+          </p:cNvPr>
+          <p:cNvSpPr txBox="1"/>
+          <p:nvPr/>
+        </p:nvSpPr>
+        <p:spPr>
+          <a:xfrm>
+            <a:off x="6686493" y="3703118"/>
+            <a:ext cx="469107" cy="338554"/>
+          </a:xfrm>
+          <a:prstGeom prst="rect">
+            <a:avLst/>
+          </a:prstGeom>
+          <a:noFill/>
+        </p:spPr>
+        <p:txBody>
+          <a:bodyPr wrap="square" rtlCol="1">
+            <a:spAutoFit/>
+          </a:bodyPr>
+          <a:lstStyle/>
+          <a:p>
+            <a:pPr algn="ctr"/>
+            <a:r>
+              <a:rPr lang="en-US" sz="1600" b="1" dirty="0"/>
+              <a:t>20</a:t>
+            </a:r>
+            <a:endParaRPr lang="he-IL" sz="1600" b="1" dirty="0"/>
+          </a:p>
+        </p:txBody>
+      </p:sp>
+      <p:sp>
+        <p:nvSpPr>
+          <p:cNvPr id="64" name="TextBox 63">
+            <a:extLst>
+              <a:ext uri="{FF2B5EF4-FFF2-40B4-BE49-F238E27FC236}">
+                <a16:creationId xmlns:a16="http://schemas.microsoft.com/office/drawing/2014/main" id="{92C721E1-9612-4AD4-8BD7-171E06ED95B4}"/>
+              </a:ext>
+            </a:extLst>
+          </p:cNvPr>
+          <p:cNvSpPr txBox="1"/>
+          <p:nvPr/>
+        </p:nvSpPr>
+        <p:spPr>
+          <a:xfrm>
+            <a:off x="7058698" y="3694498"/>
+            <a:ext cx="621504" cy="338554"/>
+          </a:xfrm>
+          <a:prstGeom prst="rect">
+            <a:avLst/>
+          </a:prstGeom>
+          <a:noFill/>
+        </p:spPr>
+        <p:txBody>
+          <a:bodyPr wrap="square" rtlCol="1">
+            <a:spAutoFit/>
+          </a:bodyPr>
+          <a:lstStyle/>
+          <a:p>
+            <a:pPr algn="ctr"/>
+            <a:r>
+              <a:rPr lang="en-US" sz="1600" b="1" dirty="0"/>
+              <a:t>22</a:t>
+            </a:r>
+            <a:endParaRPr lang="he-IL" sz="1600" b="1" dirty="0"/>
+          </a:p>
+        </p:txBody>
+      </p:sp>
+      <p:sp>
+        <p:nvSpPr>
+          <p:cNvPr id="65" name="TextBox 64">
+            <a:extLst>
+              <a:ext uri="{FF2B5EF4-FFF2-40B4-BE49-F238E27FC236}">
+                <a16:creationId xmlns:a16="http://schemas.microsoft.com/office/drawing/2014/main" id="{3511DCA0-E2FA-4962-A777-D809E66BAC88}"/>
+              </a:ext>
+            </a:extLst>
+          </p:cNvPr>
+          <p:cNvSpPr txBox="1"/>
+          <p:nvPr/>
+        </p:nvSpPr>
+        <p:spPr>
+          <a:xfrm>
+            <a:off x="7512997" y="3694498"/>
+            <a:ext cx="621504" cy="338554"/>
+          </a:xfrm>
+          <a:prstGeom prst="rect">
+            <a:avLst/>
+          </a:prstGeom>
+          <a:noFill/>
+        </p:spPr>
+        <p:txBody>
+          <a:bodyPr wrap="square" rtlCol="1">
+            <a:spAutoFit/>
+          </a:bodyPr>
+          <a:lstStyle/>
+          <a:p>
+            <a:pPr algn="ctr"/>
+            <a:r>
+              <a:rPr lang="en-US" sz="1600" b="1" dirty="0"/>
+              <a:t>24</a:t>
+            </a:r>
+            <a:endParaRPr lang="he-IL" sz="1600" b="1" dirty="0"/>
+          </a:p>
+        </p:txBody>
+      </p:sp>
+      <p:sp>
+        <p:nvSpPr>
+          <p:cNvPr id="66" name="Oval 65">
+            <a:extLst>
+              <a:ext uri="{FF2B5EF4-FFF2-40B4-BE49-F238E27FC236}">
+                <a16:creationId xmlns:a16="http://schemas.microsoft.com/office/drawing/2014/main" id="{8EAE8E33-0E27-4B73-8B75-3888950E8D84}"/>
+              </a:ext>
+            </a:extLst>
+          </p:cNvPr>
+          <p:cNvSpPr/>
+          <p:nvPr/>
+        </p:nvSpPr>
+        <p:spPr>
+          <a:xfrm>
+            <a:off x="5819901" y="2973020"/>
+            <a:ext cx="371227" cy="312501"/>
+          </a:xfrm>
+          <a:prstGeom prst="ellipse">
+            <a:avLst/>
+          </a:prstGeom>
+          <a:solidFill>
+            <a:srgbClr val="760000"/>
+          </a:solidFill>
+          <a:ln>
+            <a:solidFill>
+              <a:schemeClr val="tx1"/>
+            </a:solidFill>
+          </a:ln>
+        </p:spPr>
+        <p:style>
+          <a:lnRef idx="2">
+            <a:schemeClr val="accent1">
+              <a:shade val="50000"/>
+            </a:schemeClr>
+          </a:lnRef>
+          <a:fillRef idx="1">
+            <a:schemeClr val="accent1"/>
+          </a:fillRef>
+          <a:effectRef idx="0">
+            <a:schemeClr val="accent1"/>
+          </a:effectRef>
+          <a:fontRef idx="minor">
+            <a:schemeClr val="lt1"/>
+          </a:fontRef>
+        </p:style>
+        <p:txBody>
+          <a:bodyPr rtlCol="1" anchor="ctr"/>
+          <a:lstStyle/>
+          <a:p>
+            <a:pPr algn="ctr"/>
+            <a:r>
+              <a:rPr lang="en-US" sz="1400" dirty="0"/>
+              <a:t>4</a:t>
+            </a:r>
+            <a:endParaRPr lang="he-IL" sz="1400" dirty="0"/>
+          </a:p>
+        </p:txBody>
+      </p:sp>
+      <p:sp>
+        <p:nvSpPr>
+          <p:cNvPr id="67" name="Oval 66">
+            <a:extLst>
+              <a:ext uri="{FF2B5EF4-FFF2-40B4-BE49-F238E27FC236}">
+                <a16:creationId xmlns:a16="http://schemas.microsoft.com/office/drawing/2014/main" id="{FA545536-7827-4A77-A360-6D16F485319D}"/>
+              </a:ext>
+            </a:extLst>
+          </p:cNvPr>
+          <p:cNvSpPr/>
+          <p:nvPr/>
+        </p:nvSpPr>
+        <p:spPr>
+          <a:xfrm>
+            <a:off x="6717568" y="2971767"/>
+            <a:ext cx="371227" cy="312501"/>
+          </a:xfrm>
+          <a:prstGeom prst="ellipse">
+            <a:avLst/>
+          </a:prstGeom>
+          <a:solidFill>
+            <a:srgbClr val="760000"/>
+          </a:solidFill>
+          <a:ln>
+            <a:solidFill>
+              <a:schemeClr val="tx1"/>
+            </a:solidFill>
+          </a:ln>
+        </p:spPr>
+        <p:style>
+          <a:lnRef idx="2">
+            <a:schemeClr val="accent1">
+              <a:shade val="50000"/>
+            </a:schemeClr>
+          </a:lnRef>
+          <a:fillRef idx="1">
+            <a:schemeClr val="accent1"/>
+          </a:fillRef>
+          <a:effectRef idx="0">
+            <a:schemeClr val="accent1"/>
+          </a:effectRef>
+          <a:fontRef idx="minor">
+            <a:schemeClr val="lt1"/>
+          </a:fontRef>
+        </p:style>
+        <p:txBody>
+          <a:bodyPr rtlCol="1" anchor="ctr"/>
+          <a:lstStyle/>
+          <a:p>
+            <a:pPr algn="ctr"/>
+            <a:r>
+              <a:rPr lang="en-US" sz="1400" dirty="0"/>
+              <a:t>5</a:t>
+            </a:r>
+            <a:endParaRPr lang="he-IL" sz="1400" dirty="0"/>
+          </a:p>
+        </p:txBody>
+      </p:sp>
+      <p:sp>
+        <p:nvSpPr>
+          <p:cNvPr id="68" name="Oval 67">
+            <a:extLst>
+              <a:ext uri="{FF2B5EF4-FFF2-40B4-BE49-F238E27FC236}">
+                <a16:creationId xmlns:a16="http://schemas.microsoft.com/office/drawing/2014/main" id="{5EB9193C-2D5D-4184-AF16-0BB180ECCBA5}"/>
+              </a:ext>
+            </a:extLst>
+          </p:cNvPr>
+          <p:cNvSpPr/>
+          <p:nvPr/>
+        </p:nvSpPr>
+        <p:spPr>
+          <a:xfrm>
+            <a:off x="4867150" y="2276650"/>
+            <a:ext cx="383843" cy="312501"/>
+          </a:xfrm>
+          <a:prstGeom prst="ellipse">
+            <a:avLst/>
+          </a:prstGeom>
+          <a:solidFill>
+            <a:srgbClr val="002060"/>
+          </a:solidFill>
+          <a:ln>
+            <a:solidFill>
+              <a:schemeClr val="tx1"/>
+            </a:solidFill>
+          </a:ln>
+        </p:spPr>
+        <p:style>
+          <a:lnRef idx="2">
+            <a:schemeClr val="accent1">
+              <a:shade val="50000"/>
+            </a:schemeClr>
+          </a:lnRef>
+          <a:fillRef idx="1">
+            <a:schemeClr val="accent1"/>
+          </a:fillRef>
+          <a:effectRef idx="0">
+            <a:schemeClr val="accent1"/>
+          </a:effectRef>
+          <a:fontRef idx="minor">
+            <a:schemeClr val="lt1"/>
+          </a:fontRef>
+        </p:style>
+        <p:txBody>
+          <a:bodyPr rtlCol="1" anchor="ctr"/>
+          <a:lstStyle/>
+          <a:p>
+            <a:pPr algn="ctr"/>
+            <a:r>
+              <a:rPr lang="en-US" sz="1400" dirty="0"/>
+              <a:t>2</a:t>
+            </a:r>
+            <a:endParaRPr lang="he-IL" sz="1400" dirty="0"/>
+          </a:p>
+        </p:txBody>
+      </p:sp>
+      <p:sp>
+        <p:nvSpPr>
+          <p:cNvPr id="69" name="Oval 68">
+            <a:extLst>
+              <a:ext uri="{FF2B5EF4-FFF2-40B4-BE49-F238E27FC236}">
+                <a16:creationId xmlns:a16="http://schemas.microsoft.com/office/drawing/2014/main" id="{BFF06F56-E758-4C64-9983-BA56A6FEE9DD}"/>
+              </a:ext>
+            </a:extLst>
+          </p:cNvPr>
+          <p:cNvSpPr/>
+          <p:nvPr/>
+        </p:nvSpPr>
+        <p:spPr>
+          <a:xfrm>
+            <a:off x="6247146" y="2295438"/>
+            <a:ext cx="383843" cy="312501"/>
+          </a:xfrm>
+          <a:prstGeom prst="ellipse">
+            <a:avLst/>
+          </a:prstGeom>
+          <a:solidFill>
+            <a:srgbClr val="002060"/>
+          </a:solidFill>
+          <a:ln>
+            <a:solidFill>
+              <a:schemeClr val="tx1"/>
+            </a:solidFill>
+          </a:ln>
+        </p:spPr>
+        <p:style>
+          <a:lnRef idx="2">
+            <a:schemeClr val="accent1">
+              <a:shade val="50000"/>
+            </a:schemeClr>
+          </a:lnRef>
+          <a:fillRef idx="1">
+            <a:schemeClr val="accent1"/>
+          </a:fillRef>
+          <a:effectRef idx="0">
+            <a:schemeClr val="accent1"/>
+          </a:effectRef>
+          <a:fontRef idx="minor">
+            <a:schemeClr val="lt1"/>
+          </a:fontRef>
+        </p:style>
+        <p:txBody>
+          <a:bodyPr rtlCol="1" anchor="ctr"/>
+          <a:lstStyle/>
+          <a:p>
+            <a:pPr algn="ctr"/>
+            <a:r>
+              <a:rPr lang="en-US" sz="1400" dirty="0"/>
+              <a:t>3</a:t>
+            </a:r>
+            <a:endParaRPr lang="he-IL" sz="1400" dirty="0"/>
+          </a:p>
+        </p:txBody>
+      </p:sp>
+      <p:sp>
+        <p:nvSpPr>
+          <p:cNvPr id="70" name="Oval 69">
+            <a:extLst>
+              <a:ext uri="{FF2B5EF4-FFF2-40B4-BE49-F238E27FC236}">
+                <a16:creationId xmlns:a16="http://schemas.microsoft.com/office/drawing/2014/main" id="{868CCB01-4B0A-4970-81BB-FF6177EC7EA3}"/>
+              </a:ext>
+            </a:extLst>
+          </p:cNvPr>
+          <p:cNvSpPr/>
+          <p:nvPr/>
+        </p:nvSpPr>
+        <p:spPr>
+          <a:xfrm>
+            <a:off x="7598106" y="1679588"/>
+            <a:ext cx="383843" cy="312501"/>
+          </a:xfrm>
+          <a:prstGeom prst="ellipse">
+            <a:avLst/>
+          </a:prstGeom>
+          <a:gradFill>
+            <a:gsLst>
+              <a:gs pos="0">
+                <a:schemeClr val="accent5">
+                  <a:lumMod val="20000"/>
+                  <a:lumOff val="80000"/>
+                </a:schemeClr>
+              </a:gs>
+              <a:gs pos="100000">
+                <a:srgbClr val="FFCCCC"/>
+              </a:gs>
+            </a:gsLst>
+            <a:path path="shape">
+              <a:fillToRect l="50000" t="50000" r="50000" b="50000"/>
+            </a:path>
+          </a:gradFill>
+          <a:ln>
+            <a:solidFill>
+              <a:schemeClr val="tx1"/>
+            </a:solidFill>
+          </a:ln>
+        </p:spPr>
+        <p:style>
+          <a:lnRef idx="2">
+            <a:schemeClr val="accent1">
+              <a:shade val="50000"/>
+            </a:schemeClr>
+          </a:lnRef>
+          <a:fillRef idx="1">
+            <a:schemeClr val="accent1"/>
+          </a:fillRef>
+          <a:effectRef idx="0">
+            <a:schemeClr val="accent1"/>
+          </a:effectRef>
+          <a:fontRef idx="minor">
+            <a:schemeClr val="lt1"/>
+          </a:fontRef>
+        </p:style>
+        <p:txBody>
+          <a:bodyPr rtlCol="1" anchor="ctr"/>
+          <a:lstStyle/>
+          <a:p>
+            <a:pPr algn="ctr"/>
+            <a:endParaRPr lang="he-IL" sz="1000" b="1" dirty="0">
+              <a:solidFill>
+                <a:schemeClr val="tx1"/>
+              </a:solidFill>
+            </a:endParaRPr>
+          </a:p>
+        </p:txBody>
+      </p:sp>
+      <p:sp>
+        <p:nvSpPr>
+          <p:cNvPr id="4" name="TextBox 3">
+            <a:extLst>
+              <a:ext uri="{FF2B5EF4-FFF2-40B4-BE49-F238E27FC236}">
+                <a16:creationId xmlns:a16="http://schemas.microsoft.com/office/drawing/2014/main" id="{5FB362D6-11A9-4FA6-B101-6C19328113A5}"/>
+              </a:ext>
+            </a:extLst>
+          </p:cNvPr>
+          <p:cNvSpPr txBox="1"/>
+          <p:nvPr/>
+        </p:nvSpPr>
+        <p:spPr>
+          <a:xfrm>
+            <a:off x="5263969" y="1667945"/>
+            <a:ext cx="2751928" cy="307777"/>
+          </a:xfrm>
+          <a:prstGeom prst="rect">
+            <a:avLst/>
+          </a:prstGeom>
+          <a:noFill/>
+        </p:spPr>
+        <p:txBody>
+          <a:bodyPr wrap="square" rtlCol="1">
+            <a:spAutoFit/>
+          </a:bodyPr>
+          <a:lstStyle/>
+          <a:p>
+            <a:r>
+              <a:rPr lang="en-US" sz="1400" b="1" dirty="0">
+                <a:latin typeface="Tahoma" panose="020B0604030504040204" pitchFamily="34" charset="0"/>
+                <a:ea typeface="Tahoma" panose="020B0604030504040204" pitchFamily="34" charset="0"/>
+                <a:cs typeface="Tahoma" panose="020B0604030504040204" pitchFamily="34" charset="0"/>
+              </a:rPr>
+              <a:t>Common_Multiples(a,b)</a:t>
+            </a:r>
+            <a:endParaRPr lang="he-IL" sz="1400" b="1" dirty="0">
+              <a:latin typeface="Tahoma" panose="020B0604030504040204" pitchFamily="34" charset="0"/>
+              <a:ea typeface="Tahoma" panose="020B0604030504040204" pitchFamily="34" charset="0"/>
+              <a:cs typeface="Tahoma" panose="020B0604030504040204" pitchFamily="34" charset="0"/>
+            </a:endParaRPr>
+          </a:p>
+        </p:txBody>
+      </p:sp>
+      <p:sp>
+        <p:nvSpPr>
+          <p:cNvPr id="71" name="TextBox 70">
+            <a:extLst>
+              <a:ext uri="{FF2B5EF4-FFF2-40B4-BE49-F238E27FC236}">
+                <a16:creationId xmlns:a16="http://schemas.microsoft.com/office/drawing/2014/main" id="{C7265FE0-E8D2-4C98-8B94-89948F0DC3D0}"/>
+              </a:ext>
+            </a:extLst>
+          </p:cNvPr>
+          <p:cNvSpPr txBox="1"/>
+          <p:nvPr/>
+        </p:nvSpPr>
+        <p:spPr>
+          <a:xfrm rot="20920619">
+            <a:off x="2847932" y="1835364"/>
+            <a:ext cx="1364454" cy="307777"/>
+          </a:xfrm>
+          <a:prstGeom prst="rect">
+            <a:avLst/>
+          </a:prstGeom>
+          <a:noFill/>
+        </p:spPr>
+        <p:txBody>
+          <a:bodyPr wrap="square" rtlCol="1">
+            <a:spAutoFit/>
+          </a:bodyPr>
+          <a:lstStyle/>
+          <a:p>
+            <a:r>
+              <a:rPr lang="en-US" sz="1400" b="1" dirty="0">
+                <a:latin typeface="Tahoma" panose="020B0604030504040204" pitchFamily="34" charset="0"/>
+                <a:ea typeface="Tahoma" panose="020B0604030504040204" pitchFamily="34" charset="0"/>
+                <a:cs typeface="Tahoma" panose="020B0604030504040204" pitchFamily="34" charset="0"/>
+              </a:rPr>
+              <a:t>Multiples(b)</a:t>
+            </a:r>
+            <a:endParaRPr lang="he-IL" sz="1400" b="1" dirty="0">
+              <a:latin typeface="Tahoma" panose="020B0604030504040204" pitchFamily="34" charset="0"/>
+              <a:ea typeface="Tahoma" panose="020B0604030504040204" pitchFamily="34" charset="0"/>
+              <a:cs typeface="Tahoma" panose="020B0604030504040204" pitchFamily="34" charset="0"/>
+            </a:endParaRPr>
+          </a:p>
+        </p:txBody>
+      </p:sp>
+      <p:sp>
+        <p:nvSpPr>
+          <p:cNvPr id="73" name="TextBox 72">
+            <a:extLst>
+              <a:ext uri="{FF2B5EF4-FFF2-40B4-BE49-F238E27FC236}">
+                <a16:creationId xmlns:a16="http://schemas.microsoft.com/office/drawing/2014/main" id="{5F43990D-72A4-495A-A6E4-61C3487D5FC5}"/>
+              </a:ext>
+            </a:extLst>
+          </p:cNvPr>
+          <p:cNvSpPr txBox="1"/>
+          <p:nvPr/>
+        </p:nvSpPr>
+        <p:spPr>
+          <a:xfrm rot="20920619">
+            <a:off x="2227335" y="2490964"/>
+            <a:ext cx="1364454" cy="307777"/>
+          </a:xfrm>
+          <a:prstGeom prst="rect">
+            <a:avLst/>
+          </a:prstGeom>
+          <a:noFill/>
+        </p:spPr>
+        <p:txBody>
+          <a:bodyPr wrap="square" rtlCol="1">
+            <a:spAutoFit/>
+          </a:bodyPr>
+          <a:lstStyle/>
+          <a:p>
+            <a:r>
+              <a:rPr lang="en-US" sz="1400" b="1" dirty="0">
+                <a:latin typeface="Tahoma" panose="020B0604030504040204" pitchFamily="34" charset="0"/>
+                <a:ea typeface="Tahoma" panose="020B0604030504040204" pitchFamily="34" charset="0"/>
+                <a:cs typeface="Tahoma" panose="020B0604030504040204" pitchFamily="34" charset="0"/>
+              </a:rPr>
+              <a:t>Multiples(a)</a:t>
+            </a:r>
+            <a:endParaRPr lang="he-IL" sz="1400" b="1" dirty="0">
+              <a:latin typeface="Tahoma" panose="020B0604030504040204" pitchFamily="34" charset="0"/>
+              <a:ea typeface="Tahoma" panose="020B0604030504040204" pitchFamily="34" charset="0"/>
+              <a:cs typeface="Tahoma" panose="020B0604030504040204" pitchFamily="34" charset="0"/>
+            </a:endParaRPr>
+          </a:p>
+        </p:txBody>
+      </p:sp>
+    </p:spTree>
+    <p:extLst>
+      <p:ext uri="{BB962C8B-B14F-4D97-AF65-F5344CB8AC3E}">
+        <p14:creationId xmlns:p14="http://schemas.microsoft.com/office/powerpoint/2010/main" val="4201636619"/>
+      </p:ext>
+    </p:extLst>
+  </p:cSld>
+  <p:clrMapOvr>
+    <a:masterClrMapping/>
+  </p:clrMapOvr>
+</p:sld>
+</file>
+
+<file path=ppt/slides/slide12.xml><?xml version="1.0" encoding="utf-8"?>
+<p:sld xmlns:a="http://schemas.openxmlformats.org/drawingml/2006/main" xmlns:r="http://schemas.openxmlformats.org/officeDocument/2006/relationships" xmlns:p="http://schemas.openxmlformats.org/presentationml/2006/main">
+  <p:cSld>
+    <p:spTree>
+      <p:nvGrpSpPr>
+        <p:cNvPr id="1" name=""/>
+        <p:cNvGrpSpPr/>
+        <p:nvPr/>
+      </p:nvGrpSpPr>
+      <p:grpSpPr>
+        <a:xfrm>
+          <a:off x="0" y="0"/>
+          <a:ext cx="0" cy="0"/>
+          <a:chOff x="0" y="0"/>
+          <a:chExt cx="0" cy="0"/>
+        </a:xfrm>
+      </p:grpSpPr>
+      <p:sp>
+        <p:nvSpPr>
+          <p:cNvPr id="5" name="Arrow: Right 4">
+            <a:extLst>
+              <a:ext uri="{FF2B5EF4-FFF2-40B4-BE49-F238E27FC236}">
+                <a16:creationId xmlns:a16="http://schemas.microsoft.com/office/drawing/2014/main" id="{135F2F3F-BA56-4981-8D68-625DC6141E51}"/>
+              </a:ext>
+            </a:extLst>
+          </p:cNvPr>
+          <p:cNvSpPr/>
+          <p:nvPr/>
+        </p:nvSpPr>
+        <p:spPr>
+          <a:xfrm>
+            <a:off x="4171951" y="1247644"/>
+            <a:ext cx="4372876" cy="1121891"/>
+          </a:xfrm>
+          <a:prstGeom prst="rightArrow">
+            <a:avLst/>
+          </a:prstGeom>
+          <a:gradFill>
+            <a:gsLst>
+              <a:gs pos="0">
+                <a:schemeClr val="accent5">
+                  <a:lumMod val="20000"/>
+                  <a:lumOff val="80000"/>
+                </a:schemeClr>
+              </a:gs>
+              <a:gs pos="100000">
+                <a:srgbClr val="FFCCCC"/>
+              </a:gs>
+            </a:gsLst>
+            <a:path path="shape">
+              <a:fillToRect l="50000" t="50000" r="50000" b="50000"/>
+            </a:path>
+          </a:gradFill>
+          <a:ln>
+            <a:noFill/>
+          </a:ln>
+        </p:spPr>
+        <p:style>
+          <a:lnRef idx="2">
+            <a:schemeClr val="accent1">
+              <a:shade val="50000"/>
+            </a:schemeClr>
+          </a:lnRef>
+          <a:fillRef idx="1">
+            <a:schemeClr val="accent1"/>
+          </a:fillRef>
+          <a:effectRef idx="0">
+            <a:schemeClr val="accent1"/>
+          </a:effectRef>
+          <a:fontRef idx="minor">
+            <a:schemeClr val="lt1"/>
+          </a:fontRef>
+        </p:style>
+        <p:txBody>
+          <a:bodyPr rtlCol="1" anchor="ctr"/>
+          <a:lstStyle/>
+          <a:p>
+            <a:pPr algn="ctr"/>
+            <a:endParaRPr lang="he-IL"/>
+          </a:p>
+        </p:txBody>
+      </p:sp>
+      <p:sp>
+        <p:nvSpPr>
+          <p:cNvPr id="75" name="Arrow: Right 74">
+            <a:extLst>
+              <a:ext uri="{FF2B5EF4-FFF2-40B4-BE49-F238E27FC236}">
+                <a16:creationId xmlns:a16="http://schemas.microsoft.com/office/drawing/2014/main" id="{8D557153-FE44-42F4-88D0-34B74EC427DB}"/>
+              </a:ext>
+            </a:extLst>
+          </p:cNvPr>
+          <p:cNvSpPr/>
+          <p:nvPr/>
+        </p:nvSpPr>
+        <p:spPr>
+          <a:xfrm>
+            <a:off x="4149284" y="1894684"/>
+            <a:ext cx="4395320" cy="1121891"/>
+          </a:xfrm>
+          <a:prstGeom prst="rightArrow">
+            <a:avLst/>
+          </a:prstGeom>
+          <a:solidFill>
+            <a:schemeClr val="accent1">
+              <a:lumMod val="20000"/>
+              <a:lumOff val="80000"/>
+            </a:schemeClr>
+          </a:solidFill>
+          <a:ln>
+            <a:noFill/>
+          </a:ln>
+        </p:spPr>
+        <p:style>
+          <a:lnRef idx="2">
+            <a:schemeClr val="accent1">
+              <a:shade val="50000"/>
+            </a:schemeClr>
+          </a:lnRef>
+          <a:fillRef idx="1">
+            <a:schemeClr val="accent1"/>
+          </a:fillRef>
+          <a:effectRef idx="0">
+            <a:schemeClr val="accent1"/>
+          </a:effectRef>
+          <a:fontRef idx="minor">
+            <a:schemeClr val="lt1"/>
+          </a:fontRef>
+        </p:style>
+        <p:txBody>
+          <a:bodyPr rtlCol="1" anchor="ctr"/>
+          <a:lstStyle/>
+          <a:p>
+            <a:pPr algn="ctr"/>
+            <a:endParaRPr lang="he-IL"/>
+          </a:p>
+        </p:txBody>
+      </p:sp>
+      <p:sp>
+        <p:nvSpPr>
+          <p:cNvPr id="76" name="Arrow: Right 75">
+            <a:extLst>
+              <a:ext uri="{FF2B5EF4-FFF2-40B4-BE49-F238E27FC236}">
+                <a16:creationId xmlns:a16="http://schemas.microsoft.com/office/drawing/2014/main" id="{63DB33B4-1191-4CCD-A5BB-7D0792BC3EAE}"/>
+              </a:ext>
+            </a:extLst>
+          </p:cNvPr>
+          <p:cNvSpPr/>
+          <p:nvPr/>
+        </p:nvSpPr>
+        <p:spPr>
+          <a:xfrm>
+            <a:off x="3195164" y="2532176"/>
+            <a:ext cx="5349440" cy="1121891"/>
+          </a:xfrm>
+          <a:prstGeom prst="rightArrow">
+            <a:avLst/>
+          </a:prstGeom>
+          <a:solidFill>
+            <a:srgbClr val="FFCCCC"/>
+          </a:solidFill>
+          <a:ln>
+            <a:noFill/>
+          </a:ln>
+        </p:spPr>
+        <p:style>
+          <a:lnRef idx="2">
+            <a:schemeClr val="accent1">
+              <a:shade val="50000"/>
+            </a:schemeClr>
+          </a:lnRef>
+          <a:fillRef idx="1">
+            <a:schemeClr val="accent1"/>
+          </a:fillRef>
+          <a:effectRef idx="0">
+            <a:schemeClr val="accent1"/>
+          </a:effectRef>
+          <a:fontRef idx="minor">
+            <a:schemeClr val="lt1"/>
+          </a:fontRef>
+        </p:style>
+        <p:txBody>
+          <a:bodyPr rtlCol="1" anchor="ctr"/>
+          <a:lstStyle/>
+          <a:p>
+            <a:pPr algn="ctr"/>
+            <a:endParaRPr lang="he-IL"/>
+          </a:p>
+        </p:txBody>
+      </p:sp>
+      <p:cxnSp>
+        <p:nvCxnSpPr>
+          <p:cNvPr id="12" name="Straight Arrow Connector 11">
+            <a:extLst>
+              <a:ext uri="{FF2B5EF4-FFF2-40B4-BE49-F238E27FC236}">
+                <a16:creationId xmlns:a16="http://schemas.microsoft.com/office/drawing/2014/main" id="{CB8BD016-4B95-434C-AE37-83627AE2B966}"/>
+              </a:ext>
+            </a:extLst>
+          </p:cNvPr>
+          <p:cNvCxnSpPr>
+            <a:cxnSpLocks/>
+          </p:cNvCxnSpPr>
+          <p:nvPr/>
+        </p:nvCxnSpPr>
+        <p:spPr>
+          <a:xfrm flipV="1">
+            <a:off x="2200274" y="3457575"/>
+            <a:ext cx="6300259" cy="19050"/>
+          </a:xfrm>
+          <a:prstGeom prst="straightConnector1">
+            <a:avLst/>
+          </a:prstGeom>
+          <a:ln w="63500">
+            <a:solidFill>
+              <a:schemeClr val="tx1"/>
+            </a:solidFill>
+            <a:tailEnd type="triangle"/>
+          </a:ln>
+        </p:spPr>
+        <p:style>
+          <a:lnRef idx="1">
+            <a:schemeClr val="accent1"/>
+          </a:lnRef>
+          <a:fillRef idx="0">
+            <a:schemeClr val="accent1"/>
+          </a:fillRef>
+          <a:effectRef idx="0">
+            <a:schemeClr val="accent1"/>
+          </a:effectRef>
+          <a:fontRef idx="minor">
+            <a:schemeClr val="tx1"/>
+          </a:fontRef>
+        </p:style>
+      </p:cxnSp>
+      <p:cxnSp>
+        <p:nvCxnSpPr>
+          <p:cNvPr id="15" name="Straight Connector 14">
+            <a:extLst>
+              <a:ext uri="{FF2B5EF4-FFF2-40B4-BE49-F238E27FC236}">
+                <a16:creationId xmlns:a16="http://schemas.microsoft.com/office/drawing/2014/main" id="{373D4519-D224-4427-B45C-82FB940AF16C}"/>
+              </a:ext>
+            </a:extLst>
+          </p:cNvPr>
+          <p:cNvCxnSpPr/>
+          <p:nvPr/>
+        </p:nvCxnSpPr>
+        <p:spPr>
+          <a:xfrm>
+            <a:off x="6000750" y="3210110"/>
+            <a:ext cx="0" cy="514350"/>
+          </a:xfrm>
+          <a:prstGeom prst="line">
+            <a:avLst/>
+          </a:prstGeom>
+          <a:ln w="63500">
+            <a:solidFill>
+              <a:schemeClr val="tx1"/>
+            </a:solidFill>
+          </a:ln>
+        </p:spPr>
+        <p:style>
+          <a:lnRef idx="1">
+            <a:schemeClr val="accent1"/>
+          </a:lnRef>
+          <a:fillRef idx="0">
+            <a:schemeClr val="accent1"/>
+          </a:fillRef>
+          <a:effectRef idx="0">
+            <a:schemeClr val="accent1"/>
+          </a:effectRef>
+          <a:fontRef idx="minor">
+            <a:schemeClr val="tx1"/>
+          </a:fontRef>
+        </p:style>
+      </p:cxnSp>
+      <p:cxnSp>
+        <p:nvCxnSpPr>
+          <p:cNvPr id="21" name="Straight Connector 20">
+            <a:extLst>
+              <a:ext uri="{FF2B5EF4-FFF2-40B4-BE49-F238E27FC236}">
+                <a16:creationId xmlns:a16="http://schemas.microsoft.com/office/drawing/2014/main" id="{6368285C-A839-4A69-B491-5375529616D1}"/>
+              </a:ext>
+            </a:extLst>
+          </p:cNvPr>
+          <p:cNvCxnSpPr/>
+          <p:nvPr/>
+        </p:nvCxnSpPr>
+        <p:spPr>
+          <a:xfrm>
+            <a:off x="6915150" y="3210110"/>
+            <a:ext cx="0" cy="514350"/>
+          </a:xfrm>
+          <a:prstGeom prst="line">
+            <a:avLst/>
+          </a:prstGeom>
+          <a:ln w="63500">
+            <a:solidFill>
+              <a:schemeClr val="tx1"/>
+            </a:solidFill>
+          </a:ln>
+        </p:spPr>
+        <p:style>
+          <a:lnRef idx="1">
+            <a:schemeClr val="accent1"/>
+          </a:lnRef>
+          <a:fillRef idx="0">
+            <a:schemeClr val="accent1"/>
+          </a:fillRef>
+          <a:effectRef idx="0">
+            <a:schemeClr val="accent1"/>
+          </a:effectRef>
+          <a:fontRef idx="minor">
+            <a:schemeClr val="tx1"/>
+          </a:fontRef>
+        </p:style>
+      </p:cxnSp>
+      <p:cxnSp>
+        <p:nvCxnSpPr>
+          <p:cNvPr id="22" name="Straight Connector 21">
+            <a:extLst>
+              <a:ext uri="{FF2B5EF4-FFF2-40B4-BE49-F238E27FC236}">
+                <a16:creationId xmlns:a16="http://schemas.microsoft.com/office/drawing/2014/main" id="{B5F464D8-D90E-4E66-8D41-ECA8F4BEC947}"/>
+              </a:ext>
+            </a:extLst>
+          </p:cNvPr>
+          <p:cNvCxnSpPr/>
+          <p:nvPr/>
+        </p:nvCxnSpPr>
+        <p:spPr>
+          <a:xfrm>
+            <a:off x="7829550" y="3219635"/>
+            <a:ext cx="0" cy="514350"/>
+          </a:xfrm>
+          <a:prstGeom prst="line">
+            <a:avLst/>
+          </a:prstGeom>
+          <a:ln w="63500">
+            <a:solidFill>
+              <a:schemeClr val="tx1"/>
+            </a:solidFill>
+          </a:ln>
+        </p:spPr>
+        <p:style>
+          <a:lnRef idx="1">
+            <a:schemeClr val="accent1"/>
+          </a:lnRef>
+          <a:fillRef idx="0">
+            <a:schemeClr val="accent1"/>
+          </a:fillRef>
+          <a:effectRef idx="0">
+            <a:schemeClr val="accent1"/>
+          </a:effectRef>
+          <a:fontRef idx="minor">
+            <a:schemeClr val="tx1"/>
+          </a:fontRef>
+        </p:style>
+      </p:cxnSp>
+      <p:cxnSp>
+        <p:nvCxnSpPr>
+          <p:cNvPr id="24" name="Straight Connector 23">
+            <a:extLst>
+              <a:ext uri="{FF2B5EF4-FFF2-40B4-BE49-F238E27FC236}">
+                <a16:creationId xmlns:a16="http://schemas.microsoft.com/office/drawing/2014/main" id="{861C12C0-2510-446D-87C8-BFF21D501777}"/>
+              </a:ext>
+            </a:extLst>
+          </p:cNvPr>
+          <p:cNvCxnSpPr/>
+          <p:nvPr/>
+        </p:nvCxnSpPr>
+        <p:spPr>
+          <a:xfrm>
+            <a:off x="5076825" y="3200400"/>
+            <a:ext cx="0" cy="514350"/>
+          </a:xfrm>
+          <a:prstGeom prst="line">
+            <a:avLst/>
+          </a:prstGeom>
+          <a:ln w="63500">
+            <a:solidFill>
+              <a:schemeClr val="tx1"/>
+            </a:solidFill>
+          </a:ln>
+        </p:spPr>
+        <p:style>
+          <a:lnRef idx="1">
+            <a:schemeClr val="accent1"/>
+          </a:lnRef>
+          <a:fillRef idx="0">
+            <a:schemeClr val="accent1"/>
+          </a:fillRef>
+          <a:effectRef idx="0">
+            <a:schemeClr val="accent1"/>
+          </a:effectRef>
+          <a:fontRef idx="minor">
+            <a:schemeClr val="tx1"/>
+          </a:fontRef>
+        </p:style>
+      </p:cxnSp>
+      <p:cxnSp>
+        <p:nvCxnSpPr>
+          <p:cNvPr id="27" name="Straight Connector 26">
+            <a:extLst>
+              <a:ext uri="{FF2B5EF4-FFF2-40B4-BE49-F238E27FC236}">
+                <a16:creationId xmlns:a16="http://schemas.microsoft.com/office/drawing/2014/main" id="{12E4384B-75B4-4414-B6A8-6658F97AB21D}"/>
+              </a:ext>
+            </a:extLst>
+          </p:cNvPr>
+          <p:cNvCxnSpPr/>
+          <p:nvPr/>
+        </p:nvCxnSpPr>
+        <p:spPr>
+          <a:xfrm>
+            <a:off x="3257550" y="3219635"/>
+            <a:ext cx="0" cy="514350"/>
+          </a:xfrm>
+          <a:prstGeom prst="line">
+            <a:avLst/>
+          </a:prstGeom>
+          <a:ln w="63500">
+            <a:solidFill>
+              <a:schemeClr val="tx1"/>
+            </a:solidFill>
+          </a:ln>
+        </p:spPr>
+        <p:style>
+          <a:lnRef idx="1">
+            <a:schemeClr val="accent1"/>
+          </a:lnRef>
+          <a:fillRef idx="0">
+            <a:schemeClr val="accent1"/>
+          </a:fillRef>
+          <a:effectRef idx="0">
+            <a:schemeClr val="accent1"/>
+          </a:effectRef>
+          <a:fontRef idx="minor">
+            <a:schemeClr val="tx1"/>
+          </a:fontRef>
+        </p:style>
+      </p:cxnSp>
+      <p:cxnSp>
+        <p:nvCxnSpPr>
+          <p:cNvPr id="28" name="Straight Connector 27">
+            <a:extLst>
+              <a:ext uri="{FF2B5EF4-FFF2-40B4-BE49-F238E27FC236}">
+                <a16:creationId xmlns:a16="http://schemas.microsoft.com/office/drawing/2014/main" id="{B87099A7-0747-4EA3-8023-954489F8DA4B}"/>
+              </a:ext>
+            </a:extLst>
+          </p:cNvPr>
+          <p:cNvCxnSpPr/>
+          <p:nvPr/>
+        </p:nvCxnSpPr>
+        <p:spPr>
+          <a:xfrm>
+            <a:off x="4171950" y="3219635"/>
+            <a:ext cx="0" cy="514350"/>
+          </a:xfrm>
+          <a:prstGeom prst="line">
+            <a:avLst/>
+          </a:prstGeom>
+          <a:ln w="63500">
+            <a:solidFill>
+              <a:schemeClr val="tx1"/>
+            </a:solidFill>
+          </a:ln>
+        </p:spPr>
+        <p:style>
+          <a:lnRef idx="1">
+            <a:schemeClr val="accent1"/>
+          </a:lnRef>
+          <a:fillRef idx="0">
+            <a:schemeClr val="accent1"/>
+          </a:fillRef>
+          <a:effectRef idx="0">
+            <a:schemeClr val="accent1"/>
+          </a:effectRef>
+          <a:fontRef idx="minor">
+            <a:schemeClr val="tx1"/>
+          </a:fontRef>
+        </p:style>
+      </p:cxnSp>
+      <p:cxnSp>
+        <p:nvCxnSpPr>
+          <p:cNvPr id="29" name="Straight Connector 28">
+            <a:extLst>
+              <a:ext uri="{FF2B5EF4-FFF2-40B4-BE49-F238E27FC236}">
+                <a16:creationId xmlns:a16="http://schemas.microsoft.com/office/drawing/2014/main" id="{47FD5C80-D4BC-494E-BAC4-8E263611D22D}"/>
+              </a:ext>
+            </a:extLst>
+          </p:cNvPr>
+          <p:cNvCxnSpPr/>
+          <p:nvPr/>
+        </p:nvCxnSpPr>
+        <p:spPr>
+          <a:xfrm>
+            <a:off x="2333625" y="3209925"/>
+            <a:ext cx="0" cy="514350"/>
+          </a:xfrm>
+          <a:prstGeom prst="line">
+            <a:avLst/>
+          </a:prstGeom>
+          <a:ln w="63500">
+            <a:solidFill>
+              <a:schemeClr val="tx1"/>
+            </a:solidFill>
+          </a:ln>
+        </p:spPr>
+        <p:style>
+          <a:lnRef idx="1">
+            <a:schemeClr val="accent1"/>
+          </a:lnRef>
+          <a:fillRef idx="0">
+            <a:schemeClr val="accent1"/>
+          </a:fillRef>
+          <a:effectRef idx="0">
+            <a:schemeClr val="accent1"/>
+          </a:effectRef>
+          <a:fontRef idx="minor">
+            <a:schemeClr val="tx1"/>
+          </a:fontRef>
+        </p:style>
+      </p:cxnSp>
+      <p:sp>
+        <p:nvSpPr>
+          <p:cNvPr id="30" name="TextBox 29">
+            <a:extLst>
+              <a:ext uri="{FF2B5EF4-FFF2-40B4-BE49-F238E27FC236}">
+                <a16:creationId xmlns:a16="http://schemas.microsoft.com/office/drawing/2014/main" id="{179B87DA-0621-4A0E-A6BB-1E502D34EDB4}"/>
+              </a:ext>
+            </a:extLst>
+          </p:cNvPr>
+          <p:cNvSpPr txBox="1"/>
+          <p:nvPr/>
+        </p:nvSpPr>
+        <p:spPr>
+          <a:xfrm>
+            <a:off x="3908671" y="3707919"/>
+            <a:ext cx="523876" cy="338554"/>
+          </a:xfrm>
+          <a:prstGeom prst="rect">
+            <a:avLst/>
+          </a:prstGeom>
+          <a:noFill/>
+        </p:spPr>
+        <p:txBody>
+          <a:bodyPr wrap="square" rtlCol="1">
+            <a:spAutoFit/>
+          </a:bodyPr>
+          <a:lstStyle/>
+          <a:p>
+            <a:pPr algn="ctr"/>
+            <a:r>
+              <a:rPr lang="en-US" sz="1600" b="1" dirty="0"/>
+              <a:t>8</a:t>
+            </a:r>
+            <a:endParaRPr lang="he-IL" sz="1600" b="1" dirty="0"/>
+          </a:p>
+        </p:txBody>
+      </p:sp>
+      <p:sp>
+        <p:nvSpPr>
+          <p:cNvPr id="31" name="TextBox 30">
+            <a:extLst>
+              <a:ext uri="{FF2B5EF4-FFF2-40B4-BE49-F238E27FC236}">
+                <a16:creationId xmlns:a16="http://schemas.microsoft.com/office/drawing/2014/main" id="{9803BC63-B0A6-4BA0-95C6-C8096D3B7A56}"/>
+              </a:ext>
+            </a:extLst>
+          </p:cNvPr>
+          <p:cNvSpPr txBox="1"/>
+          <p:nvPr/>
+        </p:nvSpPr>
+        <p:spPr>
+          <a:xfrm>
+            <a:off x="4273671" y="3714750"/>
+            <a:ext cx="621505" cy="338554"/>
+          </a:xfrm>
+          <a:prstGeom prst="rect">
+            <a:avLst/>
+          </a:prstGeom>
+          <a:noFill/>
+        </p:spPr>
+        <p:txBody>
+          <a:bodyPr wrap="square" rtlCol="1">
+            <a:spAutoFit/>
+          </a:bodyPr>
+          <a:lstStyle/>
+          <a:p>
+            <a:pPr algn="ctr"/>
+            <a:r>
+              <a:rPr lang="en-US" sz="1600" b="1" dirty="0"/>
+              <a:t>10</a:t>
+            </a:r>
+            <a:endParaRPr lang="he-IL" sz="1600" b="1" dirty="0"/>
+          </a:p>
+        </p:txBody>
+      </p:sp>
+      <p:sp>
+        <p:nvSpPr>
+          <p:cNvPr id="32" name="TextBox 31">
+            <a:extLst>
+              <a:ext uri="{FF2B5EF4-FFF2-40B4-BE49-F238E27FC236}">
+                <a16:creationId xmlns:a16="http://schemas.microsoft.com/office/drawing/2014/main" id="{48FF504B-4A18-478C-8D12-39094DE783F5}"/>
+              </a:ext>
+            </a:extLst>
+          </p:cNvPr>
+          <p:cNvSpPr txBox="1"/>
+          <p:nvPr/>
+        </p:nvSpPr>
+        <p:spPr>
+          <a:xfrm>
+            <a:off x="4749569" y="3714750"/>
+            <a:ext cx="621504" cy="338554"/>
+          </a:xfrm>
+          <a:prstGeom prst="rect">
+            <a:avLst/>
+          </a:prstGeom>
+          <a:noFill/>
+        </p:spPr>
+        <p:txBody>
+          <a:bodyPr wrap="square" rtlCol="1">
+            <a:spAutoFit/>
+          </a:bodyPr>
+          <a:lstStyle/>
+          <a:p>
+            <a:pPr algn="ctr"/>
+            <a:r>
+              <a:rPr lang="en-US" sz="1600" b="1" dirty="0"/>
+              <a:t>12</a:t>
+            </a:r>
+            <a:endParaRPr lang="he-IL" sz="1600" b="1" dirty="0"/>
+          </a:p>
+        </p:txBody>
+      </p:sp>
+      <p:sp>
+        <p:nvSpPr>
+          <p:cNvPr id="33" name="TextBox 32">
+            <a:extLst>
+              <a:ext uri="{FF2B5EF4-FFF2-40B4-BE49-F238E27FC236}">
+                <a16:creationId xmlns:a16="http://schemas.microsoft.com/office/drawing/2014/main" id="{7ADEDF81-CEBC-4551-BDBA-7275584BD5EE}"/>
+              </a:ext>
+            </a:extLst>
+          </p:cNvPr>
+          <p:cNvSpPr txBox="1"/>
+          <p:nvPr/>
+        </p:nvSpPr>
+        <p:spPr>
+          <a:xfrm>
+            <a:off x="5235118" y="3707553"/>
+            <a:ext cx="621504" cy="338554"/>
+          </a:xfrm>
+          <a:prstGeom prst="rect">
+            <a:avLst/>
+          </a:prstGeom>
+          <a:noFill/>
+        </p:spPr>
+        <p:txBody>
+          <a:bodyPr wrap="square" rtlCol="1">
+            <a:spAutoFit/>
+          </a:bodyPr>
+          <a:lstStyle/>
+          <a:p>
+            <a:pPr algn="ctr"/>
+            <a:r>
+              <a:rPr lang="en-US" sz="1600" b="1" dirty="0"/>
+              <a:t>14</a:t>
+            </a:r>
+            <a:endParaRPr lang="he-IL" sz="1600" b="1" dirty="0"/>
+          </a:p>
+        </p:txBody>
+      </p:sp>
+      <p:sp>
+        <p:nvSpPr>
+          <p:cNvPr id="34" name="TextBox 33">
+            <a:extLst>
+              <a:ext uri="{FF2B5EF4-FFF2-40B4-BE49-F238E27FC236}">
+                <a16:creationId xmlns:a16="http://schemas.microsoft.com/office/drawing/2014/main" id="{B5AA93C7-69FE-428F-8FB2-27F0F2864517}"/>
+              </a:ext>
+            </a:extLst>
+          </p:cNvPr>
+          <p:cNvSpPr txBox="1"/>
+          <p:nvPr/>
+        </p:nvSpPr>
+        <p:spPr>
+          <a:xfrm>
+            <a:off x="5708402" y="3703118"/>
+            <a:ext cx="565648" cy="338554"/>
+          </a:xfrm>
+          <a:prstGeom prst="rect">
+            <a:avLst/>
+          </a:prstGeom>
+          <a:noFill/>
+        </p:spPr>
+        <p:txBody>
+          <a:bodyPr wrap="square" rtlCol="1">
+            <a:spAutoFit/>
+          </a:bodyPr>
+          <a:lstStyle/>
+          <a:p>
+            <a:pPr algn="ctr"/>
+            <a:r>
+              <a:rPr lang="en-US" sz="1600" b="1" dirty="0"/>
+              <a:t>16</a:t>
+            </a:r>
+            <a:endParaRPr lang="he-IL" sz="1600" b="1" dirty="0"/>
+          </a:p>
+        </p:txBody>
+      </p:sp>
+      <p:sp>
+        <p:nvSpPr>
+          <p:cNvPr id="35" name="TextBox 34">
+            <a:extLst>
+              <a:ext uri="{FF2B5EF4-FFF2-40B4-BE49-F238E27FC236}">
+                <a16:creationId xmlns:a16="http://schemas.microsoft.com/office/drawing/2014/main" id="{A8487076-8863-4CC2-98AF-0F0A9C527EF5}"/>
+              </a:ext>
+            </a:extLst>
+          </p:cNvPr>
+          <p:cNvSpPr txBox="1"/>
+          <p:nvPr/>
+        </p:nvSpPr>
+        <p:spPr>
+          <a:xfrm>
+            <a:off x="3493628" y="3709636"/>
+            <a:ext cx="469107" cy="338554"/>
+          </a:xfrm>
+          <a:prstGeom prst="rect">
+            <a:avLst/>
+          </a:prstGeom>
+          <a:noFill/>
+        </p:spPr>
+        <p:txBody>
+          <a:bodyPr wrap="square" rtlCol="1">
+            <a:spAutoFit/>
+          </a:bodyPr>
+          <a:lstStyle/>
+          <a:p>
+            <a:pPr algn="ctr"/>
+            <a:r>
+              <a:rPr lang="en-US" sz="1600" b="1" dirty="0"/>
+              <a:t>6</a:t>
+            </a:r>
+            <a:endParaRPr lang="he-IL" sz="1600" b="1" dirty="0"/>
+          </a:p>
+        </p:txBody>
+      </p:sp>
+      <p:sp>
+        <p:nvSpPr>
+          <p:cNvPr id="36" name="TextBox 35">
+            <a:extLst>
+              <a:ext uri="{FF2B5EF4-FFF2-40B4-BE49-F238E27FC236}">
+                <a16:creationId xmlns:a16="http://schemas.microsoft.com/office/drawing/2014/main" id="{0B9F61B3-BE5F-4538-99A9-A7FB7C8B5C8B}"/>
+              </a:ext>
+            </a:extLst>
+          </p:cNvPr>
+          <p:cNvSpPr txBox="1"/>
+          <p:nvPr/>
+        </p:nvSpPr>
+        <p:spPr>
+          <a:xfrm>
+            <a:off x="3004172" y="3703118"/>
+            <a:ext cx="483395" cy="338554"/>
+          </a:xfrm>
+          <a:prstGeom prst="rect">
+            <a:avLst/>
+          </a:prstGeom>
+          <a:noFill/>
+        </p:spPr>
+        <p:txBody>
+          <a:bodyPr wrap="square" rtlCol="1">
+            <a:spAutoFit/>
+          </a:bodyPr>
+          <a:lstStyle/>
+          <a:p>
+            <a:pPr algn="ctr"/>
+            <a:r>
+              <a:rPr lang="en-US" sz="1600" b="1" dirty="0"/>
+              <a:t>4</a:t>
+            </a:r>
+            <a:endParaRPr lang="he-IL" sz="1600" b="1" dirty="0"/>
+          </a:p>
+        </p:txBody>
+      </p:sp>
+      <p:sp>
+        <p:nvSpPr>
+          <p:cNvPr id="37" name="TextBox 36">
+            <a:extLst>
+              <a:ext uri="{FF2B5EF4-FFF2-40B4-BE49-F238E27FC236}">
+                <a16:creationId xmlns:a16="http://schemas.microsoft.com/office/drawing/2014/main" id="{A1F09B86-1B8F-46FF-8DF9-788153EFBA91}"/>
+              </a:ext>
+            </a:extLst>
+          </p:cNvPr>
+          <p:cNvSpPr txBox="1"/>
+          <p:nvPr/>
+        </p:nvSpPr>
+        <p:spPr>
+          <a:xfrm>
+            <a:off x="2544592" y="3699720"/>
+            <a:ext cx="469106" cy="338554"/>
+          </a:xfrm>
+          <a:prstGeom prst="rect">
+            <a:avLst/>
+          </a:prstGeom>
+          <a:noFill/>
+        </p:spPr>
+        <p:txBody>
+          <a:bodyPr wrap="square" rtlCol="1">
+            <a:spAutoFit/>
+          </a:bodyPr>
+          <a:lstStyle/>
+          <a:p>
+            <a:pPr algn="ctr"/>
+            <a:r>
+              <a:rPr lang="en-US" sz="1600" b="1" dirty="0"/>
+              <a:t>2</a:t>
+            </a:r>
+            <a:endParaRPr lang="he-IL" sz="1600" b="1" dirty="0"/>
+          </a:p>
+        </p:txBody>
+      </p:sp>
+      <p:sp>
+        <p:nvSpPr>
+          <p:cNvPr id="38" name="TextBox 37">
+            <a:extLst>
+              <a:ext uri="{FF2B5EF4-FFF2-40B4-BE49-F238E27FC236}">
+                <a16:creationId xmlns:a16="http://schemas.microsoft.com/office/drawing/2014/main" id="{F835F838-161B-4098-B8C5-414058C0A109}"/>
+              </a:ext>
+            </a:extLst>
+          </p:cNvPr>
+          <p:cNvSpPr txBox="1"/>
+          <p:nvPr/>
+        </p:nvSpPr>
+        <p:spPr>
+          <a:xfrm>
+            <a:off x="2115222" y="3696322"/>
+            <a:ext cx="442386" cy="338554"/>
+          </a:xfrm>
+          <a:prstGeom prst="rect">
+            <a:avLst/>
+          </a:prstGeom>
+          <a:noFill/>
+        </p:spPr>
+        <p:txBody>
+          <a:bodyPr wrap="square" rtlCol="1">
+            <a:spAutoFit/>
+          </a:bodyPr>
+          <a:lstStyle/>
+          <a:p>
+            <a:pPr algn="ctr"/>
+            <a:r>
+              <a:rPr lang="en-US" sz="1600" b="1" dirty="0"/>
+              <a:t>0</a:t>
+            </a:r>
+            <a:endParaRPr lang="he-IL" sz="1600" b="1" dirty="0"/>
+          </a:p>
+        </p:txBody>
+      </p:sp>
+      <p:sp>
+        <p:nvSpPr>
+          <p:cNvPr id="41" name="Oval 40">
+            <a:extLst>
+              <a:ext uri="{FF2B5EF4-FFF2-40B4-BE49-F238E27FC236}">
+                <a16:creationId xmlns:a16="http://schemas.microsoft.com/office/drawing/2014/main" id="{746CBD2F-121C-405A-B6AE-572CD03B6502}"/>
+              </a:ext>
+            </a:extLst>
+          </p:cNvPr>
+          <p:cNvSpPr/>
+          <p:nvPr/>
+        </p:nvSpPr>
+        <p:spPr>
+          <a:xfrm>
+            <a:off x="3071937" y="2928353"/>
+            <a:ext cx="371226" cy="340831"/>
+          </a:xfrm>
+          <a:prstGeom prst="ellipse">
+            <a:avLst/>
+          </a:prstGeom>
+          <a:solidFill>
+            <a:srgbClr val="760000"/>
+          </a:solidFill>
+          <a:ln>
+            <a:solidFill>
+              <a:schemeClr val="tx1"/>
+            </a:solidFill>
+          </a:ln>
+        </p:spPr>
+        <p:style>
+          <a:lnRef idx="2">
+            <a:schemeClr val="accent1">
+              <a:shade val="50000"/>
+            </a:schemeClr>
+          </a:lnRef>
+          <a:fillRef idx="1">
+            <a:schemeClr val="accent1"/>
+          </a:fillRef>
+          <a:effectRef idx="0">
+            <a:schemeClr val="accent1"/>
+          </a:effectRef>
+          <a:fontRef idx="minor">
+            <a:schemeClr val="lt1"/>
+          </a:fontRef>
+        </p:style>
+        <p:txBody>
+          <a:bodyPr rtlCol="1" anchor="ctr"/>
+          <a:lstStyle/>
+          <a:p>
+            <a:pPr algn="ctr"/>
+            <a:r>
+              <a:rPr lang="en-US" sz="2000" b="1" dirty="0"/>
+              <a:t>a</a:t>
+            </a:r>
+            <a:endParaRPr lang="he-IL" sz="2000" b="1" dirty="0"/>
+          </a:p>
+        </p:txBody>
+      </p:sp>
+      <p:sp>
+        <p:nvSpPr>
+          <p:cNvPr id="42" name="Oval 41">
+            <a:extLst>
+              <a:ext uri="{FF2B5EF4-FFF2-40B4-BE49-F238E27FC236}">
+                <a16:creationId xmlns:a16="http://schemas.microsoft.com/office/drawing/2014/main" id="{35EB7CD6-6827-48E9-8F09-35EDA160F752}"/>
+              </a:ext>
+            </a:extLst>
+          </p:cNvPr>
+          <p:cNvSpPr/>
+          <p:nvPr/>
+        </p:nvSpPr>
+        <p:spPr>
+          <a:xfrm>
+            <a:off x="3976811" y="2942584"/>
+            <a:ext cx="371227" cy="312501"/>
+          </a:xfrm>
+          <a:prstGeom prst="ellipse">
+            <a:avLst/>
+          </a:prstGeom>
+          <a:solidFill>
+            <a:srgbClr val="760000"/>
+          </a:solidFill>
+          <a:ln>
+            <a:solidFill>
+              <a:schemeClr val="tx1"/>
+            </a:solidFill>
+          </a:ln>
+        </p:spPr>
+        <p:style>
+          <a:lnRef idx="2">
+            <a:schemeClr val="accent1">
+              <a:shade val="50000"/>
+            </a:schemeClr>
+          </a:lnRef>
+          <a:fillRef idx="1">
+            <a:schemeClr val="accent1"/>
+          </a:fillRef>
+          <a:effectRef idx="0">
+            <a:schemeClr val="accent1"/>
+          </a:effectRef>
+          <a:fontRef idx="minor">
+            <a:schemeClr val="lt1"/>
+          </a:fontRef>
+        </p:style>
+        <p:txBody>
+          <a:bodyPr rtlCol="1" anchor="ctr"/>
+          <a:lstStyle/>
+          <a:p>
+            <a:pPr algn="ctr"/>
+            <a:r>
+              <a:rPr lang="en-US" sz="1400" dirty="0"/>
+              <a:t>2</a:t>
+            </a:r>
+            <a:endParaRPr lang="he-IL" sz="1400" dirty="0"/>
+          </a:p>
+        </p:txBody>
+      </p:sp>
+      <p:sp>
+        <p:nvSpPr>
+          <p:cNvPr id="43" name="Oval 42">
+            <a:extLst>
+              <a:ext uri="{FF2B5EF4-FFF2-40B4-BE49-F238E27FC236}">
+                <a16:creationId xmlns:a16="http://schemas.microsoft.com/office/drawing/2014/main" id="{7E062787-DEA2-4454-BFC9-680071DA32E4}"/>
+              </a:ext>
+            </a:extLst>
+          </p:cNvPr>
+          <p:cNvSpPr/>
+          <p:nvPr/>
+        </p:nvSpPr>
+        <p:spPr>
+          <a:xfrm>
+            <a:off x="4891211" y="2953405"/>
+            <a:ext cx="371227" cy="312501"/>
+          </a:xfrm>
+          <a:prstGeom prst="ellipse">
+            <a:avLst/>
+          </a:prstGeom>
+          <a:solidFill>
+            <a:srgbClr val="760000"/>
+          </a:solidFill>
+          <a:ln>
+            <a:solidFill>
+              <a:schemeClr val="tx1"/>
+            </a:solidFill>
+          </a:ln>
+        </p:spPr>
+        <p:style>
+          <a:lnRef idx="2">
+            <a:schemeClr val="accent1">
+              <a:shade val="50000"/>
+            </a:schemeClr>
+          </a:lnRef>
+          <a:fillRef idx="1">
+            <a:schemeClr val="accent1"/>
+          </a:fillRef>
+          <a:effectRef idx="0">
+            <a:schemeClr val="accent1"/>
+          </a:effectRef>
+          <a:fontRef idx="minor">
+            <a:schemeClr val="lt1"/>
+          </a:fontRef>
+        </p:style>
+        <p:txBody>
+          <a:bodyPr rtlCol="1" anchor="ctr"/>
+          <a:lstStyle/>
+          <a:p>
+            <a:pPr algn="ctr"/>
+            <a:r>
+              <a:rPr lang="en-US" sz="1400" dirty="0"/>
+              <a:t>3</a:t>
+            </a:r>
+            <a:endParaRPr lang="he-IL" sz="1400" dirty="0"/>
+          </a:p>
+        </p:txBody>
+      </p:sp>
+      <p:sp>
+        <p:nvSpPr>
+          <p:cNvPr id="44" name="Oval 43">
+            <a:extLst>
+              <a:ext uri="{FF2B5EF4-FFF2-40B4-BE49-F238E27FC236}">
+                <a16:creationId xmlns:a16="http://schemas.microsoft.com/office/drawing/2014/main" id="{6B96078E-CDB9-4344-8E45-A54500CB7297}"/>
+              </a:ext>
+            </a:extLst>
+          </p:cNvPr>
+          <p:cNvSpPr/>
+          <p:nvPr/>
+        </p:nvSpPr>
+        <p:spPr>
+          <a:xfrm>
+            <a:off x="7644670" y="2956923"/>
+            <a:ext cx="371227" cy="312501"/>
+          </a:xfrm>
+          <a:prstGeom prst="ellipse">
+            <a:avLst/>
+          </a:prstGeom>
+          <a:solidFill>
+            <a:srgbClr val="760000"/>
+          </a:solidFill>
+          <a:ln>
+            <a:solidFill>
+              <a:schemeClr val="tx1"/>
+            </a:solidFill>
+          </a:ln>
+        </p:spPr>
+        <p:style>
+          <a:lnRef idx="2">
+            <a:schemeClr val="accent1">
+              <a:shade val="50000"/>
+            </a:schemeClr>
+          </a:lnRef>
+          <a:fillRef idx="1">
+            <a:schemeClr val="accent1"/>
+          </a:fillRef>
+          <a:effectRef idx="0">
+            <a:schemeClr val="accent1"/>
+          </a:effectRef>
+          <a:fontRef idx="minor">
+            <a:schemeClr val="lt1"/>
+          </a:fontRef>
+        </p:style>
+        <p:txBody>
+          <a:bodyPr rtlCol="1" anchor="ctr"/>
+          <a:lstStyle/>
+          <a:p>
+            <a:pPr algn="ctr"/>
+            <a:r>
+              <a:rPr lang="en-US" sz="1400" dirty="0"/>
+              <a:t>6</a:t>
+            </a:r>
+            <a:endParaRPr lang="he-IL" sz="1400" dirty="0"/>
+          </a:p>
+        </p:txBody>
+      </p:sp>
+      <p:sp>
+        <p:nvSpPr>
+          <p:cNvPr id="45" name="Oval 44">
+            <a:extLst>
+              <a:ext uri="{FF2B5EF4-FFF2-40B4-BE49-F238E27FC236}">
+                <a16:creationId xmlns:a16="http://schemas.microsoft.com/office/drawing/2014/main" id="{CB0E5035-EF88-4A9F-9ED8-0318EB9434DB}"/>
+              </a:ext>
+            </a:extLst>
+          </p:cNvPr>
+          <p:cNvSpPr/>
+          <p:nvPr/>
+        </p:nvSpPr>
+        <p:spPr>
+          <a:xfrm>
+            <a:off x="3938325" y="2302722"/>
+            <a:ext cx="383843" cy="312501"/>
+          </a:xfrm>
+          <a:prstGeom prst="ellipse">
+            <a:avLst/>
+          </a:prstGeom>
+          <a:solidFill>
+            <a:srgbClr val="002060"/>
+          </a:solidFill>
+          <a:ln>
+            <a:solidFill>
+              <a:schemeClr val="tx1"/>
+            </a:solidFill>
+          </a:ln>
+        </p:spPr>
+        <p:style>
+          <a:lnRef idx="2">
+            <a:schemeClr val="accent1">
+              <a:shade val="50000"/>
+            </a:schemeClr>
+          </a:lnRef>
+          <a:fillRef idx="1">
+            <a:schemeClr val="accent1"/>
+          </a:fillRef>
+          <a:effectRef idx="0">
+            <a:schemeClr val="accent1"/>
+          </a:effectRef>
+          <a:fontRef idx="minor">
+            <a:schemeClr val="lt1"/>
+          </a:fontRef>
+        </p:style>
+        <p:txBody>
+          <a:bodyPr rtlCol="1" anchor="ctr"/>
+          <a:lstStyle/>
+          <a:p>
+            <a:pPr algn="ctr"/>
+            <a:r>
+              <a:rPr lang="en-US" sz="2000" b="1" dirty="0"/>
+              <a:t>b</a:t>
+            </a:r>
+            <a:endParaRPr lang="he-IL" sz="2000" b="1" dirty="0"/>
+          </a:p>
+        </p:txBody>
+      </p:sp>
+      <p:sp>
+        <p:nvSpPr>
+          <p:cNvPr id="46" name="Oval 45">
+            <a:extLst>
+              <a:ext uri="{FF2B5EF4-FFF2-40B4-BE49-F238E27FC236}">
+                <a16:creationId xmlns:a16="http://schemas.microsoft.com/office/drawing/2014/main" id="{E30B3DA6-9417-41EA-8A44-D605B2C5034D}"/>
+              </a:ext>
+            </a:extLst>
+          </p:cNvPr>
+          <p:cNvSpPr/>
+          <p:nvPr/>
+        </p:nvSpPr>
+        <p:spPr>
+          <a:xfrm>
+            <a:off x="7598106" y="2295438"/>
+            <a:ext cx="383843" cy="312501"/>
+          </a:xfrm>
+          <a:prstGeom prst="ellipse">
+            <a:avLst/>
+          </a:prstGeom>
+          <a:solidFill>
+            <a:srgbClr val="002060"/>
+          </a:solidFill>
+          <a:ln>
+            <a:solidFill>
+              <a:schemeClr val="tx1"/>
+            </a:solidFill>
+          </a:ln>
+        </p:spPr>
+        <p:style>
+          <a:lnRef idx="2">
+            <a:schemeClr val="accent1">
+              <a:shade val="50000"/>
+            </a:schemeClr>
+          </a:lnRef>
+          <a:fillRef idx="1">
+            <a:schemeClr val="accent1"/>
+          </a:fillRef>
+          <a:effectRef idx="0">
+            <a:schemeClr val="accent1"/>
+          </a:effectRef>
+          <a:fontRef idx="minor">
+            <a:schemeClr val="lt1"/>
+          </a:fontRef>
+        </p:style>
+        <p:txBody>
+          <a:bodyPr rtlCol="1" anchor="ctr"/>
+          <a:lstStyle/>
+          <a:p>
+            <a:pPr algn="ctr"/>
+            <a:r>
+              <a:rPr lang="en-US" sz="1400" dirty="0"/>
+              <a:t>3</a:t>
+            </a:r>
+            <a:endParaRPr lang="he-IL" sz="1400" dirty="0"/>
+          </a:p>
+        </p:txBody>
+      </p:sp>
+      <p:sp>
+        <p:nvSpPr>
+          <p:cNvPr id="54" name="Oval 53">
+            <a:extLst>
+              <a:ext uri="{FF2B5EF4-FFF2-40B4-BE49-F238E27FC236}">
+                <a16:creationId xmlns:a16="http://schemas.microsoft.com/office/drawing/2014/main" id="{E1FADCA8-B539-462B-9630-E3EDDAAF0A24}"/>
+              </a:ext>
+            </a:extLst>
+          </p:cNvPr>
+          <p:cNvSpPr/>
+          <p:nvPr/>
+        </p:nvSpPr>
+        <p:spPr>
+          <a:xfrm>
+            <a:off x="4000375" y="1653478"/>
+            <a:ext cx="383843" cy="312501"/>
+          </a:xfrm>
+          <a:prstGeom prst="ellipse">
+            <a:avLst/>
+          </a:prstGeom>
+          <a:gradFill>
+            <a:gsLst>
+              <a:gs pos="0">
+                <a:schemeClr val="accent5">
+                  <a:lumMod val="20000"/>
+                  <a:lumOff val="80000"/>
+                </a:schemeClr>
+              </a:gs>
+              <a:gs pos="100000">
+                <a:srgbClr val="FFCCCC"/>
+              </a:gs>
+            </a:gsLst>
+            <a:path path="shape">
+              <a:fillToRect l="50000" t="50000" r="50000" b="50000"/>
+            </a:path>
+          </a:gradFill>
+          <a:ln>
+            <a:solidFill>
+              <a:schemeClr val="tx1"/>
+            </a:solidFill>
+          </a:ln>
+        </p:spPr>
+        <p:style>
+          <a:lnRef idx="2">
+            <a:schemeClr val="accent1">
+              <a:shade val="50000"/>
+            </a:schemeClr>
+          </a:lnRef>
+          <a:fillRef idx="1">
+            <a:schemeClr val="accent1"/>
+          </a:fillRef>
+          <a:effectRef idx="0">
+            <a:schemeClr val="accent1"/>
+          </a:effectRef>
+          <a:fontRef idx="minor">
+            <a:schemeClr val="lt1"/>
+          </a:fontRef>
+        </p:style>
+        <p:txBody>
+          <a:bodyPr rtlCol="1" anchor="ctr"/>
+          <a:lstStyle/>
+          <a:p>
+            <a:pPr algn="ctr"/>
+            <a:endParaRPr lang="he-IL" sz="1000" b="1" dirty="0">
+              <a:solidFill>
+                <a:schemeClr val="tx1"/>
+              </a:solidFill>
+            </a:endParaRPr>
+          </a:p>
+        </p:txBody>
+      </p:sp>
+      <p:sp>
+        <p:nvSpPr>
+          <p:cNvPr id="58" name="TextBox 57">
+            <a:extLst>
+              <a:ext uri="{FF2B5EF4-FFF2-40B4-BE49-F238E27FC236}">
+                <a16:creationId xmlns:a16="http://schemas.microsoft.com/office/drawing/2014/main" id="{3BB36228-789B-4BF5-AB8F-1EF5F5E1997F}"/>
+              </a:ext>
+            </a:extLst>
+          </p:cNvPr>
+          <p:cNvSpPr txBox="1"/>
+          <p:nvPr/>
+        </p:nvSpPr>
+        <p:spPr>
+          <a:xfrm>
+            <a:off x="6158458" y="3705129"/>
+            <a:ext cx="565646" cy="338554"/>
+          </a:xfrm>
+          <a:prstGeom prst="rect">
+            <a:avLst/>
+          </a:prstGeom>
+          <a:noFill/>
+        </p:spPr>
+        <p:txBody>
+          <a:bodyPr wrap="square" rtlCol="1">
+            <a:spAutoFit/>
+          </a:bodyPr>
+          <a:lstStyle/>
+          <a:p>
+            <a:pPr algn="ctr"/>
+            <a:r>
+              <a:rPr lang="en-US" sz="1600" b="1" dirty="0"/>
+              <a:t>18</a:t>
+            </a:r>
+            <a:endParaRPr lang="he-IL" sz="1600" b="1" dirty="0"/>
+          </a:p>
+        </p:txBody>
+      </p:sp>
+      <p:cxnSp>
+        <p:nvCxnSpPr>
+          <p:cNvPr id="40" name="Straight Connector 39">
+            <a:extLst>
+              <a:ext uri="{FF2B5EF4-FFF2-40B4-BE49-F238E27FC236}">
+                <a16:creationId xmlns:a16="http://schemas.microsoft.com/office/drawing/2014/main" id="{492632BC-C6D0-4526-B8C7-6EBEFF517CF8}"/>
+              </a:ext>
+            </a:extLst>
+          </p:cNvPr>
+          <p:cNvCxnSpPr/>
+          <p:nvPr/>
+        </p:nvCxnSpPr>
+        <p:spPr>
+          <a:xfrm>
+            <a:off x="2807494" y="3219635"/>
+            <a:ext cx="0" cy="514350"/>
+          </a:xfrm>
+          <a:prstGeom prst="line">
+            <a:avLst/>
+          </a:prstGeom>
+          <a:ln w="63500">
+            <a:solidFill>
+              <a:schemeClr val="tx1"/>
+            </a:solidFill>
+          </a:ln>
+        </p:spPr>
+        <p:style>
+          <a:lnRef idx="1">
+            <a:schemeClr val="accent1"/>
+          </a:lnRef>
+          <a:fillRef idx="0">
+            <a:schemeClr val="accent1"/>
+          </a:fillRef>
+          <a:effectRef idx="0">
+            <a:schemeClr val="accent1"/>
+          </a:effectRef>
+          <a:fontRef idx="minor">
+            <a:schemeClr val="tx1"/>
+          </a:fontRef>
+        </p:style>
+      </p:cxnSp>
+      <p:cxnSp>
+        <p:nvCxnSpPr>
+          <p:cNvPr id="50" name="Straight Connector 49">
+            <a:extLst>
+              <a:ext uri="{FF2B5EF4-FFF2-40B4-BE49-F238E27FC236}">
+                <a16:creationId xmlns:a16="http://schemas.microsoft.com/office/drawing/2014/main" id="{35C757DB-DAB4-4056-9378-57D80CAC2F59}"/>
+              </a:ext>
+            </a:extLst>
+          </p:cNvPr>
+          <p:cNvCxnSpPr/>
+          <p:nvPr/>
+        </p:nvCxnSpPr>
+        <p:spPr>
+          <a:xfrm>
+            <a:off x="3731419" y="3238501"/>
+            <a:ext cx="0" cy="514350"/>
+          </a:xfrm>
+          <a:prstGeom prst="line">
+            <a:avLst/>
+          </a:prstGeom>
+          <a:ln w="63500">
+            <a:solidFill>
+              <a:schemeClr val="tx1"/>
+            </a:solidFill>
+          </a:ln>
+        </p:spPr>
+        <p:style>
+          <a:lnRef idx="1">
+            <a:schemeClr val="accent1"/>
+          </a:lnRef>
+          <a:fillRef idx="0">
+            <a:schemeClr val="accent1"/>
+          </a:fillRef>
+          <a:effectRef idx="0">
+            <a:schemeClr val="accent1"/>
+          </a:effectRef>
+          <a:fontRef idx="minor">
+            <a:schemeClr val="tx1"/>
+          </a:fontRef>
+        </p:style>
+      </p:cxnSp>
+      <p:cxnSp>
+        <p:nvCxnSpPr>
+          <p:cNvPr id="51" name="Straight Connector 50">
+            <a:extLst>
+              <a:ext uri="{FF2B5EF4-FFF2-40B4-BE49-F238E27FC236}">
+                <a16:creationId xmlns:a16="http://schemas.microsoft.com/office/drawing/2014/main" id="{0318D46B-6FDA-4CF5-9D56-C6594D4911A7}"/>
+              </a:ext>
+            </a:extLst>
+          </p:cNvPr>
+          <p:cNvCxnSpPr/>
+          <p:nvPr/>
+        </p:nvCxnSpPr>
+        <p:spPr>
+          <a:xfrm>
+            <a:off x="4593431" y="3209925"/>
+            <a:ext cx="0" cy="514350"/>
+          </a:xfrm>
+          <a:prstGeom prst="line">
+            <a:avLst/>
+          </a:prstGeom>
+          <a:ln w="63500">
+            <a:solidFill>
+              <a:schemeClr val="tx1"/>
+            </a:solidFill>
+          </a:ln>
+        </p:spPr>
+        <p:style>
+          <a:lnRef idx="1">
+            <a:schemeClr val="accent1"/>
+          </a:lnRef>
+          <a:fillRef idx="0">
+            <a:schemeClr val="accent1"/>
+          </a:fillRef>
+          <a:effectRef idx="0">
+            <a:schemeClr val="accent1"/>
+          </a:effectRef>
+          <a:fontRef idx="minor">
+            <a:schemeClr val="tx1"/>
+          </a:fontRef>
+        </p:style>
+      </p:cxnSp>
+      <p:cxnSp>
+        <p:nvCxnSpPr>
+          <p:cNvPr id="60" name="Straight Connector 59">
+            <a:extLst>
+              <a:ext uri="{FF2B5EF4-FFF2-40B4-BE49-F238E27FC236}">
+                <a16:creationId xmlns:a16="http://schemas.microsoft.com/office/drawing/2014/main" id="{18697993-A90C-4435-80FC-EF17EDF08261}"/>
+              </a:ext>
+            </a:extLst>
+          </p:cNvPr>
+          <p:cNvCxnSpPr/>
+          <p:nvPr/>
+        </p:nvCxnSpPr>
+        <p:spPr>
+          <a:xfrm>
+            <a:off x="5541169" y="3219635"/>
+            <a:ext cx="0" cy="514350"/>
+          </a:xfrm>
+          <a:prstGeom prst="line">
+            <a:avLst/>
+          </a:prstGeom>
+          <a:ln w="63500">
+            <a:solidFill>
+              <a:schemeClr val="tx1"/>
+            </a:solidFill>
+          </a:ln>
+        </p:spPr>
+        <p:style>
+          <a:lnRef idx="1">
+            <a:schemeClr val="accent1"/>
+          </a:lnRef>
+          <a:fillRef idx="0">
+            <a:schemeClr val="accent1"/>
+          </a:fillRef>
+          <a:effectRef idx="0">
+            <a:schemeClr val="accent1"/>
+          </a:effectRef>
+          <a:fontRef idx="minor">
+            <a:schemeClr val="tx1"/>
+          </a:fontRef>
+        </p:style>
+      </p:cxnSp>
+      <p:cxnSp>
+        <p:nvCxnSpPr>
+          <p:cNvPr id="61" name="Straight Connector 60">
+            <a:extLst>
+              <a:ext uri="{FF2B5EF4-FFF2-40B4-BE49-F238E27FC236}">
+                <a16:creationId xmlns:a16="http://schemas.microsoft.com/office/drawing/2014/main" id="{75AD9EC3-F220-4882-BE8E-B9D487C47D8C}"/>
+              </a:ext>
+            </a:extLst>
+          </p:cNvPr>
+          <p:cNvCxnSpPr/>
+          <p:nvPr/>
+        </p:nvCxnSpPr>
+        <p:spPr>
+          <a:xfrm>
+            <a:off x="6441281" y="3228976"/>
+            <a:ext cx="0" cy="514350"/>
+          </a:xfrm>
+          <a:prstGeom prst="line">
+            <a:avLst/>
+          </a:prstGeom>
+          <a:ln w="63500">
+            <a:solidFill>
+              <a:schemeClr val="tx1"/>
+            </a:solidFill>
+          </a:ln>
+        </p:spPr>
+        <p:style>
+          <a:lnRef idx="1">
+            <a:schemeClr val="accent1"/>
+          </a:lnRef>
+          <a:fillRef idx="0">
+            <a:schemeClr val="accent1"/>
+          </a:fillRef>
+          <a:effectRef idx="0">
+            <a:schemeClr val="accent1"/>
+          </a:effectRef>
+          <a:fontRef idx="minor">
+            <a:schemeClr val="tx1"/>
+          </a:fontRef>
+        </p:style>
+      </p:cxnSp>
+      <p:cxnSp>
+        <p:nvCxnSpPr>
+          <p:cNvPr id="62" name="Straight Connector 61">
+            <a:extLst>
+              <a:ext uri="{FF2B5EF4-FFF2-40B4-BE49-F238E27FC236}">
+                <a16:creationId xmlns:a16="http://schemas.microsoft.com/office/drawing/2014/main" id="{F2D18082-2D99-4618-B431-76298880F22E}"/>
+              </a:ext>
+            </a:extLst>
+          </p:cNvPr>
+          <p:cNvCxnSpPr/>
+          <p:nvPr/>
+        </p:nvCxnSpPr>
+        <p:spPr>
+          <a:xfrm>
+            <a:off x="7379494" y="3209925"/>
+            <a:ext cx="0" cy="514350"/>
+          </a:xfrm>
+          <a:prstGeom prst="line">
+            <a:avLst/>
+          </a:prstGeom>
+          <a:ln w="63500">
+            <a:solidFill>
+              <a:schemeClr val="tx1"/>
+            </a:solidFill>
+          </a:ln>
+        </p:spPr>
+        <p:style>
+          <a:lnRef idx="1">
+            <a:schemeClr val="accent1"/>
+          </a:lnRef>
+          <a:fillRef idx="0">
+            <a:schemeClr val="accent1"/>
+          </a:fillRef>
+          <a:effectRef idx="0">
+            <a:schemeClr val="accent1"/>
+          </a:effectRef>
+          <a:fontRef idx="minor">
+            <a:schemeClr val="tx1"/>
+          </a:fontRef>
+        </p:style>
+      </p:cxnSp>
+      <p:sp>
+        <p:nvSpPr>
+          <p:cNvPr id="63" name="TextBox 62">
+            <a:extLst>
+              <a:ext uri="{FF2B5EF4-FFF2-40B4-BE49-F238E27FC236}">
+                <a16:creationId xmlns:a16="http://schemas.microsoft.com/office/drawing/2014/main" id="{1B48125F-0C94-4769-AA7B-9846BA571FC2}"/>
+              </a:ext>
+            </a:extLst>
+          </p:cNvPr>
+          <p:cNvSpPr txBox="1"/>
+          <p:nvPr/>
+        </p:nvSpPr>
+        <p:spPr>
+          <a:xfrm>
+            <a:off x="6686493" y="3703118"/>
+            <a:ext cx="469107" cy="338554"/>
+          </a:xfrm>
+          <a:prstGeom prst="rect">
+            <a:avLst/>
+          </a:prstGeom>
+          <a:noFill/>
+        </p:spPr>
+        <p:txBody>
+          <a:bodyPr wrap="square" rtlCol="1">
+            <a:spAutoFit/>
+          </a:bodyPr>
+          <a:lstStyle/>
+          <a:p>
+            <a:pPr algn="ctr"/>
+            <a:r>
+              <a:rPr lang="en-US" sz="1600" b="1" dirty="0"/>
+              <a:t>20</a:t>
+            </a:r>
+            <a:endParaRPr lang="he-IL" sz="1600" b="1" dirty="0"/>
+          </a:p>
+        </p:txBody>
+      </p:sp>
+      <p:sp>
+        <p:nvSpPr>
+          <p:cNvPr id="64" name="TextBox 63">
+            <a:extLst>
+              <a:ext uri="{FF2B5EF4-FFF2-40B4-BE49-F238E27FC236}">
+                <a16:creationId xmlns:a16="http://schemas.microsoft.com/office/drawing/2014/main" id="{92C721E1-9612-4AD4-8BD7-171E06ED95B4}"/>
+              </a:ext>
+            </a:extLst>
+          </p:cNvPr>
+          <p:cNvSpPr txBox="1"/>
+          <p:nvPr/>
+        </p:nvSpPr>
+        <p:spPr>
+          <a:xfrm>
+            <a:off x="7058698" y="3694498"/>
+            <a:ext cx="621504" cy="338554"/>
+          </a:xfrm>
+          <a:prstGeom prst="rect">
+            <a:avLst/>
+          </a:prstGeom>
+          <a:noFill/>
+        </p:spPr>
+        <p:txBody>
+          <a:bodyPr wrap="square" rtlCol="1">
+            <a:spAutoFit/>
+          </a:bodyPr>
+          <a:lstStyle/>
+          <a:p>
+            <a:pPr algn="ctr"/>
+            <a:r>
+              <a:rPr lang="en-US" sz="1600" b="1" dirty="0"/>
+              <a:t>22</a:t>
+            </a:r>
+            <a:endParaRPr lang="he-IL" sz="1600" b="1" dirty="0"/>
+          </a:p>
+        </p:txBody>
+      </p:sp>
+      <p:sp>
+        <p:nvSpPr>
+          <p:cNvPr id="65" name="TextBox 64">
+            <a:extLst>
+              <a:ext uri="{FF2B5EF4-FFF2-40B4-BE49-F238E27FC236}">
+                <a16:creationId xmlns:a16="http://schemas.microsoft.com/office/drawing/2014/main" id="{3511DCA0-E2FA-4962-A777-D809E66BAC88}"/>
+              </a:ext>
+            </a:extLst>
+          </p:cNvPr>
+          <p:cNvSpPr txBox="1"/>
+          <p:nvPr/>
+        </p:nvSpPr>
+        <p:spPr>
+          <a:xfrm>
+            <a:off x="7512997" y="3694498"/>
+            <a:ext cx="621504" cy="338554"/>
+          </a:xfrm>
+          <a:prstGeom prst="rect">
+            <a:avLst/>
+          </a:prstGeom>
+          <a:noFill/>
+        </p:spPr>
+        <p:txBody>
+          <a:bodyPr wrap="square" rtlCol="1">
+            <a:spAutoFit/>
+          </a:bodyPr>
+          <a:lstStyle/>
+          <a:p>
+            <a:pPr algn="ctr"/>
+            <a:r>
+              <a:rPr lang="en-US" sz="1600" b="1" dirty="0"/>
+              <a:t>24</a:t>
+            </a:r>
+            <a:endParaRPr lang="he-IL" sz="1600" b="1" dirty="0"/>
+          </a:p>
+        </p:txBody>
+      </p:sp>
+      <p:sp>
+        <p:nvSpPr>
+          <p:cNvPr id="66" name="Oval 65">
+            <a:extLst>
+              <a:ext uri="{FF2B5EF4-FFF2-40B4-BE49-F238E27FC236}">
+                <a16:creationId xmlns:a16="http://schemas.microsoft.com/office/drawing/2014/main" id="{8EAE8E33-0E27-4B73-8B75-3888950E8D84}"/>
+              </a:ext>
+            </a:extLst>
+          </p:cNvPr>
+          <p:cNvSpPr/>
+          <p:nvPr/>
+        </p:nvSpPr>
+        <p:spPr>
+          <a:xfrm>
+            <a:off x="5819901" y="2973020"/>
+            <a:ext cx="371227" cy="312501"/>
+          </a:xfrm>
+          <a:prstGeom prst="ellipse">
+            <a:avLst/>
+          </a:prstGeom>
+          <a:solidFill>
+            <a:srgbClr val="760000"/>
+          </a:solidFill>
+          <a:ln>
+            <a:solidFill>
+              <a:schemeClr val="tx1"/>
+            </a:solidFill>
+          </a:ln>
+        </p:spPr>
+        <p:style>
+          <a:lnRef idx="2">
+            <a:schemeClr val="accent1">
+              <a:shade val="50000"/>
+            </a:schemeClr>
+          </a:lnRef>
+          <a:fillRef idx="1">
+            <a:schemeClr val="accent1"/>
+          </a:fillRef>
+          <a:effectRef idx="0">
+            <a:schemeClr val="accent1"/>
+          </a:effectRef>
+          <a:fontRef idx="minor">
+            <a:schemeClr val="lt1"/>
+          </a:fontRef>
+        </p:style>
+        <p:txBody>
+          <a:bodyPr rtlCol="1" anchor="ctr"/>
+          <a:lstStyle/>
+          <a:p>
+            <a:pPr algn="ctr"/>
+            <a:r>
+              <a:rPr lang="en-US" sz="1400" dirty="0"/>
+              <a:t>4</a:t>
+            </a:r>
+            <a:endParaRPr lang="he-IL" sz="1400" dirty="0"/>
+          </a:p>
+        </p:txBody>
+      </p:sp>
+      <p:sp>
+        <p:nvSpPr>
+          <p:cNvPr id="67" name="Oval 66">
+            <a:extLst>
+              <a:ext uri="{FF2B5EF4-FFF2-40B4-BE49-F238E27FC236}">
+                <a16:creationId xmlns:a16="http://schemas.microsoft.com/office/drawing/2014/main" id="{FA545536-7827-4A77-A360-6D16F485319D}"/>
+              </a:ext>
+            </a:extLst>
+          </p:cNvPr>
+          <p:cNvSpPr/>
+          <p:nvPr/>
+        </p:nvSpPr>
+        <p:spPr>
+          <a:xfrm>
+            <a:off x="6717568" y="2971767"/>
+            <a:ext cx="371227" cy="312501"/>
+          </a:xfrm>
+          <a:prstGeom prst="ellipse">
+            <a:avLst/>
+          </a:prstGeom>
+          <a:solidFill>
+            <a:srgbClr val="760000"/>
+          </a:solidFill>
+          <a:ln>
+            <a:solidFill>
+              <a:schemeClr val="tx1"/>
+            </a:solidFill>
+          </a:ln>
+        </p:spPr>
+        <p:style>
+          <a:lnRef idx="2">
+            <a:schemeClr val="accent1">
+              <a:shade val="50000"/>
+            </a:schemeClr>
+          </a:lnRef>
+          <a:fillRef idx="1">
+            <a:schemeClr val="accent1"/>
+          </a:fillRef>
+          <a:effectRef idx="0">
+            <a:schemeClr val="accent1"/>
+          </a:effectRef>
+          <a:fontRef idx="minor">
+            <a:schemeClr val="lt1"/>
+          </a:fontRef>
+        </p:style>
+        <p:txBody>
+          <a:bodyPr rtlCol="1" anchor="ctr"/>
+          <a:lstStyle/>
+          <a:p>
+            <a:pPr algn="ctr"/>
+            <a:r>
+              <a:rPr lang="en-US" sz="1400" dirty="0"/>
+              <a:t>5</a:t>
+            </a:r>
+            <a:endParaRPr lang="he-IL" sz="1400" dirty="0"/>
+          </a:p>
+        </p:txBody>
+      </p:sp>
+      <p:sp>
+        <p:nvSpPr>
+          <p:cNvPr id="69" name="Oval 68">
+            <a:extLst>
+              <a:ext uri="{FF2B5EF4-FFF2-40B4-BE49-F238E27FC236}">
+                <a16:creationId xmlns:a16="http://schemas.microsoft.com/office/drawing/2014/main" id="{BFF06F56-E758-4C64-9983-BA56A6FEE9DD}"/>
+              </a:ext>
+            </a:extLst>
+          </p:cNvPr>
+          <p:cNvSpPr/>
+          <p:nvPr/>
+        </p:nvSpPr>
+        <p:spPr>
+          <a:xfrm>
+            <a:off x="5819901" y="2303142"/>
+            <a:ext cx="383843" cy="312501"/>
+          </a:xfrm>
+          <a:prstGeom prst="ellipse">
+            <a:avLst/>
+          </a:prstGeom>
+          <a:solidFill>
+            <a:srgbClr val="002060"/>
+          </a:solidFill>
+          <a:ln>
+            <a:solidFill>
+              <a:schemeClr val="tx1"/>
+            </a:solidFill>
+          </a:ln>
+        </p:spPr>
+        <p:style>
+          <a:lnRef idx="2">
+            <a:schemeClr val="accent1">
+              <a:shade val="50000"/>
+            </a:schemeClr>
+          </a:lnRef>
+          <a:fillRef idx="1">
+            <a:schemeClr val="accent1"/>
+          </a:fillRef>
+          <a:effectRef idx="0">
+            <a:schemeClr val="accent1"/>
+          </a:effectRef>
+          <a:fontRef idx="minor">
+            <a:schemeClr val="lt1"/>
+          </a:fontRef>
+        </p:style>
+        <p:txBody>
+          <a:bodyPr rtlCol="1" anchor="ctr"/>
+          <a:lstStyle/>
+          <a:p>
+            <a:pPr algn="ctr"/>
+            <a:r>
+              <a:rPr lang="en-US" sz="1400" dirty="0"/>
+              <a:t>2</a:t>
+            </a:r>
+            <a:endParaRPr lang="he-IL" sz="1400" dirty="0"/>
+          </a:p>
+        </p:txBody>
+      </p:sp>
+      <p:sp>
+        <p:nvSpPr>
+          <p:cNvPr id="70" name="Oval 69">
+            <a:extLst>
+              <a:ext uri="{FF2B5EF4-FFF2-40B4-BE49-F238E27FC236}">
+                <a16:creationId xmlns:a16="http://schemas.microsoft.com/office/drawing/2014/main" id="{868CCB01-4B0A-4970-81BB-FF6177EC7EA3}"/>
+              </a:ext>
+            </a:extLst>
+          </p:cNvPr>
+          <p:cNvSpPr/>
+          <p:nvPr/>
+        </p:nvSpPr>
+        <p:spPr>
+          <a:xfrm>
+            <a:off x="7598106" y="1660538"/>
+            <a:ext cx="383843" cy="312501"/>
+          </a:xfrm>
+          <a:prstGeom prst="ellipse">
+            <a:avLst/>
+          </a:prstGeom>
+          <a:gradFill>
+            <a:gsLst>
+              <a:gs pos="0">
+                <a:schemeClr val="accent5">
+                  <a:lumMod val="20000"/>
+                  <a:lumOff val="80000"/>
+                </a:schemeClr>
+              </a:gs>
+              <a:gs pos="100000">
+                <a:srgbClr val="FFCCCC"/>
+              </a:gs>
+            </a:gsLst>
+            <a:path path="shape">
+              <a:fillToRect l="50000" t="50000" r="50000" b="50000"/>
+            </a:path>
+          </a:gradFill>
+          <a:ln>
+            <a:solidFill>
+              <a:schemeClr val="tx1"/>
+            </a:solidFill>
+          </a:ln>
+        </p:spPr>
+        <p:style>
+          <a:lnRef idx="2">
+            <a:schemeClr val="accent1">
+              <a:shade val="50000"/>
+            </a:schemeClr>
+          </a:lnRef>
+          <a:fillRef idx="1">
+            <a:schemeClr val="accent1"/>
+          </a:fillRef>
+          <a:effectRef idx="0">
+            <a:schemeClr val="accent1"/>
+          </a:effectRef>
+          <a:fontRef idx="minor">
+            <a:schemeClr val="lt1"/>
+          </a:fontRef>
+        </p:style>
+        <p:txBody>
+          <a:bodyPr rtlCol="1" anchor="ctr"/>
+          <a:lstStyle/>
+          <a:p>
+            <a:pPr algn="ctr"/>
+            <a:endParaRPr lang="he-IL" sz="1000" b="1" dirty="0">
+              <a:solidFill>
+                <a:schemeClr val="tx1"/>
+              </a:solidFill>
+            </a:endParaRPr>
+          </a:p>
+        </p:txBody>
+      </p:sp>
+      <p:sp>
+        <p:nvSpPr>
+          <p:cNvPr id="4" name="TextBox 3">
+            <a:extLst>
+              <a:ext uri="{FF2B5EF4-FFF2-40B4-BE49-F238E27FC236}">
+                <a16:creationId xmlns:a16="http://schemas.microsoft.com/office/drawing/2014/main" id="{5FB362D6-11A9-4FA6-B101-6C19328113A5}"/>
+              </a:ext>
+            </a:extLst>
+          </p:cNvPr>
+          <p:cNvSpPr txBox="1"/>
+          <p:nvPr/>
+        </p:nvSpPr>
+        <p:spPr>
+          <a:xfrm>
+            <a:off x="4389996" y="1248353"/>
+            <a:ext cx="3165336" cy="307777"/>
+          </a:xfrm>
+          <a:prstGeom prst="rect">
+            <a:avLst/>
+          </a:prstGeom>
+          <a:noFill/>
+        </p:spPr>
+        <p:txBody>
+          <a:bodyPr wrap="square" rtlCol="1">
+            <a:spAutoFit/>
+          </a:bodyPr>
+          <a:lstStyle/>
+          <a:p>
+            <a:pPr algn="ctr"/>
+            <a:r>
+              <a:rPr lang="en-US" sz="1400" b="1" dirty="0">
+                <a:latin typeface="Tahoma" panose="020B0604030504040204" pitchFamily="34" charset="0"/>
+                <a:ea typeface="Tahoma" panose="020B0604030504040204" pitchFamily="34" charset="0"/>
+                <a:cs typeface="Tahoma" panose="020B0604030504040204" pitchFamily="34" charset="0"/>
+              </a:rPr>
+              <a:t>Common_Multiples(a,b)</a:t>
+            </a:r>
+            <a:endParaRPr lang="he-IL" sz="1400" b="1" dirty="0">
+              <a:latin typeface="Tahoma" panose="020B0604030504040204" pitchFamily="34" charset="0"/>
+              <a:ea typeface="Tahoma" panose="020B0604030504040204" pitchFamily="34" charset="0"/>
+              <a:cs typeface="Tahoma" panose="020B0604030504040204" pitchFamily="34" charset="0"/>
+            </a:endParaRPr>
+          </a:p>
+        </p:txBody>
+      </p:sp>
+      <p:sp>
+        <p:nvSpPr>
+          <p:cNvPr id="71" name="TextBox 70">
+            <a:extLst>
+              <a:ext uri="{FF2B5EF4-FFF2-40B4-BE49-F238E27FC236}">
+                <a16:creationId xmlns:a16="http://schemas.microsoft.com/office/drawing/2014/main" id="{C7265FE0-E8D2-4C98-8B94-89948F0DC3D0}"/>
+              </a:ext>
+            </a:extLst>
+          </p:cNvPr>
+          <p:cNvSpPr txBox="1"/>
+          <p:nvPr/>
+        </p:nvSpPr>
+        <p:spPr>
+          <a:xfrm rot="20868300">
+            <a:off x="3319176" y="1976111"/>
+            <a:ext cx="1364454" cy="307777"/>
+          </a:xfrm>
+          <a:prstGeom prst="rect">
+            <a:avLst/>
+          </a:prstGeom>
+          <a:noFill/>
+        </p:spPr>
+        <p:txBody>
+          <a:bodyPr wrap="square" rtlCol="1">
+            <a:spAutoFit/>
+          </a:bodyPr>
+          <a:lstStyle/>
+          <a:p>
+            <a:r>
+              <a:rPr lang="en-US" sz="1400" b="1" dirty="0">
+                <a:latin typeface="Tahoma" panose="020B0604030504040204" pitchFamily="34" charset="0"/>
+                <a:ea typeface="Tahoma" panose="020B0604030504040204" pitchFamily="34" charset="0"/>
+                <a:cs typeface="Tahoma" panose="020B0604030504040204" pitchFamily="34" charset="0"/>
+              </a:rPr>
+              <a:t>Multiples(b)</a:t>
+            </a:r>
+            <a:endParaRPr lang="he-IL" sz="1400" b="1" dirty="0">
+              <a:latin typeface="Tahoma" panose="020B0604030504040204" pitchFamily="34" charset="0"/>
+              <a:ea typeface="Tahoma" panose="020B0604030504040204" pitchFamily="34" charset="0"/>
+              <a:cs typeface="Tahoma" panose="020B0604030504040204" pitchFamily="34" charset="0"/>
+            </a:endParaRPr>
+          </a:p>
+        </p:txBody>
+      </p:sp>
+      <p:sp>
+        <p:nvSpPr>
+          <p:cNvPr id="73" name="TextBox 72">
+            <a:extLst>
+              <a:ext uri="{FF2B5EF4-FFF2-40B4-BE49-F238E27FC236}">
+                <a16:creationId xmlns:a16="http://schemas.microsoft.com/office/drawing/2014/main" id="{5F43990D-72A4-495A-A6E4-61C3487D5FC5}"/>
+              </a:ext>
+            </a:extLst>
+          </p:cNvPr>
+          <p:cNvSpPr txBox="1"/>
+          <p:nvPr/>
+        </p:nvSpPr>
+        <p:spPr>
+          <a:xfrm rot="20920619">
+            <a:off x="2389709" y="2533036"/>
+            <a:ext cx="1364454" cy="307777"/>
+          </a:xfrm>
+          <a:prstGeom prst="rect">
+            <a:avLst/>
+          </a:prstGeom>
+          <a:noFill/>
+        </p:spPr>
+        <p:txBody>
+          <a:bodyPr wrap="square" rtlCol="1">
+            <a:spAutoFit/>
+          </a:bodyPr>
+          <a:lstStyle/>
+          <a:p>
+            <a:r>
+              <a:rPr lang="en-US" sz="1400" b="1" dirty="0">
+                <a:latin typeface="Tahoma" panose="020B0604030504040204" pitchFamily="34" charset="0"/>
+                <a:ea typeface="Tahoma" panose="020B0604030504040204" pitchFamily="34" charset="0"/>
+                <a:cs typeface="Tahoma" panose="020B0604030504040204" pitchFamily="34" charset="0"/>
+              </a:rPr>
+              <a:t>Multiples(a)</a:t>
+            </a:r>
+            <a:endParaRPr lang="he-IL" sz="1400" b="1" dirty="0">
+              <a:latin typeface="Tahoma" panose="020B0604030504040204" pitchFamily="34" charset="0"/>
+              <a:ea typeface="Tahoma" panose="020B0604030504040204" pitchFamily="34" charset="0"/>
+              <a:cs typeface="Tahoma" panose="020B0604030504040204" pitchFamily="34" charset="0"/>
+            </a:endParaRPr>
+          </a:p>
+        </p:txBody>
+      </p:sp>
+      <p:sp>
+        <p:nvSpPr>
+          <p:cNvPr id="47" name="Oval 46">
+            <a:extLst>
+              <a:ext uri="{FF2B5EF4-FFF2-40B4-BE49-F238E27FC236}">
+                <a16:creationId xmlns:a16="http://schemas.microsoft.com/office/drawing/2014/main" id="{4CD37922-AD23-4EE1-BCD9-45E020EE06E9}"/>
+              </a:ext>
+            </a:extLst>
+          </p:cNvPr>
+          <p:cNvSpPr/>
+          <p:nvPr/>
+        </p:nvSpPr>
+        <p:spPr>
+          <a:xfrm>
+            <a:off x="5814369" y="1678674"/>
+            <a:ext cx="383843" cy="312501"/>
+          </a:xfrm>
+          <a:prstGeom prst="ellipse">
+            <a:avLst/>
+          </a:prstGeom>
+          <a:gradFill>
+            <a:gsLst>
+              <a:gs pos="0">
+                <a:schemeClr val="accent5">
+                  <a:lumMod val="20000"/>
+                  <a:lumOff val="80000"/>
+                </a:schemeClr>
+              </a:gs>
+              <a:gs pos="100000">
+                <a:srgbClr val="FFCCCC"/>
+              </a:gs>
+            </a:gsLst>
+            <a:path path="shape">
+              <a:fillToRect l="50000" t="50000" r="50000" b="50000"/>
+            </a:path>
+          </a:gradFill>
+          <a:ln>
+            <a:solidFill>
+              <a:schemeClr val="tx1"/>
+            </a:solidFill>
+          </a:ln>
+        </p:spPr>
+        <p:style>
+          <a:lnRef idx="2">
+            <a:schemeClr val="accent1">
+              <a:shade val="50000"/>
+            </a:schemeClr>
+          </a:lnRef>
+          <a:fillRef idx="1">
+            <a:schemeClr val="accent1"/>
+          </a:fillRef>
+          <a:effectRef idx="0">
+            <a:schemeClr val="accent1"/>
+          </a:effectRef>
+          <a:fontRef idx="minor">
+            <a:schemeClr val="lt1"/>
+          </a:fontRef>
+        </p:style>
+        <p:txBody>
+          <a:bodyPr rtlCol="1" anchor="ctr"/>
+          <a:lstStyle/>
+          <a:p>
+            <a:pPr algn="ctr"/>
+            <a:endParaRPr lang="he-IL" sz="1000" b="1" dirty="0">
+              <a:solidFill>
+                <a:schemeClr val="tx1"/>
+              </a:solidFill>
+            </a:endParaRPr>
+          </a:p>
+        </p:txBody>
+      </p:sp>
+    </p:spTree>
+    <p:extLst>
+      <p:ext uri="{BB962C8B-B14F-4D97-AF65-F5344CB8AC3E}">
+        <p14:creationId xmlns:p14="http://schemas.microsoft.com/office/powerpoint/2010/main" val="1629674646"/>
       </p:ext>
     </p:extLst>
   </p:cSld>
@@ -9487,8 +15716,8 @@
             </a:p>
           </p:txBody>
         </p:sp>
-        <mc:AlternateContent xmlns:mc="http://schemas.openxmlformats.org/markup-compatibility/2006">
-          <mc:Choice xmlns:a14="http://schemas.microsoft.com/office/drawing/2010/main" Requires="a14">
+        <mc:AlternateContent xmlns:mc="http://schemas.openxmlformats.org/markup-compatibility/2006" xmlns:a14="http://schemas.microsoft.com/office/drawing/2010/main">
+          <mc:Choice Requires="a14">
             <p:sp>
               <p:nvSpPr>
                 <p:cNvPr id="45" name="TextBox 44">
@@ -9599,7 +15828,7 @@
               </p:txBody>
             </p:sp>
           </mc:Choice>
-          <mc:Fallback>
+          <mc:Fallback xmlns="">
             <p:sp>
               <p:nvSpPr>
                 <p:cNvPr id="45" name="TextBox 44">
